--- a/Apresentacao Intermedia - Marco Rodrigues.pptx
+++ b/Apresentacao Intermedia - Marco Rodrigues.pptx
@@ -4216,7 +4216,7 @@
         <p:spPr>
           <a:xfrm>
             <a:off x="1097280" y="4141855"/>
-            <a:ext cx="10058400" cy="2124474"/>
+            <a:ext cx="4084320" cy="2124474"/>
           </a:xfrm>
         </p:spPr>
         <p:txBody>
@@ -4522,6 +4522,308 @@
           </a:prstGeom>
         </p:spPr>
       </p:pic>
+      <p:sp>
+        <p:nvSpPr>
+          <p:cNvPr id="9" name="Subtitle 2"/>
+          <p:cNvSpPr txBox="1">
+            <a:spLocks/>
+          </p:cNvSpPr>
+          <p:nvPr/>
+        </p:nvSpPr>
+        <p:spPr>
+          <a:xfrm>
+            <a:off x="7128163" y="3616881"/>
+            <a:ext cx="4084320" cy="2636256"/>
+          </a:xfrm>
+          <a:prstGeom prst="rect">
+            <a:avLst/>
+          </a:prstGeom>
+        </p:spPr>
+        <p:txBody>
+          <a:bodyPr vert="horz" lIns="91440" tIns="45720" rIns="91440" bIns="45720" rtlCol="0">
+            <a:normAutofit fontScale="92500" lnSpcReduction="10000"/>
+          </a:bodyPr>
+          <a:lstStyle>
+            <a:lvl1pPr marL="0" indent="0" algn="l" defTabSz="914400" rtl="0" eaLnBrk="1" latinLnBrk="0" hangingPunct="1">
+              <a:lnSpc>
+                <a:spcPct val="90000"/>
+              </a:lnSpc>
+              <a:spcBef>
+                <a:spcPts val="1200"/>
+              </a:spcBef>
+              <a:spcAft>
+                <a:spcPts val="200"/>
+              </a:spcAft>
+              <a:buClr>
+                <a:schemeClr val="accent1"/>
+              </a:buClr>
+              <a:buSzPct val="100000"/>
+              <a:buFont typeface="Calibri" panose="020F0502020204030204" pitchFamily="34" charset="0"/>
+              <a:buNone/>
+              <a:defRPr sz="2400" kern="1200" cap="all" spc="200" baseline="0">
+                <a:solidFill>
+                  <a:schemeClr val="tx2"/>
+                </a:solidFill>
+                <a:latin typeface="+mj-lt"/>
+                <a:ea typeface="+mn-ea"/>
+                <a:cs typeface="+mn-cs"/>
+              </a:defRPr>
+            </a:lvl1pPr>
+            <a:lvl2pPr marL="457200" indent="0" algn="ctr" defTabSz="914400" rtl="0" eaLnBrk="1" latinLnBrk="0" hangingPunct="1">
+              <a:lnSpc>
+                <a:spcPct val="90000"/>
+              </a:lnSpc>
+              <a:spcBef>
+                <a:spcPts val="200"/>
+              </a:spcBef>
+              <a:spcAft>
+                <a:spcPts val="400"/>
+              </a:spcAft>
+              <a:buClr>
+                <a:schemeClr val="accent1"/>
+              </a:buClr>
+              <a:buFont typeface="Calibri" pitchFamily="34" charset="0"/>
+              <a:buNone/>
+              <a:defRPr sz="2400" kern="1200">
+                <a:solidFill>
+                  <a:schemeClr val="tx1">
+                    <a:lumMod val="75000"/>
+                    <a:lumOff val="25000"/>
+                  </a:schemeClr>
+                </a:solidFill>
+                <a:latin typeface="+mn-lt"/>
+                <a:ea typeface="+mn-ea"/>
+                <a:cs typeface="+mn-cs"/>
+              </a:defRPr>
+            </a:lvl2pPr>
+            <a:lvl3pPr marL="914400" indent="0" algn="ctr" defTabSz="914400" rtl="0" eaLnBrk="1" latinLnBrk="0" hangingPunct="1">
+              <a:lnSpc>
+                <a:spcPct val="90000"/>
+              </a:lnSpc>
+              <a:spcBef>
+                <a:spcPts val="200"/>
+              </a:spcBef>
+              <a:spcAft>
+                <a:spcPts val="400"/>
+              </a:spcAft>
+              <a:buClr>
+                <a:schemeClr val="accent1"/>
+              </a:buClr>
+              <a:buFont typeface="Calibri" pitchFamily="34" charset="0"/>
+              <a:buNone/>
+              <a:defRPr sz="2400" kern="1200">
+                <a:solidFill>
+                  <a:schemeClr val="tx1">
+                    <a:lumMod val="75000"/>
+                    <a:lumOff val="25000"/>
+                  </a:schemeClr>
+                </a:solidFill>
+                <a:latin typeface="+mn-lt"/>
+                <a:ea typeface="+mn-ea"/>
+                <a:cs typeface="+mn-cs"/>
+              </a:defRPr>
+            </a:lvl3pPr>
+            <a:lvl4pPr marL="1371600" indent="0" algn="ctr" defTabSz="914400" rtl="0" eaLnBrk="1" latinLnBrk="0" hangingPunct="1">
+              <a:lnSpc>
+                <a:spcPct val="90000"/>
+              </a:lnSpc>
+              <a:spcBef>
+                <a:spcPts val="200"/>
+              </a:spcBef>
+              <a:spcAft>
+                <a:spcPts val="400"/>
+              </a:spcAft>
+              <a:buClr>
+                <a:schemeClr val="accent1"/>
+              </a:buClr>
+              <a:buFont typeface="Calibri" pitchFamily="34" charset="0"/>
+              <a:buNone/>
+              <a:defRPr sz="2000" kern="1200">
+                <a:solidFill>
+                  <a:schemeClr val="tx1">
+                    <a:lumMod val="75000"/>
+                    <a:lumOff val="25000"/>
+                  </a:schemeClr>
+                </a:solidFill>
+                <a:latin typeface="+mn-lt"/>
+                <a:ea typeface="+mn-ea"/>
+                <a:cs typeface="+mn-cs"/>
+              </a:defRPr>
+            </a:lvl4pPr>
+            <a:lvl5pPr marL="1828800" indent="0" algn="ctr" defTabSz="914400" rtl="0" eaLnBrk="1" latinLnBrk="0" hangingPunct="1">
+              <a:lnSpc>
+                <a:spcPct val="90000"/>
+              </a:lnSpc>
+              <a:spcBef>
+                <a:spcPts val="200"/>
+              </a:spcBef>
+              <a:spcAft>
+                <a:spcPts val="400"/>
+              </a:spcAft>
+              <a:buClr>
+                <a:schemeClr val="accent1"/>
+              </a:buClr>
+              <a:buFont typeface="Calibri" pitchFamily="34" charset="0"/>
+              <a:buNone/>
+              <a:defRPr sz="2000" kern="1200">
+                <a:solidFill>
+                  <a:schemeClr val="tx1">
+                    <a:lumMod val="75000"/>
+                    <a:lumOff val="25000"/>
+                  </a:schemeClr>
+                </a:solidFill>
+                <a:latin typeface="+mn-lt"/>
+                <a:ea typeface="+mn-ea"/>
+                <a:cs typeface="+mn-cs"/>
+              </a:defRPr>
+            </a:lvl5pPr>
+            <a:lvl6pPr marL="2286000" indent="0" algn="ctr" defTabSz="914400" rtl="0" eaLnBrk="1" latinLnBrk="0" hangingPunct="1">
+              <a:lnSpc>
+                <a:spcPct val="90000"/>
+              </a:lnSpc>
+              <a:spcBef>
+                <a:spcPts val="200"/>
+              </a:spcBef>
+              <a:spcAft>
+                <a:spcPts val="400"/>
+              </a:spcAft>
+              <a:buClr>
+                <a:schemeClr val="accent1"/>
+              </a:buClr>
+              <a:buFont typeface="Calibri" pitchFamily="34" charset="0"/>
+              <a:buNone/>
+              <a:defRPr sz="2000" kern="1200">
+                <a:solidFill>
+                  <a:schemeClr val="tx1">
+                    <a:lumMod val="75000"/>
+                    <a:lumOff val="25000"/>
+                  </a:schemeClr>
+                </a:solidFill>
+                <a:latin typeface="+mn-lt"/>
+                <a:ea typeface="+mn-ea"/>
+                <a:cs typeface="+mn-cs"/>
+              </a:defRPr>
+            </a:lvl6pPr>
+            <a:lvl7pPr marL="2743200" indent="0" algn="ctr" defTabSz="914400" rtl="0" eaLnBrk="1" latinLnBrk="0" hangingPunct="1">
+              <a:lnSpc>
+                <a:spcPct val="90000"/>
+              </a:lnSpc>
+              <a:spcBef>
+                <a:spcPts val="200"/>
+              </a:spcBef>
+              <a:spcAft>
+                <a:spcPts val="400"/>
+              </a:spcAft>
+              <a:buClr>
+                <a:schemeClr val="accent1"/>
+              </a:buClr>
+              <a:buFont typeface="Calibri" pitchFamily="34" charset="0"/>
+              <a:buNone/>
+              <a:defRPr sz="2000" kern="1200">
+                <a:solidFill>
+                  <a:schemeClr val="tx1">
+                    <a:lumMod val="75000"/>
+                    <a:lumOff val="25000"/>
+                  </a:schemeClr>
+                </a:solidFill>
+                <a:latin typeface="+mn-lt"/>
+                <a:ea typeface="+mn-ea"/>
+                <a:cs typeface="+mn-cs"/>
+              </a:defRPr>
+            </a:lvl7pPr>
+            <a:lvl8pPr marL="3200400" indent="0" algn="ctr" defTabSz="914400" rtl="0" eaLnBrk="1" latinLnBrk="0" hangingPunct="1">
+              <a:lnSpc>
+                <a:spcPct val="90000"/>
+              </a:lnSpc>
+              <a:spcBef>
+                <a:spcPts val="200"/>
+              </a:spcBef>
+              <a:spcAft>
+                <a:spcPts val="400"/>
+              </a:spcAft>
+              <a:buClr>
+                <a:schemeClr val="accent1"/>
+              </a:buClr>
+              <a:buFont typeface="Calibri" pitchFamily="34" charset="0"/>
+              <a:buNone/>
+              <a:defRPr sz="2000" kern="1200">
+                <a:solidFill>
+                  <a:schemeClr val="tx1">
+                    <a:lumMod val="75000"/>
+                    <a:lumOff val="25000"/>
+                  </a:schemeClr>
+                </a:solidFill>
+                <a:latin typeface="+mn-lt"/>
+                <a:ea typeface="+mn-ea"/>
+                <a:cs typeface="+mn-cs"/>
+              </a:defRPr>
+            </a:lvl8pPr>
+            <a:lvl9pPr marL="3657600" indent="0" algn="ctr" defTabSz="914400" rtl="0" eaLnBrk="1" latinLnBrk="0" hangingPunct="1">
+              <a:lnSpc>
+                <a:spcPct val="90000"/>
+              </a:lnSpc>
+              <a:spcBef>
+                <a:spcPts val="200"/>
+              </a:spcBef>
+              <a:spcAft>
+                <a:spcPts val="400"/>
+              </a:spcAft>
+              <a:buClr>
+                <a:schemeClr val="accent1"/>
+              </a:buClr>
+              <a:buFont typeface="Calibri" pitchFamily="34" charset="0"/>
+              <a:buNone/>
+              <a:defRPr sz="2000" kern="1200">
+                <a:solidFill>
+                  <a:schemeClr val="tx1">
+                    <a:lumMod val="75000"/>
+                    <a:lumOff val="25000"/>
+                  </a:schemeClr>
+                </a:solidFill>
+                <a:latin typeface="+mn-lt"/>
+                <a:ea typeface="+mn-ea"/>
+                <a:cs typeface="+mn-cs"/>
+              </a:defRPr>
+            </a:lvl9pPr>
+          </a:lstStyle>
+          <a:p>
+            <a:endParaRPr lang="pt-PT" dirty="0" smtClean="0"/>
+          </a:p>
+          <a:p>
+            <a:endParaRPr lang="pt-PT" dirty="0" smtClean="0"/>
+          </a:p>
+          <a:p>
+            <a:endParaRPr lang="pt-PT" dirty="0" smtClean="0"/>
+          </a:p>
+          <a:p>
+            <a:r>
+              <a:rPr lang="pt-PT" dirty="0" smtClean="0"/>
+              <a:t>Orientado Por:</a:t>
+            </a:r>
+          </a:p>
+          <a:p>
+            <a:r>
+              <a:rPr lang="pt-PT" dirty="0" smtClean="0"/>
+              <a:t>Prof. Pedro moreira</a:t>
+            </a:r>
+          </a:p>
+          <a:p>
+            <a:r>
+              <a:rPr lang="pt-PT" dirty="0" smtClean="0"/>
+              <a:t>Eng.º João Paulo pereira</a:t>
+            </a:r>
+          </a:p>
+          <a:p>
+            <a:endParaRPr lang="pt-PT" dirty="0" smtClean="0"/>
+          </a:p>
+          <a:p>
+            <a:endParaRPr lang="pt-PT" dirty="0" smtClean="0"/>
+          </a:p>
+          <a:p>
+            <a:endParaRPr lang="pt-PT" dirty="0" smtClean="0"/>
+          </a:p>
+        </p:txBody>
+      </p:sp>
     </p:spTree>
     <p:extLst>
       <p:ext uri="{BB962C8B-B14F-4D97-AF65-F5344CB8AC3E}">
@@ -5561,7 +5863,7 @@
         <p:spPr>
           <a:xfrm>
             <a:off x="445000" y="166025"/>
-            <a:ext cx="9455458" cy="6494085"/>
+            <a:ext cx="9455458" cy="6863417"/>
           </a:xfrm>
           <a:prstGeom prst="rect">
             <a:avLst/>
@@ -5603,8 +5905,23 @@
             </a:pPr>
             <a:r>
               <a:rPr lang="pt-PT" sz="2400" dirty="0" smtClean="0"/>
-              <a:t>Contexto e Motivação</a:t>
-            </a:r>
+              <a:t>Contexto e </a:t>
+            </a:r>
+            <a:r>
+              <a:rPr lang="pt-PT" sz="2400" dirty="0" smtClean="0"/>
+              <a:t>Motivação</a:t>
+            </a:r>
+          </a:p>
+          <a:p>
+            <a:pPr marL="800100" lvl="1" indent="-342900">
+              <a:buFont typeface="Arial" panose="020B0604020202020204" pitchFamily="34" charset="0"/>
+              <a:buChar char="•"/>
+            </a:pPr>
+            <a:r>
+              <a:rPr lang="pt-PT" sz="2400" dirty="0" smtClean="0"/>
+              <a:t>Problema ?</a:t>
+            </a:r>
+            <a:endParaRPr lang="pt-PT" sz="2400" dirty="0" smtClean="0"/>
           </a:p>
           <a:p>
             <a:pPr marL="800100" lvl="1" indent="-342900">
@@ -5615,7 +5932,6 @@
               <a:rPr lang="pt-PT" sz="2400" dirty="0" smtClean="0"/>
               <a:t>Objetivos</a:t>
             </a:r>
-            <a:endParaRPr lang="pt-PT" sz="2400" dirty="0" smtClean="0"/>
           </a:p>
           <a:p>
             <a:pPr marL="342900" indent="-342900">
@@ -5729,7 +6045,6 @@
               <a:rPr lang="pt-PT" sz="2400" dirty="0" smtClean="0"/>
               <a:t>Planeamento</a:t>
             </a:r>
-            <a:endParaRPr lang="pt-PT" sz="2400" dirty="0" smtClean="0"/>
           </a:p>
           <a:p>
             <a:pPr marL="342900" indent="-342900">
@@ -6103,7 +6418,6 @@
               <a:rPr lang="pt-PT" sz="3200" b="1" dirty="0" smtClean="0"/>
               <a:t>Contexto e Motivação</a:t>
             </a:r>
-            <a:endParaRPr lang="pt-PT" sz="3200" b="1" dirty="0" smtClean="0"/>
           </a:p>
           <a:p>
             <a:pPr marL="342900" indent="-342900">
@@ -6675,7 +6989,6 @@
               <a:rPr lang="pt-PT" sz="3200" b="1" dirty="0" smtClean="0"/>
               <a:t>Contexto e Motivação</a:t>
             </a:r>
-            <a:endParaRPr lang="pt-PT" sz="3200" b="1" dirty="0" smtClean="0"/>
           </a:p>
           <a:p>
             <a:pPr marL="342900" indent="-342900">
@@ -7185,7 +7498,6 @@
               <a:rPr lang="pt-PT" sz="3200" b="1" dirty="0" smtClean="0"/>
               <a:t>Objetivos</a:t>
             </a:r>
-            <a:endParaRPr lang="pt-PT" sz="3200" b="1" dirty="0" smtClean="0"/>
           </a:p>
           <a:p>
             <a:pPr marL="342900" indent="-342900">
@@ -7256,7 +7568,7 @@
             </a:pPr>
             <a:r>
               <a:rPr lang="pt-PT" sz="2400" dirty="0" smtClean="0"/>
-              <a:t>Armazenar execuções em Bases de Dados</a:t>
+              <a:t>Recolha e armazenamento de dados</a:t>
             </a:r>
           </a:p>
           <a:p>
@@ -7266,8 +7578,9 @@
             </a:pPr>
             <a:r>
               <a:rPr lang="pt-PT" sz="2400" dirty="0" smtClean="0"/>
-              <a:t>Visualizar histórico de execuções</a:t>
-            </a:r>
+              <a:t>Visualizar histórico</a:t>
+            </a:r>
+            <a:endParaRPr lang="pt-PT" sz="2400" dirty="0" smtClean="0"/>
           </a:p>
           <a:p>
             <a:pPr marL="342900" indent="-342900">
@@ -7719,7 +8032,7 @@
         <p:spPr>
           <a:xfrm>
             <a:off x="445000" y="166025"/>
-            <a:ext cx="9455458" cy="9448740"/>
+            <a:ext cx="9455458" cy="9818072"/>
           </a:xfrm>
           <a:prstGeom prst="rect">
             <a:avLst/>
@@ -7736,7 +8049,6 @@
               <a:rPr lang="pt-PT" sz="3200" b="1" dirty="0" smtClean="0"/>
               <a:t>Automação</a:t>
             </a:r>
-            <a:endParaRPr lang="pt-PT" sz="3200" b="1" dirty="0" smtClean="0"/>
           </a:p>
           <a:p>
             <a:pPr marL="342900" indent="-342900">
@@ -7752,12 +8064,24 @@
             </a:pPr>
             <a:r>
               <a:rPr lang="pt-PT" sz="2400" dirty="0" smtClean="0"/>
-              <a:t>Desenvolver HMI Web-</a:t>
-            </a:r>
-            <a:r>
-              <a:rPr lang="pt-PT" sz="2400" dirty="0" err="1" smtClean="0"/>
-              <a:t>Based</a:t>
-            </a:r>
+              <a:t>Controlo e monitorização de tarefas de forma autónoma</a:t>
+            </a:r>
+          </a:p>
+          <a:p>
+            <a:pPr marL="342900" indent="-342900">
+              <a:buFont typeface="Arial" panose="020B0604020202020204" pitchFamily="34" charset="0"/>
+              <a:buChar char="•"/>
+            </a:pPr>
+            <a:r>
+              <a:rPr lang="pt-PT" sz="2400" dirty="0" smtClean="0"/>
+              <a:t>Intersecção de áreas distintas como Mecânica, Eletrónica e Informática</a:t>
+            </a:r>
+          </a:p>
+          <a:p>
+            <a:pPr marL="342900" indent="-342900">
+              <a:buFont typeface="Arial" panose="020B0604020202020204" pitchFamily="34" charset="0"/>
+              <a:buChar char="•"/>
+            </a:pPr>
             <a:endParaRPr lang="pt-PT" sz="2400" dirty="0"/>
           </a:p>
           <a:p>
@@ -7765,85 +8089,56 @@
               <a:buFont typeface="Arial" panose="020B0604020202020204" pitchFamily="34" charset="0"/>
               <a:buChar char="•"/>
             </a:pPr>
-            <a:r>
-              <a:rPr lang="pt-PT" sz="2400" dirty="0" smtClean="0"/>
-              <a:t>Monitorizar parâmetros do equipamento e do processo em tempo real</a:t>
-            </a:r>
-          </a:p>
-          <a:p>
-            <a:pPr marL="342900" indent="-342900">
-              <a:buFont typeface="Arial" panose="020B0604020202020204" pitchFamily="34" charset="0"/>
-              <a:buChar char="•"/>
-            </a:pPr>
-            <a:r>
-              <a:rPr lang="pt-PT" sz="2400" dirty="0" smtClean="0"/>
-              <a:t>Controlar equipamento</a:t>
-            </a:r>
-          </a:p>
-          <a:p>
-            <a:pPr marL="342900" indent="-342900">
-              <a:buFont typeface="Arial" panose="020B0604020202020204" pitchFamily="34" charset="0"/>
-              <a:buChar char="•"/>
-            </a:pPr>
-            <a:r>
-              <a:rPr lang="pt-PT" sz="2400" dirty="0" smtClean="0"/>
-              <a:t>Fornecer vários modos de operação no equipamento</a:t>
-            </a:r>
-          </a:p>
-          <a:p>
-            <a:pPr marL="342900" indent="-342900">
-              <a:buFont typeface="Arial" panose="020B0604020202020204" pitchFamily="34" charset="0"/>
-              <a:buChar char="•"/>
-            </a:pPr>
-            <a:r>
-              <a:rPr lang="pt-PT" sz="2400" dirty="0" smtClean="0"/>
-              <a:t>Importar e interpretar GCODE</a:t>
-            </a:r>
-          </a:p>
-          <a:p>
-            <a:pPr marL="342900" indent="-342900">
-              <a:buFont typeface="Arial" panose="020B0604020202020204" pitchFamily="34" charset="0"/>
-              <a:buChar char="•"/>
-            </a:pPr>
-            <a:r>
-              <a:rPr lang="pt-PT" sz="2400" dirty="0" smtClean="0"/>
-              <a:t>Armazenar execuções em Bases de Dados</a:t>
-            </a:r>
-          </a:p>
-          <a:p>
-            <a:pPr marL="342900" indent="-342900">
-              <a:buFont typeface="Arial" panose="020B0604020202020204" pitchFamily="34" charset="0"/>
-              <a:buChar char="•"/>
-            </a:pPr>
-            <a:r>
-              <a:rPr lang="pt-PT" sz="2400" dirty="0" smtClean="0"/>
-              <a:t>Visualizar histórico de execuções</a:t>
-            </a:r>
-          </a:p>
-          <a:p>
-            <a:pPr marL="342900" indent="-342900">
-              <a:buFont typeface="Arial" panose="020B0604020202020204" pitchFamily="34" charset="0"/>
-              <a:buChar char="•"/>
-            </a:pPr>
-            <a:r>
-              <a:rPr lang="pt-PT" sz="2400" dirty="0" smtClean="0"/>
-              <a:t>Visualizar imagem da câmara termográfica em tempo real</a:t>
-            </a:r>
-          </a:p>
-          <a:p>
-            <a:pPr marL="342900" indent="-342900">
-              <a:buFont typeface="Arial" panose="020B0604020202020204" pitchFamily="34" charset="0"/>
-              <a:buChar char="•"/>
-            </a:pPr>
-            <a:r>
-              <a:rPr lang="pt-PT" sz="2400" dirty="0" smtClean="0"/>
-              <a:t>Explorar outras tecnologias emergentes como Realidade Aumentada, </a:t>
-            </a:r>
-            <a:r>
-              <a:rPr lang="pt-PT" sz="2400" dirty="0" err="1" smtClean="0"/>
-              <a:t>etc</a:t>
-            </a:r>
             <a:endParaRPr lang="pt-PT" sz="2400" dirty="0" smtClean="0"/>
+          </a:p>
+          <a:p>
+            <a:pPr marL="342900" indent="-342900">
+              <a:buFont typeface="Arial" panose="020B0604020202020204" pitchFamily="34" charset="0"/>
+              <a:buChar char="•"/>
+            </a:pPr>
+            <a:endParaRPr lang="pt-PT" sz="2400" dirty="0"/>
+          </a:p>
+          <a:p>
+            <a:pPr marL="342900" indent="-342900">
+              <a:buFont typeface="Arial" panose="020B0604020202020204" pitchFamily="34" charset="0"/>
+              <a:buChar char="•"/>
+            </a:pPr>
+            <a:endParaRPr lang="pt-PT" sz="2400" dirty="0" smtClean="0"/>
+          </a:p>
+          <a:p>
+            <a:pPr marL="342900" indent="-342900">
+              <a:buFont typeface="Arial" panose="020B0604020202020204" pitchFamily="34" charset="0"/>
+              <a:buChar char="•"/>
+            </a:pPr>
+            <a:endParaRPr lang="pt-PT" sz="2400" dirty="0"/>
+          </a:p>
+          <a:p>
+            <a:pPr marL="342900" indent="-342900">
+              <a:buFont typeface="Arial" panose="020B0604020202020204" pitchFamily="34" charset="0"/>
+              <a:buChar char="•"/>
+            </a:pPr>
+            <a:endParaRPr lang="pt-PT" sz="2400" dirty="0" smtClean="0"/>
+          </a:p>
+          <a:p>
+            <a:pPr marL="342900" indent="-342900">
+              <a:buFont typeface="Arial" panose="020B0604020202020204" pitchFamily="34" charset="0"/>
+              <a:buChar char="•"/>
+            </a:pPr>
+            <a:endParaRPr lang="pt-PT" sz="2400" dirty="0"/>
+          </a:p>
+          <a:p>
+            <a:pPr marL="342900" indent="-342900">
+              <a:buFont typeface="Arial" panose="020B0604020202020204" pitchFamily="34" charset="0"/>
+              <a:buChar char="•"/>
+            </a:pPr>
+            <a:endParaRPr lang="pt-PT" sz="2400" smtClean="0"/>
+          </a:p>
+          <a:p>
+            <a:pPr marL="342900" indent="-342900">
+              <a:buFont typeface="Arial" panose="020B0604020202020204" pitchFamily="34" charset="0"/>
+              <a:buChar char="•"/>
+            </a:pPr>
+            <a:endParaRPr lang="pt-PT" sz="2400" dirty="0"/>
           </a:p>
           <a:p>
             <a:pPr marL="342900" indent="-342900">
@@ -8231,6 +8526,36 @@
           </a:p>
         </p:txBody>
       </p:sp>
+      <p:pic>
+        <p:nvPicPr>
+          <p:cNvPr id="3" name="Imagem 2"/>
+          <p:cNvPicPr>
+            <a:picLocks noChangeAspect="1"/>
+          </p:cNvPicPr>
+          <p:nvPr/>
+        </p:nvPicPr>
+        <p:blipFill>
+          <a:blip r:embed="rId3">
+            <a:extLst>
+              <a:ext uri="{28A0092B-C50C-407E-A947-70E740481C1C}">
+                <a14:useLocalDpi xmlns:a14="http://schemas.microsoft.com/office/drawing/2010/main" val="0"/>
+              </a:ext>
+            </a:extLst>
+          </a:blip>
+          <a:stretch>
+            <a:fillRect/>
+          </a:stretch>
+        </p:blipFill>
+        <p:spPr>
+          <a:xfrm>
+            <a:off x="3531166" y="2023241"/>
+            <a:ext cx="3547297" cy="2030895"/>
+          </a:xfrm>
+          <a:prstGeom prst="rect">
+            <a:avLst/>
+          </a:prstGeom>
+        </p:spPr>
+      </p:pic>
     </p:spTree>
     <p:extLst>
       <p:ext uri="{BB962C8B-B14F-4D97-AF65-F5344CB8AC3E}">

--- a/Apresentacao Intermedia - Marco Rodrigues.pptx
+++ b/Apresentacao Intermedia - Marco Rodrigues.pptx
@@ -14,13 +14,13 @@
     <p:sldId id="316" r:id="rId5"/>
     <p:sldId id="317" r:id="rId6"/>
     <p:sldId id="318" r:id="rId7"/>
-    <p:sldId id="271" r:id="rId8"/>
-    <p:sldId id="276" r:id="rId9"/>
-    <p:sldId id="277" r:id="rId10"/>
-    <p:sldId id="278" r:id="rId11"/>
-    <p:sldId id="279" r:id="rId12"/>
-    <p:sldId id="272" r:id="rId13"/>
-    <p:sldId id="273" r:id="rId14"/>
+    <p:sldId id="319" r:id="rId8"/>
+    <p:sldId id="320" r:id="rId9"/>
+    <p:sldId id="321" r:id="rId10"/>
+    <p:sldId id="322" r:id="rId11"/>
+    <p:sldId id="323" r:id="rId12"/>
+    <p:sldId id="324" r:id="rId13"/>
+    <p:sldId id="325" r:id="rId14"/>
   </p:sldIdLst>
   <p:sldSz cx="12192000" cy="6858000"/>
   <p:notesSz cx="6858000" cy="9144000"/>
@@ -368,7 +368,7 @@
           <a:p>
             <a:fld id="{3AAACB8F-4718-497B-9A35-224BBBB1AF80}" type="slidenum">
               <a:rPr lang="pt-PT" smtClean="0"/>
-              <a:t>‹nº›</a:t>
+              <a:t>‹#›</a:t>
             </a:fld>
             <a:endParaRPr lang="pt-PT"/>
           </a:p>
@@ -745,7 +745,7 @@
           <a:p>
             <a:fld id="{422D536B-584E-486B-9435-086987A3D916}" type="slidenum">
               <a:rPr lang="pt-PT" smtClean="0"/>
-              <a:t>‹nº›</a:t>
+              <a:t>‹#›</a:t>
             </a:fld>
             <a:endParaRPr lang="pt-PT"/>
           </a:p>
@@ -953,7 +953,7 @@
           <a:p>
             <a:fld id="{422D536B-584E-486B-9435-086987A3D916}" type="slidenum">
               <a:rPr lang="pt-PT" smtClean="0"/>
-              <a:t>‹nº›</a:t>
+              <a:t>‹#›</a:t>
             </a:fld>
             <a:endParaRPr lang="pt-PT"/>
           </a:p>
@@ -1209,7 +1209,7 @@
           <a:p>
             <a:fld id="{422D536B-584E-486B-9435-086987A3D916}" type="slidenum">
               <a:rPr lang="pt-PT" smtClean="0"/>
-              <a:t>‹nº›</a:t>
+              <a:t>‹#›</a:t>
             </a:fld>
             <a:endParaRPr lang="pt-PT"/>
           </a:p>
@@ -1383,7 +1383,7 @@
           <a:p>
             <a:fld id="{422D536B-584E-486B-9435-086987A3D916}" type="slidenum">
               <a:rPr lang="pt-PT" smtClean="0"/>
-              <a:t>‹nº›</a:t>
+              <a:t>‹#›</a:t>
             </a:fld>
             <a:endParaRPr lang="pt-PT"/>
           </a:p>
@@ -1726,7 +1726,7 @@
           <a:p>
             <a:fld id="{422D536B-584E-486B-9435-086987A3D916}" type="slidenum">
               <a:rPr lang="pt-PT" smtClean="0"/>
-              <a:t>‹nº›</a:t>
+              <a:t>‹#›</a:t>
             </a:fld>
             <a:endParaRPr lang="pt-PT"/>
           </a:p>
@@ -2001,7 +2001,7 @@
           <a:p>
             <a:fld id="{422D536B-584E-486B-9435-086987A3D916}" type="slidenum">
               <a:rPr lang="pt-PT" smtClean="0"/>
-              <a:t>‹nº›</a:t>
+              <a:t>‹#›</a:t>
             </a:fld>
             <a:endParaRPr lang="pt-PT"/>
           </a:p>
@@ -2380,7 +2380,7 @@
           <a:p>
             <a:fld id="{422D536B-584E-486B-9435-086987A3D916}" type="slidenum">
               <a:rPr lang="pt-PT" smtClean="0"/>
-              <a:t>‹nº›</a:t>
+              <a:t>‹#›</a:t>
             </a:fld>
             <a:endParaRPr lang="pt-PT"/>
           </a:p>
@@ -2498,7 +2498,7 @@
           <a:p>
             <a:fld id="{422D536B-584E-486B-9435-086987A3D916}" type="slidenum">
               <a:rPr lang="pt-PT" smtClean="0"/>
-              <a:t>‹nº›</a:t>
+              <a:t>‹#›</a:t>
             </a:fld>
             <a:endParaRPr lang="pt-PT"/>
           </a:p>
@@ -2677,7 +2677,7 @@
           <a:p>
             <a:fld id="{422D536B-584E-486B-9435-086987A3D916}" type="slidenum">
               <a:rPr lang="pt-PT" smtClean="0"/>
-              <a:t>‹nº›</a:t>
+              <a:t>‹#›</a:t>
             </a:fld>
             <a:endParaRPr lang="pt-PT"/>
           </a:p>
@@ -3044,7 +3044,7 @@
           <a:p>
             <a:fld id="{422D536B-584E-486B-9435-086987A3D916}" type="slidenum">
               <a:rPr lang="pt-PT" smtClean="0"/>
-              <a:t>‹nº›</a:t>
+              <a:t>‹#›</a:t>
             </a:fld>
             <a:endParaRPr lang="pt-PT"/>
           </a:p>
@@ -3405,7 +3405,7 @@
           <a:p>
             <a:fld id="{422D536B-584E-486B-9435-086987A3D916}" type="slidenum">
               <a:rPr lang="pt-PT" smtClean="0"/>
-              <a:t>‹nº›</a:t>
+              <a:t>‹#›</a:t>
             </a:fld>
             <a:endParaRPr lang="pt-PT"/>
           </a:p>
@@ -3724,7 +3724,7 @@
           <a:p>
             <a:fld id="{422D536B-584E-486B-9435-086987A3D916}" type="slidenum">
               <a:rPr lang="pt-PT" smtClean="0"/>
-              <a:t>‹nº›</a:t>
+              <a:t>‹#›</a:t>
             </a:fld>
             <a:endParaRPr lang="pt-PT"/>
           </a:p>
@@ -4862,8 +4862,8 @@
         </p:nvSpPr>
         <p:spPr>
           <a:xfrm>
-            <a:off x="437479" y="541212"/>
-            <a:ext cx="9308687" cy="6124754"/>
+            <a:off x="445000" y="166025"/>
+            <a:ext cx="11747000" cy="10926068"/>
           </a:xfrm>
           <a:prstGeom prst="rect">
             <a:avLst/>
@@ -4877,47 +4877,10 @@
           <a:lstStyle/>
           <a:p>
             <a:r>
-              <a:rPr lang="pt-PT" sz="3200" b="1" dirty="0" err="1" smtClean="0"/>
-              <a:t>Facebook</a:t>
-            </a:r>
-            <a:r>
               <a:rPr lang="pt-PT" sz="3200" b="1" dirty="0" smtClean="0"/>
-              <a:t> </a:t>
-            </a:r>
-            <a:r>
-              <a:rPr lang="pt-PT" sz="3200" b="1" dirty="0" err="1"/>
-              <a:t>G</a:t>
-            </a:r>
-            <a:r>
-              <a:rPr lang="pt-PT" sz="3200" b="1" dirty="0" err="1" smtClean="0"/>
-              <a:t>raph</a:t>
-            </a:r>
-            <a:r>
-              <a:rPr lang="pt-PT" sz="3200" b="1" dirty="0" smtClean="0"/>
-              <a:t> API</a:t>
-            </a:r>
-          </a:p>
-          <a:p>
-            <a:endParaRPr lang="pt-PT" sz="2400" dirty="0" smtClean="0"/>
-          </a:p>
-          <a:p>
-            <a:pPr marL="342900" indent="-342900">
-              <a:buFont typeface="Arial" panose="020B0604020202020204" pitchFamily="34" charset="0"/>
-              <a:buChar char="•"/>
-            </a:pPr>
-            <a:r>
-              <a:rPr lang="pt-PT" sz="2400" dirty="0">
-                <a:hlinkClick r:id="rId2"/>
-              </a:rPr>
-              <a:t>https://</a:t>
-            </a:r>
-            <a:r>
-              <a:rPr lang="pt-PT" sz="2400" dirty="0" smtClean="0">
-                <a:hlinkClick r:id="rId2"/>
-              </a:rPr>
-              <a:t>developers.facebook.com/docs/graph-api</a:t>
-            </a:r>
-            <a:endParaRPr lang="pt-PT" sz="2400" dirty="0" smtClean="0"/>
+              <a:t>Sistemas Web-Based para Controlo e Automação</a:t>
+            </a:r>
+            <a:endParaRPr lang="pt-PT" sz="3200" b="1" dirty="0" smtClean="0"/>
           </a:p>
           <a:p>
             <a:pPr marL="342900" indent="-342900">
@@ -4933,58 +4896,81 @@
             </a:pPr>
             <a:r>
               <a:rPr lang="pt-PT" sz="2400" dirty="0" smtClean="0"/>
-              <a:t>Funciona como um grafo social, sendo composto por:</a:t>
-            </a:r>
-          </a:p>
-          <a:p>
-            <a:pPr marL="800100" lvl="1" indent="-342900">
+              <a:t>Evolução da web permite vasta aplicabilidade</a:t>
+            </a:r>
+            <a:endParaRPr lang="pt-PT" sz="2400" dirty="0"/>
+          </a:p>
+          <a:p>
+            <a:pPr marL="342900" indent="-342900">
+              <a:buFont typeface="Arial" panose="020B0604020202020204" pitchFamily="34" charset="0"/>
+              <a:buChar char="•"/>
+            </a:pPr>
+            <a:endParaRPr lang="pt-PT" sz="2400" dirty="0" smtClean="0"/>
+          </a:p>
+          <a:p>
+            <a:pPr marL="342900" indent="-342900">
               <a:buFont typeface="Arial" panose="020B0604020202020204" pitchFamily="34" charset="0"/>
               <a:buChar char="•"/>
             </a:pPr>
             <a:r>
               <a:rPr lang="pt-PT" sz="2400" dirty="0" smtClean="0"/>
-              <a:t>Nodes – basicamente “coisas” como um utilizador, uma pagina, uma foto, </a:t>
-            </a:r>
-            <a:r>
-              <a:rPr lang="pt-PT" sz="2400" dirty="0" err="1" smtClean="0"/>
-              <a:t>etc</a:t>
-            </a:r>
-            <a:endParaRPr lang="pt-PT" sz="2400" dirty="0" smtClean="0"/>
-          </a:p>
-          <a:p>
-            <a:pPr marL="800100" lvl="1" indent="-342900">
-              <a:buFont typeface="Arial" panose="020B0604020202020204" pitchFamily="34" charset="0"/>
-              <a:buChar char="•"/>
-            </a:pPr>
-            <a:r>
-              <a:rPr lang="pt-PT" sz="2400" dirty="0" err="1" smtClean="0"/>
-              <a:t>Edges</a:t>
-            </a:r>
+              <a:t>Integração com tecnologias que nasceram noutras áreas</a:t>
+            </a:r>
+            <a:endParaRPr lang="pt-PT" sz="2400" dirty="0" smtClean="0"/>
+          </a:p>
+          <a:p>
+            <a:pPr marL="342900" indent="-342900">
+              <a:buFont typeface="Arial" panose="020B0604020202020204" pitchFamily="34" charset="0"/>
+              <a:buChar char="•"/>
+            </a:pPr>
+            <a:endParaRPr lang="pt-PT" sz="2400" dirty="0"/>
+          </a:p>
+          <a:p>
+            <a:pPr marL="342900" indent="-342900">
+              <a:buFont typeface="Arial" panose="020B0604020202020204" pitchFamily="34" charset="0"/>
+              <a:buChar char="•"/>
+            </a:pPr>
+            <a:endParaRPr lang="pt-PT" sz="2400" dirty="0" smtClean="0"/>
+          </a:p>
+          <a:p>
+            <a:pPr marL="342900" indent="-342900">
+              <a:buFont typeface="Arial" panose="020B0604020202020204" pitchFamily="34" charset="0"/>
+              <a:buChar char="•"/>
+            </a:pPr>
+            <a:endParaRPr lang="pt-PT" sz="2400" dirty="0"/>
+          </a:p>
+          <a:p>
+            <a:endParaRPr lang="pt-PT" sz="2400" dirty="0" smtClean="0"/>
+          </a:p>
+          <a:p>
+            <a:endParaRPr lang="pt-PT" sz="2400" dirty="0" smtClean="0"/>
+          </a:p>
+          <a:p>
+            <a:pPr marL="342900" indent="-342900">
+              <a:buFont typeface="Arial" panose="020B0604020202020204" pitchFamily="34" charset="0"/>
+              <a:buChar char="•"/>
+            </a:pPr>
             <a:r>
               <a:rPr lang="pt-PT" sz="2400" dirty="0" smtClean="0"/>
-              <a:t> – representam as conexões entre os nodes como fotos de uma página, ou comentários de uma foto</a:t>
-            </a:r>
-          </a:p>
-          <a:p>
-            <a:pPr marL="800100" lvl="1" indent="-342900">
-              <a:buFont typeface="Arial" panose="020B0604020202020204" pitchFamily="34" charset="0"/>
-              <a:buChar char="•"/>
-            </a:pPr>
-            <a:r>
-              <a:rPr lang="pt-PT" sz="2400" dirty="0" err="1" smtClean="0"/>
-              <a:t>Fields</a:t>
-            </a:r>
+              <a:t>Aquisição, processamento e armazenamento de dados</a:t>
+            </a:r>
+          </a:p>
+          <a:p>
+            <a:pPr marL="342900" indent="-342900">
+              <a:buFont typeface="Arial" panose="020B0604020202020204" pitchFamily="34" charset="0"/>
+              <a:buChar char="•"/>
+            </a:pPr>
+            <a:endParaRPr lang="pt-PT" sz="2400" dirty="0"/>
+          </a:p>
+          <a:p>
+            <a:pPr marL="342900" indent="-342900">
+              <a:buFont typeface="Arial" panose="020B0604020202020204" pitchFamily="34" charset="0"/>
+              <a:buChar char="•"/>
+            </a:pPr>
             <a:r>
               <a:rPr lang="pt-PT" sz="2400" dirty="0" smtClean="0"/>
-              <a:t> – informação sobre os nodes, como a data de aniversário de um utilizador ou o nome de uma página</a:t>
-            </a:r>
-          </a:p>
-          <a:p>
-            <a:pPr marL="800100" lvl="1" indent="-342900">
-              <a:buFont typeface="Arial" panose="020B0604020202020204" pitchFamily="34" charset="0"/>
-              <a:buChar char="•"/>
-            </a:pPr>
-            <a:endParaRPr lang="pt-PT" sz="2400" dirty="0" smtClean="0"/>
+              <a:t>Disponibilização de dados em tempo real/processados através de soluções web-based</a:t>
+            </a:r>
           </a:p>
           <a:p>
             <a:pPr marL="342900" indent="-342900">
@@ -4998,6 +4984,40 @@
               <a:buFont typeface="Arial" panose="020B0604020202020204" pitchFamily="34" charset="0"/>
               <a:buChar char="•"/>
             </a:pPr>
+            <a:r>
+              <a:rPr lang="pt-PT" sz="2400" dirty="0" smtClean="0"/>
+              <a:t>Visualização dos dados em diversos dispositivos, local ou remotamente, integração com tecnologias emergentes, entre outras</a:t>
+            </a:r>
+          </a:p>
+          <a:p>
+            <a:pPr marL="342900" indent="-342900">
+              <a:buFont typeface="Arial" panose="020B0604020202020204" pitchFamily="34" charset="0"/>
+              <a:buChar char="•"/>
+            </a:pPr>
+            <a:endParaRPr lang="pt-PT" sz="2400" dirty="0" smtClean="0"/>
+          </a:p>
+          <a:p>
+            <a:pPr marL="342900" indent="-342900">
+              <a:buFont typeface="Arial" panose="020B0604020202020204" pitchFamily="34" charset="0"/>
+              <a:buChar char="•"/>
+            </a:pPr>
+            <a:endParaRPr lang="pt-PT" sz="2400" dirty="0" smtClean="0"/>
+          </a:p>
+          <a:p>
+            <a:endParaRPr lang="pt-PT" sz="2400" dirty="0" smtClean="0"/>
+          </a:p>
+          <a:p>
+            <a:pPr marL="342900" indent="-342900">
+              <a:buFont typeface="Arial" panose="020B0604020202020204" pitchFamily="34" charset="0"/>
+              <a:buChar char="•"/>
+            </a:pPr>
+            <a:endParaRPr lang="pt-PT" sz="2400" dirty="0" smtClean="0"/>
+          </a:p>
+          <a:p>
+            <a:pPr marL="342900" indent="-342900">
+              <a:buFont typeface="Arial" panose="020B0604020202020204" pitchFamily="34" charset="0"/>
+              <a:buChar char="•"/>
+            </a:pPr>
             <a:endParaRPr lang="pt-PT" sz="2400" dirty="0" smtClean="0"/>
           </a:p>
           <a:p>
@@ -5013,12 +5033,351 @@
               <a:buChar char="•"/>
             </a:pPr>
             <a:endParaRPr lang="pt-PT" sz="2400" dirty="0" smtClean="0"/>
+          </a:p>
+          <a:p>
+            <a:pPr marL="342900" indent="-342900">
+              <a:buFont typeface="Arial" panose="020B0604020202020204" pitchFamily="34" charset="0"/>
+              <a:buChar char="•"/>
+            </a:pPr>
+            <a:endParaRPr lang="pt-PT" sz="2400" dirty="0" smtClean="0"/>
+          </a:p>
+          <a:p>
+            <a:pPr marL="342900" indent="-342900">
+              <a:buFont typeface="Arial" panose="020B0604020202020204" pitchFamily="34" charset="0"/>
+              <a:buChar char="•"/>
+            </a:pPr>
+            <a:endParaRPr lang="pt-PT" sz="2400" dirty="0" smtClean="0"/>
+          </a:p>
+          <a:p>
+            <a:pPr marL="342900" indent="-342900">
+              <a:buFont typeface="Arial" panose="020B0604020202020204" pitchFamily="34" charset="0"/>
+              <a:buChar char="•"/>
+            </a:pPr>
+            <a:endParaRPr lang="pt-PT" sz="2400" dirty="0" smtClean="0"/>
+          </a:p>
+          <a:p>
+            <a:pPr marL="342900" indent="-342900">
+              <a:buFont typeface="Arial" panose="020B0604020202020204" pitchFamily="34" charset="0"/>
+              <a:buChar char="•"/>
+            </a:pPr>
+            <a:endParaRPr lang="pt-PT" sz="2400" dirty="0"/>
+          </a:p>
+          <a:p>
+            <a:pPr marL="342900" indent="-342900">
+              <a:buFont typeface="Arial" panose="020B0604020202020204" pitchFamily="34" charset="0"/>
+              <a:buChar char="•"/>
+            </a:pPr>
+            <a:endParaRPr lang="pt-PT" sz="2400" dirty="0" smtClean="0"/>
+          </a:p>
+        </p:txBody>
+      </p:sp>
+      <p:sp>
+        <p:nvSpPr>
+          <p:cNvPr id="2" name="Slide Number Placeholder 1"/>
+          <p:cNvSpPr>
+            <a:spLocks noGrp="1"/>
+          </p:cNvSpPr>
+          <p:nvPr>
+            <p:ph type="sldNum" sz="quarter" idx="12"/>
+          </p:nvPr>
+        </p:nvSpPr>
+        <p:spPr/>
+        <p:txBody>
+          <a:bodyPr/>
+          <a:lstStyle/>
+          <a:p>
+            <a:fld id="{422D536B-584E-486B-9435-086987A3D916}" type="slidenum">
+              <a:rPr lang="pt-PT" smtClean="0"/>
+              <a:t>10</a:t>
+            </a:fld>
+            <a:endParaRPr lang="pt-PT" dirty="0"/>
+          </a:p>
+        </p:txBody>
+      </p:sp>
+      <p:sp>
+        <p:nvSpPr>
+          <p:cNvPr id="6" name="Slide Number Placeholder 5"/>
+          <p:cNvSpPr txBox="1">
+            <a:spLocks/>
+          </p:cNvSpPr>
+          <p:nvPr/>
+        </p:nvSpPr>
+        <p:spPr>
+          <a:xfrm>
+            <a:off x="0" y="6464982"/>
+            <a:ext cx="475129" cy="365125"/>
+          </a:xfrm>
+          <a:prstGeom prst="rect">
+            <a:avLst/>
+          </a:prstGeom>
+        </p:spPr>
+        <p:txBody>
+          <a:bodyPr vert="horz" lIns="91440" tIns="45720" rIns="91440" bIns="45720" rtlCol="0" anchor="ctr"/>
+          <a:lstStyle>
+            <a:defPPr>
+              <a:defRPr lang="en-US"/>
+            </a:defPPr>
+            <a:lvl1pPr marL="0" algn="r" defTabSz="457200" rtl="0" eaLnBrk="1" latinLnBrk="0" hangingPunct="1">
+              <a:defRPr sz="1050" kern="1200">
+                <a:solidFill>
+                  <a:srgbClr val="FFFFFF"/>
+                </a:solidFill>
+                <a:latin typeface="+mn-lt"/>
+                <a:ea typeface="+mn-ea"/>
+                <a:cs typeface="+mn-cs"/>
+              </a:defRPr>
+            </a:lvl1pPr>
+            <a:lvl2pPr marL="457200" algn="l" defTabSz="457200" rtl="0" eaLnBrk="1" latinLnBrk="0" hangingPunct="1">
+              <a:defRPr sz="1800" kern="1200">
+                <a:solidFill>
+                  <a:schemeClr val="tx1"/>
+                </a:solidFill>
+                <a:latin typeface="+mn-lt"/>
+                <a:ea typeface="+mn-ea"/>
+                <a:cs typeface="+mn-cs"/>
+              </a:defRPr>
+            </a:lvl2pPr>
+            <a:lvl3pPr marL="914400" algn="l" defTabSz="457200" rtl="0" eaLnBrk="1" latinLnBrk="0" hangingPunct="1">
+              <a:defRPr sz="1800" kern="1200">
+                <a:solidFill>
+                  <a:schemeClr val="tx1"/>
+                </a:solidFill>
+                <a:latin typeface="+mn-lt"/>
+                <a:ea typeface="+mn-ea"/>
+                <a:cs typeface="+mn-cs"/>
+              </a:defRPr>
+            </a:lvl3pPr>
+            <a:lvl4pPr marL="1371600" algn="l" defTabSz="457200" rtl="0" eaLnBrk="1" latinLnBrk="0" hangingPunct="1">
+              <a:defRPr sz="1800" kern="1200">
+                <a:solidFill>
+                  <a:schemeClr val="tx1"/>
+                </a:solidFill>
+                <a:latin typeface="+mn-lt"/>
+                <a:ea typeface="+mn-ea"/>
+                <a:cs typeface="+mn-cs"/>
+              </a:defRPr>
+            </a:lvl4pPr>
+            <a:lvl5pPr marL="1828800" algn="l" defTabSz="457200" rtl="0" eaLnBrk="1" latinLnBrk="0" hangingPunct="1">
+              <a:defRPr sz="1800" kern="1200">
+                <a:solidFill>
+                  <a:schemeClr val="tx1"/>
+                </a:solidFill>
+                <a:latin typeface="+mn-lt"/>
+                <a:ea typeface="+mn-ea"/>
+                <a:cs typeface="+mn-cs"/>
+              </a:defRPr>
+            </a:lvl5pPr>
+            <a:lvl6pPr marL="2286000" algn="l" defTabSz="457200" rtl="0" eaLnBrk="1" latinLnBrk="0" hangingPunct="1">
+              <a:defRPr sz="1800" kern="1200">
+                <a:solidFill>
+                  <a:schemeClr val="tx1"/>
+                </a:solidFill>
+                <a:latin typeface="+mn-lt"/>
+                <a:ea typeface="+mn-ea"/>
+                <a:cs typeface="+mn-cs"/>
+              </a:defRPr>
+            </a:lvl6pPr>
+            <a:lvl7pPr marL="2743200" algn="l" defTabSz="457200" rtl="0" eaLnBrk="1" latinLnBrk="0" hangingPunct="1">
+              <a:defRPr sz="1800" kern="1200">
+                <a:solidFill>
+                  <a:schemeClr val="tx1"/>
+                </a:solidFill>
+                <a:latin typeface="+mn-lt"/>
+                <a:ea typeface="+mn-ea"/>
+                <a:cs typeface="+mn-cs"/>
+              </a:defRPr>
+            </a:lvl7pPr>
+            <a:lvl8pPr marL="3200400" algn="l" defTabSz="457200" rtl="0" eaLnBrk="1" latinLnBrk="0" hangingPunct="1">
+              <a:defRPr sz="1800" kern="1200">
+                <a:solidFill>
+                  <a:schemeClr val="tx1"/>
+                </a:solidFill>
+                <a:latin typeface="+mn-lt"/>
+                <a:ea typeface="+mn-ea"/>
+                <a:cs typeface="+mn-cs"/>
+              </a:defRPr>
+            </a:lvl8pPr>
+            <a:lvl9pPr marL="3657600" algn="l" defTabSz="457200" rtl="0" eaLnBrk="1" latinLnBrk="0" hangingPunct="1">
+              <a:defRPr sz="1800" kern="1200">
+                <a:solidFill>
+                  <a:schemeClr val="tx1"/>
+                </a:solidFill>
+                <a:latin typeface="+mn-lt"/>
+                <a:ea typeface="+mn-ea"/>
+                <a:cs typeface="+mn-cs"/>
+              </a:defRPr>
+            </a:lvl9pPr>
+          </a:lstStyle>
+          <a:p>
+            <a:r>
+              <a:rPr lang="pt-PT" dirty="0" smtClean="0"/>
+              <a:t>IPVC</a:t>
+            </a:r>
+            <a:endParaRPr lang="pt-PT" dirty="0"/>
           </a:p>
         </p:txBody>
       </p:sp>
       <p:pic>
         <p:nvPicPr>
-          <p:cNvPr id="5" name="Picture 4"/>
+          <p:cNvPr id="9" name="Picture 4"/>
+          <p:cNvPicPr>
+            <a:picLocks noChangeAspect="1"/>
+          </p:cNvPicPr>
+          <p:nvPr/>
+        </p:nvPicPr>
+        <p:blipFill>
+          <a:blip r:embed="rId2" cstate="print">
+            <a:extLst>
+              <a:ext uri="{28A0092B-C50C-407E-A947-70E740481C1C}">
+                <a14:useLocalDpi xmlns:a14="http://schemas.microsoft.com/office/drawing/2010/main" val="0"/>
+              </a:ext>
+            </a:extLst>
+          </a:blip>
+          <a:stretch>
+            <a:fillRect/>
+          </a:stretch>
+        </p:blipFill>
+        <p:spPr>
+          <a:xfrm>
+            <a:off x="10468855" y="300496"/>
+            <a:ext cx="1373649" cy="916911"/>
+          </a:xfrm>
+          <a:prstGeom prst="rect">
+            <a:avLst/>
+          </a:prstGeom>
+        </p:spPr>
+      </p:pic>
+      <p:sp>
+        <p:nvSpPr>
+          <p:cNvPr id="10" name="Slide Number Placeholder 5"/>
+          <p:cNvSpPr txBox="1">
+            <a:spLocks/>
+          </p:cNvSpPr>
+          <p:nvPr/>
+        </p:nvSpPr>
+        <p:spPr>
+          <a:xfrm>
+            <a:off x="3908571" y="6492875"/>
+            <a:ext cx="4435818" cy="365125"/>
+          </a:xfrm>
+          <a:prstGeom prst="rect">
+            <a:avLst/>
+          </a:prstGeom>
+        </p:spPr>
+        <p:txBody>
+          <a:bodyPr vert="horz" lIns="91440" tIns="45720" rIns="91440" bIns="45720" rtlCol="0" anchor="ctr"/>
+          <a:lstStyle>
+            <a:defPPr>
+              <a:defRPr lang="en-US"/>
+            </a:defPPr>
+            <a:lvl1pPr marL="0" algn="r" defTabSz="457200" rtl="0" eaLnBrk="1" latinLnBrk="0" hangingPunct="1">
+              <a:defRPr sz="1050" kern="1200">
+                <a:solidFill>
+                  <a:srgbClr val="FFFFFF"/>
+                </a:solidFill>
+                <a:latin typeface="+mn-lt"/>
+                <a:ea typeface="+mn-ea"/>
+                <a:cs typeface="+mn-cs"/>
+              </a:defRPr>
+            </a:lvl1pPr>
+            <a:lvl2pPr marL="457200" algn="l" defTabSz="457200" rtl="0" eaLnBrk="1" latinLnBrk="0" hangingPunct="1">
+              <a:defRPr sz="1800" kern="1200">
+                <a:solidFill>
+                  <a:schemeClr val="tx1"/>
+                </a:solidFill>
+                <a:latin typeface="+mn-lt"/>
+                <a:ea typeface="+mn-ea"/>
+                <a:cs typeface="+mn-cs"/>
+              </a:defRPr>
+            </a:lvl2pPr>
+            <a:lvl3pPr marL="914400" algn="l" defTabSz="457200" rtl="0" eaLnBrk="1" latinLnBrk="0" hangingPunct="1">
+              <a:defRPr sz="1800" kern="1200">
+                <a:solidFill>
+                  <a:schemeClr val="tx1"/>
+                </a:solidFill>
+                <a:latin typeface="+mn-lt"/>
+                <a:ea typeface="+mn-ea"/>
+                <a:cs typeface="+mn-cs"/>
+              </a:defRPr>
+            </a:lvl3pPr>
+            <a:lvl4pPr marL="1371600" algn="l" defTabSz="457200" rtl="0" eaLnBrk="1" latinLnBrk="0" hangingPunct="1">
+              <a:defRPr sz="1800" kern="1200">
+                <a:solidFill>
+                  <a:schemeClr val="tx1"/>
+                </a:solidFill>
+                <a:latin typeface="+mn-lt"/>
+                <a:ea typeface="+mn-ea"/>
+                <a:cs typeface="+mn-cs"/>
+              </a:defRPr>
+            </a:lvl4pPr>
+            <a:lvl5pPr marL="1828800" algn="l" defTabSz="457200" rtl="0" eaLnBrk="1" latinLnBrk="0" hangingPunct="1">
+              <a:defRPr sz="1800" kern="1200">
+                <a:solidFill>
+                  <a:schemeClr val="tx1"/>
+                </a:solidFill>
+                <a:latin typeface="+mn-lt"/>
+                <a:ea typeface="+mn-ea"/>
+                <a:cs typeface="+mn-cs"/>
+              </a:defRPr>
+            </a:lvl5pPr>
+            <a:lvl6pPr marL="2286000" algn="l" defTabSz="457200" rtl="0" eaLnBrk="1" latinLnBrk="0" hangingPunct="1">
+              <a:defRPr sz="1800" kern="1200">
+                <a:solidFill>
+                  <a:schemeClr val="tx1"/>
+                </a:solidFill>
+                <a:latin typeface="+mn-lt"/>
+                <a:ea typeface="+mn-ea"/>
+                <a:cs typeface="+mn-cs"/>
+              </a:defRPr>
+            </a:lvl6pPr>
+            <a:lvl7pPr marL="2743200" algn="l" defTabSz="457200" rtl="0" eaLnBrk="1" latinLnBrk="0" hangingPunct="1">
+              <a:defRPr sz="1800" kern="1200">
+                <a:solidFill>
+                  <a:schemeClr val="tx1"/>
+                </a:solidFill>
+                <a:latin typeface="+mn-lt"/>
+                <a:ea typeface="+mn-ea"/>
+                <a:cs typeface="+mn-cs"/>
+              </a:defRPr>
+            </a:lvl7pPr>
+            <a:lvl8pPr marL="3200400" algn="l" defTabSz="457200" rtl="0" eaLnBrk="1" latinLnBrk="0" hangingPunct="1">
+              <a:defRPr sz="1800" kern="1200">
+                <a:solidFill>
+                  <a:schemeClr val="tx1"/>
+                </a:solidFill>
+                <a:latin typeface="+mn-lt"/>
+                <a:ea typeface="+mn-ea"/>
+                <a:cs typeface="+mn-cs"/>
+              </a:defRPr>
+            </a:lvl8pPr>
+            <a:lvl9pPr marL="3657600" algn="l" defTabSz="457200" rtl="0" eaLnBrk="1" latinLnBrk="0" hangingPunct="1">
+              <a:defRPr sz="1800" kern="1200">
+                <a:solidFill>
+                  <a:schemeClr val="tx1"/>
+                </a:solidFill>
+                <a:latin typeface="+mn-lt"/>
+                <a:ea typeface="+mn-ea"/>
+                <a:cs typeface="+mn-cs"/>
+              </a:defRPr>
+            </a:lvl9pPr>
+          </a:lstStyle>
+          <a:p>
+            <a:pPr algn="ctr"/>
+            <a:r>
+              <a:rPr lang="pt-PT" sz="1600" b="1" dirty="0" smtClean="0"/>
+              <a:t>HMI para Fabrico </a:t>
+            </a:r>
+            <a:r>
+              <a:rPr lang="pt-PT" sz="1600" b="1" dirty="0" smtClean="0"/>
+              <a:t>Aditivo – Estado da Arte</a:t>
+            </a:r>
+            <a:endParaRPr lang="pt-PT" sz="1600" b="1" dirty="0"/>
+          </a:p>
+        </p:txBody>
+      </p:sp>
+      <p:pic>
+        <p:nvPicPr>
+          <p:cNvPr id="3" name="Picture 2"/>
           <p:cNvPicPr>
             <a:picLocks noChangeAspect="1"/>
           </p:cNvPicPr>
@@ -5038,41 +5397,18 @@
         </p:blipFill>
         <p:spPr>
           <a:xfrm>
-            <a:off x="10468855" y="267443"/>
-            <a:ext cx="1373649" cy="983017"/>
+            <a:off x="3830194" y="2242590"/>
+            <a:ext cx="2971200" cy="1671299"/>
           </a:xfrm>
           <a:prstGeom prst="rect">
             <a:avLst/>
           </a:prstGeom>
         </p:spPr>
       </p:pic>
-      <p:sp>
-        <p:nvSpPr>
-          <p:cNvPr id="2" name="Slide Number Placeholder 1"/>
-          <p:cNvSpPr>
-            <a:spLocks noGrp="1"/>
-          </p:cNvSpPr>
-          <p:nvPr>
-            <p:ph type="sldNum" sz="quarter" idx="12"/>
-          </p:nvPr>
-        </p:nvSpPr>
-        <p:spPr/>
-        <p:txBody>
-          <a:bodyPr/>
-          <a:lstStyle/>
-          <a:p>
-            <a:fld id="{422D536B-584E-486B-9435-086987A3D916}" type="slidenum">
-              <a:rPr lang="pt-PT" smtClean="0"/>
-              <a:t>10</a:t>
-            </a:fld>
-            <a:endParaRPr lang="pt-PT"/>
-          </a:p>
-        </p:txBody>
-      </p:sp>
     </p:spTree>
     <p:extLst>
       <p:ext uri="{BB962C8B-B14F-4D97-AF65-F5344CB8AC3E}">
-        <p14:creationId xmlns:p14="http://schemas.microsoft.com/office/powerpoint/2010/main" val="3331036365"/>
+        <p14:creationId xmlns:p14="http://schemas.microsoft.com/office/powerpoint/2010/main" val="3964441751"/>
       </p:ext>
     </p:extLst>
   </p:cSld>
@@ -5107,8 +5443,8 @@
         </p:nvSpPr>
         <p:spPr>
           <a:xfrm>
-            <a:off x="437479" y="541212"/>
-            <a:ext cx="9854004" cy="6124754"/>
+            <a:off x="445000" y="166025"/>
+            <a:ext cx="11747000" cy="9818072"/>
           </a:xfrm>
           <a:prstGeom prst="rect">
             <a:avLst/>
@@ -5122,27 +5458,23 @@
           <a:lstStyle/>
           <a:p>
             <a:r>
-              <a:rPr lang="pt-PT" sz="3200" b="1" dirty="0" err="1" smtClean="0"/>
-              <a:t>Facebook</a:t>
-            </a:r>
-            <a:r>
               <a:rPr lang="pt-PT" sz="3200" b="1" dirty="0" smtClean="0"/>
-              <a:t> </a:t>
-            </a:r>
-            <a:r>
-              <a:rPr lang="pt-PT" sz="3200" b="1" dirty="0" err="1"/>
-              <a:t>G</a:t>
-            </a:r>
-            <a:r>
-              <a:rPr lang="pt-PT" sz="3200" b="1" dirty="0" err="1" smtClean="0"/>
-              <a:t>raph</a:t>
-            </a:r>
-            <a:r>
-              <a:rPr lang="pt-PT" sz="3200" b="1" dirty="0" smtClean="0"/>
-              <a:t> API</a:t>
-            </a:r>
-          </a:p>
-          <a:p>
+              <a:t>Caso real: Markforged</a:t>
+            </a:r>
+            <a:endParaRPr lang="pt-PT" sz="3200" b="1" dirty="0" smtClean="0"/>
+          </a:p>
+          <a:p>
+            <a:pPr marL="342900" indent="-342900">
+              <a:buFont typeface="Arial" panose="020B0604020202020204" pitchFamily="34" charset="0"/>
+              <a:buChar char="•"/>
+            </a:pPr>
+            <a:endParaRPr lang="pt-PT" sz="2400" dirty="0" smtClean="0"/>
+          </a:p>
+          <a:p>
+            <a:pPr marL="342900" indent="-342900">
+              <a:buFont typeface="Arial" panose="020B0604020202020204" pitchFamily="34" charset="0"/>
+              <a:buChar char="•"/>
+            </a:pPr>
             <a:endParaRPr lang="pt-PT" sz="2400" dirty="0" smtClean="0"/>
           </a:p>
           <a:p>
@@ -5152,54 +5484,51 @@
             </a:pPr>
             <a:r>
               <a:rPr lang="pt-PT" sz="2400" dirty="0" smtClean="0"/>
-              <a:t>Necessita de um </a:t>
-            </a:r>
-            <a:r>
-              <a:rPr lang="pt-PT" sz="2400" dirty="0" err="1" smtClean="0"/>
-              <a:t>Token</a:t>
-            </a:r>
+              <a:t>Marca de impressoras 3D</a:t>
+            </a:r>
+            <a:endParaRPr lang="pt-PT" sz="2400" dirty="0"/>
+          </a:p>
+          <a:p>
+            <a:endParaRPr lang="pt-PT" sz="2400" dirty="0"/>
+          </a:p>
+          <a:p>
+            <a:pPr marL="342900" indent="-342900">
+              <a:buFont typeface="Arial" panose="020B0604020202020204" pitchFamily="34" charset="0"/>
+              <a:buChar char="•"/>
+            </a:pPr>
+            <a:endParaRPr lang="pt-PT" sz="2400" dirty="0" smtClean="0"/>
+          </a:p>
+          <a:p>
+            <a:endParaRPr lang="pt-PT" sz="2400" dirty="0" smtClean="0"/>
+          </a:p>
+          <a:p>
+            <a:pPr marL="342900" indent="-342900">
+              <a:buFont typeface="Arial" panose="020B0604020202020204" pitchFamily="34" charset="0"/>
+              <a:buChar char="•"/>
+            </a:pPr>
             <a:r>
               <a:rPr lang="pt-PT" sz="2400" dirty="0" smtClean="0"/>
-              <a:t> gerado pela </a:t>
-            </a:r>
-            <a:r>
-              <a:rPr lang="pt-PT" sz="2400" dirty="0" err="1" smtClean="0"/>
-              <a:t>App</a:t>
-            </a:r>
-            <a:endParaRPr lang="pt-PT" sz="2400" dirty="0" smtClean="0"/>
-          </a:p>
-          <a:p>
-            <a:pPr marL="342900" indent="-342900">
-              <a:buFont typeface="Arial" panose="020B0604020202020204" pitchFamily="34" charset="0"/>
-              <a:buChar char="•"/>
-            </a:pPr>
-            <a:endParaRPr lang="pt-PT" sz="2400" dirty="0" smtClean="0"/>
-          </a:p>
-          <a:p>
-            <a:pPr marL="342900" indent="-342900">
+              <a:t>Possui software web-based que permite:</a:t>
+            </a:r>
+          </a:p>
+          <a:p>
+            <a:pPr marL="800100" lvl="1" indent="-342900">
               <a:buFont typeface="Arial" panose="020B0604020202020204" pitchFamily="34" charset="0"/>
               <a:buChar char="•"/>
             </a:pPr>
             <a:r>
               <a:rPr lang="pt-PT" sz="2400" dirty="0" smtClean="0"/>
-              <a:t>Principal forma de apps lerem/escreverem conteúdo na rede social</a:t>
-            </a:r>
-          </a:p>
-          <a:p>
-            <a:pPr marL="342900" indent="-342900">
-              <a:buFont typeface="Arial" panose="020B0604020202020204" pitchFamily="34" charset="0"/>
-              <a:buChar char="•"/>
-            </a:pPr>
-            <a:endParaRPr lang="pt-PT" sz="2400" dirty="0" smtClean="0"/>
-          </a:p>
-          <a:p>
-            <a:pPr marL="342900" indent="-342900">
+              <a:t>Enviar ficheiros de peças para serem impressas</a:t>
+            </a:r>
+          </a:p>
+          <a:p>
+            <a:pPr marL="800100" lvl="1" indent="-342900">
               <a:buFont typeface="Arial" panose="020B0604020202020204" pitchFamily="34" charset="0"/>
               <a:buChar char="•"/>
             </a:pPr>
             <a:r>
               <a:rPr lang="pt-PT" sz="2400" dirty="0" smtClean="0"/>
-              <a:t>É uma API baseada em métodos HTTP onde é possível:</a:t>
+              <a:t>Alterar peça: dimensões, posicionamento, material, etc</a:t>
             </a:r>
           </a:p>
           <a:p>
@@ -5209,13 +5538,8 @@
             </a:pPr>
             <a:r>
               <a:rPr lang="pt-PT" sz="2400" dirty="0" smtClean="0"/>
-              <a:t>Executar </a:t>
-            </a:r>
-            <a:r>
-              <a:rPr lang="pt-PT" sz="2400" dirty="0" err="1" smtClean="0"/>
-              <a:t>queries</a:t>
-            </a:r>
-            <a:endParaRPr lang="pt-PT" sz="2400" dirty="0" smtClean="0"/>
+              <a:t>Monitorizar parâmetros de impressão em tempo real</a:t>
+            </a:r>
           </a:p>
           <a:p>
             <a:pPr marL="800100" lvl="1" indent="-342900">
@@ -5224,59 +5548,94 @@
             </a:pPr>
             <a:r>
               <a:rPr lang="pt-PT" sz="2400" dirty="0" smtClean="0"/>
-              <a:t>Criar </a:t>
-            </a:r>
-            <a:r>
-              <a:rPr lang="pt-PT" sz="2400" dirty="0" err="1" smtClean="0"/>
-              <a:t>Posts</a:t>
-            </a:r>
+              <a:t>Armazenamento e gestão das peças que já foram impressas</a:t>
+            </a:r>
+          </a:p>
+          <a:p>
+            <a:pPr marL="800100" lvl="1" indent="-342900">
+              <a:buFont typeface="Arial" panose="020B0604020202020204" pitchFamily="34" charset="0"/>
+              <a:buChar char="•"/>
+            </a:pPr>
+            <a:r>
+              <a:rPr lang="pt-PT" sz="2400" dirty="0" smtClean="0"/>
+              <a:t>Visualizar uma peça em 2D e 3D</a:t>
+            </a:r>
+          </a:p>
+          <a:p>
+            <a:pPr marL="800100" lvl="1" indent="-342900">
+              <a:buFont typeface="Arial" panose="020B0604020202020204" pitchFamily="34" charset="0"/>
+              <a:buChar char="•"/>
+            </a:pPr>
+            <a:r>
+              <a:rPr lang="pt-PT" sz="2400" dirty="0" smtClean="0"/>
+              <a:t>Visualizar camadas de impressão</a:t>
+            </a:r>
+          </a:p>
+          <a:p>
+            <a:pPr marL="800100" lvl="1" indent="-342900">
+              <a:buFont typeface="Arial" panose="020B0604020202020204" pitchFamily="34" charset="0"/>
+              <a:buChar char="•"/>
+            </a:pPr>
+            <a:endParaRPr lang="pt-PT" sz="2400" dirty="0" smtClean="0"/>
+          </a:p>
+          <a:p>
+            <a:pPr marL="342900" indent="-342900">
+              <a:buFont typeface="Arial" panose="020B0604020202020204" pitchFamily="34" charset="0"/>
+              <a:buChar char="•"/>
+            </a:pPr>
+            <a:r>
+              <a:rPr lang="pt-PT" sz="2400" dirty="0"/>
+              <a:t>https://www.youtube.com/watch?v=xP787awglCU</a:t>
+            </a:r>
+            <a:endParaRPr lang="pt-PT" sz="2400" dirty="0" smtClean="0"/>
+          </a:p>
+          <a:p>
+            <a:pPr marL="342900" indent="-342900">
+              <a:buFont typeface="Arial" panose="020B0604020202020204" pitchFamily="34" charset="0"/>
+              <a:buChar char="•"/>
+            </a:pPr>
+            <a:endParaRPr lang="pt-PT" sz="2400" dirty="0" smtClean="0"/>
+          </a:p>
+          <a:p>
+            <a:pPr marL="342900" indent="-342900">
+              <a:buFont typeface="Arial" panose="020B0604020202020204" pitchFamily="34" charset="0"/>
+              <a:buChar char="•"/>
+            </a:pPr>
+            <a:endParaRPr lang="pt-PT" sz="2400" dirty="0" smtClean="0"/>
+          </a:p>
+          <a:p>
+            <a:pPr marL="342900" indent="-342900">
+              <a:buFont typeface="Arial" panose="020B0604020202020204" pitchFamily="34" charset="0"/>
+              <a:buChar char="•"/>
+            </a:pPr>
             <a:endParaRPr lang="pt-PT" sz="2400" dirty="0"/>
           </a:p>
           <a:p>
-            <a:pPr marL="800100" lvl="1" indent="-342900">
-              <a:buFont typeface="Arial" panose="020B0604020202020204" pitchFamily="34" charset="0"/>
-              <a:buChar char="•"/>
-            </a:pPr>
-            <a:r>
-              <a:rPr lang="pt-PT" sz="2400" dirty="0" smtClean="0"/>
-              <a:t>Gerir </a:t>
-            </a:r>
-            <a:r>
-              <a:rPr lang="pt-PT" sz="2400" dirty="0" err="1" smtClean="0"/>
-              <a:t>Ads</a:t>
-            </a:r>
-            <a:r>
-              <a:rPr lang="pt-PT" sz="2400" dirty="0" smtClean="0"/>
-              <a:t> de publicidade</a:t>
-            </a:r>
-          </a:p>
-          <a:p>
-            <a:pPr marL="800100" lvl="1" indent="-342900">
-              <a:buFont typeface="Arial" panose="020B0604020202020204" pitchFamily="34" charset="0"/>
-              <a:buChar char="•"/>
-            </a:pPr>
-            <a:r>
-              <a:rPr lang="pt-PT" sz="2400" dirty="0" smtClean="0"/>
-              <a:t>Fazer </a:t>
-            </a:r>
-            <a:r>
-              <a:rPr lang="pt-PT" sz="2400" dirty="0" err="1" smtClean="0"/>
-              <a:t>Upload</a:t>
-            </a:r>
-            <a:r>
-              <a:rPr lang="pt-PT" sz="2400" dirty="0" smtClean="0"/>
-              <a:t> de fotos</a:t>
-            </a:r>
-          </a:p>
-          <a:p>
-            <a:pPr marL="800100" lvl="1" indent="-342900">
-              <a:buFont typeface="Arial" panose="020B0604020202020204" pitchFamily="34" charset="0"/>
-              <a:buChar char="•"/>
-            </a:pPr>
-            <a:r>
-              <a:rPr lang="pt-PT" sz="2400" dirty="0" err="1" smtClean="0"/>
-              <a:t>Etc</a:t>
-            </a:r>
+            <a:pPr marL="342900" indent="-342900">
+              <a:buFont typeface="Arial" panose="020B0604020202020204" pitchFamily="34" charset="0"/>
+              <a:buChar char="•"/>
+            </a:pPr>
+            <a:endParaRPr lang="pt-PT" sz="2400" dirty="0" smtClean="0"/>
+          </a:p>
+          <a:p>
+            <a:pPr marL="342900" indent="-342900">
+              <a:buFont typeface="Arial" panose="020B0604020202020204" pitchFamily="34" charset="0"/>
+              <a:buChar char="•"/>
+            </a:pPr>
+            <a:endParaRPr lang="pt-PT" sz="2400" dirty="0" smtClean="0"/>
+          </a:p>
+          <a:p>
+            <a:pPr marL="342900" indent="-342900">
+              <a:buFont typeface="Arial" panose="020B0604020202020204" pitchFamily="34" charset="0"/>
+              <a:buChar char="•"/>
+            </a:pPr>
+            <a:endParaRPr lang="pt-PT" sz="2400" dirty="0" smtClean="0"/>
+          </a:p>
+          <a:p>
+            <a:pPr marL="342900" indent="-342900">
+              <a:buFont typeface="Arial" panose="020B0604020202020204" pitchFamily="34" charset="0"/>
+              <a:buChar char="•"/>
+            </a:pPr>
             <a:endParaRPr lang="pt-PT" sz="2400" dirty="0" smtClean="0"/>
           </a:p>
           <a:p>
@@ -5293,25 +5652,157 @@
             </a:pPr>
             <a:endParaRPr lang="pt-PT" sz="2400" dirty="0" smtClean="0"/>
           </a:p>
-          <a:p>
-            <a:pPr marL="342900" indent="-342900">
-              <a:buFont typeface="Arial" panose="020B0604020202020204" pitchFamily="34" charset="0"/>
-              <a:buChar char="•"/>
-            </a:pPr>
-            <a:endParaRPr lang="pt-PT" sz="2400" dirty="0"/>
-          </a:p>
-          <a:p>
-            <a:pPr marL="342900" indent="-342900">
-              <a:buFont typeface="Arial" panose="020B0604020202020204" pitchFamily="34" charset="0"/>
-              <a:buChar char="•"/>
-            </a:pPr>
-            <a:endParaRPr lang="pt-PT" sz="2400" dirty="0" smtClean="0"/>
+        </p:txBody>
+      </p:sp>
+      <p:sp>
+        <p:nvSpPr>
+          <p:cNvPr id="2" name="Slide Number Placeholder 1"/>
+          <p:cNvSpPr>
+            <a:spLocks noGrp="1"/>
+          </p:cNvSpPr>
+          <p:nvPr>
+            <p:ph type="sldNum" sz="quarter" idx="12"/>
+          </p:nvPr>
+        </p:nvSpPr>
+        <p:spPr/>
+        <p:txBody>
+          <a:bodyPr/>
+          <a:lstStyle/>
+          <a:p>
+            <a:fld id="{422D536B-584E-486B-9435-086987A3D916}" type="slidenum">
+              <a:rPr lang="pt-PT" smtClean="0"/>
+              <a:t>11</a:t>
+            </a:fld>
+            <a:endParaRPr lang="pt-PT" dirty="0"/>
+          </a:p>
+        </p:txBody>
+      </p:sp>
+      <p:sp>
+        <p:nvSpPr>
+          <p:cNvPr id="6" name="Slide Number Placeholder 5"/>
+          <p:cNvSpPr txBox="1">
+            <a:spLocks/>
+          </p:cNvSpPr>
+          <p:nvPr/>
+        </p:nvSpPr>
+        <p:spPr>
+          <a:xfrm>
+            <a:off x="0" y="6464982"/>
+            <a:ext cx="475129" cy="365125"/>
+          </a:xfrm>
+          <a:prstGeom prst="rect">
+            <a:avLst/>
+          </a:prstGeom>
+        </p:spPr>
+        <p:txBody>
+          <a:bodyPr vert="horz" lIns="91440" tIns="45720" rIns="91440" bIns="45720" rtlCol="0" anchor="ctr"/>
+          <a:lstStyle>
+            <a:defPPr>
+              <a:defRPr lang="en-US"/>
+            </a:defPPr>
+            <a:lvl1pPr marL="0" algn="r" defTabSz="457200" rtl="0" eaLnBrk="1" latinLnBrk="0" hangingPunct="1">
+              <a:defRPr sz="1050" kern="1200">
+                <a:solidFill>
+                  <a:srgbClr val="FFFFFF"/>
+                </a:solidFill>
+                <a:latin typeface="+mn-lt"/>
+                <a:ea typeface="+mn-ea"/>
+                <a:cs typeface="+mn-cs"/>
+              </a:defRPr>
+            </a:lvl1pPr>
+            <a:lvl2pPr marL="457200" algn="l" defTabSz="457200" rtl="0" eaLnBrk="1" latinLnBrk="0" hangingPunct="1">
+              <a:defRPr sz="1800" kern="1200">
+                <a:solidFill>
+                  <a:schemeClr val="tx1"/>
+                </a:solidFill>
+                <a:latin typeface="+mn-lt"/>
+                <a:ea typeface="+mn-ea"/>
+                <a:cs typeface="+mn-cs"/>
+              </a:defRPr>
+            </a:lvl2pPr>
+            <a:lvl3pPr marL="914400" algn="l" defTabSz="457200" rtl="0" eaLnBrk="1" latinLnBrk="0" hangingPunct="1">
+              <a:defRPr sz="1800" kern="1200">
+                <a:solidFill>
+                  <a:schemeClr val="tx1"/>
+                </a:solidFill>
+                <a:latin typeface="+mn-lt"/>
+                <a:ea typeface="+mn-ea"/>
+                <a:cs typeface="+mn-cs"/>
+              </a:defRPr>
+            </a:lvl3pPr>
+            <a:lvl4pPr marL="1371600" algn="l" defTabSz="457200" rtl="0" eaLnBrk="1" latinLnBrk="0" hangingPunct="1">
+              <a:defRPr sz="1800" kern="1200">
+                <a:solidFill>
+                  <a:schemeClr val="tx1"/>
+                </a:solidFill>
+                <a:latin typeface="+mn-lt"/>
+                <a:ea typeface="+mn-ea"/>
+                <a:cs typeface="+mn-cs"/>
+              </a:defRPr>
+            </a:lvl4pPr>
+            <a:lvl5pPr marL="1828800" algn="l" defTabSz="457200" rtl="0" eaLnBrk="1" latinLnBrk="0" hangingPunct="1">
+              <a:defRPr sz="1800" kern="1200">
+                <a:solidFill>
+                  <a:schemeClr val="tx1"/>
+                </a:solidFill>
+                <a:latin typeface="+mn-lt"/>
+                <a:ea typeface="+mn-ea"/>
+                <a:cs typeface="+mn-cs"/>
+              </a:defRPr>
+            </a:lvl5pPr>
+            <a:lvl6pPr marL="2286000" algn="l" defTabSz="457200" rtl="0" eaLnBrk="1" latinLnBrk="0" hangingPunct="1">
+              <a:defRPr sz="1800" kern="1200">
+                <a:solidFill>
+                  <a:schemeClr val="tx1"/>
+                </a:solidFill>
+                <a:latin typeface="+mn-lt"/>
+                <a:ea typeface="+mn-ea"/>
+                <a:cs typeface="+mn-cs"/>
+              </a:defRPr>
+            </a:lvl6pPr>
+            <a:lvl7pPr marL="2743200" algn="l" defTabSz="457200" rtl="0" eaLnBrk="1" latinLnBrk="0" hangingPunct="1">
+              <a:defRPr sz="1800" kern="1200">
+                <a:solidFill>
+                  <a:schemeClr val="tx1"/>
+                </a:solidFill>
+                <a:latin typeface="+mn-lt"/>
+                <a:ea typeface="+mn-ea"/>
+                <a:cs typeface="+mn-cs"/>
+              </a:defRPr>
+            </a:lvl7pPr>
+            <a:lvl8pPr marL="3200400" algn="l" defTabSz="457200" rtl="0" eaLnBrk="1" latinLnBrk="0" hangingPunct="1">
+              <a:defRPr sz="1800" kern="1200">
+                <a:solidFill>
+                  <a:schemeClr val="tx1"/>
+                </a:solidFill>
+                <a:latin typeface="+mn-lt"/>
+                <a:ea typeface="+mn-ea"/>
+                <a:cs typeface="+mn-cs"/>
+              </a:defRPr>
+            </a:lvl8pPr>
+            <a:lvl9pPr marL="3657600" algn="l" defTabSz="457200" rtl="0" eaLnBrk="1" latinLnBrk="0" hangingPunct="1">
+              <a:defRPr sz="1800" kern="1200">
+                <a:solidFill>
+                  <a:schemeClr val="tx1"/>
+                </a:solidFill>
+                <a:latin typeface="+mn-lt"/>
+                <a:ea typeface="+mn-ea"/>
+                <a:cs typeface="+mn-cs"/>
+              </a:defRPr>
+            </a:lvl9pPr>
+          </a:lstStyle>
+          <a:p>
+            <a:r>
+              <a:rPr lang="pt-PT" dirty="0" smtClean="0"/>
+              <a:t>IPVC</a:t>
+            </a:r>
+            <a:endParaRPr lang="pt-PT" dirty="0"/>
           </a:p>
         </p:txBody>
       </p:sp>
       <p:pic>
         <p:nvPicPr>
-          <p:cNvPr id="5" name="Picture 4"/>
+          <p:cNvPr id="9" name="Picture 4"/>
           <p:cNvPicPr>
             <a:picLocks noChangeAspect="1"/>
           </p:cNvPicPr>
@@ -5331,8 +5822,8 @@
         </p:blipFill>
         <p:spPr>
           <a:xfrm>
-            <a:off x="10468855" y="267443"/>
-            <a:ext cx="1373649" cy="983017"/>
+            <a:off x="10468855" y="300496"/>
+            <a:ext cx="1373649" cy="916911"/>
           </a:xfrm>
           <a:prstGeom prst="rect">
             <a:avLst/>
@@ -5341,31 +5832,166 @@
       </p:pic>
       <p:sp>
         <p:nvSpPr>
-          <p:cNvPr id="2" name="Slide Number Placeholder 1"/>
-          <p:cNvSpPr>
-            <a:spLocks noGrp="1"/>
+          <p:cNvPr id="10" name="Slide Number Placeholder 5"/>
+          <p:cNvSpPr txBox="1">
+            <a:spLocks/>
           </p:cNvSpPr>
-          <p:nvPr>
-            <p:ph type="sldNum" sz="quarter" idx="12"/>
-          </p:nvPr>
-        </p:nvSpPr>
-        <p:spPr/>
-        <p:txBody>
-          <a:bodyPr/>
-          <a:lstStyle/>
-          <a:p>
-            <a:fld id="{422D536B-584E-486B-9435-086987A3D916}" type="slidenum">
-              <a:rPr lang="pt-PT" smtClean="0"/>
-              <a:t>11</a:t>
-            </a:fld>
-            <a:endParaRPr lang="pt-PT"/>
-          </a:p>
-        </p:txBody>
-      </p:sp>
+          <p:nvPr/>
+        </p:nvSpPr>
+        <p:spPr>
+          <a:xfrm>
+            <a:off x="3908571" y="6492875"/>
+            <a:ext cx="4435818" cy="365125"/>
+          </a:xfrm>
+          <a:prstGeom prst="rect">
+            <a:avLst/>
+          </a:prstGeom>
+        </p:spPr>
+        <p:txBody>
+          <a:bodyPr vert="horz" lIns="91440" tIns="45720" rIns="91440" bIns="45720" rtlCol="0" anchor="ctr"/>
+          <a:lstStyle>
+            <a:defPPr>
+              <a:defRPr lang="en-US"/>
+            </a:defPPr>
+            <a:lvl1pPr marL="0" algn="r" defTabSz="457200" rtl="0" eaLnBrk="1" latinLnBrk="0" hangingPunct="1">
+              <a:defRPr sz="1050" kern="1200">
+                <a:solidFill>
+                  <a:srgbClr val="FFFFFF"/>
+                </a:solidFill>
+                <a:latin typeface="+mn-lt"/>
+                <a:ea typeface="+mn-ea"/>
+                <a:cs typeface="+mn-cs"/>
+              </a:defRPr>
+            </a:lvl1pPr>
+            <a:lvl2pPr marL="457200" algn="l" defTabSz="457200" rtl="0" eaLnBrk="1" latinLnBrk="0" hangingPunct="1">
+              <a:defRPr sz="1800" kern="1200">
+                <a:solidFill>
+                  <a:schemeClr val="tx1"/>
+                </a:solidFill>
+                <a:latin typeface="+mn-lt"/>
+                <a:ea typeface="+mn-ea"/>
+                <a:cs typeface="+mn-cs"/>
+              </a:defRPr>
+            </a:lvl2pPr>
+            <a:lvl3pPr marL="914400" algn="l" defTabSz="457200" rtl="0" eaLnBrk="1" latinLnBrk="0" hangingPunct="1">
+              <a:defRPr sz="1800" kern="1200">
+                <a:solidFill>
+                  <a:schemeClr val="tx1"/>
+                </a:solidFill>
+                <a:latin typeface="+mn-lt"/>
+                <a:ea typeface="+mn-ea"/>
+                <a:cs typeface="+mn-cs"/>
+              </a:defRPr>
+            </a:lvl3pPr>
+            <a:lvl4pPr marL="1371600" algn="l" defTabSz="457200" rtl="0" eaLnBrk="1" latinLnBrk="0" hangingPunct="1">
+              <a:defRPr sz="1800" kern="1200">
+                <a:solidFill>
+                  <a:schemeClr val="tx1"/>
+                </a:solidFill>
+                <a:latin typeface="+mn-lt"/>
+                <a:ea typeface="+mn-ea"/>
+                <a:cs typeface="+mn-cs"/>
+              </a:defRPr>
+            </a:lvl4pPr>
+            <a:lvl5pPr marL="1828800" algn="l" defTabSz="457200" rtl="0" eaLnBrk="1" latinLnBrk="0" hangingPunct="1">
+              <a:defRPr sz="1800" kern="1200">
+                <a:solidFill>
+                  <a:schemeClr val="tx1"/>
+                </a:solidFill>
+                <a:latin typeface="+mn-lt"/>
+                <a:ea typeface="+mn-ea"/>
+                <a:cs typeface="+mn-cs"/>
+              </a:defRPr>
+            </a:lvl5pPr>
+            <a:lvl6pPr marL="2286000" algn="l" defTabSz="457200" rtl="0" eaLnBrk="1" latinLnBrk="0" hangingPunct="1">
+              <a:defRPr sz="1800" kern="1200">
+                <a:solidFill>
+                  <a:schemeClr val="tx1"/>
+                </a:solidFill>
+                <a:latin typeface="+mn-lt"/>
+                <a:ea typeface="+mn-ea"/>
+                <a:cs typeface="+mn-cs"/>
+              </a:defRPr>
+            </a:lvl6pPr>
+            <a:lvl7pPr marL="2743200" algn="l" defTabSz="457200" rtl="0" eaLnBrk="1" latinLnBrk="0" hangingPunct="1">
+              <a:defRPr sz="1800" kern="1200">
+                <a:solidFill>
+                  <a:schemeClr val="tx1"/>
+                </a:solidFill>
+                <a:latin typeface="+mn-lt"/>
+                <a:ea typeface="+mn-ea"/>
+                <a:cs typeface="+mn-cs"/>
+              </a:defRPr>
+            </a:lvl7pPr>
+            <a:lvl8pPr marL="3200400" algn="l" defTabSz="457200" rtl="0" eaLnBrk="1" latinLnBrk="0" hangingPunct="1">
+              <a:defRPr sz="1800" kern="1200">
+                <a:solidFill>
+                  <a:schemeClr val="tx1"/>
+                </a:solidFill>
+                <a:latin typeface="+mn-lt"/>
+                <a:ea typeface="+mn-ea"/>
+                <a:cs typeface="+mn-cs"/>
+              </a:defRPr>
+            </a:lvl8pPr>
+            <a:lvl9pPr marL="3657600" algn="l" defTabSz="457200" rtl="0" eaLnBrk="1" latinLnBrk="0" hangingPunct="1">
+              <a:defRPr sz="1800" kern="1200">
+                <a:solidFill>
+                  <a:schemeClr val="tx1"/>
+                </a:solidFill>
+                <a:latin typeface="+mn-lt"/>
+                <a:ea typeface="+mn-ea"/>
+                <a:cs typeface="+mn-cs"/>
+              </a:defRPr>
+            </a:lvl9pPr>
+          </a:lstStyle>
+          <a:p>
+            <a:pPr algn="ctr"/>
+            <a:r>
+              <a:rPr lang="pt-PT" sz="1600" b="1" dirty="0" smtClean="0"/>
+              <a:t>HMI para Fabrico </a:t>
+            </a:r>
+            <a:r>
+              <a:rPr lang="pt-PT" sz="1600" b="1" dirty="0" smtClean="0"/>
+              <a:t>Aditivo – Estado da Arte</a:t>
+            </a:r>
+            <a:endParaRPr lang="pt-PT" sz="1600" b="1" dirty="0"/>
+          </a:p>
+        </p:txBody>
+      </p:sp>
+      <p:pic>
+        <p:nvPicPr>
+          <p:cNvPr id="3" name="Picture 2"/>
+          <p:cNvPicPr>
+            <a:picLocks noChangeAspect="1"/>
+          </p:cNvPicPr>
+          <p:nvPr/>
+        </p:nvPicPr>
+        <p:blipFill>
+          <a:blip r:embed="rId3" cstate="print">
+            <a:extLst>
+              <a:ext uri="{28A0092B-C50C-407E-A947-70E740481C1C}">
+                <a14:useLocalDpi xmlns:a14="http://schemas.microsoft.com/office/drawing/2010/main" val="0"/>
+              </a:ext>
+            </a:extLst>
+          </a:blip>
+          <a:stretch>
+            <a:fillRect/>
+          </a:stretch>
+        </p:blipFill>
+        <p:spPr>
+          <a:xfrm>
+            <a:off x="4148052" y="915705"/>
+            <a:ext cx="2617752" cy="1671299"/>
+          </a:xfrm>
+          <a:prstGeom prst="rect">
+            <a:avLst/>
+          </a:prstGeom>
+        </p:spPr>
+      </p:pic>
     </p:spTree>
     <p:extLst>
       <p:ext uri="{BB962C8B-B14F-4D97-AF65-F5344CB8AC3E}">
-        <p14:creationId xmlns:p14="http://schemas.microsoft.com/office/powerpoint/2010/main" val="3404540180"/>
+        <p14:creationId xmlns:p14="http://schemas.microsoft.com/office/powerpoint/2010/main" val="1796285942"/>
       </p:ext>
     </p:extLst>
   </p:cSld>
@@ -5400,8 +6026,8 @@
         </p:nvSpPr>
         <p:spPr>
           <a:xfrm>
-            <a:off x="437479" y="541212"/>
-            <a:ext cx="9854004" cy="5755422"/>
+            <a:off x="445000" y="166025"/>
+            <a:ext cx="11747000" cy="7602081"/>
           </a:xfrm>
           <a:prstGeom prst="rect">
             <a:avLst/>
@@ -5416,15 +6042,15 @@
           <a:p>
             <a:r>
               <a:rPr lang="pt-PT" sz="3200" b="1" dirty="0" smtClean="0"/>
-              <a:t>Estatísticas do </a:t>
-            </a:r>
-            <a:r>
-              <a:rPr lang="pt-PT" sz="3200" b="1" dirty="0" err="1" smtClean="0"/>
-              <a:t>Facebook</a:t>
+              <a:t>Planeamento</a:t>
             </a:r>
             <a:endParaRPr lang="pt-PT" sz="3200" b="1" dirty="0" smtClean="0"/>
           </a:p>
           <a:p>
+            <a:pPr marL="342900" indent="-342900">
+              <a:buFont typeface="Arial" panose="020B0604020202020204" pitchFamily="34" charset="0"/>
+              <a:buChar char="•"/>
+            </a:pPr>
             <a:endParaRPr lang="pt-PT" sz="2400" dirty="0" smtClean="0"/>
           </a:p>
           <a:p>
@@ -5434,100 +6060,84 @@
             </a:pPr>
             <a:r>
               <a:rPr lang="pt-PT" sz="2400" dirty="0" smtClean="0"/>
-              <a:t>Segundo dados da </a:t>
-            </a:r>
-            <a:r>
-              <a:rPr lang="pt-PT" sz="2400" dirty="0" err="1" smtClean="0"/>
-              <a:t>Zephoria</a:t>
-            </a:r>
+              <a:t>Até 31/05 – Especificação do Projeto</a:t>
+            </a:r>
+          </a:p>
+          <a:p>
+            <a:pPr marL="342900" indent="-342900">
+              <a:buFont typeface="Arial" panose="020B0604020202020204" pitchFamily="34" charset="0"/>
+              <a:buChar char="•"/>
+            </a:pPr>
             <a:r>
               <a:rPr lang="pt-PT" sz="2400" dirty="0" smtClean="0"/>
-              <a:t> </a:t>
-            </a:r>
-            <a:r>
-              <a:rPr lang="pt-PT" sz="2400" dirty="0"/>
-              <a:t>(</a:t>
-            </a:r>
-            <a:r>
-              <a:rPr lang="pt-PT" sz="2400" dirty="0">
-                <a:hlinkClick r:id="rId2"/>
-              </a:rPr>
-              <a:t>https://zephoria.com/top-15-valuable-facebook-statistics</a:t>
-            </a:r>
-            <a:r>
-              <a:rPr lang="pt-PT" sz="2400" dirty="0" smtClean="0">
-                <a:hlinkClick r:id="rId2"/>
-              </a:rPr>
-              <a:t>/</a:t>
-            </a:r>
+              <a:t>01/06 a 15/06 – Estudo do Estado da Arte</a:t>
+            </a:r>
+          </a:p>
+          <a:p>
+            <a:pPr marL="342900" indent="-342900">
+              <a:buFont typeface="Arial" panose="020B0604020202020204" pitchFamily="34" charset="0"/>
+              <a:buChar char="•"/>
+            </a:pPr>
             <a:r>
               <a:rPr lang="pt-PT" sz="2400" dirty="0" smtClean="0"/>
-              <a:t>):</a:t>
-            </a:r>
-          </a:p>
-          <a:p>
-            <a:pPr marL="800100" lvl="1" indent="-342900">
+              <a:t>16/06 a 05/07 – Desenvolvimento do Projeto (1ª versão)</a:t>
+            </a:r>
+          </a:p>
+          <a:p>
+            <a:pPr marL="342900" indent="-342900">
               <a:buFont typeface="Arial" panose="020B0604020202020204" pitchFamily="34" charset="0"/>
               <a:buChar char="•"/>
             </a:pPr>
             <a:r>
               <a:rPr lang="pt-PT" sz="2400" dirty="0" smtClean="0"/>
-              <a:t>1.86 Biliões de utilizadores ativos por mês (com aumento anual de 17%)</a:t>
-            </a:r>
-          </a:p>
-          <a:p>
-            <a:pPr marL="800100" lvl="1" indent="-342900">
+              <a:t>06/07 a 12/07 – Relatório e Apresentação</a:t>
+            </a:r>
+            <a:endParaRPr lang="pt-PT" sz="2400" dirty="0" smtClean="0"/>
+          </a:p>
+          <a:p>
+            <a:pPr marL="342900" indent="-342900">
               <a:buFont typeface="Arial" panose="020B0604020202020204" pitchFamily="34" charset="0"/>
               <a:buChar char="•"/>
             </a:pPr>
             <a:r>
               <a:rPr lang="pt-PT" sz="2400" dirty="0" smtClean="0"/>
-              <a:t>29.7% dos utilizadores estão entre 29 e 34 anos de idade</a:t>
-            </a:r>
-          </a:p>
-          <a:p>
-            <a:pPr marL="800100" lvl="1" indent="-342900">
+              <a:t>01/10 a 01/12 – Desenvolvimento do Projeto Final</a:t>
+            </a:r>
+          </a:p>
+          <a:p>
+            <a:pPr marL="342900" indent="-342900">
               <a:buFont typeface="Arial" panose="020B0604020202020204" pitchFamily="34" charset="0"/>
               <a:buChar char="•"/>
             </a:pPr>
             <a:r>
               <a:rPr lang="pt-PT" sz="2400" dirty="0" smtClean="0"/>
-              <a:t>5 novos perfis são criados por segundo</a:t>
-            </a:r>
-          </a:p>
-          <a:p>
-            <a:pPr marL="800100" lvl="1" indent="-342900">
-              <a:buFont typeface="Arial" panose="020B0604020202020204" pitchFamily="34" charset="0"/>
-              <a:buChar char="•"/>
-            </a:pPr>
-            <a:r>
-              <a:rPr lang="pt-PT" sz="2400" dirty="0" smtClean="0"/>
-              <a:t>Cada 60 segundos: 510 mil comentários são escritos e 293 mil estados são atualizados</a:t>
-            </a:r>
-          </a:p>
-          <a:p>
-            <a:pPr marL="800100" lvl="1" indent="-342900">
-              <a:buFont typeface="Arial" panose="020B0604020202020204" pitchFamily="34" charset="0"/>
-              <a:buChar char="•"/>
-            </a:pPr>
-            <a:r>
-              <a:rPr lang="pt-PT" sz="2400" dirty="0" err="1" smtClean="0"/>
-              <a:t>Upload</a:t>
-            </a:r>
-            <a:r>
-              <a:rPr lang="pt-PT" sz="2400" dirty="0" smtClean="0"/>
-              <a:t> de 300 milhões de fotos por dia</a:t>
-            </a:r>
-          </a:p>
-          <a:p>
-            <a:pPr marL="800100" lvl="1" indent="-342900">
-              <a:buFont typeface="Arial" panose="020B0604020202020204" pitchFamily="34" charset="0"/>
-              <a:buChar char="•"/>
-            </a:pPr>
-            <a:r>
-              <a:rPr lang="pt-PT" sz="2400" dirty="0"/>
-              <a:t>16 milhões de páginas de negócios locais foram criadas desde Maio de 2013</a:t>
-            </a:r>
+              <a:t>02/12 a 01/02 – Relatório e Apresentação Final</a:t>
+            </a:r>
+            <a:endParaRPr lang="pt-PT" sz="2400" dirty="0" smtClean="0"/>
+          </a:p>
+          <a:p>
+            <a:pPr marL="342900" indent="-342900">
+              <a:buFont typeface="Arial" panose="020B0604020202020204" pitchFamily="34" charset="0"/>
+              <a:buChar char="•"/>
+            </a:pPr>
+            <a:endParaRPr lang="pt-PT" sz="2400" dirty="0" smtClean="0"/>
+          </a:p>
+          <a:p>
+            <a:pPr marL="342900" indent="-342900">
+              <a:buFont typeface="Arial" panose="020B0604020202020204" pitchFamily="34" charset="0"/>
+              <a:buChar char="•"/>
+            </a:pPr>
+            <a:endParaRPr lang="pt-PT" sz="2400" dirty="0" smtClean="0"/>
+          </a:p>
+          <a:p>
+            <a:endParaRPr lang="pt-PT" sz="2400" dirty="0" smtClean="0"/>
+          </a:p>
+          <a:p>
+            <a:pPr marL="342900" indent="-342900">
+              <a:buFont typeface="Arial" panose="020B0604020202020204" pitchFamily="34" charset="0"/>
+              <a:buChar char="•"/>
+            </a:pPr>
+            <a:endParaRPr lang="pt-PT" sz="2400" dirty="0" smtClean="0"/>
           </a:p>
           <a:p>
             <a:pPr marL="342900" indent="-342900">
@@ -5549,19 +6159,200 @@
               <a:buChar char="•"/>
             </a:pPr>
             <a:endParaRPr lang="pt-PT" sz="2400" dirty="0" smtClean="0"/>
+          </a:p>
+          <a:p>
+            <a:pPr marL="342900" indent="-342900">
+              <a:buFont typeface="Arial" panose="020B0604020202020204" pitchFamily="34" charset="0"/>
+              <a:buChar char="•"/>
+            </a:pPr>
+            <a:endParaRPr lang="pt-PT" sz="2400" dirty="0" smtClean="0"/>
+          </a:p>
+          <a:p>
+            <a:pPr marL="342900" indent="-342900">
+              <a:buFont typeface="Arial" panose="020B0604020202020204" pitchFamily="34" charset="0"/>
+              <a:buChar char="•"/>
+            </a:pPr>
+            <a:endParaRPr lang="pt-PT" sz="2400" dirty="0" smtClean="0"/>
+          </a:p>
+          <a:p>
+            <a:pPr marL="342900" indent="-342900">
+              <a:buFont typeface="Arial" panose="020B0604020202020204" pitchFamily="34" charset="0"/>
+              <a:buChar char="•"/>
+            </a:pPr>
+            <a:endParaRPr lang="pt-PT" sz="2400" dirty="0" smtClean="0"/>
+          </a:p>
+          <a:p>
+            <a:pPr marL="342900" indent="-342900">
+              <a:buFont typeface="Arial" panose="020B0604020202020204" pitchFamily="34" charset="0"/>
+              <a:buChar char="•"/>
+            </a:pPr>
+            <a:endParaRPr lang="pt-PT" sz="2400" dirty="0"/>
+          </a:p>
+          <a:p>
+            <a:pPr marL="342900" indent="-342900">
+              <a:buFont typeface="Arial" panose="020B0604020202020204" pitchFamily="34" charset="0"/>
+              <a:buChar char="•"/>
+            </a:pPr>
+            <a:endParaRPr lang="pt-PT" sz="2400" dirty="0" smtClean="0"/>
+          </a:p>
+        </p:txBody>
+      </p:sp>
+      <p:sp>
+        <p:nvSpPr>
+          <p:cNvPr id="2" name="Slide Number Placeholder 1"/>
+          <p:cNvSpPr>
+            <a:spLocks noGrp="1"/>
+          </p:cNvSpPr>
+          <p:nvPr>
+            <p:ph type="sldNum" sz="quarter" idx="12"/>
+          </p:nvPr>
+        </p:nvSpPr>
+        <p:spPr/>
+        <p:txBody>
+          <a:bodyPr/>
+          <a:lstStyle/>
+          <a:p>
+            <a:fld id="{422D536B-584E-486B-9435-086987A3D916}" type="slidenum">
+              <a:rPr lang="pt-PT" smtClean="0"/>
+              <a:t>12</a:t>
+            </a:fld>
+            <a:endParaRPr lang="pt-PT" dirty="0"/>
+          </a:p>
+        </p:txBody>
+      </p:sp>
+      <p:sp>
+        <p:nvSpPr>
+          <p:cNvPr id="6" name="Slide Number Placeholder 5"/>
+          <p:cNvSpPr txBox="1">
+            <a:spLocks/>
+          </p:cNvSpPr>
+          <p:nvPr/>
+        </p:nvSpPr>
+        <p:spPr>
+          <a:xfrm>
+            <a:off x="0" y="6464982"/>
+            <a:ext cx="475129" cy="365125"/>
+          </a:xfrm>
+          <a:prstGeom prst="rect">
+            <a:avLst/>
+          </a:prstGeom>
+        </p:spPr>
+        <p:txBody>
+          <a:bodyPr vert="horz" lIns="91440" tIns="45720" rIns="91440" bIns="45720" rtlCol="0" anchor="ctr"/>
+          <a:lstStyle>
+            <a:defPPr>
+              <a:defRPr lang="en-US"/>
+            </a:defPPr>
+            <a:lvl1pPr marL="0" algn="r" defTabSz="457200" rtl="0" eaLnBrk="1" latinLnBrk="0" hangingPunct="1">
+              <a:defRPr sz="1050" kern="1200">
+                <a:solidFill>
+                  <a:srgbClr val="FFFFFF"/>
+                </a:solidFill>
+                <a:latin typeface="+mn-lt"/>
+                <a:ea typeface="+mn-ea"/>
+                <a:cs typeface="+mn-cs"/>
+              </a:defRPr>
+            </a:lvl1pPr>
+            <a:lvl2pPr marL="457200" algn="l" defTabSz="457200" rtl="0" eaLnBrk="1" latinLnBrk="0" hangingPunct="1">
+              <a:defRPr sz="1800" kern="1200">
+                <a:solidFill>
+                  <a:schemeClr val="tx1"/>
+                </a:solidFill>
+                <a:latin typeface="+mn-lt"/>
+                <a:ea typeface="+mn-ea"/>
+                <a:cs typeface="+mn-cs"/>
+              </a:defRPr>
+            </a:lvl2pPr>
+            <a:lvl3pPr marL="914400" algn="l" defTabSz="457200" rtl="0" eaLnBrk="1" latinLnBrk="0" hangingPunct="1">
+              <a:defRPr sz="1800" kern="1200">
+                <a:solidFill>
+                  <a:schemeClr val="tx1"/>
+                </a:solidFill>
+                <a:latin typeface="+mn-lt"/>
+                <a:ea typeface="+mn-ea"/>
+                <a:cs typeface="+mn-cs"/>
+              </a:defRPr>
+            </a:lvl3pPr>
+            <a:lvl4pPr marL="1371600" algn="l" defTabSz="457200" rtl="0" eaLnBrk="1" latinLnBrk="0" hangingPunct="1">
+              <a:defRPr sz="1800" kern="1200">
+                <a:solidFill>
+                  <a:schemeClr val="tx1"/>
+                </a:solidFill>
+                <a:latin typeface="+mn-lt"/>
+                <a:ea typeface="+mn-ea"/>
+                <a:cs typeface="+mn-cs"/>
+              </a:defRPr>
+            </a:lvl4pPr>
+            <a:lvl5pPr marL="1828800" algn="l" defTabSz="457200" rtl="0" eaLnBrk="1" latinLnBrk="0" hangingPunct="1">
+              <a:defRPr sz="1800" kern="1200">
+                <a:solidFill>
+                  <a:schemeClr val="tx1"/>
+                </a:solidFill>
+                <a:latin typeface="+mn-lt"/>
+                <a:ea typeface="+mn-ea"/>
+                <a:cs typeface="+mn-cs"/>
+              </a:defRPr>
+            </a:lvl5pPr>
+            <a:lvl6pPr marL="2286000" algn="l" defTabSz="457200" rtl="0" eaLnBrk="1" latinLnBrk="0" hangingPunct="1">
+              <a:defRPr sz="1800" kern="1200">
+                <a:solidFill>
+                  <a:schemeClr val="tx1"/>
+                </a:solidFill>
+                <a:latin typeface="+mn-lt"/>
+                <a:ea typeface="+mn-ea"/>
+                <a:cs typeface="+mn-cs"/>
+              </a:defRPr>
+            </a:lvl6pPr>
+            <a:lvl7pPr marL="2743200" algn="l" defTabSz="457200" rtl="0" eaLnBrk="1" latinLnBrk="0" hangingPunct="1">
+              <a:defRPr sz="1800" kern="1200">
+                <a:solidFill>
+                  <a:schemeClr val="tx1"/>
+                </a:solidFill>
+                <a:latin typeface="+mn-lt"/>
+                <a:ea typeface="+mn-ea"/>
+                <a:cs typeface="+mn-cs"/>
+              </a:defRPr>
+            </a:lvl7pPr>
+            <a:lvl8pPr marL="3200400" algn="l" defTabSz="457200" rtl="0" eaLnBrk="1" latinLnBrk="0" hangingPunct="1">
+              <a:defRPr sz="1800" kern="1200">
+                <a:solidFill>
+                  <a:schemeClr val="tx1"/>
+                </a:solidFill>
+                <a:latin typeface="+mn-lt"/>
+                <a:ea typeface="+mn-ea"/>
+                <a:cs typeface="+mn-cs"/>
+              </a:defRPr>
+            </a:lvl8pPr>
+            <a:lvl9pPr marL="3657600" algn="l" defTabSz="457200" rtl="0" eaLnBrk="1" latinLnBrk="0" hangingPunct="1">
+              <a:defRPr sz="1800" kern="1200">
+                <a:solidFill>
+                  <a:schemeClr val="tx1"/>
+                </a:solidFill>
+                <a:latin typeface="+mn-lt"/>
+                <a:ea typeface="+mn-ea"/>
+                <a:cs typeface="+mn-cs"/>
+              </a:defRPr>
+            </a:lvl9pPr>
+          </a:lstStyle>
+          <a:p>
+            <a:r>
+              <a:rPr lang="pt-PT" dirty="0" smtClean="0"/>
+              <a:t>IPVC</a:t>
+            </a:r>
+            <a:endParaRPr lang="pt-PT" dirty="0"/>
           </a:p>
         </p:txBody>
       </p:sp>
       <p:pic>
         <p:nvPicPr>
-          <p:cNvPr id="5" name="Picture 4"/>
+          <p:cNvPr id="9" name="Picture 4"/>
           <p:cNvPicPr>
             <a:picLocks noChangeAspect="1"/>
           </p:cNvPicPr>
           <p:nvPr/>
         </p:nvPicPr>
         <p:blipFill>
-          <a:blip r:embed="rId3" cstate="print">
+          <a:blip r:embed="rId2" cstate="print">
             <a:extLst>
               <a:ext uri="{28A0092B-C50C-407E-A947-70E740481C1C}">
                 <a14:useLocalDpi xmlns:a14="http://schemas.microsoft.com/office/drawing/2010/main" val="0"/>
@@ -5574,8 +6365,8 @@
         </p:blipFill>
         <p:spPr>
           <a:xfrm>
-            <a:off x="10468855" y="267443"/>
-            <a:ext cx="1373649" cy="983017"/>
+            <a:off x="10468855" y="300496"/>
+            <a:ext cx="1373649" cy="916911"/>
           </a:xfrm>
           <a:prstGeom prst="rect">
             <a:avLst/>
@@ -5584,31 +6375,164 @@
       </p:pic>
       <p:sp>
         <p:nvSpPr>
-          <p:cNvPr id="2" name="Slide Number Placeholder 1"/>
-          <p:cNvSpPr>
-            <a:spLocks noGrp="1"/>
+          <p:cNvPr id="10" name="Slide Number Placeholder 5"/>
+          <p:cNvSpPr txBox="1">
+            <a:spLocks/>
           </p:cNvSpPr>
-          <p:nvPr>
-            <p:ph type="sldNum" sz="quarter" idx="12"/>
-          </p:nvPr>
-        </p:nvSpPr>
-        <p:spPr/>
-        <p:txBody>
-          <a:bodyPr/>
-          <a:lstStyle/>
-          <a:p>
-            <a:fld id="{422D536B-584E-486B-9435-086987A3D916}" type="slidenum">
-              <a:rPr lang="pt-PT" smtClean="0"/>
-              <a:t>12</a:t>
-            </a:fld>
-            <a:endParaRPr lang="pt-PT"/>
-          </a:p>
-        </p:txBody>
-      </p:sp>
+          <p:nvPr/>
+        </p:nvSpPr>
+        <p:spPr>
+          <a:xfrm>
+            <a:off x="3908571" y="6492875"/>
+            <a:ext cx="4435818" cy="365125"/>
+          </a:xfrm>
+          <a:prstGeom prst="rect">
+            <a:avLst/>
+          </a:prstGeom>
+        </p:spPr>
+        <p:txBody>
+          <a:bodyPr vert="horz" lIns="91440" tIns="45720" rIns="91440" bIns="45720" rtlCol="0" anchor="ctr"/>
+          <a:lstStyle>
+            <a:defPPr>
+              <a:defRPr lang="en-US"/>
+            </a:defPPr>
+            <a:lvl1pPr marL="0" algn="r" defTabSz="457200" rtl="0" eaLnBrk="1" latinLnBrk="0" hangingPunct="1">
+              <a:defRPr sz="1050" kern="1200">
+                <a:solidFill>
+                  <a:srgbClr val="FFFFFF"/>
+                </a:solidFill>
+                <a:latin typeface="+mn-lt"/>
+                <a:ea typeface="+mn-ea"/>
+                <a:cs typeface="+mn-cs"/>
+              </a:defRPr>
+            </a:lvl1pPr>
+            <a:lvl2pPr marL="457200" algn="l" defTabSz="457200" rtl="0" eaLnBrk="1" latinLnBrk="0" hangingPunct="1">
+              <a:defRPr sz="1800" kern="1200">
+                <a:solidFill>
+                  <a:schemeClr val="tx1"/>
+                </a:solidFill>
+                <a:latin typeface="+mn-lt"/>
+                <a:ea typeface="+mn-ea"/>
+                <a:cs typeface="+mn-cs"/>
+              </a:defRPr>
+            </a:lvl2pPr>
+            <a:lvl3pPr marL="914400" algn="l" defTabSz="457200" rtl="0" eaLnBrk="1" latinLnBrk="0" hangingPunct="1">
+              <a:defRPr sz="1800" kern="1200">
+                <a:solidFill>
+                  <a:schemeClr val="tx1"/>
+                </a:solidFill>
+                <a:latin typeface="+mn-lt"/>
+                <a:ea typeface="+mn-ea"/>
+                <a:cs typeface="+mn-cs"/>
+              </a:defRPr>
+            </a:lvl3pPr>
+            <a:lvl4pPr marL="1371600" algn="l" defTabSz="457200" rtl="0" eaLnBrk="1" latinLnBrk="0" hangingPunct="1">
+              <a:defRPr sz="1800" kern="1200">
+                <a:solidFill>
+                  <a:schemeClr val="tx1"/>
+                </a:solidFill>
+                <a:latin typeface="+mn-lt"/>
+                <a:ea typeface="+mn-ea"/>
+                <a:cs typeface="+mn-cs"/>
+              </a:defRPr>
+            </a:lvl4pPr>
+            <a:lvl5pPr marL="1828800" algn="l" defTabSz="457200" rtl="0" eaLnBrk="1" latinLnBrk="0" hangingPunct="1">
+              <a:defRPr sz="1800" kern="1200">
+                <a:solidFill>
+                  <a:schemeClr val="tx1"/>
+                </a:solidFill>
+                <a:latin typeface="+mn-lt"/>
+                <a:ea typeface="+mn-ea"/>
+                <a:cs typeface="+mn-cs"/>
+              </a:defRPr>
+            </a:lvl5pPr>
+            <a:lvl6pPr marL="2286000" algn="l" defTabSz="457200" rtl="0" eaLnBrk="1" latinLnBrk="0" hangingPunct="1">
+              <a:defRPr sz="1800" kern="1200">
+                <a:solidFill>
+                  <a:schemeClr val="tx1"/>
+                </a:solidFill>
+                <a:latin typeface="+mn-lt"/>
+                <a:ea typeface="+mn-ea"/>
+                <a:cs typeface="+mn-cs"/>
+              </a:defRPr>
+            </a:lvl6pPr>
+            <a:lvl7pPr marL="2743200" algn="l" defTabSz="457200" rtl="0" eaLnBrk="1" latinLnBrk="0" hangingPunct="1">
+              <a:defRPr sz="1800" kern="1200">
+                <a:solidFill>
+                  <a:schemeClr val="tx1"/>
+                </a:solidFill>
+                <a:latin typeface="+mn-lt"/>
+                <a:ea typeface="+mn-ea"/>
+                <a:cs typeface="+mn-cs"/>
+              </a:defRPr>
+            </a:lvl7pPr>
+            <a:lvl8pPr marL="3200400" algn="l" defTabSz="457200" rtl="0" eaLnBrk="1" latinLnBrk="0" hangingPunct="1">
+              <a:defRPr sz="1800" kern="1200">
+                <a:solidFill>
+                  <a:schemeClr val="tx1"/>
+                </a:solidFill>
+                <a:latin typeface="+mn-lt"/>
+                <a:ea typeface="+mn-ea"/>
+                <a:cs typeface="+mn-cs"/>
+              </a:defRPr>
+            </a:lvl8pPr>
+            <a:lvl9pPr marL="3657600" algn="l" defTabSz="457200" rtl="0" eaLnBrk="1" latinLnBrk="0" hangingPunct="1">
+              <a:defRPr sz="1800" kern="1200">
+                <a:solidFill>
+                  <a:schemeClr val="tx1"/>
+                </a:solidFill>
+                <a:latin typeface="+mn-lt"/>
+                <a:ea typeface="+mn-ea"/>
+                <a:cs typeface="+mn-cs"/>
+              </a:defRPr>
+            </a:lvl9pPr>
+          </a:lstStyle>
+          <a:p>
+            <a:pPr algn="ctr"/>
+            <a:r>
+              <a:rPr lang="pt-PT" sz="1600" b="1" dirty="0" smtClean="0"/>
+              <a:t>HMI para Fabrico </a:t>
+            </a:r>
+            <a:r>
+              <a:rPr lang="pt-PT" sz="1600" b="1" dirty="0" smtClean="0"/>
+              <a:t>Aditivo – Estado da Arte</a:t>
+            </a:r>
+            <a:endParaRPr lang="pt-PT" sz="1600" b="1" dirty="0"/>
+          </a:p>
+        </p:txBody>
+      </p:sp>
+      <p:pic>
+        <p:nvPicPr>
+          <p:cNvPr id="8" name="Imagem 2"/>
+          <p:cNvPicPr/>
+          <p:nvPr/>
+        </p:nvPicPr>
+        <p:blipFill>
+          <a:blip r:embed="rId3">
+            <a:extLst>
+              <a:ext uri="{28A0092B-C50C-407E-A947-70E740481C1C}">
+                <a14:useLocalDpi xmlns:a14="http://schemas.microsoft.com/office/drawing/2010/main" val="0"/>
+              </a:ext>
+            </a:extLst>
+          </a:blip>
+          <a:stretch>
+            <a:fillRect/>
+          </a:stretch>
+        </p:blipFill>
+        <p:spPr>
+          <a:xfrm>
+            <a:off x="570960" y="4057446"/>
+            <a:ext cx="11271544" cy="2049508"/>
+          </a:xfrm>
+          <a:prstGeom prst="rect">
+            <a:avLst/>
+          </a:prstGeom>
+        </p:spPr>
+      </p:pic>
     </p:spTree>
     <p:extLst>
       <p:ext uri="{BB962C8B-B14F-4D97-AF65-F5344CB8AC3E}">
-        <p14:creationId xmlns:p14="http://schemas.microsoft.com/office/powerpoint/2010/main" val="49818616"/>
+        <p14:creationId xmlns:p14="http://schemas.microsoft.com/office/powerpoint/2010/main" val="254900902"/>
       </p:ext>
     </p:extLst>
   </p:cSld>
@@ -5637,137 +6561,91 @@
       </p:grpSpPr>
       <p:sp>
         <p:nvSpPr>
-          <p:cNvPr id="7" name="TextBox 6"/>
-          <p:cNvSpPr txBox="1"/>
-          <p:nvPr/>
+          <p:cNvPr id="2" name="Title 1"/>
+          <p:cNvSpPr>
+            <a:spLocks noGrp="1"/>
+          </p:cNvSpPr>
+          <p:nvPr>
+            <p:ph type="ctrTitle"/>
+          </p:nvPr>
         </p:nvSpPr>
         <p:spPr>
           <a:xfrm>
-            <a:off x="437479" y="541212"/>
-            <a:ext cx="9854004" cy="5386090"/>
+            <a:off x="1097280" y="2013615"/>
+            <a:ext cx="10058400" cy="1453025"/>
           </a:xfrm>
-          <a:prstGeom prst="rect">
-            <a:avLst/>
-          </a:prstGeom>
-          <a:noFill/>
         </p:spPr>
         <p:txBody>
-          <a:bodyPr wrap="square" rtlCol="0">
-            <a:spAutoFit/>
+          <a:bodyPr/>
+          <a:lstStyle/>
+          <a:p>
+            <a:pPr algn="ctr"/>
+            <a:r>
+              <a:rPr lang="pt-PT" dirty="0" smtClean="0"/>
+              <a:t>Questões?</a:t>
+            </a:r>
+            <a:endParaRPr lang="pt-PT" dirty="0"/>
+          </a:p>
+        </p:txBody>
+      </p:sp>
+      <p:sp>
+        <p:nvSpPr>
+          <p:cNvPr id="3" name="Subtitle 2"/>
+          <p:cNvSpPr>
+            <a:spLocks noGrp="1"/>
+          </p:cNvSpPr>
+          <p:nvPr>
+            <p:ph type="subTitle" idx="1"/>
+          </p:nvPr>
+        </p:nvSpPr>
+        <p:spPr>
+          <a:xfrm>
+            <a:off x="4084320" y="4002518"/>
+            <a:ext cx="4084320" cy="2124474"/>
+          </a:xfrm>
+        </p:spPr>
+        <p:txBody>
+          <a:bodyPr>
+            <a:normAutofit fontScale="92500" lnSpcReduction="20000"/>
           </a:bodyPr>
           <a:lstStyle/>
           <a:p>
-            <a:r>
-              <a:rPr lang="pt-PT" sz="3200" b="1" dirty="0" smtClean="0"/>
-              <a:t>Estatísticas do </a:t>
-            </a:r>
-            <a:r>
-              <a:rPr lang="pt-PT" sz="3200" b="1" dirty="0" err="1" smtClean="0"/>
-              <a:t>Facebook</a:t>
-            </a:r>
-            <a:endParaRPr lang="pt-PT" sz="3200" b="1" dirty="0" smtClean="0"/>
-          </a:p>
-          <a:p>
-            <a:endParaRPr lang="pt-PT" sz="2400" dirty="0" smtClean="0"/>
-          </a:p>
-          <a:p>
-            <a:r>
-              <a:rPr lang="pt-PT" sz="2400" dirty="0" smtClean="0"/>
-              <a:t>Mudanças perpetuadas pelo </a:t>
-            </a:r>
-            <a:r>
-              <a:rPr lang="pt-PT" sz="2400" dirty="0" err="1" smtClean="0"/>
-              <a:t>Facebook</a:t>
-            </a:r>
-            <a:r>
-              <a:rPr lang="pt-PT" sz="2400" dirty="0" smtClean="0"/>
-              <a:t> no ser humano:</a:t>
-            </a:r>
-          </a:p>
-          <a:p>
-            <a:pPr marL="342900" indent="-342900">
-              <a:buFont typeface="Arial" panose="020B0604020202020204" pitchFamily="34" charset="0"/>
-              <a:buChar char="•"/>
-            </a:pPr>
-            <a:r>
-              <a:rPr lang="pt-PT" sz="2400" dirty="0" smtClean="0"/>
-              <a:t>hábitos e costumes, passou a ser parte da rotina diária</a:t>
-            </a:r>
-          </a:p>
-          <a:p>
-            <a:pPr marL="342900" indent="-342900">
-              <a:buFont typeface="Arial" panose="020B0604020202020204" pitchFamily="34" charset="0"/>
-              <a:buChar char="•"/>
-            </a:pPr>
-            <a:r>
-              <a:rPr lang="pt-PT" sz="2400" dirty="0" smtClean="0"/>
-              <a:t>forma como transmitimos informação e como as notícias circulam</a:t>
-            </a:r>
-          </a:p>
-          <a:p>
-            <a:pPr marL="342900" indent="-342900">
-              <a:buFont typeface="Arial" panose="020B0604020202020204" pitchFamily="34" charset="0"/>
-              <a:buChar char="•"/>
-            </a:pPr>
-            <a:r>
-              <a:rPr lang="pt-PT" sz="2400" dirty="0" smtClean="0"/>
-              <a:t>forma como fazemos negócio</a:t>
-            </a:r>
-          </a:p>
-          <a:p>
-            <a:pPr marL="342900" indent="-342900">
-              <a:buFont typeface="Arial" panose="020B0604020202020204" pitchFamily="34" charset="0"/>
-              <a:buChar char="•"/>
-            </a:pPr>
-            <a:r>
-              <a:rPr lang="pt-PT" sz="2400" dirty="0" smtClean="0"/>
-              <a:t>o nosso comportamento</a:t>
-            </a:r>
-          </a:p>
-          <a:p>
-            <a:pPr marL="342900" indent="-342900">
-              <a:buFont typeface="Arial" panose="020B0604020202020204" pitchFamily="34" charset="0"/>
-              <a:buChar char="•"/>
-            </a:pPr>
-            <a:r>
-              <a:rPr lang="pt-PT" sz="2400" dirty="0" smtClean="0"/>
-              <a:t>Etc..</a:t>
-            </a:r>
-          </a:p>
-          <a:p>
-            <a:pPr marL="342900" indent="-342900">
-              <a:buFont typeface="Arial" panose="020B0604020202020204" pitchFamily="34" charset="0"/>
-              <a:buChar char="•"/>
-            </a:pPr>
-            <a:endParaRPr lang="pt-PT" sz="2400" dirty="0"/>
-          </a:p>
-          <a:p>
-            <a:r>
-              <a:rPr lang="pt-PT" sz="2400" dirty="0" smtClean="0"/>
-              <a:t>Conteúdo/nova informação/novos dados são gerados a cada momento seja através de texto, imagem, áudio, etc.</a:t>
-            </a:r>
-            <a:endParaRPr lang="pt-PT" sz="2400" dirty="0"/>
-          </a:p>
-          <a:p>
-            <a:pPr marL="342900" indent="-342900">
-              <a:buFont typeface="Arial" panose="020B0604020202020204" pitchFamily="34" charset="0"/>
-              <a:buChar char="•"/>
-            </a:pPr>
-            <a:endParaRPr lang="pt-PT" sz="2400" dirty="0" smtClean="0"/>
-          </a:p>
-          <a:p>
-            <a:pPr marL="342900" indent="-342900">
-              <a:buFont typeface="Arial" panose="020B0604020202020204" pitchFamily="34" charset="0"/>
-              <a:buChar char="•"/>
-            </a:pPr>
-            <a:endParaRPr lang="pt-PT" sz="2400" dirty="0"/>
-          </a:p>
-          <a:p>
-            <a:pPr marL="342900" indent="-342900">
-              <a:buFont typeface="Arial" panose="020B0604020202020204" pitchFamily="34" charset="0"/>
-              <a:buChar char="•"/>
-            </a:pPr>
-            <a:endParaRPr lang="pt-PT" sz="2400" dirty="0" smtClean="0"/>
+            <a:endParaRPr lang="pt-PT" dirty="0" smtClean="0"/>
+          </a:p>
+          <a:p>
+            <a:endParaRPr lang="pt-PT" dirty="0"/>
+          </a:p>
+          <a:p>
+            <a:endParaRPr lang="pt-PT" dirty="0" smtClean="0"/>
+          </a:p>
+          <a:p>
+            <a:r>
+              <a:rPr lang="pt-PT" dirty="0" smtClean="0"/>
+              <a:t>Marco </a:t>
+            </a:r>
+            <a:r>
+              <a:rPr lang="pt-PT" dirty="0"/>
+              <a:t>rodrigues </a:t>
+            </a:r>
+            <a:r>
+              <a:rPr lang="pt-PT" dirty="0" smtClean="0"/>
+              <a:t>nº4652</a:t>
+            </a:r>
+          </a:p>
+          <a:p>
+            <a:r>
+              <a:rPr lang="pt-PT" dirty="0" smtClean="0"/>
+              <a:t>marcorodrigues@ipvc.pt</a:t>
+            </a:r>
+          </a:p>
+          <a:p>
+            <a:endParaRPr lang="pt-PT" dirty="0"/>
+          </a:p>
+          <a:p>
+            <a:endParaRPr lang="pt-PT" dirty="0" smtClean="0"/>
+          </a:p>
+          <a:p>
+            <a:endParaRPr lang="pt-PT" dirty="0" smtClean="0"/>
           </a:p>
         </p:txBody>
       </p:sp>
@@ -5793,8 +6671,8 @@
         </p:blipFill>
         <p:spPr>
           <a:xfrm>
-            <a:off x="10468855" y="267443"/>
-            <a:ext cx="1373649" cy="983017"/>
+            <a:off x="10468855" y="300496"/>
+            <a:ext cx="1373649" cy="916911"/>
           </a:xfrm>
           <a:prstGeom prst="rect">
             <a:avLst/>
@@ -5803,7 +6681,7 @@
       </p:pic>
       <p:sp>
         <p:nvSpPr>
-          <p:cNvPr id="2" name="Slide Number Placeholder 1"/>
+          <p:cNvPr id="6" name="Slide Number Placeholder 5"/>
           <p:cNvSpPr>
             <a:spLocks noGrp="1"/>
           </p:cNvSpPr>
@@ -5820,14 +6698,167 @@
               <a:rPr lang="pt-PT" smtClean="0"/>
               <a:t>13</a:t>
             </a:fld>
-            <a:endParaRPr lang="pt-PT"/>
-          </a:p>
-        </p:txBody>
-      </p:sp>
+            <a:endParaRPr lang="pt-PT" dirty="0"/>
+          </a:p>
+        </p:txBody>
+      </p:sp>
+      <p:sp>
+        <p:nvSpPr>
+          <p:cNvPr id="8" name="Slide Number Placeholder 5"/>
+          <p:cNvSpPr txBox="1">
+            <a:spLocks/>
+          </p:cNvSpPr>
+          <p:nvPr/>
+        </p:nvSpPr>
+        <p:spPr>
+          <a:xfrm>
+            <a:off x="0" y="6464982"/>
+            <a:ext cx="475129" cy="365125"/>
+          </a:xfrm>
+          <a:prstGeom prst="rect">
+            <a:avLst/>
+          </a:prstGeom>
+        </p:spPr>
+        <p:txBody>
+          <a:bodyPr vert="horz" lIns="91440" tIns="45720" rIns="91440" bIns="45720" rtlCol="0" anchor="ctr"/>
+          <a:lstStyle>
+            <a:defPPr>
+              <a:defRPr lang="en-US"/>
+            </a:defPPr>
+            <a:lvl1pPr marL="0" algn="r" defTabSz="457200" rtl="0" eaLnBrk="1" latinLnBrk="0" hangingPunct="1">
+              <a:defRPr sz="1050" kern="1200">
+                <a:solidFill>
+                  <a:srgbClr val="FFFFFF"/>
+                </a:solidFill>
+                <a:latin typeface="+mn-lt"/>
+                <a:ea typeface="+mn-ea"/>
+                <a:cs typeface="+mn-cs"/>
+              </a:defRPr>
+            </a:lvl1pPr>
+            <a:lvl2pPr marL="457200" algn="l" defTabSz="457200" rtl="0" eaLnBrk="1" latinLnBrk="0" hangingPunct="1">
+              <a:defRPr sz="1800" kern="1200">
+                <a:solidFill>
+                  <a:schemeClr val="tx1"/>
+                </a:solidFill>
+                <a:latin typeface="+mn-lt"/>
+                <a:ea typeface="+mn-ea"/>
+                <a:cs typeface="+mn-cs"/>
+              </a:defRPr>
+            </a:lvl2pPr>
+            <a:lvl3pPr marL="914400" algn="l" defTabSz="457200" rtl="0" eaLnBrk="1" latinLnBrk="0" hangingPunct="1">
+              <a:defRPr sz="1800" kern="1200">
+                <a:solidFill>
+                  <a:schemeClr val="tx1"/>
+                </a:solidFill>
+                <a:latin typeface="+mn-lt"/>
+                <a:ea typeface="+mn-ea"/>
+                <a:cs typeface="+mn-cs"/>
+              </a:defRPr>
+            </a:lvl3pPr>
+            <a:lvl4pPr marL="1371600" algn="l" defTabSz="457200" rtl="0" eaLnBrk="1" latinLnBrk="0" hangingPunct="1">
+              <a:defRPr sz="1800" kern="1200">
+                <a:solidFill>
+                  <a:schemeClr val="tx1"/>
+                </a:solidFill>
+                <a:latin typeface="+mn-lt"/>
+                <a:ea typeface="+mn-ea"/>
+                <a:cs typeface="+mn-cs"/>
+              </a:defRPr>
+            </a:lvl4pPr>
+            <a:lvl5pPr marL="1828800" algn="l" defTabSz="457200" rtl="0" eaLnBrk="1" latinLnBrk="0" hangingPunct="1">
+              <a:defRPr sz="1800" kern="1200">
+                <a:solidFill>
+                  <a:schemeClr val="tx1"/>
+                </a:solidFill>
+                <a:latin typeface="+mn-lt"/>
+                <a:ea typeface="+mn-ea"/>
+                <a:cs typeface="+mn-cs"/>
+              </a:defRPr>
+            </a:lvl5pPr>
+            <a:lvl6pPr marL="2286000" algn="l" defTabSz="457200" rtl="0" eaLnBrk="1" latinLnBrk="0" hangingPunct="1">
+              <a:defRPr sz="1800" kern="1200">
+                <a:solidFill>
+                  <a:schemeClr val="tx1"/>
+                </a:solidFill>
+                <a:latin typeface="+mn-lt"/>
+                <a:ea typeface="+mn-ea"/>
+                <a:cs typeface="+mn-cs"/>
+              </a:defRPr>
+            </a:lvl6pPr>
+            <a:lvl7pPr marL="2743200" algn="l" defTabSz="457200" rtl="0" eaLnBrk="1" latinLnBrk="0" hangingPunct="1">
+              <a:defRPr sz="1800" kern="1200">
+                <a:solidFill>
+                  <a:schemeClr val="tx1"/>
+                </a:solidFill>
+                <a:latin typeface="+mn-lt"/>
+                <a:ea typeface="+mn-ea"/>
+                <a:cs typeface="+mn-cs"/>
+              </a:defRPr>
+            </a:lvl7pPr>
+            <a:lvl8pPr marL="3200400" algn="l" defTabSz="457200" rtl="0" eaLnBrk="1" latinLnBrk="0" hangingPunct="1">
+              <a:defRPr sz="1800" kern="1200">
+                <a:solidFill>
+                  <a:schemeClr val="tx1"/>
+                </a:solidFill>
+                <a:latin typeface="+mn-lt"/>
+                <a:ea typeface="+mn-ea"/>
+                <a:cs typeface="+mn-cs"/>
+              </a:defRPr>
+            </a:lvl8pPr>
+            <a:lvl9pPr marL="3657600" algn="l" defTabSz="457200" rtl="0" eaLnBrk="1" latinLnBrk="0" hangingPunct="1">
+              <a:defRPr sz="1800" kern="1200">
+                <a:solidFill>
+                  <a:schemeClr val="tx1"/>
+                </a:solidFill>
+                <a:latin typeface="+mn-lt"/>
+                <a:ea typeface="+mn-ea"/>
+                <a:cs typeface="+mn-cs"/>
+              </a:defRPr>
+            </a:lvl9pPr>
+          </a:lstStyle>
+          <a:p>
+            <a:r>
+              <a:rPr lang="pt-PT" dirty="0" smtClean="0"/>
+              <a:t>IPVC</a:t>
+            </a:r>
+            <a:endParaRPr lang="pt-PT" dirty="0"/>
+          </a:p>
+        </p:txBody>
+      </p:sp>
+      <p:pic>
+        <p:nvPicPr>
+          <p:cNvPr id="11" name="Imagem 10"/>
+          <p:cNvPicPr>
+            <a:picLocks noChangeAspect="1"/>
+          </p:cNvPicPr>
+          <p:nvPr/>
+        </p:nvPicPr>
+        <p:blipFill>
+          <a:blip r:embed="rId3" cstate="print">
+            <a:extLst>
+              <a:ext uri="{28A0092B-C50C-407E-A947-70E740481C1C}">
+                <a14:useLocalDpi xmlns:a14="http://schemas.microsoft.com/office/drawing/2010/main" val="0"/>
+              </a:ext>
+            </a:extLst>
+          </a:blip>
+          <a:stretch>
+            <a:fillRect/>
+          </a:stretch>
+        </p:blipFill>
+        <p:spPr>
+          <a:xfrm>
+            <a:off x="0" y="300496"/>
+            <a:ext cx="1555746" cy="1037905"/>
+          </a:xfrm>
+          <a:prstGeom prst="rect">
+            <a:avLst/>
+          </a:prstGeom>
+        </p:spPr>
+      </p:pic>
     </p:spTree>
     <p:extLst>
       <p:ext uri="{BB962C8B-B14F-4D97-AF65-F5344CB8AC3E}">
-        <p14:creationId xmlns:p14="http://schemas.microsoft.com/office/powerpoint/2010/main" val="980386246"/>
+        <p14:creationId xmlns:p14="http://schemas.microsoft.com/office/powerpoint/2010/main" val="337673279"/>
       </p:ext>
     </p:extLst>
   </p:cSld>
@@ -5905,11 +6936,7 @@
             </a:pPr>
             <a:r>
               <a:rPr lang="pt-PT" sz="2400" dirty="0" smtClean="0"/>
-              <a:t>Contexto e </a:t>
-            </a:r>
-            <a:r>
-              <a:rPr lang="pt-PT" sz="2400" dirty="0" smtClean="0"/>
-              <a:t>Motivação</a:t>
+              <a:t>Contexto e Motivação</a:t>
             </a:r>
           </a:p>
           <a:p>
@@ -5921,7 +6948,6 @@
               <a:rPr lang="pt-PT" sz="2400" dirty="0" smtClean="0"/>
               <a:t>Problema ?</a:t>
             </a:r>
-            <a:endParaRPr lang="pt-PT" sz="2400" dirty="0" smtClean="0"/>
           </a:p>
           <a:p>
             <a:pPr marL="800100" lvl="1" indent="-342900">
@@ -6927,7 +7953,11 @@
             <a:pPr algn="ctr"/>
             <a:r>
               <a:rPr lang="pt-PT" sz="1600" b="1" dirty="0" smtClean="0"/>
-              <a:t>HMI para Fabrico Aditivo</a:t>
+              <a:t>HMI para Fabrico </a:t>
+            </a:r>
+            <a:r>
+              <a:rPr lang="pt-PT" sz="1600" b="1" dirty="0" smtClean="0"/>
+              <a:t>Aditivo - Introdução</a:t>
             </a:r>
             <a:endParaRPr lang="pt-PT" sz="1600" b="1" dirty="0"/>
           </a:p>
@@ -6971,8 +8001,8 @@
         </p:nvSpPr>
         <p:spPr>
           <a:xfrm>
-            <a:off x="445000" y="166025"/>
-            <a:ext cx="9455458" cy="6863417"/>
+            <a:off x="444999" y="166025"/>
+            <a:ext cx="11511869" cy="6494085"/>
           </a:xfrm>
           <a:prstGeom prst="rect">
             <a:avLst/>
@@ -7288,130 +8318,6 @@
           </a:prstGeom>
         </p:spPr>
       </p:pic>
-      <p:sp>
-        <p:nvSpPr>
-          <p:cNvPr id="8" name="Slide Number Placeholder 5"/>
-          <p:cNvSpPr txBox="1">
-            <a:spLocks/>
-          </p:cNvSpPr>
-          <p:nvPr/>
-        </p:nvSpPr>
-        <p:spPr>
-          <a:xfrm>
-            <a:off x="3908571" y="6492875"/>
-            <a:ext cx="4435818" cy="365125"/>
-          </a:xfrm>
-          <a:prstGeom prst="rect">
-            <a:avLst/>
-          </a:prstGeom>
-        </p:spPr>
-        <p:txBody>
-          <a:bodyPr vert="horz" lIns="91440" tIns="45720" rIns="91440" bIns="45720" rtlCol="0" anchor="ctr"/>
-          <a:lstStyle>
-            <a:defPPr>
-              <a:defRPr lang="en-US"/>
-            </a:defPPr>
-            <a:lvl1pPr marL="0" algn="r" defTabSz="457200" rtl="0" eaLnBrk="1" latinLnBrk="0" hangingPunct="1">
-              <a:defRPr sz="1050" kern="1200">
-                <a:solidFill>
-                  <a:srgbClr val="FFFFFF"/>
-                </a:solidFill>
-                <a:latin typeface="+mn-lt"/>
-                <a:ea typeface="+mn-ea"/>
-                <a:cs typeface="+mn-cs"/>
-              </a:defRPr>
-            </a:lvl1pPr>
-            <a:lvl2pPr marL="457200" algn="l" defTabSz="457200" rtl="0" eaLnBrk="1" latinLnBrk="0" hangingPunct="1">
-              <a:defRPr sz="1800" kern="1200">
-                <a:solidFill>
-                  <a:schemeClr val="tx1"/>
-                </a:solidFill>
-                <a:latin typeface="+mn-lt"/>
-                <a:ea typeface="+mn-ea"/>
-                <a:cs typeface="+mn-cs"/>
-              </a:defRPr>
-            </a:lvl2pPr>
-            <a:lvl3pPr marL="914400" algn="l" defTabSz="457200" rtl="0" eaLnBrk="1" latinLnBrk="0" hangingPunct="1">
-              <a:defRPr sz="1800" kern="1200">
-                <a:solidFill>
-                  <a:schemeClr val="tx1"/>
-                </a:solidFill>
-                <a:latin typeface="+mn-lt"/>
-                <a:ea typeface="+mn-ea"/>
-                <a:cs typeface="+mn-cs"/>
-              </a:defRPr>
-            </a:lvl3pPr>
-            <a:lvl4pPr marL="1371600" algn="l" defTabSz="457200" rtl="0" eaLnBrk="1" latinLnBrk="0" hangingPunct="1">
-              <a:defRPr sz="1800" kern="1200">
-                <a:solidFill>
-                  <a:schemeClr val="tx1"/>
-                </a:solidFill>
-                <a:latin typeface="+mn-lt"/>
-                <a:ea typeface="+mn-ea"/>
-                <a:cs typeface="+mn-cs"/>
-              </a:defRPr>
-            </a:lvl4pPr>
-            <a:lvl5pPr marL="1828800" algn="l" defTabSz="457200" rtl="0" eaLnBrk="1" latinLnBrk="0" hangingPunct="1">
-              <a:defRPr sz="1800" kern="1200">
-                <a:solidFill>
-                  <a:schemeClr val="tx1"/>
-                </a:solidFill>
-                <a:latin typeface="+mn-lt"/>
-                <a:ea typeface="+mn-ea"/>
-                <a:cs typeface="+mn-cs"/>
-              </a:defRPr>
-            </a:lvl5pPr>
-            <a:lvl6pPr marL="2286000" algn="l" defTabSz="457200" rtl="0" eaLnBrk="1" latinLnBrk="0" hangingPunct="1">
-              <a:defRPr sz="1800" kern="1200">
-                <a:solidFill>
-                  <a:schemeClr val="tx1"/>
-                </a:solidFill>
-                <a:latin typeface="+mn-lt"/>
-                <a:ea typeface="+mn-ea"/>
-                <a:cs typeface="+mn-cs"/>
-              </a:defRPr>
-            </a:lvl6pPr>
-            <a:lvl7pPr marL="2743200" algn="l" defTabSz="457200" rtl="0" eaLnBrk="1" latinLnBrk="0" hangingPunct="1">
-              <a:defRPr sz="1800" kern="1200">
-                <a:solidFill>
-                  <a:schemeClr val="tx1"/>
-                </a:solidFill>
-                <a:latin typeface="+mn-lt"/>
-                <a:ea typeface="+mn-ea"/>
-                <a:cs typeface="+mn-cs"/>
-              </a:defRPr>
-            </a:lvl7pPr>
-            <a:lvl8pPr marL="3200400" algn="l" defTabSz="457200" rtl="0" eaLnBrk="1" latinLnBrk="0" hangingPunct="1">
-              <a:defRPr sz="1800" kern="1200">
-                <a:solidFill>
-                  <a:schemeClr val="tx1"/>
-                </a:solidFill>
-                <a:latin typeface="+mn-lt"/>
-                <a:ea typeface="+mn-ea"/>
-                <a:cs typeface="+mn-cs"/>
-              </a:defRPr>
-            </a:lvl8pPr>
-            <a:lvl9pPr marL="3657600" algn="l" defTabSz="457200" rtl="0" eaLnBrk="1" latinLnBrk="0" hangingPunct="1">
-              <a:defRPr sz="1800" kern="1200">
-                <a:solidFill>
-                  <a:schemeClr val="tx1"/>
-                </a:solidFill>
-                <a:latin typeface="+mn-lt"/>
-                <a:ea typeface="+mn-ea"/>
-                <a:cs typeface="+mn-cs"/>
-              </a:defRPr>
-            </a:lvl9pPr>
-          </a:lstStyle>
-          <a:p>
-            <a:pPr algn="ctr"/>
-            <a:r>
-              <a:rPr lang="pt-PT" sz="1600" b="1" dirty="0" smtClean="0"/>
-              <a:t>HMI para Fabrico Aditivo</a:t>
-            </a:r>
-            <a:endParaRPr lang="pt-PT" sz="1600" b="1" dirty="0"/>
-          </a:p>
-        </p:txBody>
-      </p:sp>
       <p:pic>
         <p:nvPicPr>
           <p:cNvPr id="4" name="Imagem 3"/>
@@ -7442,6 +8348,134 @@
           </a:prstGeom>
         </p:spPr>
       </p:pic>
+      <p:sp>
+        <p:nvSpPr>
+          <p:cNvPr id="11" name="Slide Number Placeholder 5"/>
+          <p:cNvSpPr txBox="1">
+            <a:spLocks/>
+          </p:cNvSpPr>
+          <p:nvPr/>
+        </p:nvSpPr>
+        <p:spPr>
+          <a:xfrm>
+            <a:off x="3908571" y="6492875"/>
+            <a:ext cx="4435818" cy="365125"/>
+          </a:xfrm>
+          <a:prstGeom prst="rect">
+            <a:avLst/>
+          </a:prstGeom>
+        </p:spPr>
+        <p:txBody>
+          <a:bodyPr vert="horz" lIns="91440" tIns="45720" rIns="91440" bIns="45720" rtlCol="0" anchor="ctr"/>
+          <a:lstStyle>
+            <a:defPPr>
+              <a:defRPr lang="en-US"/>
+            </a:defPPr>
+            <a:lvl1pPr marL="0" algn="r" defTabSz="457200" rtl="0" eaLnBrk="1" latinLnBrk="0" hangingPunct="1">
+              <a:defRPr sz="1050" kern="1200">
+                <a:solidFill>
+                  <a:srgbClr val="FFFFFF"/>
+                </a:solidFill>
+                <a:latin typeface="+mn-lt"/>
+                <a:ea typeface="+mn-ea"/>
+                <a:cs typeface="+mn-cs"/>
+              </a:defRPr>
+            </a:lvl1pPr>
+            <a:lvl2pPr marL="457200" algn="l" defTabSz="457200" rtl="0" eaLnBrk="1" latinLnBrk="0" hangingPunct="1">
+              <a:defRPr sz="1800" kern="1200">
+                <a:solidFill>
+                  <a:schemeClr val="tx1"/>
+                </a:solidFill>
+                <a:latin typeface="+mn-lt"/>
+                <a:ea typeface="+mn-ea"/>
+                <a:cs typeface="+mn-cs"/>
+              </a:defRPr>
+            </a:lvl2pPr>
+            <a:lvl3pPr marL="914400" algn="l" defTabSz="457200" rtl="0" eaLnBrk="1" latinLnBrk="0" hangingPunct="1">
+              <a:defRPr sz="1800" kern="1200">
+                <a:solidFill>
+                  <a:schemeClr val="tx1"/>
+                </a:solidFill>
+                <a:latin typeface="+mn-lt"/>
+                <a:ea typeface="+mn-ea"/>
+                <a:cs typeface="+mn-cs"/>
+              </a:defRPr>
+            </a:lvl3pPr>
+            <a:lvl4pPr marL="1371600" algn="l" defTabSz="457200" rtl="0" eaLnBrk="1" latinLnBrk="0" hangingPunct="1">
+              <a:defRPr sz="1800" kern="1200">
+                <a:solidFill>
+                  <a:schemeClr val="tx1"/>
+                </a:solidFill>
+                <a:latin typeface="+mn-lt"/>
+                <a:ea typeface="+mn-ea"/>
+                <a:cs typeface="+mn-cs"/>
+              </a:defRPr>
+            </a:lvl4pPr>
+            <a:lvl5pPr marL="1828800" algn="l" defTabSz="457200" rtl="0" eaLnBrk="1" latinLnBrk="0" hangingPunct="1">
+              <a:defRPr sz="1800" kern="1200">
+                <a:solidFill>
+                  <a:schemeClr val="tx1"/>
+                </a:solidFill>
+                <a:latin typeface="+mn-lt"/>
+                <a:ea typeface="+mn-ea"/>
+                <a:cs typeface="+mn-cs"/>
+              </a:defRPr>
+            </a:lvl5pPr>
+            <a:lvl6pPr marL="2286000" algn="l" defTabSz="457200" rtl="0" eaLnBrk="1" latinLnBrk="0" hangingPunct="1">
+              <a:defRPr sz="1800" kern="1200">
+                <a:solidFill>
+                  <a:schemeClr val="tx1"/>
+                </a:solidFill>
+                <a:latin typeface="+mn-lt"/>
+                <a:ea typeface="+mn-ea"/>
+                <a:cs typeface="+mn-cs"/>
+              </a:defRPr>
+            </a:lvl6pPr>
+            <a:lvl7pPr marL="2743200" algn="l" defTabSz="457200" rtl="0" eaLnBrk="1" latinLnBrk="0" hangingPunct="1">
+              <a:defRPr sz="1800" kern="1200">
+                <a:solidFill>
+                  <a:schemeClr val="tx1"/>
+                </a:solidFill>
+                <a:latin typeface="+mn-lt"/>
+                <a:ea typeface="+mn-ea"/>
+                <a:cs typeface="+mn-cs"/>
+              </a:defRPr>
+            </a:lvl7pPr>
+            <a:lvl8pPr marL="3200400" algn="l" defTabSz="457200" rtl="0" eaLnBrk="1" latinLnBrk="0" hangingPunct="1">
+              <a:defRPr sz="1800" kern="1200">
+                <a:solidFill>
+                  <a:schemeClr val="tx1"/>
+                </a:solidFill>
+                <a:latin typeface="+mn-lt"/>
+                <a:ea typeface="+mn-ea"/>
+                <a:cs typeface="+mn-cs"/>
+              </a:defRPr>
+            </a:lvl8pPr>
+            <a:lvl9pPr marL="3657600" algn="l" defTabSz="457200" rtl="0" eaLnBrk="1" latinLnBrk="0" hangingPunct="1">
+              <a:defRPr sz="1800" kern="1200">
+                <a:solidFill>
+                  <a:schemeClr val="tx1"/>
+                </a:solidFill>
+                <a:latin typeface="+mn-lt"/>
+                <a:ea typeface="+mn-ea"/>
+                <a:cs typeface="+mn-cs"/>
+              </a:defRPr>
+            </a:lvl9pPr>
+          </a:lstStyle>
+          <a:p>
+            <a:pPr algn="ctr"/>
+            <a:r>
+              <a:rPr lang="pt-PT" sz="1600" b="1" dirty="0" smtClean="0"/>
+              <a:t>HMI para Fabrico </a:t>
+            </a:r>
+            <a:r>
+              <a:rPr lang="pt-PT" sz="1600" b="1" dirty="0" smtClean="0"/>
+              <a:t>Aditivo - Introdução</a:t>
+            </a:r>
+            <a:endParaRPr lang="pt-PT" sz="1600" b="1" dirty="0"/>
+          </a:p>
+        </p:txBody>
+      </p:sp>
     </p:spTree>
     <p:extLst>
       <p:ext uri="{BB962C8B-B14F-4D97-AF65-F5344CB8AC3E}">
@@ -7480,8 +8514,8 @@
         </p:nvSpPr>
         <p:spPr>
           <a:xfrm>
-            <a:off x="445000" y="166025"/>
-            <a:ext cx="9455458" cy="9448740"/>
+            <a:off x="444999" y="166025"/>
+            <a:ext cx="11677331" cy="9079409"/>
           </a:xfrm>
           <a:prstGeom prst="rect">
             <a:avLst/>
@@ -7580,7 +8614,6 @@
               <a:rPr lang="pt-PT" sz="2400" dirty="0" smtClean="0"/>
               <a:t>Visualizar histórico</a:t>
             </a:r>
-            <a:endParaRPr lang="pt-PT" sz="2400" dirty="0" smtClean="0"/>
           </a:p>
           <a:p>
             <a:pPr marL="342900" indent="-342900">
@@ -7871,7 +8904,7 @@
       </p:pic>
       <p:sp>
         <p:nvSpPr>
-          <p:cNvPr id="8" name="Slide Number Placeholder 5"/>
+          <p:cNvPr id="10" name="Slide Number Placeholder 5"/>
           <p:cNvSpPr txBox="1">
             <a:spLocks/>
           </p:cNvSpPr>
@@ -7987,7 +9020,11 @@
             <a:pPr algn="ctr"/>
             <a:r>
               <a:rPr lang="pt-PT" sz="1600" b="1" dirty="0" smtClean="0"/>
-              <a:t>HMI para Fabrico Aditivo</a:t>
+              <a:t>HMI para Fabrico </a:t>
+            </a:r>
+            <a:r>
+              <a:rPr lang="pt-PT" sz="1600" b="1" dirty="0" smtClean="0"/>
+              <a:t>Aditivo - Introdução</a:t>
             </a:r>
             <a:endParaRPr lang="pt-PT" sz="1600" b="1" dirty="0"/>
           </a:p>
@@ -8031,8 +9068,8 @@
         </p:nvSpPr>
         <p:spPr>
           <a:xfrm>
-            <a:off x="445000" y="166025"/>
-            <a:ext cx="9455458" cy="9818072"/>
+            <a:off x="444999" y="166025"/>
+            <a:ext cx="11816669" cy="10926068"/>
           </a:xfrm>
           <a:prstGeom prst="rect">
             <a:avLst/>
@@ -8064,17 +9101,11 @@
             </a:pPr>
             <a:r>
               <a:rPr lang="pt-PT" sz="2400" dirty="0" smtClean="0"/>
-              <a:t>Controlo e monitorização de tarefas de forma autónoma</a:t>
-            </a:r>
-          </a:p>
-          <a:p>
-            <a:pPr marL="342900" indent="-342900">
-              <a:buFont typeface="Arial" panose="020B0604020202020204" pitchFamily="34" charset="0"/>
-              <a:buChar char="•"/>
-            </a:pPr>
+              <a:t>Intersecção </a:t>
+            </a:r>
             <a:r>
               <a:rPr lang="pt-PT" sz="2400" dirty="0" smtClean="0"/>
-              <a:t>Intersecção de áreas distintas como Mecânica, Eletrónica e Informática</a:t>
+              <a:t>de áreas distintas como Mecânica, Eletrónica e Informática</a:t>
             </a:r>
           </a:p>
           <a:p>
@@ -8113,11 +9144,21 @@
             <a:endParaRPr lang="pt-PT" sz="2400" dirty="0"/>
           </a:p>
           <a:p>
-            <a:pPr marL="342900" indent="-342900">
-              <a:buFont typeface="Arial" panose="020B0604020202020204" pitchFamily="34" charset="0"/>
-              <a:buChar char="•"/>
-            </a:pPr>
-            <a:endParaRPr lang="pt-PT" sz="2400" dirty="0" smtClean="0"/>
+            <a:endParaRPr lang="pt-PT" sz="2400" dirty="0" smtClean="0"/>
+          </a:p>
+          <a:p>
+            <a:pPr marL="342900" indent="-342900">
+              <a:buFont typeface="Arial" panose="020B0604020202020204" pitchFamily="34" charset="0"/>
+              <a:buChar char="•"/>
+            </a:pPr>
+            <a:r>
+              <a:rPr lang="pt-PT" sz="2400" dirty="0"/>
+              <a:t>Controlo e monitorização de tarefas de forma </a:t>
+            </a:r>
+            <a:r>
+              <a:rPr lang="pt-PT" sz="2400" dirty="0" smtClean="0"/>
+              <a:t>autónoma</a:t>
+            </a:r>
           </a:p>
           <a:p>
             <a:pPr marL="342900" indent="-342900">
@@ -8131,7 +9172,28 @@
               <a:buFont typeface="Arial" panose="020B0604020202020204" pitchFamily="34" charset="0"/>
               <a:buChar char="•"/>
             </a:pPr>
-            <a:endParaRPr lang="pt-PT" sz="2400" smtClean="0"/>
+            <a:r>
+              <a:rPr lang="pt-PT" sz="2400" dirty="0" smtClean="0"/>
+              <a:t>Objetivos: melhorar produtividade, acelerar processos, reduzir custos, aumentar segurança, etc</a:t>
+            </a:r>
+          </a:p>
+          <a:p>
+            <a:pPr marL="342900" indent="-342900">
+              <a:buFont typeface="Arial" panose="020B0604020202020204" pitchFamily="34" charset="0"/>
+              <a:buChar char="•"/>
+            </a:pPr>
+            <a:endParaRPr lang="pt-PT" sz="2400" dirty="0"/>
+          </a:p>
+          <a:p>
+            <a:pPr marL="342900" indent="-342900">
+              <a:buFont typeface="Arial" panose="020B0604020202020204" pitchFamily="34" charset="0"/>
+              <a:buChar char="•"/>
+            </a:pPr>
+            <a:r>
+              <a:rPr lang="pt-PT" sz="2400" dirty="0" smtClean="0"/>
+              <a:t>Consequência: redução ou substituição de intervenção humana</a:t>
+            </a:r>
+            <a:endParaRPr lang="pt-PT" sz="2400" dirty="0"/>
           </a:p>
           <a:p>
             <a:pPr marL="342900" indent="-342900">
@@ -8402,130 +9464,6 @@
           </a:prstGeom>
         </p:spPr>
       </p:pic>
-      <p:sp>
-        <p:nvSpPr>
-          <p:cNvPr id="8" name="Slide Number Placeholder 5"/>
-          <p:cNvSpPr txBox="1">
-            <a:spLocks/>
-          </p:cNvSpPr>
-          <p:nvPr/>
-        </p:nvSpPr>
-        <p:spPr>
-          <a:xfrm>
-            <a:off x="3908571" y="6492875"/>
-            <a:ext cx="4435818" cy="365125"/>
-          </a:xfrm>
-          <a:prstGeom prst="rect">
-            <a:avLst/>
-          </a:prstGeom>
-        </p:spPr>
-        <p:txBody>
-          <a:bodyPr vert="horz" lIns="91440" tIns="45720" rIns="91440" bIns="45720" rtlCol="0" anchor="ctr"/>
-          <a:lstStyle>
-            <a:defPPr>
-              <a:defRPr lang="en-US"/>
-            </a:defPPr>
-            <a:lvl1pPr marL="0" algn="r" defTabSz="457200" rtl="0" eaLnBrk="1" latinLnBrk="0" hangingPunct="1">
-              <a:defRPr sz="1050" kern="1200">
-                <a:solidFill>
-                  <a:srgbClr val="FFFFFF"/>
-                </a:solidFill>
-                <a:latin typeface="+mn-lt"/>
-                <a:ea typeface="+mn-ea"/>
-                <a:cs typeface="+mn-cs"/>
-              </a:defRPr>
-            </a:lvl1pPr>
-            <a:lvl2pPr marL="457200" algn="l" defTabSz="457200" rtl="0" eaLnBrk="1" latinLnBrk="0" hangingPunct="1">
-              <a:defRPr sz="1800" kern="1200">
-                <a:solidFill>
-                  <a:schemeClr val="tx1"/>
-                </a:solidFill>
-                <a:latin typeface="+mn-lt"/>
-                <a:ea typeface="+mn-ea"/>
-                <a:cs typeface="+mn-cs"/>
-              </a:defRPr>
-            </a:lvl2pPr>
-            <a:lvl3pPr marL="914400" algn="l" defTabSz="457200" rtl="0" eaLnBrk="1" latinLnBrk="0" hangingPunct="1">
-              <a:defRPr sz="1800" kern="1200">
-                <a:solidFill>
-                  <a:schemeClr val="tx1"/>
-                </a:solidFill>
-                <a:latin typeface="+mn-lt"/>
-                <a:ea typeface="+mn-ea"/>
-                <a:cs typeface="+mn-cs"/>
-              </a:defRPr>
-            </a:lvl3pPr>
-            <a:lvl4pPr marL="1371600" algn="l" defTabSz="457200" rtl="0" eaLnBrk="1" latinLnBrk="0" hangingPunct="1">
-              <a:defRPr sz="1800" kern="1200">
-                <a:solidFill>
-                  <a:schemeClr val="tx1"/>
-                </a:solidFill>
-                <a:latin typeface="+mn-lt"/>
-                <a:ea typeface="+mn-ea"/>
-                <a:cs typeface="+mn-cs"/>
-              </a:defRPr>
-            </a:lvl4pPr>
-            <a:lvl5pPr marL="1828800" algn="l" defTabSz="457200" rtl="0" eaLnBrk="1" latinLnBrk="0" hangingPunct="1">
-              <a:defRPr sz="1800" kern="1200">
-                <a:solidFill>
-                  <a:schemeClr val="tx1"/>
-                </a:solidFill>
-                <a:latin typeface="+mn-lt"/>
-                <a:ea typeface="+mn-ea"/>
-                <a:cs typeface="+mn-cs"/>
-              </a:defRPr>
-            </a:lvl5pPr>
-            <a:lvl6pPr marL="2286000" algn="l" defTabSz="457200" rtl="0" eaLnBrk="1" latinLnBrk="0" hangingPunct="1">
-              <a:defRPr sz="1800" kern="1200">
-                <a:solidFill>
-                  <a:schemeClr val="tx1"/>
-                </a:solidFill>
-                <a:latin typeface="+mn-lt"/>
-                <a:ea typeface="+mn-ea"/>
-                <a:cs typeface="+mn-cs"/>
-              </a:defRPr>
-            </a:lvl6pPr>
-            <a:lvl7pPr marL="2743200" algn="l" defTabSz="457200" rtl="0" eaLnBrk="1" latinLnBrk="0" hangingPunct="1">
-              <a:defRPr sz="1800" kern="1200">
-                <a:solidFill>
-                  <a:schemeClr val="tx1"/>
-                </a:solidFill>
-                <a:latin typeface="+mn-lt"/>
-                <a:ea typeface="+mn-ea"/>
-                <a:cs typeface="+mn-cs"/>
-              </a:defRPr>
-            </a:lvl7pPr>
-            <a:lvl8pPr marL="3200400" algn="l" defTabSz="457200" rtl="0" eaLnBrk="1" latinLnBrk="0" hangingPunct="1">
-              <a:defRPr sz="1800" kern="1200">
-                <a:solidFill>
-                  <a:schemeClr val="tx1"/>
-                </a:solidFill>
-                <a:latin typeface="+mn-lt"/>
-                <a:ea typeface="+mn-ea"/>
-                <a:cs typeface="+mn-cs"/>
-              </a:defRPr>
-            </a:lvl8pPr>
-            <a:lvl9pPr marL="3657600" algn="l" defTabSz="457200" rtl="0" eaLnBrk="1" latinLnBrk="0" hangingPunct="1">
-              <a:defRPr sz="1800" kern="1200">
-                <a:solidFill>
-                  <a:schemeClr val="tx1"/>
-                </a:solidFill>
-                <a:latin typeface="+mn-lt"/>
-                <a:ea typeface="+mn-ea"/>
-                <a:cs typeface="+mn-cs"/>
-              </a:defRPr>
-            </a:lvl9pPr>
-          </a:lstStyle>
-          <a:p>
-            <a:pPr algn="ctr"/>
-            <a:r>
-              <a:rPr lang="pt-PT" sz="1600" b="1" dirty="0" smtClean="0"/>
-              <a:t>HMI para Fabrico Aditivo</a:t>
-            </a:r>
-            <a:endParaRPr lang="pt-PT" sz="1600" b="1" dirty="0"/>
-          </a:p>
-        </p:txBody>
-      </p:sp>
       <p:pic>
         <p:nvPicPr>
           <p:cNvPr id="3" name="Imagem 2"/>
@@ -8548,7 +9486,7 @@
         </p:blipFill>
         <p:spPr>
           <a:xfrm>
-            <a:off x="3531166" y="2023241"/>
+            <a:off x="3557292" y="1422349"/>
             <a:ext cx="3547297" cy="2030895"/>
           </a:xfrm>
           <a:prstGeom prst="rect">
@@ -8556,6 +9494,134 @@
           </a:prstGeom>
         </p:spPr>
       </p:pic>
+      <p:sp>
+        <p:nvSpPr>
+          <p:cNvPr id="10" name="Slide Number Placeholder 5"/>
+          <p:cNvSpPr txBox="1">
+            <a:spLocks/>
+          </p:cNvSpPr>
+          <p:nvPr/>
+        </p:nvSpPr>
+        <p:spPr>
+          <a:xfrm>
+            <a:off x="3908571" y="6492875"/>
+            <a:ext cx="4435818" cy="365125"/>
+          </a:xfrm>
+          <a:prstGeom prst="rect">
+            <a:avLst/>
+          </a:prstGeom>
+        </p:spPr>
+        <p:txBody>
+          <a:bodyPr vert="horz" lIns="91440" tIns="45720" rIns="91440" bIns="45720" rtlCol="0" anchor="ctr"/>
+          <a:lstStyle>
+            <a:defPPr>
+              <a:defRPr lang="en-US"/>
+            </a:defPPr>
+            <a:lvl1pPr marL="0" algn="r" defTabSz="457200" rtl="0" eaLnBrk="1" latinLnBrk="0" hangingPunct="1">
+              <a:defRPr sz="1050" kern="1200">
+                <a:solidFill>
+                  <a:srgbClr val="FFFFFF"/>
+                </a:solidFill>
+                <a:latin typeface="+mn-lt"/>
+                <a:ea typeface="+mn-ea"/>
+                <a:cs typeface="+mn-cs"/>
+              </a:defRPr>
+            </a:lvl1pPr>
+            <a:lvl2pPr marL="457200" algn="l" defTabSz="457200" rtl="0" eaLnBrk="1" latinLnBrk="0" hangingPunct="1">
+              <a:defRPr sz="1800" kern="1200">
+                <a:solidFill>
+                  <a:schemeClr val="tx1"/>
+                </a:solidFill>
+                <a:latin typeface="+mn-lt"/>
+                <a:ea typeface="+mn-ea"/>
+                <a:cs typeface="+mn-cs"/>
+              </a:defRPr>
+            </a:lvl2pPr>
+            <a:lvl3pPr marL="914400" algn="l" defTabSz="457200" rtl="0" eaLnBrk="1" latinLnBrk="0" hangingPunct="1">
+              <a:defRPr sz="1800" kern="1200">
+                <a:solidFill>
+                  <a:schemeClr val="tx1"/>
+                </a:solidFill>
+                <a:latin typeface="+mn-lt"/>
+                <a:ea typeface="+mn-ea"/>
+                <a:cs typeface="+mn-cs"/>
+              </a:defRPr>
+            </a:lvl3pPr>
+            <a:lvl4pPr marL="1371600" algn="l" defTabSz="457200" rtl="0" eaLnBrk="1" latinLnBrk="0" hangingPunct="1">
+              <a:defRPr sz="1800" kern="1200">
+                <a:solidFill>
+                  <a:schemeClr val="tx1"/>
+                </a:solidFill>
+                <a:latin typeface="+mn-lt"/>
+                <a:ea typeface="+mn-ea"/>
+                <a:cs typeface="+mn-cs"/>
+              </a:defRPr>
+            </a:lvl4pPr>
+            <a:lvl5pPr marL="1828800" algn="l" defTabSz="457200" rtl="0" eaLnBrk="1" latinLnBrk="0" hangingPunct="1">
+              <a:defRPr sz="1800" kern="1200">
+                <a:solidFill>
+                  <a:schemeClr val="tx1"/>
+                </a:solidFill>
+                <a:latin typeface="+mn-lt"/>
+                <a:ea typeface="+mn-ea"/>
+                <a:cs typeface="+mn-cs"/>
+              </a:defRPr>
+            </a:lvl5pPr>
+            <a:lvl6pPr marL="2286000" algn="l" defTabSz="457200" rtl="0" eaLnBrk="1" latinLnBrk="0" hangingPunct="1">
+              <a:defRPr sz="1800" kern="1200">
+                <a:solidFill>
+                  <a:schemeClr val="tx1"/>
+                </a:solidFill>
+                <a:latin typeface="+mn-lt"/>
+                <a:ea typeface="+mn-ea"/>
+                <a:cs typeface="+mn-cs"/>
+              </a:defRPr>
+            </a:lvl6pPr>
+            <a:lvl7pPr marL="2743200" algn="l" defTabSz="457200" rtl="0" eaLnBrk="1" latinLnBrk="0" hangingPunct="1">
+              <a:defRPr sz="1800" kern="1200">
+                <a:solidFill>
+                  <a:schemeClr val="tx1"/>
+                </a:solidFill>
+                <a:latin typeface="+mn-lt"/>
+                <a:ea typeface="+mn-ea"/>
+                <a:cs typeface="+mn-cs"/>
+              </a:defRPr>
+            </a:lvl7pPr>
+            <a:lvl8pPr marL="3200400" algn="l" defTabSz="457200" rtl="0" eaLnBrk="1" latinLnBrk="0" hangingPunct="1">
+              <a:defRPr sz="1800" kern="1200">
+                <a:solidFill>
+                  <a:schemeClr val="tx1"/>
+                </a:solidFill>
+                <a:latin typeface="+mn-lt"/>
+                <a:ea typeface="+mn-ea"/>
+                <a:cs typeface="+mn-cs"/>
+              </a:defRPr>
+            </a:lvl8pPr>
+            <a:lvl9pPr marL="3657600" algn="l" defTabSz="457200" rtl="0" eaLnBrk="1" latinLnBrk="0" hangingPunct="1">
+              <a:defRPr sz="1800" kern="1200">
+                <a:solidFill>
+                  <a:schemeClr val="tx1"/>
+                </a:solidFill>
+                <a:latin typeface="+mn-lt"/>
+                <a:ea typeface="+mn-ea"/>
+                <a:cs typeface="+mn-cs"/>
+              </a:defRPr>
+            </a:lvl9pPr>
+          </a:lstStyle>
+          <a:p>
+            <a:pPr algn="ctr"/>
+            <a:r>
+              <a:rPr lang="pt-PT" sz="1600" b="1" dirty="0" smtClean="0"/>
+              <a:t>HMI para Fabrico </a:t>
+            </a:r>
+            <a:r>
+              <a:rPr lang="pt-PT" sz="1600" b="1" dirty="0" smtClean="0"/>
+              <a:t>Aditivo – Estado da Arte</a:t>
+            </a:r>
+            <a:endParaRPr lang="pt-PT" sz="1600" b="1" dirty="0"/>
+          </a:p>
+        </p:txBody>
+      </p:sp>
     </p:spTree>
     <p:extLst>
       <p:ext uri="{BB962C8B-B14F-4D97-AF65-F5344CB8AC3E}">
@@ -8594,8 +9660,8 @@
         </p:nvSpPr>
         <p:spPr>
           <a:xfrm>
-            <a:off x="437479" y="541212"/>
-            <a:ext cx="9394498" cy="6617196"/>
+            <a:off x="445000" y="166025"/>
+            <a:ext cx="11747000" cy="10556736"/>
           </a:xfrm>
           <a:prstGeom prst="rect">
             <a:avLst/>
@@ -8610,41 +9676,80 @@
           <a:p>
             <a:r>
               <a:rPr lang="pt-PT" sz="3200" b="1" dirty="0" smtClean="0"/>
-              <a:t>Data </a:t>
-            </a:r>
-            <a:r>
-              <a:rPr lang="pt-PT" sz="3200" b="1" dirty="0" err="1" smtClean="0"/>
-              <a:t>Mining</a:t>
+              <a:t>Fabrico Aditivo</a:t>
             </a:r>
             <a:endParaRPr lang="pt-PT" sz="3200" b="1" dirty="0" smtClean="0"/>
           </a:p>
           <a:p>
-            <a:pPr marL="457200" indent="-457200">
+            <a:pPr marL="342900" indent="-342900">
+              <a:buFont typeface="Arial" panose="020B0604020202020204" pitchFamily="34" charset="0"/>
+              <a:buChar char="•"/>
+            </a:pPr>
+            <a:endParaRPr lang="pt-PT" sz="2400" dirty="0" smtClean="0"/>
+          </a:p>
+          <a:p>
+            <a:pPr marL="342900" indent="-342900">
+              <a:buFont typeface="Arial" panose="020B0604020202020204" pitchFamily="34" charset="0"/>
+              <a:buChar char="•"/>
+            </a:pPr>
+            <a:r>
+              <a:rPr lang="pt-PT" sz="2400" dirty="0"/>
+              <a:t>Mais conhecido como impressão 3D</a:t>
+            </a:r>
+          </a:p>
+          <a:p>
+            <a:pPr marL="342900" indent="-342900">
+              <a:buFont typeface="Arial" panose="020B0604020202020204" pitchFamily="34" charset="0"/>
+              <a:buChar char="•"/>
+            </a:pPr>
+            <a:endParaRPr lang="pt-PT" sz="2400" dirty="0" smtClean="0"/>
+          </a:p>
+          <a:p>
+            <a:pPr marL="342900" indent="-342900">
               <a:buFont typeface="Arial" panose="020B0604020202020204" pitchFamily="34" charset="0"/>
               <a:buChar char="•"/>
             </a:pPr>
             <a:r>
               <a:rPr lang="pt-PT" sz="2400" dirty="0" smtClean="0"/>
-              <a:t>Processo </a:t>
-            </a:r>
-            <a:r>
-              <a:rPr lang="pt-PT" sz="2400" dirty="0"/>
-              <a:t>computacional de descoberta de padrões que faz parte da Extração de Conhecimento em Bases de Dados</a:t>
-            </a:r>
-          </a:p>
-          <a:p>
-            <a:endParaRPr lang="pt-PT" sz="3200" b="1" dirty="0"/>
-          </a:p>
-          <a:p>
-            <a:r>
-              <a:rPr lang="pt-PT" sz="3200" b="1" dirty="0" smtClean="0"/>
-              <a:t>Web </a:t>
-            </a:r>
-            <a:r>
-              <a:rPr lang="pt-PT" sz="3200" b="1" dirty="0" err="1" smtClean="0"/>
-              <a:t>Mining</a:t>
-            </a:r>
-            <a:endParaRPr lang="pt-PT" sz="3200" b="1" dirty="0" smtClean="0"/>
+              <a:t>Construção de peças camada a camada</a:t>
+            </a:r>
+          </a:p>
+          <a:p>
+            <a:endParaRPr lang="pt-PT" sz="2400" dirty="0"/>
+          </a:p>
+          <a:p>
+            <a:pPr marL="342900" indent="-342900">
+              <a:buFont typeface="Arial" panose="020B0604020202020204" pitchFamily="34" charset="0"/>
+              <a:buChar char="•"/>
+            </a:pPr>
+            <a:endParaRPr lang="pt-PT" sz="2400" dirty="0" smtClean="0"/>
+          </a:p>
+          <a:p>
+            <a:pPr marL="342900" indent="-342900">
+              <a:buFont typeface="Arial" panose="020B0604020202020204" pitchFamily="34" charset="0"/>
+              <a:buChar char="•"/>
+            </a:pPr>
+            <a:endParaRPr lang="pt-PT" sz="2400" dirty="0"/>
+          </a:p>
+          <a:p>
+            <a:pPr marL="342900" indent="-342900">
+              <a:buFont typeface="Arial" panose="020B0604020202020204" pitchFamily="34" charset="0"/>
+              <a:buChar char="•"/>
+            </a:pPr>
+            <a:endParaRPr lang="pt-PT" sz="2400" dirty="0" smtClean="0"/>
+          </a:p>
+          <a:p>
+            <a:pPr marL="342900" indent="-342900">
+              <a:buFont typeface="Arial" panose="020B0604020202020204" pitchFamily="34" charset="0"/>
+              <a:buChar char="•"/>
+            </a:pPr>
+            <a:endParaRPr lang="pt-PT" sz="2400" dirty="0"/>
+          </a:p>
+          <a:p>
+            <a:endParaRPr lang="pt-PT" sz="2400" dirty="0" smtClean="0"/>
+          </a:p>
+          <a:p>
+            <a:endParaRPr lang="pt-PT" sz="2400" dirty="0"/>
           </a:p>
           <a:p>
             <a:pPr marL="342900" indent="-342900">
@@ -8653,16 +9758,56 @@
             </a:pPr>
             <a:r>
               <a:rPr lang="pt-PT" sz="2400" dirty="0" smtClean="0"/>
-              <a:t>Aplicação de técnicas de data </a:t>
-            </a:r>
-            <a:r>
-              <a:rPr lang="pt-PT" sz="2400" dirty="0" err="1" smtClean="0"/>
-              <a:t>mining</a:t>
-            </a:r>
+              <a:t>Devido á evolução da automação pode ser uma das próximas forças motoras na indústria</a:t>
+            </a:r>
+          </a:p>
+          <a:p>
+            <a:pPr marL="342900" indent="-342900">
+              <a:buFont typeface="Arial" panose="020B0604020202020204" pitchFamily="34" charset="0"/>
+              <a:buChar char="•"/>
+            </a:pPr>
+            <a:endParaRPr lang="pt-PT" sz="2400" dirty="0"/>
+          </a:p>
+          <a:p>
+            <a:pPr marL="342900" indent="-342900">
+              <a:buFont typeface="Arial" panose="020B0604020202020204" pitchFamily="34" charset="0"/>
+              <a:buChar char="•"/>
+            </a:pPr>
             <a:r>
               <a:rPr lang="pt-PT" sz="2400" dirty="0" smtClean="0"/>
-              <a:t> com o intuito de descobrir  e extrair padrões na web</a:t>
-            </a:r>
+              <a:t>Impressão nos mais diversos materiais está em investigação</a:t>
+            </a:r>
+          </a:p>
+          <a:p>
+            <a:pPr marL="342900" indent="-342900">
+              <a:buFont typeface="Arial" panose="020B0604020202020204" pitchFamily="34" charset="0"/>
+              <a:buChar char="•"/>
+            </a:pPr>
+            <a:endParaRPr lang="pt-PT" sz="2400" dirty="0" smtClean="0"/>
+          </a:p>
+          <a:p>
+            <a:pPr marL="342900" indent="-342900">
+              <a:buFont typeface="Arial" panose="020B0604020202020204" pitchFamily="34" charset="0"/>
+              <a:buChar char="•"/>
+            </a:pPr>
+            <a:endParaRPr lang="pt-PT" sz="2400" dirty="0" smtClean="0"/>
+          </a:p>
+          <a:p>
+            <a:endParaRPr lang="pt-PT" sz="2400" dirty="0" smtClean="0"/>
+          </a:p>
+          <a:p>
+            <a:pPr marL="342900" indent="-342900">
+              <a:buFont typeface="Arial" panose="020B0604020202020204" pitchFamily="34" charset="0"/>
+              <a:buChar char="•"/>
+            </a:pPr>
+            <a:endParaRPr lang="pt-PT" sz="2400" dirty="0" smtClean="0"/>
+          </a:p>
+          <a:p>
+            <a:pPr marL="342900" indent="-342900">
+              <a:buFont typeface="Arial" panose="020B0604020202020204" pitchFamily="34" charset="0"/>
+              <a:buChar char="•"/>
+            </a:pPr>
+            <a:endParaRPr lang="pt-PT" sz="2400" dirty="0" smtClean="0"/>
           </a:p>
           <a:p>
             <a:pPr marL="342900" indent="-342900">
@@ -8672,62 +9817,198 @@
             <a:endParaRPr lang="pt-PT" sz="2400" dirty="0"/>
           </a:p>
           <a:p>
-            <a:r>
-              <a:rPr lang="pt-PT" sz="3200" b="1" dirty="0"/>
-              <a:t>Web </a:t>
-            </a:r>
-            <a:r>
-              <a:rPr lang="pt-PT" sz="3200" b="1" dirty="0" err="1" smtClean="0"/>
-              <a:t>Mining</a:t>
-            </a:r>
-            <a:r>
-              <a:rPr lang="pt-PT" sz="3200" b="1" dirty="0" smtClean="0"/>
-              <a:t> nas Redes Sociais</a:t>
-            </a:r>
-          </a:p>
-          <a:p>
-            <a:pPr marL="342900" indent="-342900">
-              <a:buFont typeface="Arial" panose="020B0604020202020204" pitchFamily="34" charset="0"/>
-              <a:buChar char="•"/>
-            </a:pPr>
-            <a:r>
-              <a:rPr lang="pt-PT" sz="2400" dirty="0" smtClean="0"/>
-              <a:t>Analisar e extrair padrões e tendências no conteúdo dos dados gerados nas Redes Sociais online</a:t>
-            </a:r>
+            <a:pPr marL="342900" indent="-342900">
+              <a:buFont typeface="Arial" panose="020B0604020202020204" pitchFamily="34" charset="0"/>
+              <a:buChar char="•"/>
+            </a:pPr>
+            <a:endParaRPr lang="pt-PT" sz="2400" dirty="0" smtClean="0"/>
+          </a:p>
+          <a:p>
+            <a:pPr marL="342900" indent="-342900">
+              <a:buFont typeface="Arial" panose="020B0604020202020204" pitchFamily="34" charset="0"/>
+              <a:buChar char="•"/>
+            </a:pPr>
+            <a:endParaRPr lang="pt-PT" sz="2400" dirty="0" smtClean="0"/>
+          </a:p>
+          <a:p>
+            <a:pPr marL="342900" indent="-342900">
+              <a:buFont typeface="Arial" panose="020B0604020202020204" pitchFamily="34" charset="0"/>
+              <a:buChar char="•"/>
+            </a:pPr>
+            <a:endParaRPr lang="pt-PT" sz="2400" dirty="0" smtClean="0"/>
+          </a:p>
+          <a:p>
+            <a:pPr marL="342900" indent="-342900">
+              <a:buFont typeface="Arial" panose="020B0604020202020204" pitchFamily="34" charset="0"/>
+              <a:buChar char="•"/>
+            </a:pPr>
+            <a:endParaRPr lang="pt-PT" sz="2400" dirty="0" smtClean="0"/>
+          </a:p>
+          <a:p>
+            <a:pPr marL="342900" indent="-342900">
+              <a:buFont typeface="Arial" panose="020B0604020202020204" pitchFamily="34" charset="0"/>
+              <a:buChar char="•"/>
+            </a:pPr>
             <a:endParaRPr lang="pt-PT" sz="2400" dirty="0"/>
           </a:p>
           <a:p>
-            <a:endParaRPr lang="pt-PT" sz="3200" b="1" dirty="0"/>
-          </a:p>
-          <a:p>
-            <a:endParaRPr lang="pt-PT" sz="2400" dirty="0" smtClean="0"/>
-          </a:p>
-          <a:p>
-            <a:pPr marL="342900" indent="-342900">
-              <a:buFont typeface="Arial" panose="020B0604020202020204" pitchFamily="34" charset="0"/>
-              <a:buChar char="•"/>
-            </a:pPr>
-            <a:endParaRPr lang="pt-PT" sz="2400" dirty="0" smtClean="0"/>
-          </a:p>
-          <a:p>
-            <a:pPr marL="342900" indent="-342900">
-              <a:buFont typeface="Arial" panose="020B0604020202020204" pitchFamily="34" charset="0"/>
-              <a:buChar char="•"/>
-            </a:pPr>
-            <a:endParaRPr lang="pt-PT" sz="2400" dirty="0"/>
-          </a:p>
-          <a:p>
-            <a:pPr marL="342900" indent="-342900">
-              <a:buFont typeface="Arial" panose="020B0604020202020204" pitchFamily="34" charset="0"/>
-              <a:buChar char="•"/>
-            </a:pPr>
-            <a:endParaRPr lang="pt-PT" sz="2400" dirty="0" smtClean="0"/>
+            <a:pPr marL="342900" indent="-342900">
+              <a:buFont typeface="Arial" panose="020B0604020202020204" pitchFamily="34" charset="0"/>
+              <a:buChar char="•"/>
+            </a:pPr>
+            <a:endParaRPr lang="pt-PT" sz="2400" dirty="0" smtClean="0"/>
+          </a:p>
+        </p:txBody>
+      </p:sp>
+      <p:sp>
+        <p:nvSpPr>
+          <p:cNvPr id="2" name="Slide Number Placeholder 1"/>
+          <p:cNvSpPr>
+            <a:spLocks noGrp="1"/>
+          </p:cNvSpPr>
+          <p:nvPr>
+            <p:ph type="sldNum" sz="quarter" idx="12"/>
+          </p:nvPr>
+        </p:nvSpPr>
+        <p:spPr/>
+        <p:txBody>
+          <a:bodyPr/>
+          <a:lstStyle/>
+          <a:p>
+            <a:fld id="{422D536B-584E-486B-9435-086987A3D916}" type="slidenum">
+              <a:rPr lang="pt-PT" smtClean="0"/>
+              <a:t>7</a:t>
+            </a:fld>
+            <a:endParaRPr lang="pt-PT" dirty="0"/>
+          </a:p>
+        </p:txBody>
+      </p:sp>
+      <p:sp>
+        <p:nvSpPr>
+          <p:cNvPr id="6" name="Slide Number Placeholder 5"/>
+          <p:cNvSpPr txBox="1">
+            <a:spLocks/>
+          </p:cNvSpPr>
+          <p:nvPr/>
+        </p:nvSpPr>
+        <p:spPr>
+          <a:xfrm>
+            <a:off x="0" y="6464982"/>
+            <a:ext cx="475129" cy="365125"/>
+          </a:xfrm>
+          <a:prstGeom prst="rect">
+            <a:avLst/>
+          </a:prstGeom>
+        </p:spPr>
+        <p:txBody>
+          <a:bodyPr vert="horz" lIns="91440" tIns="45720" rIns="91440" bIns="45720" rtlCol="0" anchor="ctr"/>
+          <a:lstStyle>
+            <a:defPPr>
+              <a:defRPr lang="en-US"/>
+            </a:defPPr>
+            <a:lvl1pPr marL="0" algn="r" defTabSz="457200" rtl="0" eaLnBrk="1" latinLnBrk="0" hangingPunct="1">
+              <a:defRPr sz="1050" kern="1200">
+                <a:solidFill>
+                  <a:srgbClr val="FFFFFF"/>
+                </a:solidFill>
+                <a:latin typeface="+mn-lt"/>
+                <a:ea typeface="+mn-ea"/>
+                <a:cs typeface="+mn-cs"/>
+              </a:defRPr>
+            </a:lvl1pPr>
+            <a:lvl2pPr marL="457200" algn="l" defTabSz="457200" rtl="0" eaLnBrk="1" latinLnBrk="0" hangingPunct="1">
+              <a:defRPr sz="1800" kern="1200">
+                <a:solidFill>
+                  <a:schemeClr val="tx1"/>
+                </a:solidFill>
+                <a:latin typeface="+mn-lt"/>
+                <a:ea typeface="+mn-ea"/>
+                <a:cs typeface="+mn-cs"/>
+              </a:defRPr>
+            </a:lvl2pPr>
+            <a:lvl3pPr marL="914400" algn="l" defTabSz="457200" rtl="0" eaLnBrk="1" latinLnBrk="0" hangingPunct="1">
+              <a:defRPr sz="1800" kern="1200">
+                <a:solidFill>
+                  <a:schemeClr val="tx1"/>
+                </a:solidFill>
+                <a:latin typeface="+mn-lt"/>
+                <a:ea typeface="+mn-ea"/>
+                <a:cs typeface="+mn-cs"/>
+              </a:defRPr>
+            </a:lvl3pPr>
+            <a:lvl4pPr marL="1371600" algn="l" defTabSz="457200" rtl="0" eaLnBrk="1" latinLnBrk="0" hangingPunct="1">
+              <a:defRPr sz="1800" kern="1200">
+                <a:solidFill>
+                  <a:schemeClr val="tx1"/>
+                </a:solidFill>
+                <a:latin typeface="+mn-lt"/>
+                <a:ea typeface="+mn-ea"/>
+                <a:cs typeface="+mn-cs"/>
+              </a:defRPr>
+            </a:lvl4pPr>
+            <a:lvl5pPr marL="1828800" algn="l" defTabSz="457200" rtl="0" eaLnBrk="1" latinLnBrk="0" hangingPunct="1">
+              <a:defRPr sz="1800" kern="1200">
+                <a:solidFill>
+                  <a:schemeClr val="tx1"/>
+                </a:solidFill>
+                <a:latin typeface="+mn-lt"/>
+                <a:ea typeface="+mn-ea"/>
+                <a:cs typeface="+mn-cs"/>
+              </a:defRPr>
+            </a:lvl5pPr>
+            <a:lvl6pPr marL="2286000" algn="l" defTabSz="457200" rtl="0" eaLnBrk="1" latinLnBrk="0" hangingPunct="1">
+              <a:defRPr sz="1800" kern="1200">
+                <a:solidFill>
+                  <a:schemeClr val="tx1"/>
+                </a:solidFill>
+                <a:latin typeface="+mn-lt"/>
+                <a:ea typeface="+mn-ea"/>
+                <a:cs typeface="+mn-cs"/>
+              </a:defRPr>
+            </a:lvl6pPr>
+            <a:lvl7pPr marL="2743200" algn="l" defTabSz="457200" rtl="0" eaLnBrk="1" latinLnBrk="0" hangingPunct="1">
+              <a:defRPr sz="1800" kern="1200">
+                <a:solidFill>
+                  <a:schemeClr val="tx1"/>
+                </a:solidFill>
+                <a:latin typeface="+mn-lt"/>
+                <a:ea typeface="+mn-ea"/>
+                <a:cs typeface="+mn-cs"/>
+              </a:defRPr>
+            </a:lvl7pPr>
+            <a:lvl8pPr marL="3200400" algn="l" defTabSz="457200" rtl="0" eaLnBrk="1" latinLnBrk="0" hangingPunct="1">
+              <a:defRPr sz="1800" kern="1200">
+                <a:solidFill>
+                  <a:schemeClr val="tx1"/>
+                </a:solidFill>
+                <a:latin typeface="+mn-lt"/>
+                <a:ea typeface="+mn-ea"/>
+                <a:cs typeface="+mn-cs"/>
+              </a:defRPr>
+            </a:lvl8pPr>
+            <a:lvl9pPr marL="3657600" algn="l" defTabSz="457200" rtl="0" eaLnBrk="1" latinLnBrk="0" hangingPunct="1">
+              <a:defRPr sz="1800" kern="1200">
+                <a:solidFill>
+                  <a:schemeClr val="tx1"/>
+                </a:solidFill>
+                <a:latin typeface="+mn-lt"/>
+                <a:ea typeface="+mn-ea"/>
+                <a:cs typeface="+mn-cs"/>
+              </a:defRPr>
+            </a:lvl9pPr>
+          </a:lstStyle>
+          <a:p>
+            <a:r>
+              <a:rPr lang="pt-PT" dirty="0" smtClean="0"/>
+              <a:t>IPVC</a:t>
+            </a:r>
+            <a:endParaRPr lang="pt-PT" dirty="0"/>
           </a:p>
         </p:txBody>
       </p:sp>
       <p:pic>
         <p:nvPicPr>
-          <p:cNvPr id="5" name="Picture 4"/>
+          <p:cNvPr id="9" name="Picture 4"/>
           <p:cNvPicPr>
             <a:picLocks noChangeAspect="1"/>
           </p:cNvPicPr>
@@ -8747,41 +10028,176 @@
         </p:blipFill>
         <p:spPr>
           <a:xfrm>
-            <a:off x="10468855" y="267443"/>
-            <a:ext cx="1373649" cy="983017"/>
+            <a:off x="10468855" y="300496"/>
+            <a:ext cx="1373649" cy="916911"/>
           </a:xfrm>
           <a:prstGeom prst="rect">
             <a:avLst/>
           </a:prstGeom>
         </p:spPr>
       </p:pic>
-      <p:sp>
-        <p:nvSpPr>
-          <p:cNvPr id="2" name="Slide Number Placeholder 1"/>
-          <p:cNvSpPr>
-            <a:spLocks noGrp="1"/>
+      <p:pic>
+        <p:nvPicPr>
+          <p:cNvPr id="4" name="Picture 3"/>
+          <p:cNvPicPr>
+            <a:picLocks noChangeAspect="1"/>
+          </p:cNvPicPr>
+          <p:nvPr/>
+        </p:nvPicPr>
+        <p:blipFill>
+          <a:blip r:embed="rId3">
+            <a:extLst>
+              <a:ext uri="{28A0092B-C50C-407E-A947-70E740481C1C}">
+                <a14:useLocalDpi xmlns:a14="http://schemas.microsoft.com/office/drawing/2010/main" val="0"/>
+              </a:ext>
+            </a:extLst>
+          </a:blip>
+          <a:stretch>
+            <a:fillRect/>
+          </a:stretch>
+        </p:blipFill>
+        <p:spPr>
+          <a:xfrm>
+            <a:off x="3289389" y="2380702"/>
+            <a:ext cx="4356735" cy="2178369"/>
+          </a:xfrm>
+          <a:prstGeom prst="rect">
+            <a:avLst/>
+          </a:prstGeom>
+        </p:spPr>
+      </p:pic>
+      <p:sp>
+        <p:nvSpPr>
+          <p:cNvPr id="10" name="Slide Number Placeholder 5"/>
+          <p:cNvSpPr txBox="1">
+            <a:spLocks/>
           </p:cNvSpPr>
-          <p:nvPr>
-            <p:ph type="sldNum" sz="quarter" idx="12"/>
-          </p:nvPr>
-        </p:nvSpPr>
-        <p:spPr/>
-        <p:txBody>
-          <a:bodyPr/>
-          <a:lstStyle/>
-          <a:p>
-            <a:fld id="{422D536B-584E-486B-9435-086987A3D916}" type="slidenum">
-              <a:rPr lang="pt-PT" smtClean="0"/>
-              <a:t>7</a:t>
-            </a:fld>
-            <a:endParaRPr lang="pt-PT"/>
+          <p:nvPr/>
+        </p:nvSpPr>
+        <p:spPr>
+          <a:xfrm>
+            <a:off x="3908571" y="6492875"/>
+            <a:ext cx="4435818" cy="365125"/>
+          </a:xfrm>
+          <a:prstGeom prst="rect">
+            <a:avLst/>
+          </a:prstGeom>
+        </p:spPr>
+        <p:txBody>
+          <a:bodyPr vert="horz" lIns="91440" tIns="45720" rIns="91440" bIns="45720" rtlCol="0" anchor="ctr"/>
+          <a:lstStyle>
+            <a:defPPr>
+              <a:defRPr lang="en-US"/>
+            </a:defPPr>
+            <a:lvl1pPr marL="0" algn="r" defTabSz="457200" rtl="0" eaLnBrk="1" latinLnBrk="0" hangingPunct="1">
+              <a:defRPr sz="1050" kern="1200">
+                <a:solidFill>
+                  <a:srgbClr val="FFFFFF"/>
+                </a:solidFill>
+                <a:latin typeface="+mn-lt"/>
+                <a:ea typeface="+mn-ea"/>
+                <a:cs typeface="+mn-cs"/>
+              </a:defRPr>
+            </a:lvl1pPr>
+            <a:lvl2pPr marL="457200" algn="l" defTabSz="457200" rtl="0" eaLnBrk="1" latinLnBrk="0" hangingPunct="1">
+              <a:defRPr sz="1800" kern="1200">
+                <a:solidFill>
+                  <a:schemeClr val="tx1"/>
+                </a:solidFill>
+                <a:latin typeface="+mn-lt"/>
+                <a:ea typeface="+mn-ea"/>
+                <a:cs typeface="+mn-cs"/>
+              </a:defRPr>
+            </a:lvl2pPr>
+            <a:lvl3pPr marL="914400" algn="l" defTabSz="457200" rtl="0" eaLnBrk="1" latinLnBrk="0" hangingPunct="1">
+              <a:defRPr sz="1800" kern="1200">
+                <a:solidFill>
+                  <a:schemeClr val="tx1"/>
+                </a:solidFill>
+                <a:latin typeface="+mn-lt"/>
+                <a:ea typeface="+mn-ea"/>
+                <a:cs typeface="+mn-cs"/>
+              </a:defRPr>
+            </a:lvl3pPr>
+            <a:lvl4pPr marL="1371600" algn="l" defTabSz="457200" rtl="0" eaLnBrk="1" latinLnBrk="0" hangingPunct="1">
+              <a:defRPr sz="1800" kern="1200">
+                <a:solidFill>
+                  <a:schemeClr val="tx1"/>
+                </a:solidFill>
+                <a:latin typeface="+mn-lt"/>
+                <a:ea typeface="+mn-ea"/>
+                <a:cs typeface="+mn-cs"/>
+              </a:defRPr>
+            </a:lvl4pPr>
+            <a:lvl5pPr marL="1828800" algn="l" defTabSz="457200" rtl="0" eaLnBrk="1" latinLnBrk="0" hangingPunct="1">
+              <a:defRPr sz="1800" kern="1200">
+                <a:solidFill>
+                  <a:schemeClr val="tx1"/>
+                </a:solidFill>
+                <a:latin typeface="+mn-lt"/>
+                <a:ea typeface="+mn-ea"/>
+                <a:cs typeface="+mn-cs"/>
+              </a:defRPr>
+            </a:lvl5pPr>
+            <a:lvl6pPr marL="2286000" algn="l" defTabSz="457200" rtl="0" eaLnBrk="1" latinLnBrk="0" hangingPunct="1">
+              <a:defRPr sz="1800" kern="1200">
+                <a:solidFill>
+                  <a:schemeClr val="tx1"/>
+                </a:solidFill>
+                <a:latin typeface="+mn-lt"/>
+                <a:ea typeface="+mn-ea"/>
+                <a:cs typeface="+mn-cs"/>
+              </a:defRPr>
+            </a:lvl6pPr>
+            <a:lvl7pPr marL="2743200" algn="l" defTabSz="457200" rtl="0" eaLnBrk="1" latinLnBrk="0" hangingPunct="1">
+              <a:defRPr sz="1800" kern="1200">
+                <a:solidFill>
+                  <a:schemeClr val="tx1"/>
+                </a:solidFill>
+                <a:latin typeface="+mn-lt"/>
+                <a:ea typeface="+mn-ea"/>
+                <a:cs typeface="+mn-cs"/>
+              </a:defRPr>
+            </a:lvl7pPr>
+            <a:lvl8pPr marL="3200400" algn="l" defTabSz="457200" rtl="0" eaLnBrk="1" latinLnBrk="0" hangingPunct="1">
+              <a:defRPr sz="1800" kern="1200">
+                <a:solidFill>
+                  <a:schemeClr val="tx1"/>
+                </a:solidFill>
+                <a:latin typeface="+mn-lt"/>
+                <a:ea typeface="+mn-ea"/>
+                <a:cs typeface="+mn-cs"/>
+              </a:defRPr>
+            </a:lvl8pPr>
+            <a:lvl9pPr marL="3657600" algn="l" defTabSz="457200" rtl="0" eaLnBrk="1" latinLnBrk="0" hangingPunct="1">
+              <a:defRPr sz="1800" kern="1200">
+                <a:solidFill>
+                  <a:schemeClr val="tx1"/>
+                </a:solidFill>
+                <a:latin typeface="+mn-lt"/>
+                <a:ea typeface="+mn-ea"/>
+                <a:cs typeface="+mn-cs"/>
+              </a:defRPr>
+            </a:lvl9pPr>
+          </a:lstStyle>
+          <a:p>
+            <a:pPr algn="ctr"/>
+            <a:r>
+              <a:rPr lang="pt-PT" sz="1600" b="1" dirty="0" smtClean="0"/>
+              <a:t>HMI para Fabrico </a:t>
+            </a:r>
+            <a:r>
+              <a:rPr lang="pt-PT" sz="1600" b="1" dirty="0" smtClean="0"/>
+              <a:t>Aditivo – Estado da Arte</a:t>
+            </a:r>
+            <a:endParaRPr lang="pt-PT" sz="1600" b="1" dirty="0"/>
           </a:p>
         </p:txBody>
       </p:sp>
     </p:spTree>
     <p:extLst>
       <p:ext uri="{BB962C8B-B14F-4D97-AF65-F5344CB8AC3E}">
-        <p14:creationId xmlns:p14="http://schemas.microsoft.com/office/powerpoint/2010/main" val="2183652815"/>
+        <p14:creationId xmlns:p14="http://schemas.microsoft.com/office/powerpoint/2010/main" val="2554370127"/>
       </p:ext>
     </p:extLst>
   </p:cSld>
@@ -8816,8 +10232,8 @@
         </p:nvSpPr>
         <p:spPr>
           <a:xfrm>
-            <a:off x="437479" y="541212"/>
-            <a:ext cx="9854004" cy="2062103"/>
+            <a:off x="445000" y="166025"/>
+            <a:ext cx="11747000" cy="10926068"/>
           </a:xfrm>
           <a:prstGeom prst="rect">
             <a:avLst/>
@@ -8832,24 +10248,26 @@
           <a:p>
             <a:r>
               <a:rPr lang="pt-PT" sz="3200" b="1" dirty="0" smtClean="0"/>
-              <a:t>Arquitetura</a:t>
-            </a:r>
-          </a:p>
-          <a:p>
-            <a:endParaRPr lang="pt-PT" sz="2400" dirty="0" smtClean="0"/>
-          </a:p>
-          <a:p>
-            <a:pPr marL="342900" indent="-342900">
-              <a:buFont typeface="Arial" panose="020B0604020202020204" pitchFamily="34" charset="0"/>
-              <a:buChar char="•"/>
-            </a:pPr>
-            <a:endParaRPr lang="pt-PT" sz="2400" dirty="0" smtClean="0"/>
-          </a:p>
-          <a:p>
-            <a:pPr marL="342900" indent="-342900">
-              <a:buFont typeface="Arial" panose="020B0604020202020204" pitchFamily="34" charset="0"/>
-              <a:buChar char="•"/>
-            </a:pPr>
+              <a:t>Web para Automação</a:t>
+            </a:r>
+            <a:endParaRPr lang="pt-PT" sz="3200" b="1" dirty="0" smtClean="0"/>
+          </a:p>
+          <a:p>
+            <a:pPr marL="342900" indent="-342900">
+              <a:buFont typeface="Arial" panose="020B0604020202020204" pitchFamily="34" charset="0"/>
+              <a:buChar char="•"/>
+            </a:pPr>
+            <a:endParaRPr lang="pt-PT" sz="2400" dirty="0" smtClean="0"/>
+          </a:p>
+          <a:p>
+            <a:pPr marL="342900" indent="-342900">
+              <a:buFont typeface="Arial" panose="020B0604020202020204" pitchFamily="34" charset="0"/>
+              <a:buChar char="•"/>
+            </a:pPr>
+            <a:r>
+              <a:rPr lang="pt-PT" sz="2400" dirty="0" smtClean="0"/>
+              <a:t>Evolução da web permite vasta aplicabilidade</a:t>
+            </a:r>
             <a:endParaRPr lang="pt-PT" sz="2400" dirty="0"/>
           </a:p>
           <a:p>
@@ -8858,19 +10276,327 @@
               <a:buChar char="•"/>
             </a:pPr>
             <a:endParaRPr lang="pt-PT" sz="2400" dirty="0" smtClean="0"/>
+          </a:p>
+          <a:p>
+            <a:pPr marL="342900" indent="-342900">
+              <a:buFont typeface="Arial" panose="020B0604020202020204" pitchFamily="34" charset="0"/>
+              <a:buChar char="•"/>
+            </a:pPr>
+            <a:r>
+              <a:rPr lang="pt-PT" sz="2400" dirty="0" smtClean="0"/>
+              <a:t>Integração com tecnologias que nasceram noutras áreas</a:t>
+            </a:r>
+            <a:endParaRPr lang="pt-PT" sz="2400" dirty="0" smtClean="0"/>
+          </a:p>
+          <a:p>
+            <a:pPr marL="342900" indent="-342900">
+              <a:buFont typeface="Arial" panose="020B0604020202020204" pitchFamily="34" charset="0"/>
+              <a:buChar char="•"/>
+            </a:pPr>
+            <a:endParaRPr lang="pt-PT" sz="2400" dirty="0"/>
+          </a:p>
+          <a:p>
+            <a:pPr marL="342900" indent="-342900">
+              <a:buFont typeface="Arial" panose="020B0604020202020204" pitchFamily="34" charset="0"/>
+              <a:buChar char="•"/>
+            </a:pPr>
+            <a:endParaRPr lang="pt-PT" sz="2400" dirty="0" smtClean="0"/>
+          </a:p>
+          <a:p>
+            <a:pPr marL="342900" indent="-342900">
+              <a:buFont typeface="Arial" panose="020B0604020202020204" pitchFamily="34" charset="0"/>
+              <a:buChar char="•"/>
+            </a:pPr>
+            <a:endParaRPr lang="pt-PT" sz="2400" dirty="0"/>
+          </a:p>
+          <a:p>
+            <a:endParaRPr lang="pt-PT" sz="2400" dirty="0" smtClean="0"/>
+          </a:p>
+          <a:p>
+            <a:endParaRPr lang="pt-PT" sz="2400" dirty="0" smtClean="0"/>
+          </a:p>
+          <a:p>
+            <a:pPr marL="342900" indent="-342900">
+              <a:buFont typeface="Arial" panose="020B0604020202020204" pitchFamily="34" charset="0"/>
+              <a:buChar char="•"/>
+            </a:pPr>
+            <a:r>
+              <a:rPr lang="pt-PT" sz="2400" dirty="0" smtClean="0"/>
+              <a:t>Aquisição, processamento e armazenamento de dados</a:t>
+            </a:r>
+          </a:p>
+          <a:p>
+            <a:pPr marL="342900" indent="-342900">
+              <a:buFont typeface="Arial" panose="020B0604020202020204" pitchFamily="34" charset="0"/>
+              <a:buChar char="•"/>
+            </a:pPr>
+            <a:endParaRPr lang="pt-PT" sz="2400" dirty="0"/>
+          </a:p>
+          <a:p>
+            <a:pPr marL="342900" indent="-342900">
+              <a:buFont typeface="Arial" panose="020B0604020202020204" pitchFamily="34" charset="0"/>
+              <a:buChar char="•"/>
+            </a:pPr>
+            <a:r>
+              <a:rPr lang="pt-PT" sz="2400" dirty="0" smtClean="0"/>
+              <a:t>Disponibilização de dados em tempo real/processados através de soluções web-based</a:t>
+            </a:r>
+          </a:p>
+          <a:p>
+            <a:pPr marL="342900" indent="-342900">
+              <a:buFont typeface="Arial" panose="020B0604020202020204" pitchFamily="34" charset="0"/>
+              <a:buChar char="•"/>
+            </a:pPr>
+            <a:endParaRPr lang="pt-PT" sz="2400" dirty="0"/>
+          </a:p>
+          <a:p>
+            <a:pPr marL="342900" indent="-342900">
+              <a:buFont typeface="Arial" panose="020B0604020202020204" pitchFamily="34" charset="0"/>
+              <a:buChar char="•"/>
+            </a:pPr>
+            <a:r>
+              <a:rPr lang="pt-PT" sz="2400" dirty="0" smtClean="0"/>
+              <a:t>Visualização dos dados em diversos dispositivos, local ou remotamente, integração com tecnologias emergentes, entre outras</a:t>
+            </a:r>
+          </a:p>
+          <a:p>
+            <a:pPr marL="342900" indent="-342900">
+              <a:buFont typeface="Arial" panose="020B0604020202020204" pitchFamily="34" charset="0"/>
+              <a:buChar char="•"/>
+            </a:pPr>
+            <a:endParaRPr lang="pt-PT" sz="2400" dirty="0" smtClean="0"/>
+          </a:p>
+          <a:p>
+            <a:pPr marL="342900" indent="-342900">
+              <a:buFont typeface="Arial" panose="020B0604020202020204" pitchFamily="34" charset="0"/>
+              <a:buChar char="•"/>
+            </a:pPr>
+            <a:endParaRPr lang="pt-PT" sz="2400" dirty="0" smtClean="0"/>
+          </a:p>
+          <a:p>
+            <a:endParaRPr lang="pt-PT" sz="2400" dirty="0" smtClean="0"/>
+          </a:p>
+          <a:p>
+            <a:pPr marL="342900" indent="-342900">
+              <a:buFont typeface="Arial" panose="020B0604020202020204" pitchFamily="34" charset="0"/>
+              <a:buChar char="•"/>
+            </a:pPr>
+            <a:endParaRPr lang="pt-PT" sz="2400" dirty="0" smtClean="0"/>
+          </a:p>
+          <a:p>
+            <a:pPr marL="342900" indent="-342900">
+              <a:buFont typeface="Arial" panose="020B0604020202020204" pitchFamily="34" charset="0"/>
+              <a:buChar char="•"/>
+            </a:pPr>
+            <a:endParaRPr lang="pt-PT" sz="2400" dirty="0" smtClean="0"/>
+          </a:p>
+          <a:p>
+            <a:pPr marL="342900" indent="-342900">
+              <a:buFont typeface="Arial" panose="020B0604020202020204" pitchFamily="34" charset="0"/>
+              <a:buChar char="•"/>
+            </a:pPr>
+            <a:endParaRPr lang="pt-PT" sz="2400" dirty="0"/>
+          </a:p>
+          <a:p>
+            <a:pPr marL="342900" indent="-342900">
+              <a:buFont typeface="Arial" panose="020B0604020202020204" pitchFamily="34" charset="0"/>
+              <a:buChar char="•"/>
+            </a:pPr>
+            <a:endParaRPr lang="pt-PT" sz="2400" dirty="0" smtClean="0"/>
+          </a:p>
+          <a:p>
+            <a:pPr marL="342900" indent="-342900">
+              <a:buFont typeface="Arial" panose="020B0604020202020204" pitchFamily="34" charset="0"/>
+              <a:buChar char="•"/>
+            </a:pPr>
+            <a:endParaRPr lang="pt-PT" sz="2400" dirty="0" smtClean="0"/>
+          </a:p>
+          <a:p>
+            <a:pPr marL="342900" indent="-342900">
+              <a:buFont typeface="Arial" panose="020B0604020202020204" pitchFamily="34" charset="0"/>
+              <a:buChar char="•"/>
+            </a:pPr>
+            <a:endParaRPr lang="pt-PT" sz="2400" dirty="0" smtClean="0"/>
+          </a:p>
+          <a:p>
+            <a:pPr marL="342900" indent="-342900">
+              <a:buFont typeface="Arial" panose="020B0604020202020204" pitchFamily="34" charset="0"/>
+              <a:buChar char="•"/>
+            </a:pPr>
+            <a:endParaRPr lang="pt-PT" sz="2400" dirty="0" smtClean="0"/>
+          </a:p>
+          <a:p>
+            <a:pPr marL="342900" indent="-342900">
+              <a:buFont typeface="Arial" panose="020B0604020202020204" pitchFamily="34" charset="0"/>
+              <a:buChar char="•"/>
+            </a:pPr>
+            <a:endParaRPr lang="pt-PT" sz="2400" dirty="0"/>
+          </a:p>
+          <a:p>
+            <a:pPr marL="342900" indent="-342900">
+              <a:buFont typeface="Arial" panose="020B0604020202020204" pitchFamily="34" charset="0"/>
+              <a:buChar char="•"/>
+            </a:pPr>
+            <a:endParaRPr lang="pt-PT" sz="2400" dirty="0" smtClean="0"/>
+          </a:p>
+        </p:txBody>
+      </p:sp>
+      <p:sp>
+        <p:nvSpPr>
+          <p:cNvPr id="2" name="Slide Number Placeholder 1"/>
+          <p:cNvSpPr>
+            <a:spLocks noGrp="1"/>
+          </p:cNvSpPr>
+          <p:nvPr>
+            <p:ph type="sldNum" sz="quarter" idx="12"/>
+          </p:nvPr>
+        </p:nvSpPr>
+        <p:spPr/>
+        <p:txBody>
+          <a:bodyPr/>
+          <a:lstStyle/>
+          <a:p>
+            <a:fld id="{422D536B-584E-486B-9435-086987A3D916}" type="slidenum">
+              <a:rPr lang="pt-PT" smtClean="0"/>
+              <a:t>8</a:t>
+            </a:fld>
+            <a:endParaRPr lang="pt-PT" dirty="0"/>
+          </a:p>
+        </p:txBody>
+      </p:sp>
+      <p:sp>
+        <p:nvSpPr>
+          <p:cNvPr id="6" name="Slide Number Placeholder 5"/>
+          <p:cNvSpPr txBox="1">
+            <a:spLocks/>
+          </p:cNvSpPr>
+          <p:nvPr/>
+        </p:nvSpPr>
+        <p:spPr>
+          <a:xfrm>
+            <a:off x="0" y="6464982"/>
+            <a:ext cx="475129" cy="365125"/>
+          </a:xfrm>
+          <a:prstGeom prst="rect">
+            <a:avLst/>
+          </a:prstGeom>
+        </p:spPr>
+        <p:txBody>
+          <a:bodyPr vert="horz" lIns="91440" tIns="45720" rIns="91440" bIns="45720" rtlCol="0" anchor="ctr"/>
+          <a:lstStyle>
+            <a:defPPr>
+              <a:defRPr lang="en-US"/>
+            </a:defPPr>
+            <a:lvl1pPr marL="0" algn="r" defTabSz="457200" rtl="0" eaLnBrk="1" latinLnBrk="0" hangingPunct="1">
+              <a:defRPr sz="1050" kern="1200">
+                <a:solidFill>
+                  <a:srgbClr val="FFFFFF"/>
+                </a:solidFill>
+                <a:latin typeface="+mn-lt"/>
+                <a:ea typeface="+mn-ea"/>
+                <a:cs typeface="+mn-cs"/>
+              </a:defRPr>
+            </a:lvl1pPr>
+            <a:lvl2pPr marL="457200" algn="l" defTabSz="457200" rtl="0" eaLnBrk="1" latinLnBrk="0" hangingPunct="1">
+              <a:defRPr sz="1800" kern="1200">
+                <a:solidFill>
+                  <a:schemeClr val="tx1"/>
+                </a:solidFill>
+                <a:latin typeface="+mn-lt"/>
+                <a:ea typeface="+mn-ea"/>
+                <a:cs typeface="+mn-cs"/>
+              </a:defRPr>
+            </a:lvl2pPr>
+            <a:lvl3pPr marL="914400" algn="l" defTabSz="457200" rtl="0" eaLnBrk="1" latinLnBrk="0" hangingPunct="1">
+              <a:defRPr sz="1800" kern="1200">
+                <a:solidFill>
+                  <a:schemeClr val="tx1"/>
+                </a:solidFill>
+                <a:latin typeface="+mn-lt"/>
+                <a:ea typeface="+mn-ea"/>
+                <a:cs typeface="+mn-cs"/>
+              </a:defRPr>
+            </a:lvl3pPr>
+            <a:lvl4pPr marL="1371600" algn="l" defTabSz="457200" rtl="0" eaLnBrk="1" latinLnBrk="0" hangingPunct="1">
+              <a:defRPr sz="1800" kern="1200">
+                <a:solidFill>
+                  <a:schemeClr val="tx1"/>
+                </a:solidFill>
+                <a:latin typeface="+mn-lt"/>
+                <a:ea typeface="+mn-ea"/>
+                <a:cs typeface="+mn-cs"/>
+              </a:defRPr>
+            </a:lvl4pPr>
+            <a:lvl5pPr marL="1828800" algn="l" defTabSz="457200" rtl="0" eaLnBrk="1" latinLnBrk="0" hangingPunct="1">
+              <a:defRPr sz="1800" kern="1200">
+                <a:solidFill>
+                  <a:schemeClr val="tx1"/>
+                </a:solidFill>
+                <a:latin typeface="+mn-lt"/>
+                <a:ea typeface="+mn-ea"/>
+                <a:cs typeface="+mn-cs"/>
+              </a:defRPr>
+            </a:lvl5pPr>
+            <a:lvl6pPr marL="2286000" algn="l" defTabSz="457200" rtl="0" eaLnBrk="1" latinLnBrk="0" hangingPunct="1">
+              <a:defRPr sz="1800" kern="1200">
+                <a:solidFill>
+                  <a:schemeClr val="tx1"/>
+                </a:solidFill>
+                <a:latin typeface="+mn-lt"/>
+                <a:ea typeface="+mn-ea"/>
+                <a:cs typeface="+mn-cs"/>
+              </a:defRPr>
+            </a:lvl6pPr>
+            <a:lvl7pPr marL="2743200" algn="l" defTabSz="457200" rtl="0" eaLnBrk="1" latinLnBrk="0" hangingPunct="1">
+              <a:defRPr sz="1800" kern="1200">
+                <a:solidFill>
+                  <a:schemeClr val="tx1"/>
+                </a:solidFill>
+                <a:latin typeface="+mn-lt"/>
+                <a:ea typeface="+mn-ea"/>
+                <a:cs typeface="+mn-cs"/>
+              </a:defRPr>
+            </a:lvl7pPr>
+            <a:lvl8pPr marL="3200400" algn="l" defTabSz="457200" rtl="0" eaLnBrk="1" latinLnBrk="0" hangingPunct="1">
+              <a:defRPr sz="1800" kern="1200">
+                <a:solidFill>
+                  <a:schemeClr val="tx1"/>
+                </a:solidFill>
+                <a:latin typeface="+mn-lt"/>
+                <a:ea typeface="+mn-ea"/>
+                <a:cs typeface="+mn-cs"/>
+              </a:defRPr>
+            </a:lvl8pPr>
+            <a:lvl9pPr marL="3657600" algn="l" defTabSz="457200" rtl="0" eaLnBrk="1" latinLnBrk="0" hangingPunct="1">
+              <a:defRPr sz="1800" kern="1200">
+                <a:solidFill>
+                  <a:schemeClr val="tx1"/>
+                </a:solidFill>
+                <a:latin typeface="+mn-lt"/>
+                <a:ea typeface="+mn-ea"/>
+                <a:cs typeface="+mn-cs"/>
+              </a:defRPr>
+            </a:lvl9pPr>
+          </a:lstStyle>
+          <a:p>
+            <a:r>
+              <a:rPr lang="pt-PT" dirty="0" smtClean="0"/>
+              <a:t>IPVC</a:t>
+            </a:r>
+            <a:endParaRPr lang="pt-PT" dirty="0"/>
           </a:p>
         </p:txBody>
       </p:sp>
       <p:pic>
         <p:nvPicPr>
-          <p:cNvPr id="2" name="Imagem 1"/>
+          <p:cNvPr id="9" name="Picture 4"/>
           <p:cNvPicPr>
             <a:picLocks noChangeAspect="1"/>
           </p:cNvPicPr>
           <p:nvPr/>
         </p:nvPicPr>
         <p:blipFill>
-          <a:blip r:embed="rId2">
+          <a:blip r:embed="rId2" cstate="print">
             <a:extLst>
               <a:ext uri="{28A0092B-C50C-407E-A947-70E740481C1C}">
                 <a14:useLocalDpi xmlns:a14="http://schemas.microsoft.com/office/drawing/2010/main" val="0"/>
@@ -8883,17 +10609,145 @@
         </p:blipFill>
         <p:spPr>
           <a:xfrm>
-            <a:off x="1005840" y="1479843"/>
-            <a:ext cx="9285643" cy="4720058"/>
+            <a:off x="10468855" y="300496"/>
+            <a:ext cx="1373649" cy="916911"/>
           </a:xfrm>
           <a:prstGeom prst="rect">
             <a:avLst/>
           </a:prstGeom>
         </p:spPr>
       </p:pic>
+      <p:sp>
+        <p:nvSpPr>
+          <p:cNvPr id="10" name="Slide Number Placeholder 5"/>
+          <p:cNvSpPr txBox="1">
+            <a:spLocks/>
+          </p:cNvSpPr>
+          <p:nvPr/>
+        </p:nvSpPr>
+        <p:spPr>
+          <a:xfrm>
+            <a:off x="3908571" y="6492875"/>
+            <a:ext cx="4435818" cy="365125"/>
+          </a:xfrm>
+          <a:prstGeom prst="rect">
+            <a:avLst/>
+          </a:prstGeom>
+        </p:spPr>
+        <p:txBody>
+          <a:bodyPr vert="horz" lIns="91440" tIns="45720" rIns="91440" bIns="45720" rtlCol="0" anchor="ctr"/>
+          <a:lstStyle>
+            <a:defPPr>
+              <a:defRPr lang="en-US"/>
+            </a:defPPr>
+            <a:lvl1pPr marL="0" algn="r" defTabSz="457200" rtl="0" eaLnBrk="1" latinLnBrk="0" hangingPunct="1">
+              <a:defRPr sz="1050" kern="1200">
+                <a:solidFill>
+                  <a:srgbClr val="FFFFFF"/>
+                </a:solidFill>
+                <a:latin typeface="+mn-lt"/>
+                <a:ea typeface="+mn-ea"/>
+                <a:cs typeface="+mn-cs"/>
+              </a:defRPr>
+            </a:lvl1pPr>
+            <a:lvl2pPr marL="457200" algn="l" defTabSz="457200" rtl="0" eaLnBrk="1" latinLnBrk="0" hangingPunct="1">
+              <a:defRPr sz="1800" kern="1200">
+                <a:solidFill>
+                  <a:schemeClr val="tx1"/>
+                </a:solidFill>
+                <a:latin typeface="+mn-lt"/>
+                <a:ea typeface="+mn-ea"/>
+                <a:cs typeface="+mn-cs"/>
+              </a:defRPr>
+            </a:lvl2pPr>
+            <a:lvl3pPr marL="914400" algn="l" defTabSz="457200" rtl="0" eaLnBrk="1" latinLnBrk="0" hangingPunct="1">
+              <a:defRPr sz="1800" kern="1200">
+                <a:solidFill>
+                  <a:schemeClr val="tx1"/>
+                </a:solidFill>
+                <a:latin typeface="+mn-lt"/>
+                <a:ea typeface="+mn-ea"/>
+                <a:cs typeface="+mn-cs"/>
+              </a:defRPr>
+            </a:lvl3pPr>
+            <a:lvl4pPr marL="1371600" algn="l" defTabSz="457200" rtl="0" eaLnBrk="1" latinLnBrk="0" hangingPunct="1">
+              <a:defRPr sz="1800" kern="1200">
+                <a:solidFill>
+                  <a:schemeClr val="tx1"/>
+                </a:solidFill>
+                <a:latin typeface="+mn-lt"/>
+                <a:ea typeface="+mn-ea"/>
+                <a:cs typeface="+mn-cs"/>
+              </a:defRPr>
+            </a:lvl4pPr>
+            <a:lvl5pPr marL="1828800" algn="l" defTabSz="457200" rtl="0" eaLnBrk="1" latinLnBrk="0" hangingPunct="1">
+              <a:defRPr sz="1800" kern="1200">
+                <a:solidFill>
+                  <a:schemeClr val="tx1"/>
+                </a:solidFill>
+                <a:latin typeface="+mn-lt"/>
+                <a:ea typeface="+mn-ea"/>
+                <a:cs typeface="+mn-cs"/>
+              </a:defRPr>
+            </a:lvl5pPr>
+            <a:lvl6pPr marL="2286000" algn="l" defTabSz="457200" rtl="0" eaLnBrk="1" latinLnBrk="0" hangingPunct="1">
+              <a:defRPr sz="1800" kern="1200">
+                <a:solidFill>
+                  <a:schemeClr val="tx1"/>
+                </a:solidFill>
+                <a:latin typeface="+mn-lt"/>
+                <a:ea typeface="+mn-ea"/>
+                <a:cs typeface="+mn-cs"/>
+              </a:defRPr>
+            </a:lvl6pPr>
+            <a:lvl7pPr marL="2743200" algn="l" defTabSz="457200" rtl="0" eaLnBrk="1" latinLnBrk="0" hangingPunct="1">
+              <a:defRPr sz="1800" kern="1200">
+                <a:solidFill>
+                  <a:schemeClr val="tx1"/>
+                </a:solidFill>
+                <a:latin typeface="+mn-lt"/>
+                <a:ea typeface="+mn-ea"/>
+                <a:cs typeface="+mn-cs"/>
+              </a:defRPr>
+            </a:lvl7pPr>
+            <a:lvl8pPr marL="3200400" algn="l" defTabSz="457200" rtl="0" eaLnBrk="1" latinLnBrk="0" hangingPunct="1">
+              <a:defRPr sz="1800" kern="1200">
+                <a:solidFill>
+                  <a:schemeClr val="tx1"/>
+                </a:solidFill>
+                <a:latin typeface="+mn-lt"/>
+                <a:ea typeface="+mn-ea"/>
+                <a:cs typeface="+mn-cs"/>
+              </a:defRPr>
+            </a:lvl8pPr>
+            <a:lvl9pPr marL="3657600" algn="l" defTabSz="457200" rtl="0" eaLnBrk="1" latinLnBrk="0" hangingPunct="1">
+              <a:defRPr sz="1800" kern="1200">
+                <a:solidFill>
+                  <a:schemeClr val="tx1"/>
+                </a:solidFill>
+                <a:latin typeface="+mn-lt"/>
+                <a:ea typeface="+mn-ea"/>
+                <a:cs typeface="+mn-cs"/>
+              </a:defRPr>
+            </a:lvl9pPr>
+          </a:lstStyle>
+          <a:p>
+            <a:pPr algn="ctr"/>
+            <a:r>
+              <a:rPr lang="pt-PT" sz="1600" b="1" dirty="0" smtClean="0"/>
+              <a:t>HMI para Fabrico </a:t>
+            </a:r>
+            <a:r>
+              <a:rPr lang="pt-PT" sz="1600" b="1" dirty="0" smtClean="0"/>
+              <a:t>Aditivo – Estado da Arte</a:t>
+            </a:r>
+            <a:endParaRPr lang="pt-PT" sz="1600" b="1" dirty="0"/>
+          </a:p>
+        </p:txBody>
+      </p:sp>
       <p:pic>
         <p:nvPicPr>
-          <p:cNvPr id="5" name="Picture 4"/>
+          <p:cNvPr id="3" name="Picture 2"/>
           <p:cNvPicPr>
             <a:picLocks noChangeAspect="1"/>
           </p:cNvPicPr>
@@ -8913,41 +10767,18 @@
         </p:blipFill>
         <p:spPr>
           <a:xfrm>
-            <a:off x="10468855" y="267443"/>
-            <a:ext cx="1373649" cy="983017"/>
+            <a:off x="3830194" y="2242590"/>
+            <a:ext cx="2971200" cy="1671299"/>
           </a:xfrm>
           <a:prstGeom prst="rect">
             <a:avLst/>
           </a:prstGeom>
         </p:spPr>
       </p:pic>
-      <p:sp>
-        <p:nvSpPr>
-          <p:cNvPr id="3" name="Slide Number Placeholder 2"/>
-          <p:cNvSpPr>
-            <a:spLocks noGrp="1"/>
-          </p:cNvSpPr>
-          <p:nvPr>
-            <p:ph type="sldNum" sz="quarter" idx="12"/>
-          </p:nvPr>
-        </p:nvSpPr>
-        <p:spPr/>
-        <p:txBody>
-          <a:bodyPr/>
-          <a:lstStyle/>
-          <a:p>
-            <a:fld id="{422D536B-584E-486B-9435-086987A3D916}" type="slidenum">
-              <a:rPr lang="pt-PT" smtClean="0"/>
-              <a:t>8</a:t>
-            </a:fld>
-            <a:endParaRPr lang="pt-PT"/>
-          </a:p>
-        </p:txBody>
-      </p:sp>
     </p:spTree>
     <p:extLst>
       <p:ext uri="{BB962C8B-B14F-4D97-AF65-F5344CB8AC3E}">
-        <p14:creationId xmlns:p14="http://schemas.microsoft.com/office/powerpoint/2010/main" val="814734047"/>
+        <p14:creationId xmlns:p14="http://schemas.microsoft.com/office/powerpoint/2010/main" val="3658370109"/>
       </p:ext>
     </p:extLst>
   </p:cSld>
@@ -8982,8 +10813,8 @@
         </p:nvSpPr>
         <p:spPr>
           <a:xfrm>
-            <a:off x="437479" y="541212"/>
-            <a:ext cx="9854004" cy="5016758"/>
+            <a:off x="445000" y="166025"/>
+            <a:ext cx="11747000" cy="10926068"/>
           </a:xfrm>
           <a:prstGeom prst="rect">
             <a:avLst/>
@@ -8998,10 +10829,15 @@
           <a:p>
             <a:r>
               <a:rPr lang="pt-PT" sz="3200" b="1" dirty="0" smtClean="0"/>
-              <a:t>Tecnologias</a:t>
-            </a:r>
-          </a:p>
-          <a:p>
+              <a:t>Controlo e Automação na Indústria</a:t>
+            </a:r>
+            <a:endParaRPr lang="pt-PT" sz="3200" b="1" dirty="0" smtClean="0"/>
+          </a:p>
+          <a:p>
+            <a:pPr marL="342900" indent="-342900">
+              <a:buFont typeface="Arial" panose="020B0604020202020204" pitchFamily="34" charset="0"/>
+              <a:buChar char="•"/>
+            </a:pPr>
             <a:endParaRPr lang="pt-PT" sz="2400" dirty="0" smtClean="0"/>
           </a:p>
           <a:p>
@@ -9011,24 +10847,71 @@
             </a:pPr>
             <a:r>
               <a:rPr lang="pt-PT" sz="2400" dirty="0" smtClean="0"/>
-              <a:t>HTML, CSS, </a:t>
-            </a:r>
-            <a:r>
-              <a:rPr lang="pt-PT" sz="2400" dirty="0" err="1" smtClean="0"/>
-              <a:t>Javascript</a:t>
-            </a:r>
+              <a:t>Evolução da web permite vasta aplicabilidade</a:t>
+            </a:r>
+            <a:endParaRPr lang="pt-PT" sz="2400" dirty="0"/>
+          </a:p>
+          <a:p>
+            <a:pPr marL="342900" indent="-342900">
+              <a:buFont typeface="Arial" panose="020B0604020202020204" pitchFamily="34" charset="0"/>
+              <a:buChar char="•"/>
+            </a:pPr>
+            <a:endParaRPr lang="pt-PT" sz="2400" dirty="0" smtClean="0"/>
+          </a:p>
+          <a:p>
+            <a:pPr marL="342900" indent="-342900">
+              <a:buFont typeface="Arial" panose="020B0604020202020204" pitchFamily="34" charset="0"/>
+              <a:buChar char="•"/>
+            </a:pPr>
             <a:r>
               <a:rPr lang="pt-PT" sz="2400" dirty="0" smtClean="0"/>
-              <a:t>, </a:t>
-            </a:r>
-            <a:r>
-              <a:rPr lang="pt-PT" sz="2400" dirty="0" err="1" smtClean="0"/>
-              <a:t>Jquery</a:t>
-            </a:r>
+              <a:t>Integração com tecnologias que nasceram noutras áreas</a:t>
+            </a:r>
+            <a:endParaRPr lang="pt-PT" sz="2400" dirty="0" smtClean="0"/>
+          </a:p>
+          <a:p>
+            <a:pPr marL="342900" indent="-342900">
+              <a:buFont typeface="Arial" panose="020B0604020202020204" pitchFamily="34" charset="0"/>
+              <a:buChar char="•"/>
+            </a:pPr>
+            <a:endParaRPr lang="pt-PT" sz="2400" dirty="0"/>
+          </a:p>
+          <a:p>
+            <a:pPr marL="342900" indent="-342900">
+              <a:buFont typeface="Arial" panose="020B0604020202020204" pitchFamily="34" charset="0"/>
+              <a:buChar char="•"/>
+            </a:pPr>
+            <a:endParaRPr lang="pt-PT" sz="2400" dirty="0" smtClean="0"/>
+          </a:p>
+          <a:p>
+            <a:pPr marL="342900" indent="-342900">
+              <a:buFont typeface="Arial" panose="020B0604020202020204" pitchFamily="34" charset="0"/>
+              <a:buChar char="•"/>
+            </a:pPr>
+            <a:endParaRPr lang="pt-PT" sz="2400" dirty="0"/>
+          </a:p>
+          <a:p>
+            <a:endParaRPr lang="pt-PT" sz="2400" dirty="0" smtClean="0"/>
+          </a:p>
+          <a:p>
+            <a:endParaRPr lang="pt-PT" sz="2400" dirty="0" smtClean="0"/>
+          </a:p>
+          <a:p>
+            <a:pPr marL="342900" indent="-342900">
+              <a:buFont typeface="Arial" panose="020B0604020202020204" pitchFamily="34" charset="0"/>
+              <a:buChar char="•"/>
+            </a:pPr>
             <a:r>
               <a:rPr lang="pt-PT" sz="2400" dirty="0" smtClean="0"/>
-              <a:t>, PHP</a:t>
-            </a:r>
+              <a:t>Aquisição, processamento e armazenamento de dados</a:t>
+            </a:r>
+          </a:p>
+          <a:p>
+            <a:pPr marL="342900" indent="-342900">
+              <a:buFont typeface="Arial" panose="020B0604020202020204" pitchFamily="34" charset="0"/>
+              <a:buChar char="•"/>
+            </a:pPr>
+            <a:endParaRPr lang="pt-PT" sz="2400" dirty="0"/>
           </a:p>
           <a:p>
             <a:pPr marL="342900" indent="-342900">
@@ -9037,102 +10920,56 @@
             </a:pPr>
             <a:r>
               <a:rPr lang="pt-PT" sz="2400" dirty="0" smtClean="0"/>
-              <a:t>Node + Express</a:t>
-            </a:r>
-          </a:p>
-          <a:p>
-            <a:pPr marL="342900" indent="-342900">
-              <a:buFont typeface="Arial" panose="020B0604020202020204" pitchFamily="34" charset="0"/>
-              <a:buChar char="•"/>
-            </a:pPr>
-            <a:r>
-              <a:rPr lang="pt-PT" sz="2400" dirty="0" err="1" smtClean="0"/>
-              <a:t>Facebook</a:t>
-            </a:r>
+              <a:t>Disponibilização de dados em tempo real/processados através de soluções web-based</a:t>
+            </a:r>
+          </a:p>
+          <a:p>
+            <a:pPr marL="342900" indent="-342900">
+              <a:buFont typeface="Arial" panose="020B0604020202020204" pitchFamily="34" charset="0"/>
+              <a:buChar char="•"/>
+            </a:pPr>
+            <a:endParaRPr lang="pt-PT" sz="2400" dirty="0"/>
+          </a:p>
+          <a:p>
+            <a:pPr marL="342900" indent="-342900">
+              <a:buFont typeface="Arial" panose="020B0604020202020204" pitchFamily="34" charset="0"/>
+              <a:buChar char="•"/>
+            </a:pPr>
             <a:r>
               <a:rPr lang="pt-PT" sz="2400" dirty="0" smtClean="0"/>
-              <a:t> </a:t>
-            </a:r>
-            <a:r>
-              <a:rPr lang="pt-PT" sz="2400" dirty="0" err="1" smtClean="0"/>
-              <a:t>Graph</a:t>
-            </a:r>
-            <a:r>
-              <a:rPr lang="pt-PT" sz="2400" dirty="0" smtClean="0"/>
-              <a:t> API</a:t>
-            </a:r>
-          </a:p>
-          <a:p>
-            <a:pPr marL="342900" indent="-342900">
-              <a:buFont typeface="Arial" panose="020B0604020202020204" pitchFamily="34" charset="0"/>
-              <a:buChar char="•"/>
-            </a:pPr>
-            <a:r>
-              <a:rPr lang="pt-PT" sz="2400" dirty="0" err="1" smtClean="0"/>
-              <a:t>Clarifai</a:t>
-            </a:r>
-            <a:r>
-              <a:rPr lang="pt-PT" sz="2400" dirty="0" smtClean="0"/>
-              <a:t> API</a:t>
-            </a:r>
-          </a:p>
-          <a:p>
-            <a:pPr marL="342900" indent="-342900">
-              <a:buFont typeface="Arial" panose="020B0604020202020204" pitchFamily="34" charset="0"/>
-              <a:buChar char="•"/>
-            </a:pPr>
-            <a:r>
-              <a:rPr lang="pt-PT" sz="2400" dirty="0" err="1" smtClean="0"/>
-              <a:t>Sighthound</a:t>
-            </a:r>
-            <a:r>
-              <a:rPr lang="pt-PT" sz="2400" dirty="0" smtClean="0"/>
-              <a:t> API</a:t>
-            </a:r>
-          </a:p>
-          <a:p>
-            <a:pPr marL="342900" indent="-342900">
-              <a:buFont typeface="Arial" panose="020B0604020202020204" pitchFamily="34" charset="0"/>
-              <a:buChar char="•"/>
-            </a:pPr>
-            <a:r>
-              <a:rPr lang="pt-PT" sz="2400" dirty="0" smtClean="0"/>
-              <a:t>Google </a:t>
-            </a:r>
-            <a:r>
-              <a:rPr lang="pt-PT" sz="2400" dirty="0" err="1" smtClean="0"/>
-              <a:t>Cloud</a:t>
-            </a:r>
-            <a:r>
-              <a:rPr lang="pt-PT" sz="2400" dirty="0" smtClean="0"/>
-              <a:t> </a:t>
-            </a:r>
-            <a:r>
-              <a:rPr lang="pt-PT" sz="2400" dirty="0" err="1" smtClean="0"/>
-              <a:t>Vision</a:t>
-            </a:r>
-            <a:r>
-              <a:rPr lang="pt-PT" sz="2400" dirty="0" smtClean="0"/>
-              <a:t> API</a:t>
-            </a:r>
-          </a:p>
-          <a:p>
-            <a:pPr marL="342900" indent="-342900">
-              <a:buFont typeface="Arial" panose="020B0604020202020204" pitchFamily="34" charset="0"/>
-              <a:buChar char="•"/>
-            </a:pPr>
-            <a:r>
-              <a:rPr lang="pt-PT" sz="2400" dirty="0" smtClean="0"/>
-              <a:t>Google </a:t>
-            </a:r>
-            <a:r>
-              <a:rPr lang="pt-PT" sz="2400" dirty="0" err="1" smtClean="0"/>
-              <a:t>Maps</a:t>
-            </a:r>
-            <a:r>
-              <a:rPr lang="pt-PT" sz="2400" dirty="0" smtClean="0"/>
-              <a:t> API</a:t>
-            </a:r>
+              <a:t>Visualização dos dados em diversos dispositivos, local ou remotamente, integração com tecnologias emergentes, entre outras</a:t>
+            </a:r>
+          </a:p>
+          <a:p>
+            <a:pPr marL="342900" indent="-342900">
+              <a:buFont typeface="Arial" panose="020B0604020202020204" pitchFamily="34" charset="0"/>
+              <a:buChar char="•"/>
+            </a:pPr>
+            <a:endParaRPr lang="pt-PT" sz="2400" dirty="0" smtClean="0"/>
+          </a:p>
+          <a:p>
+            <a:pPr marL="342900" indent="-342900">
+              <a:buFont typeface="Arial" panose="020B0604020202020204" pitchFamily="34" charset="0"/>
+              <a:buChar char="•"/>
+            </a:pPr>
+            <a:endParaRPr lang="pt-PT" sz="2400" dirty="0" smtClean="0"/>
+          </a:p>
+          <a:p>
+            <a:endParaRPr lang="pt-PT" sz="2400" dirty="0" smtClean="0"/>
+          </a:p>
+          <a:p>
+            <a:pPr marL="342900" indent="-342900">
+              <a:buFont typeface="Arial" panose="020B0604020202020204" pitchFamily="34" charset="0"/>
+              <a:buChar char="•"/>
+            </a:pPr>
+            <a:endParaRPr lang="pt-PT" sz="2400" dirty="0" smtClean="0"/>
+          </a:p>
+          <a:p>
+            <a:pPr marL="342900" indent="-342900">
+              <a:buFont typeface="Arial" panose="020B0604020202020204" pitchFamily="34" charset="0"/>
+              <a:buChar char="•"/>
+            </a:pPr>
+            <a:endParaRPr lang="pt-PT" sz="2400" dirty="0" smtClean="0"/>
           </a:p>
           <a:p>
             <a:pPr marL="342900" indent="-342900">
@@ -9153,6 +10990,27 @@
               <a:buFont typeface="Arial" panose="020B0604020202020204" pitchFamily="34" charset="0"/>
               <a:buChar char="•"/>
             </a:pPr>
+            <a:endParaRPr lang="pt-PT" sz="2400" dirty="0" smtClean="0"/>
+          </a:p>
+          <a:p>
+            <a:pPr marL="342900" indent="-342900">
+              <a:buFont typeface="Arial" panose="020B0604020202020204" pitchFamily="34" charset="0"/>
+              <a:buChar char="•"/>
+            </a:pPr>
+            <a:endParaRPr lang="pt-PT" sz="2400" dirty="0" smtClean="0"/>
+          </a:p>
+          <a:p>
+            <a:pPr marL="342900" indent="-342900">
+              <a:buFont typeface="Arial" panose="020B0604020202020204" pitchFamily="34" charset="0"/>
+              <a:buChar char="•"/>
+            </a:pPr>
+            <a:endParaRPr lang="pt-PT" sz="2400" dirty="0" smtClean="0"/>
+          </a:p>
+          <a:p>
+            <a:pPr marL="342900" indent="-342900">
+              <a:buFont typeface="Arial" panose="020B0604020202020204" pitchFamily="34" charset="0"/>
+              <a:buChar char="•"/>
+            </a:pPr>
             <a:endParaRPr lang="pt-PT" sz="2400" dirty="0"/>
           </a:p>
           <a:p>
@@ -9161,12 +11019,158 @@
               <a:buChar char="•"/>
             </a:pPr>
             <a:endParaRPr lang="pt-PT" sz="2400" dirty="0" smtClean="0"/>
+          </a:p>
+        </p:txBody>
+      </p:sp>
+      <p:sp>
+        <p:nvSpPr>
+          <p:cNvPr id="2" name="Slide Number Placeholder 1"/>
+          <p:cNvSpPr>
+            <a:spLocks noGrp="1"/>
+          </p:cNvSpPr>
+          <p:nvPr>
+            <p:ph type="sldNum" sz="quarter" idx="12"/>
+          </p:nvPr>
+        </p:nvSpPr>
+        <p:spPr/>
+        <p:txBody>
+          <a:bodyPr/>
+          <a:lstStyle/>
+          <a:p>
+            <a:fld id="{422D536B-584E-486B-9435-086987A3D916}" type="slidenum">
+              <a:rPr lang="pt-PT" smtClean="0"/>
+              <a:t>9</a:t>
+            </a:fld>
+            <a:endParaRPr lang="pt-PT" dirty="0"/>
+          </a:p>
+        </p:txBody>
+      </p:sp>
+      <p:sp>
+        <p:nvSpPr>
+          <p:cNvPr id="6" name="Slide Number Placeholder 5"/>
+          <p:cNvSpPr txBox="1">
+            <a:spLocks/>
+          </p:cNvSpPr>
+          <p:nvPr/>
+        </p:nvSpPr>
+        <p:spPr>
+          <a:xfrm>
+            <a:off x="0" y="6464982"/>
+            <a:ext cx="475129" cy="365125"/>
+          </a:xfrm>
+          <a:prstGeom prst="rect">
+            <a:avLst/>
+          </a:prstGeom>
+        </p:spPr>
+        <p:txBody>
+          <a:bodyPr vert="horz" lIns="91440" tIns="45720" rIns="91440" bIns="45720" rtlCol="0" anchor="ctr"/>
+          <a:lstStyle>
+            <a:defPPr>
+              <a:defRPr lang="en-US"/>
+            </a:defPPr>
+            <a:lvl1pPr marL="0" algn="r" defTabSz="457200" rtl="0" eaLnBrk="1" latinLnBrk="0" hangingPunct="1">
+              <a:defRPr sz="1050" kern="1200">
+                <a:solidFill>
+                  <a:srgbClr val="FFFFFF"/>
+                </a:solidFill>
+                <a:latin typeface="+mn-lt"/>
+                <a:ea typeface="+mn-ea"/>
+                <a:cs typeface="+mn-cs"/>
+              </a:defRPr>
+            </a:lvl1pPr>
+            <a:lvl2pPr marL="457200" algn="l" defTabSz="457200" rtl="0" eaLnBrk="1" latinLnBrk="0" hangingPunct="1">
+              <a:defRPr sz="1800" kern="1200">
+                <a:solidFill>
+                  <a:schemeClr val="tx1"/>
+                </a:solidFill>
+                <a:latin typeface="+mn-lt"/>
+                <a:ea typeface="+mn-ea"/>
+                <a:cs typeface="+mn-cs"/>
+              </a:defRPr>
+            </a:lvl2pPr>
+            <a:lvl3pPr marL="914400" algn="l" defTabSz="457200" rtl="0" eaLnBrk="1" latinLnBrk="0" hangingPunct="1">
+              <a:defRPr sz="1800" kern="1200">
+                <a:solidFill>
+                  <a:schemeClr val="tx1"/>
+                </a:solidFill>
+                <a:latin typeface="+mn-lt"/>
+                <a:ea typeface="+mn-ea"/>
+                <a:cs typeface="+mn-cs"/>
+              </a:defRPr>
+            </a:lvl3pPr>
+            <a:lvl4pPr marL="1371600" algn="l" defTabSz="457200" rtl="0" eaLnBrk="1" latinLnBrk="0" hangingPunct="1">
+              <a:defRPr sz="1800" kern="1200">
+                <a:solidFill>
+                  <a:schemeClr val="tx1"/>
+                </a:solidFill>
+                <a:latin typeface="+mn-lt"/>
+                <a:ea typeface="+mn-ea"/>
+                <a:cs typeface="+mn-cs"/>
+              </a:defRPr>
+            </a:lvl4pPr>
+            <a:lvl5pPr marL="1828800" algn="l" defTabSz="457200" rtl="0" eaLnBrk="1" latinLnBrk="0" hangingPunct="1">
+              <a:defRPr sz="1800" kern="1200">
+                <a:solidFill>
+                  <a:schemeClr val="tx1"/>
+                </a:solidFill>
+                <a:latin typeface="+mn-lt"/>
+                <a:ea typeface="+mn-ea"/>
+                <a:cs typeface="+mn-cs"/>
+              </a:defRPr>
+            </a:lvl5pPr>
+            <a:lvl6pPr marL="2286000" algn="l" defTabSz="457200" rtl="0" eaLnBrk="1" latinLnBrk="0" hangingPunct="1">
+              <a:defRPr sz="1800" kern="1200">
+                <a:solidFill>
+                  <a:schemeClr val="tx1"/>
+                </a:solidFill>
+                <a:latin typeface="+mn-lt"/>
+                <a:ea typeface="+mn-ea"/>
+                <a:cs typeface="+mn-cs"/>
+              </a:defRPr>
+            </a:lvl6pPr>
+            <a:lvl7pPr marL="2743200" algn="l" defTabSz="457200" rtl="0" eaLnBrk="1" latinLnBrk="0" hangingPunct="1">
+              <a:defRPr sz="1800" kern="1200">
+                <a:solidFill>
+                  <a:schemeClr val="tx1"/>
+                </a:solidFill>
+                <a:latin typeface="+mn-lt"/>
+                <a:ea typeface="+mn-ea"/>
+                <a:cs typeface="+mn-cs"/>
+              </a:defRPr>
+            </a:lvl7pPr>
+            <a:lvl8pPr marL="3200400" algn="l" defTabSz="457200" rtl="0" eaLnBrk="1" latinLnBrk="0" hangingPunct="1">
+              <a:defRPr sz="1800" kern="1200">
+                <a:solidFill>
+                  <a:schemeClr val="tx1"/>
+                </a:solidFill>
+                <a:latin typeface="+mn-lt"/>
+                <a:ea typeface="+mn-ea"/>
+                <a:cs typeface="+mn-cs"/>
+              </a:defRPr>
+            </a:lvl8pPr>
+            <a:lvl9pPr marL="3657600" algn="l" defTabSz="457200" rtl="0" eaLnBrk="1" latinLnBrk="0" hangingPunct="1">
+              <a:defRPr sz="1800" kern="1200">
+                <a:solidFill>
+                  <a:schemeClr val="tx1"/>
+                </a:solidFill>
+                <a:latin typeface="+mn-lt"/>
+                <a:ea typeface="+mn-ea"/>
+                <a:cs typeface="+mn-cs"/>
+              </a:defRPr>
+            </a:lvl9pPr>
+          </a:lstStyle>
+          <a:p>
+            <a:r>
+              <a:rPr lang="pt-PT" dirty="0" smtClean="0"/>
+              <a:t>IPVC</a:t>
+            </a:r>
+            <a:endParaRPr lang="pt-PT" dirty="0"/>
           </a:p>
         </p:txBody>
       </p:sp>
       <p:pic>
         <p:nvPicPr>
-          <p:cNvPr id="5" name="Picture 4"/>
+          <p:cNvPr id="9" name="Picture 4"/>
           <p:cNvPicPr>
             <a:picLocks noChangeAspect="1"/>
           </p:cNvPicPr>
@@ -9186,8 +11190,8 @@
         </p:blipFill>
         <p:spPr>
           <a:xfrm>
-            <a:off x="10468855" y="267443"/>
-            <a:ext cx="1373649" cy="983017"/>
+            <a:off x="10468855" y="300496"/>
+            <a:ext cx="1373649" cy="916911"/>
           </a:xfrm>
           <a:prstGeom prst="rect">
             <a:avLst/>
@@ -9196,31 +11200,166 @@
       </p:pic>
       <p:sp>
         <p:nvSpPr>
-          <p:cNvPr id="2" name="Slide Number Placeholder 1"/>
-          <p:cNvSpPr>
-            <a:spLocks noGrp="1"/>
+          <p:cNvPr id="10" name="Slide Number Placeholder 5"/>
+          <p:cNvSpPr txBox="1">
+            <a:spLocks/>
           </p:cNvSpPr>
-          <p:nvPr>
-            <p:ph type="sldNum" sz="quarter" idx="12"/>
-          </p:nvPr>
-        </p:nvSpPr>
-        <p:spPr/>
-        <p:txBody>
-          <a:bodyPr/>
-          <a:lstStyle/>
-          <a:p>
-            <a:fld id="{422D536B-584E-486B-9435-086987A3D916}" type="slidenum">
-              <a:rPr lang="pt-PT" smtClean="0"/>
-              <a:t>9</a:t>
-            </a:fld>
-            <a:endParaRPr lang="pt-PT"/>
-          </a:p>
-        </p:txBody>
-      </p:sp>
+          <p:nvPr/>
+        </p:nvSpPr>
+        <p:spPr>
+          <a:xfrm>
+            <a:off x="3908571" y="6492875"/>
+            <a:ext cx="4435818" cy="365125"/>
+          </a:xfrm>
+          <a:prstGeom prst="rect">
+            <a:avLst/>
+          </a:prstGeom>
+        </p:spPr>
+        <p:txBody>
+          <a:bodyPr vert="horz" lIns="91440" tIns="45720" rIns="91440" bIns="45720" rtlCol="0" anchor="ctr"/>
+          <a:lstStyle>
+            <a:defPPr>
+              <a:defRPr lang="en-US"/>
+            </a:defPPr>
+            <a:lvl1pPr marL="0" algn="r" defTabSz="457200" rtl="0" eaLnBrk="1" latinLnBrk="0" hangingPunct="1">
+              <a:defRPr sz="1050" kern="1200">
+                <a:solidFill>
+                  <a:srgbClr val="FFFFFF"/>
+                </a:solidFill>
+                <a:latin typeface="+mn-lt"/>
+                <a:ea typeface="+mn-ea"/>
+                <a:cs typeface="+mn-cs"/>
+              </a:defRPr>
+            </a:lvl1pPr>
+            <a:lvl2pPr marL="457200" algn="l" defTabSz="457200" rtl="0" eaLnBrk="1" latinLnBrk="0" hangingPunct="1">
+              <a:defRPr sz="1800" kern="1200">
+                <a:solidFill>
+                  <a:schemeClr val="tx1"/>
+                </a:solidFill>
+                <a:latin typeface="+mn-lt"/>
+                <a:ea typeface="+mn-ea"/>
+                <a:cs typeface="+mn-cs"/>
+              </a:defRPr>
+            </a:lvl2pPr>
+            <a:lvl3pPr marL="914400" algn="l" defTabSz="457200" rtl="0" eaLnBrk="1" latinLnBrk="0" hangingPunct="1">
+              <a:defRPr sz="1800" kern="1200">
+                <a:solidFill>
+                  <a:schemeClr val="tx1"/>
+                </a:solidFill>
+                <a:latin typeface="+mn-lt"/>
+                <a:ea typeface="+mn-ea"/>
+                <a:cs typeface="+mn-cs"/>
+              </a:defRPr>
+            </a:lvl3pPr>
+            <a:lvl4pPr marL="1371600" algn="l" defTabSz="457200" rtl="0" eaLnBrk="1" latinLnBrk="0" hangingPunct="1">
+              <a:defRPr sz="1800" kern="1200">
+                <a:solidFill>
+                  <a:schemeClr val="tx1"/>
+                </a:solidFill>
+                <a:latin typeface="+mn-lt"/>
+                <a:ea typeface="+mn-ea"/>
+                <a:cs typeface="+mn-cs"/>
+              </a:defRPr>
+            </a:lvl4pPr>
+            <a:lvl5pPr marL="1828800" algn="l" defTabSz="457200" rtl="0" eaLnBrk="1" latinLnBrk="0" hangingPunct="1">
+              <a:defRPr sz="1800" kern="1200">
+                <a:solidFill>
+                  <a:schemeClr val="tx1"/>
+                </a:solidFill>
+                <a:latin typeface="+mn-lt"/>
+                <a:ea typeface="+mn-ea"/>
+                <a:cs typeface="+mn-cs"/>
+              </a:defRPr>
+            </a:lvl5pPr>
+            <a:lvl6pPr marL="2286000" algn="l" defTabSz="457200" rtl="0" eaLnBrk="1" latinLnBrk="0" hangingPunct="1">
+              <a:defRPr sz="1800" kern="1200">
+                <a:solidFill>
+                  <a:schemeClr val="tx1"/>
+                </a:solidFill>
+                <a:latin typeface="+mn-lt"/>
+                <a:ea typeface="+mn-ea"/>
+                <a:cs typeface="+mn-cs"/>
+              </a:defRPr>
+            </a:lvl6pPr>
+            <a:lvl7pPr marL="2743200" algn="l" defTabSz="457200" rtl="0" eaLnBrk="1" latinLnBrk="0" hangingPunct="1">
+              <a:defRPr sz="1800" kern="1200">
+                <a:solidFill>
+                  <a:schemeClr val="tx1"/>
+                </a:solidFill>
+                <a:latin typeface="+mn-lt"/>
+                <a:ea typeface="+mn-ea"/>
+                <a:cs typeface="+mn-cs"/>
+              </a:defRPr>
+            </a:lvl7pPr>
+            <a:lvl8pPr marL="3200400" algn="l" defTabSz="457200" rtl="0" eaLnBrk="1" latinLnBrk="0" hangingPunct="1">
+              <a:defRPr sz="1800" kern="1200">
+                <a:solidFill>
+                  <a:schemeClr val="tx1"/>
+                </a:solidFill>
+                <a:latin typeface="+mn-lt"/>
+                <a:ea typeface="+mn-ea"/>
+                <a:cs typeface="+mn-cs"/>
+              </a:defRPr>
+            </a:lvl8pPr>
+            <a:lvl9pPr marL="3657600" algn="l" defTabSz="457200" rtl="0" eaLnBrk="1" latinLnBrk="0" hangingPunct="1">
+              <a:defRPr sz="1800" kern="1200">
+                <a:solidFill>
+                  <a:schemeClr val="tx1"/>
+                </a:solidFill>
+                <a:latin typeface="+mn-lt"/>
+                <a:ea typeface="+mn-ea"/>
+                <a:cs typeface="+mn-cs"/>
+              </a:defRPr>
+            </a:lvl9pPr>
+          </a:lstStyle>
+          <a:p>
+            <a:pPr algn="ctr"/>
+            <a:r>
+              <a:rPr lang="pt-PT" sz="1600" b="1" dirty="0" smtClean="0"/>
+              <a:t>HMI para Fabrico </a:t>
+            </a:r>
+            <a:r>
+              <a:rPr lang="pt-PT" sz="1600" b="1" dirty="0" smtClean="0"/>
+              <a:t>Aditivo – Estado da Arte</a:t>
+            </a:r>
+            <a:endParaRPr lang="pt-PT" sz="1600" b="1" dirty="0"/>
+          </a:p>
+        </p:txBody>
+      </p:sp>
+      <p:pic>
+        <p:nvPicPr>
+          <p:cNvPr id="3" name="Picture 2"/>
+          <p:cNvPicPr>
+            <a:picLocks noChangeAspect="1"/>
+          </p:cNvPicPr>
+          <p:nvPr/>
+        </p:nvPicPr>
+        <p:blipFill>
+          <a:blip r:embed="rId3" cstate="print">
+            <a:extLst>
+              <a:ext uri="{28A0092B-C50C-407E-A947-70E740481C1C}">
+                <a14:useLocalDpi xmlns:a14="http://schemas.microsoft.com/office/drawing/2010/main" val="0"/>
+              </a:ext>
+            </a:extLst>
+          </a:blip>
+          <a:stretch>
+            <a:fillRect/>
+          </a:stretch>
+        </p:blipFill>
+        <p:spPr>
+          <a:xfrm>
+            <a:off x="3830194" y="2242590"/>
+            <a:ext cx="2971200" cy="1671299"/>
+          </a:xfrm>
+          <a:prstGeom prst="rect">
+            <a:avLst/>
+          </a:prstGeom>
+        </p:spPr>
+      </p:pic>
     </p:spTree>
     <p:extLst>
       <p:ext uri="{BB962C8B-B14F-4D97-AF65-F5344CB8AC3E}">
-        <p14:creationId xmlns:p14="http://schemas.microsoft.com/office/powerpoint/2010/main" val="3681199648"/>
+        <p14:creationId xmlns:p14="http://schemas.microsoft.com/office/powerpoint/2010/main" val="2719922800"/>
       </p:ext>
     </p:extLst>
   </p:cSld>

--- a/Apresentacao Intermedia - Marco Rodrigues.pptx
+++ b/Apresentacao Intermedia - Marco Rodrigues.pptx
@@ -5,22 +5,28 @@
     <p:sldMasterId id="2147483660" r:id="rId1"/>
   </p:sldMasterIdLst>
   <p:notesMasterIdLst>
-    <p:notesMasterId r:id="rId15"/>
+    <p:notesMasterId r:id="rId21"/>
   </p:notesMasterIdLst>
   <p:sldIdLst>
     <p:sldId id="256" r:id="rId2"/>
-    <p:sldId id="258" r:id="rId3"/>
+    <p:sldId id="327" r:id="rId3"/>
     <p:sldId id="315" r:id="rId4"/>
-    <p:sldId id="316" r:id="rId5"/>
+    <p:sldId id="326" r:id="rId5"/>
     <p:sldId id="317" r:id="rId6"/>
     <p:sldId id="318" r:id="rId7"/>
     <p:sldId id="319" r:id="rId8"/>
     <p:sldId id="320" r:id="rId9"/>
-    <p:sldId id="321" r:id="rId10"/>
-    <p:sldId id="322" r:id="rId11"/>
-    <p:sldId id="323" r:id="rId12"/>
-    <p:sldId id="324" r:id="rId13"/>
-    <p:sldId id="325" r:id="rId14"/>
+    <p:sldId id="322" r:id="rId10"/>
+    <p:sldId id="328" r:id="rId11"/>
+    <p:sldId id="329" r:id="rId12"/>
+    <p:sldId id="330" r:id="rId13"/>
+    <p:sldId id="331" r:id="rId14"/>
+    <p:sldId id="332" r:id="rId15"/>
+    <p:sldId id="333" r:id="rId16"/>
+    <p:sldId id="334" r:id="rId17"/>
+    <p:sldId id="323" r:id="rId18"/>
+    <p:sldId id="324" r:id="rId19"/>
+    <p:sldId id="325" r:id="rId20"/>
   </p:sldIdLst>
   <p:sldSz cx="12192000" cy="6858000"/>
   <p:notesSz cx="6858000" cy="9144000"/>
@@ -209,7 +215,7 @@
           <a:p>
             <a:fld id="{6CB5A5B5-1B7C-493B-BEA9-B04B9AF1EC94}" type="datetimeFigureOut">
               <a:rPr lang="pt-PT" smtClean="0"/>
-              <a:t>08/06/2017</a:t>
+              <a:t>09/06/2017</a:t>
             </a:fld>
             <a:endParaRPr lang="pt-PT"/>
           </a:p>
@@ -368,7 +374,7 @@
           <a:p>
             <a:fld id="{3AAACB8F-4718-497B-9A35-224BBBB1AF80}" type="slidenum">
               <a:rPr lang="pt-PT" smtClean="0"/>
-              <a:t>‹#›</a:t>
+              <a:t>‹nº›</a:t>
             </a:fld>
             <a:endParaRPr lang="pt-PT"/>
           </a:p>
@@ -703,7 +709,7 @@
           <a:p>
             <a:fld id="{A0083D08-FD67-44B3-8536-5A75C98273AA}" type="datetime1">
               <a:rPr lang="pt-PT" smtClean="0"/>
-              <a:t>08/06/2017</a:t>
+              <a:t>09/06/2017</a:t>
             </a:fld>
             <a:endParaRPr lang="pt-PT"/>
           </a:p>
@@ -745,7 +751,7 @@
           <a:p>
             <a:fld id="{422D536B-584E-486B-9435-086987A3D916}" type="slidenum">
               <a:rPr lang="pt-PT" smtClean="0"/>
-              <a:t>‹#›</a:t>
+              <a:t>‹nº›</a:t>
             </a:fld>
             <a:endParaRPr lang="pt-PT"/>
           </a:p>
@@ -911,7 +917,7 @@
           <a:p>
             <a:fld id="{BF30FC89-4E20-4F82-94CC-7A0B490014A9}" type="datetime1">
               <a:rPr lang="pt-PT" smtClean="0"/>
-              <a:t>08/06/2017</a:t>
+              <a:t>09/06/2017</a:t>
             </a:fld>
             <a:endParaRPr lang="pt-PT"/>
           </a:p>
@@ -953,7 +959,7 @@
           <a:p>
             <a:fld id="{422D536B-584E-486B-9435-086987A3D916}" type="slidenum">
               <a:rPr lang="pt-PT" smtClean="0"/>
-              <a:t>‹#›</a:t>
+              <a:t>‹nº›</a:t>
             </a:fld>
             <a:endParaRPr lang="pt-PT"/>
           </a:p>
@@ -1167,7 +1173,7 @@
           <a:p>
             <a:fld id="{1524E4FF-162B-4E62-8C13-B067390AF403}" type="datetime1">
               <a:rPr lang="pt-PT" smtClean="0"/>
-              <a:t>08/06/2017</a:t>
+              <a:t>09/06/2017</a:t>
             </a:fld>
             <a:endParaRPr lang="pt-PT"/>
           </a:p>
@@ -1209,7 +1215,7 @@
           <a:p>
             <a:fld id="{422D536B-584E-486B-9435-086987A3D916}" type="slidenum">
               <a:rPr lang="pt-PT" smtClean="0"/>
-              <a:t>‹#›</a:t>
+              <a:t>‹nº›</a:t>
             </a:fld>
             <a:endParaRPr lang="pt-PT"/>
           </a:p>
@@ -1341,7 +1347,7 @@
           <a:p>
             <a:fld id="{B6A0BBBF-4B9F-4CC1-BA01-A44B1A6EDF03}" type="datetime1">
               <a:rPr lang="pt-PT" smtClean="0"/>
-              <a:t>08/06/2017</a:t>
+              <a:t>09/06/2017</a:t>
             </a:fld>
             <a:endParaRPr lang="pt-PT"/>
           </a:p>
@@ -1383,7 +1389,7 @@
           <a:p>
             <a:fld id="{422D536B-584E-486B-9435-086987A3D916}" type="slidenum">
               <a:rPr lang="pt-PT" smtClean="0"/>
-              <a:t>‹#›</a:t>
+              <a:t>‹nº›</a:t>
             </a:fld>
             <a:endParaRPr lang="pt-PT"/>
           </a:p>
@@ -1684,7 +1690,7 @@
           <a:p>
             <a:fld id="{BE139743-3392-4C87-AC94-289E3CB69E10}" type="datetime1">
               <a:rPr lang="pt-PT" smtClean="0"/>
-              <a:t>08/06/2017</a:t>
+              <a:t>09/06/2017</a:t>
             </a:fld>
             <a:endParaRPr lang="pt-PT"/>
           </a:p>
@@ -1726,7 +1732,7 @@
           <a:p>
             <a:fld id="{422D536B-584E-486B-9435-086987A3D916}" type="slidenum">
               <a:rPr lang="pt-PT" smtClean="0"/>
-              <a:t>‹#›</a:t>
+              <a:t>‹nº›</a:t>
             </a:fld>
             <a:endParaRPr lang="pt-PT"/>
           </a:p>
@@ -1959,7 +1965,7 @@
           <a:p>
             <a:fld id="{10E54368-472F-4004-9BF2-652DF4E1D694}" type="datetime1">
               <a:rPr lang="pt-PT" smtClean="0"/>
-              <a:t>08/06/2017</a:t>
+              <a:t>09/06/2017</a:t>
             </a:fld>
             <a:endParaRPr lang="pt-PT"/>
           </a:p>
@@ -2001,7 +2007,7 @@
           <a:p>
             <a:fld id="{422D536B-584E-486B-9435-086987A3D916}" type="slidenum">
               <a:rPr lang="pt-PT" smtClean="0"/>
-              <a:t>‹#›</a:t>
+              <a:t>‹nº›</a:t>
             </a:fld>
             <a:endParaRPr lang="pt-PT"/>
           </a:p>
@@ -2338,7 +2344,7 @@
           <a:p>
             <a:fld id="{4A41B1F8-CD6E-4AC7-A381-6A8415EFB578}" type="datetime1">
               <a:rPr lang="pt-PT" smtClean="0"/>
-              <a:t>08/06/2017</a:t>
+              <a:t>09/06/2017</a:t>
             </a:fld>
             <a:endParaRPr lang="pt-PT"/>
           </a:p>
@@ -2380,7 +2386,7 @@
           <a:p>
             <a:fld id="{422D536B-584E-486B-9435-086987A3D916}" type="slidenum">
               <a:rPr lang="pt-PT" smtClean="0"/>
-              <a:t>‹#›</a:t>
+              <a:t>‹nº›</a:t>
             </a:fld>
             <a:endParaRPr lang="pt-PT"/>
           </a:p>
@@ -2456,7 +2462,7 @@
           <a:p>
             <a:fld id="{4189860D-16F1-46DC-8A79-3E3C18B197C5}" type="datetime1">
               <a:rPr lang="pt-PT" smtClean="0"/>
-              <a:t>08/06/2017</a:t>
+              <a:t>09/06/2017</a:t>
             </a:fld>
             <a:endParaRPr lang="pt-PT"/>
           </a:p>
@@ -2498,7 +2504,7 @@
           <a:p>
             <a:fld id="{422D536B-584E-486B-9435-086987A3D916}" type="slidenum">
               <a:rPr lang="pt-PT" smtClean="0"/>
-              <a:t>‹#›</a:t>
+              <a:t>‹nº›</a:t>
             </a:fld>
             <a:endParaRPr lang="pt-PT"/>
           </a:p>
@@ -2627,7 +2633,7 @@
           <a:p>
             <a:fld id="{5086A0AB-3E78-4279-A25F-8B66A23831F2}" type="datetime1">
               <a:rPr lang="pt-PT" smtClean="0"/>
-              <a:t>08/06/2017</a:t>
+              <a:t>09/06/2017</a:t>
             </a:fld>
             <a:endParaRPr lang="pt-PT"/>
           </a:p>
@@ -2677,7 +2683,7 @@
           <a:p>
             <a:fld id="{422D536B-584E-486B-9435-086987A3D916}" type="slidenum">
               <a:rPr lang="pt-PT" smtClean="0"/>
-              <a:t>‹#›</a:t>
+              <a:t>‹nº›</a:t>
             </a:fld>
             <a:endParaRPr lang="pt-PT"/>
           </a:p>
@@ -2981,7 +2987,7 @@
           <a:p>
             <a:fld id="{4ABA9473-AC19-4C64-9BE3-A35C1472D40C}" type="datetime1">
               <a:rPr lang="pt-PT" smtClean="0"/>
-              <a:t>08/06/2017</a:t>
+              <a:t>09/06/2017</a:t>
             </a:fld>
             <a:endParaRPr lang="pt-PT"/>
           </a:p>
@@ -3044,7 +3050,7 @@
           <a:p>
             <a:fld id="{422D536B-584E-486B-9435-086987A3D916}" type="slidenum">
               <a:rPr lang="pt-PT" smtClean="0"/>
-              <a:t>‹#›</a:t>
+              <a:t>‹nº›</a:t>
             </a:fld>
             <a:endParaRPr lang="pt-PT"/>
           </a:p>
@@ -3363,7 +3369,7 @@
           <a:p>
             <a:fld id="{9D79879D-ACE8-4CD7-811D-1E9CD9972304}" type="datetime1">
               <a:rPr lang="pt-PT" smtClean="0"/>
-              <a:t>08/06/2017</a:t>
+              <a:t>09/06/2017</a:t>
             </a:fld>
             <a:endParaRPr lang="pt-PT"/>
           </a:p>
@@ -3405,7 +3411,7 @@
           <a:p>
             <a:fld id="{422D536B-584E-486B-9435-086987A3D916}" type="slidenum">
               <a:rPr lang="pt-PT" smtClean="0"/>
-              <a:t>‹#›</a:t>
+              <a:t>‹nº›</a:t>
             </a:fld>
             <a:endParaRPr lang="pt-PT"/>
           </a:p>
@@ -3650,7 +3656,7 @@
           <a:p>
             <a:fld id="{D0966B32-2EDE-4658-A6AA-7FE6BBDCB583}" type="datetime1">
               <a:rPr lang="pt-PT" smtClean="0"/>
-              <a:t>08/06/2017</a:t>
+              <a:t>09/06/2017</a:t>
             </a:fld>
             <a:endParaRPr lang="pt-PT"/>
           </a:p>
@@ -3724,7 +3730,7 @@
           <a:p>
             <a:fld id="{422D536B-584E-486B-9435-086987A3D916}" type="slidenum">
               <a:rPr lang="pt-PT" smtClean="0"/>
-              <a:t>‹#›</a:t>
+              <a:t>‹nº›</a:t>
             </a:fld>
             <a:endParaRPr lang="pt-PT"/>
           </a:p>
@@ -4863,7 +4869,7 @@
         <p:spPr>
           <a:xfrm>
             <a:off x="445000" y="166025"/>
-            <a:ext cx="11747000" cy="10926068"/>
+            <a:ext cx="11747000" cy="6124754"/>
           </a:xfrm>
           <a:prstGeom prst="rect">
             <a:avLst/>
@@ -4878,116 +4884,37 @@
           <a:p>
             <a:r>
               <a:rPr lang="pt-PT" sz="3200" b="1" dirty="0" smtClean="0"/>
-              <a:t>Sistemas Web-Based para Controlo e Automação</a:t>
-            </a:r>
-            <a:endParaRPr lang="pt-PT" sz="3200" b="1" dirty="0" smtClean="0"/>
-          </a:p>
-          <a:p>
-            <a:pPr marL="342900" indent="-342900">
-              <a:buFont typeface="Arial" panose="020B0604020202020204" pitchFamily="34" charset="0"/>
-              <a:buChar char="•"/>
-            </a:pPr>
-            <a:endParaRPr lang="pt-PT" sz="2400" dirty="0" smtClean="0"/>
-          </a:p>
-          <a:p>
-            <a:pPr marL="342900" indent="-342900">
-              <a:buFont typeface="Arial" panose="020B0604020202020204" pitchFamily="34" charset="0"/>
-              <a:buChar char="•"/>
-            </a:pPr>
-            <a:r>
-              <a:rPr lang="pt-PT" sz="2400" dirty="0" smtClean="0"/>
-              <a:t>Evolução da web permite vasta aplicabilidade</a:t>
-            </a:r>
+              <a:t>Sistemas Web-</a:t>
+            </a:r>
+            <a:r>
+              <a:rPr lang="pt-PT" sz="3200" b="1" dirty="0" err="1" smtClean="0"/>
+              <a:t>Based</a:t>
+            </a:r>
+            <a:r>
+              <a:rPr lang="pt-PT" sz="3200" b="1" dirty="0" smtClean="0"/>
+              <a:t> para Controlo e Automação</a:t>
+            </a:r>
+          </a:p>
+          <a:p>
+            <a:pPr marL="342900" indent="-342900">
+              <a:buFont typeface="Arial" panose="020B0604020202020204" pitchFamily="34" charset="0"/>
+              <a:buChar char="•"/>
+            </a:pPr>
+            <a:endParaRPr lang="pt-PT" sz="2400" dirty="0" smtClean="0"/>
+          </a:p>
+          <a:p>
+            <a:pPr marL="342900" indent="-342900">
+              <a:buFont typeface="Arial" panose="020B0604020202020204" pitchFamily="34" charset="0"/>
+              <a:buChar char="•"/>
+            </a:pPr>
+            <a:endParaRPr lang="en-US" sz="2400" dirty="0" smtClean="0"/>
+          </a:p>
+          <a:p>
+            <a:pPr marL="342900" indent="-342900">
+              <a:buFont typeface="Arial" panose="020B0604020202020204" pitchFamily="34" charset="0"/>
+              <a:buChar char="•"/>
+            </a:pPr>
             <a:endParaRPr lang="pt-PT" sz="2400" dirty="0"/>
-          </a:p>
-          <a:p>
-            <a:pPr marL="342900" indent="-342900">
-              <a:buFont typeface="Arial" panose="020B0604020202020204" pitchFamily="34" charset="0"/>
-              <a:buChar char="•"/>
-            </a:pPr>
-            <a:endParaRPr lang="pt-PT" sz="2400" dirty="0" smtClean="0"/>
-          </a:p>
-          <a:p>
-            <a:pPr marL="342900" indent="-342900">
-              <a:buFont typeface="Arial" panose="020B0604020202020204" pitchFamily="34" charset="0"/>
-              <a:buChar char="•"/>
-            </a:pPr>
-            <a:r>
-              <a:rPr lang="pt-PT" sz="2400" dirty="0" smtClean="0"/>
-              <a:t>Integração com tecnologias que nasceram noutras áreas</a:t>
-            </a:r>
-            <a:endParaRPr lang="pt-PT" sz="2400" dirty="0" smtClean="0"/>
-          </a:p>
-          <a:p>
-            <a:pPr marL="342900" indent="-342900">
-              <a:buFont typeface="Arial" panose="020B0604020202020204" pitchFamily="34" charset="0"/>
-              <a:buChar char="•"/>
-            </a:pPr>
-            <a:endParaRPr lang="pt-PT" sz="2400" dirty="0"/>
-          </a:p>
-          <a:p>
-            <a:pPr marL="342900" indent="-342900">
-              <a:buFont typeface="Arial" panose="020B0604020202020204" pitchFamily="34" charset="0"/>
-              <a:buChar char="•"/>
-            </a:pPr>
-            <a:endParaRPr lang="pt-PT" sz="2400" dirty="0" smtClean="0"/>
-          </a:p>
-          <a:p>
-            <a:pPr marL="342900" indent="-342900">
-              <a:buFont typeface="Arial" panose="020B0604020202020204" pitchFamily="34" charset="0"/>
-              <a:buChar char="•"/>
-            </a:pPr>
-            <a:endParaRPr lang="pt-PT" sz="2400" dirty="0"/>
-          </a:p>
-          <a:p>
-            <a:endParaRPr lang="pt-PT" sz="2400" dirty="0" smtClean="0"/>
-          </a:p>
-          <a:p>
-            <a:endParaRPr lang="pt-PT" sz="2400" dirty="0" smtClean="0"/>
-          </a:p>
-          <a:p>
-            <a:pPr marL="342900" indent="-342900">
-              <a:buFont typeface="Arial" panose="020B0604020202020204" pitchFamily="34" charset="0"/>
-              <a:buChar char="•"/>
-            </a:pPr>
-            <a:r>
-              <a:rPr lang="pt-PT" sz="2400" dirty="0" smtClean="0"/>
-              <a:t>Aquisição, processamento e armazenamento de dados</a:t>
-            </a:r>
-          </a:p>
-          <a:p>
-            <a:pPr marL="342900" indent="-342900">
-              <a:buFont typeface="Arial" panose="020B0604020202020204" pitchFamily="34" charset="0"/>
-              <a:buChar char="•"/>
-            </a:pPr>
-            <a:endParaRPr lang="pt-PT" sz="2400" dirty="0"/>
-          </a:p>
-          <a:p>
-            <a:pPr marL="342900" indent="-342900">
-              <a:buFont typeface="Arial" panose="020B0604020202020204" pitchFamily="34" charset="0"/>
-              <a:buChar char="•"/>
-            </a:pPr>
-            <a:r>
-              <a:rPr lang="pt-PT" sz="2400" dirty="0" smtClean="0"/>
-              <a:t>Disponibilização de dados em tempo real/processados através de soluções web-based</a:t>
-            </a:r>
-          </a:p>
-          <a:p>
-            <a:pPr marL="342900" indent="-342900">
-              <a:buFont typeface="Arial" panose="020B0604020202020204" pitchFamily="34" charset="0"/>
-              <a:buChar char="•"/>
-            </a:pPr>
-            <a:endParaRPr lang="pt-PT" sz="2400" dirty="0"/>
-          </a:p>
-          <a:p>
-            <a:pPr marL="342900" indent="-342900">
-              <a:buFont typeface="Arial" panose="020B0604020202020204" pitchFamily="34" charset="0"/>
-              <a:buChar char="•"/>
-            </a:pPr>
-            <a:r>
-              <a:rPr lang="pt-PT" sz="2400" dirty="0" smtClean="0"/>
-              <a:t>Visualização dos dados em diversos dispositivos, local ou remotamente, integração com tecnologias emergentes, entre outras</a:t>
-            </a:r>
           </a:p>
           <a:p>
             <a:pPr marL="342900" indent="-342900">
@@ -5365,11 +5292,7 @@
             <a:pPr algn="ctr"/>
             <a:r>
               <a:rPr lang="pt-PT" sz="1600" b="1" dirty="0" smtClean="0"/>
-              <a:t>HMI para Fabrico </a:t>
-            </a:r>
-            <a:r>
-              <a:rPr lang="pt-PT" sz="1600" b="1" dirty="0" smtClean="0"/>
-              <a:t>Aditivo – Estado da Arte</a:t>
+              <a:t>HMI para Fabrico Aditivo – Estado da Arte</a:t>
             </a:r>
             <a:endParaRPr lang="pt-PT" sz="1600" b="1" dirty="0"/>
           </a:p>
@@ -5377,14 +5300,14 @@
       </p:sp>
       <p:pic>
         <p:nvPicPr>
-          <p:cNvPr id="3" name="Picture 2"/>
+          <p:cNvPr id="3" name="Imagem 2"/>
           <p:cNvPicPr>
             <a:picLocks noChangeAspect="1"/>
           </p:cNvPicPr>
           <p:nvPr/>
         </p:nvPicPr>
         <p:blipFill>
-          <a:blip r:embed="rId3" cstate="print">
+          <a:blip r:embed="rId3">
             <a:extLst>
               <a:ext uri="{28A0092B-C50C-407E-A947-70E740481C1C}">
                 <a14:useLocalDpi xmlns:a14="http://schemas.microsoft.com/office/drawing/2010/main" val="0"/>
@@ -5397,8 +5320,8 @@
         </p:blipFill>
         <p:spPr>
           <a:xfrm>
-            <a:off x="3830194" y="2242590"/>
-            <a:ext cx="2971200" cy="1671299"/>
+            <a:off x="1787434" y="962136"/>
+            <a:ext cx="7939273" cy="4787644"/>
           </a:xfrm>
           <a:prstGeom prst="rect">
             <a:avLst/>
@@ -5408,7 +5331,7 @@
     </p:spTree>
     <p:extLst>
       <p:ext uri="{BB962C8B-B14F-4D97-AF65-F5344CB8AC3E}">
-        <p14:creationId xmlns:p14="http://schemas.microsoft.com/office/powerpoint/2010/main" val="3964441751"/>
+        <p14:creationId xmlns:p14="http://schemas.microsoft.com/office/powerpoint/2010/main" val="1338703574"/>
       </p:ext>
     </p:extLst>
   </p:cSld>
@@ -5444,7 +5367,7 @@
         <p:spPr>
           <a:xfrm>
             <a:off x="445000" y="166025"/>
-            <a:ext cx="11747000" cy="9818072"/>
+            <a:ext cx="11747000" cy="6124754"/>
           </a:xfrm>
           <a:prstGeom prst="rect">
             <a:avLst/>
@@ -5459,134 +5382,53 @@
           <a:p>
             <a:r>
               <a:rPr lang="pt-PT" sz="3200" b="1" dirty="0" smtClean="0"/>
-              <a:t>Caso real: Markforged</a:t>
-            </a:r>
-            <a:endParaRPr lang="pt-PT" sz="3200" b="1" dirty="0" smtClean="0"/>
-          </a:p>
-          <a:p>
-            <a:pPr marL="342900" indent="-342900">
-              <a:buFont typeface="Arial" panose="020B0604020202020204" pitchFamily="34" charset="0"/>
-              <a:buChar char="•"/>
-            </a:pPr>
-            <a:endParaRPr lang="pt-PT" sz="2400" dirty="0" smtClean="0"/>
-          </a:p>
-          <a:p>
-            <a:pPr marL="342900" indent="-342900">
-              <a:buFont typeface="Arial" panose="020B0604020202020204" pitchFamily="34" charset="0"/>
-              <a:buChar char="•"/>
-            </a:pPr>
-            <a:endParaRPr lang="pt-PT" sz="2400" dirty="0" smtClean="0"/>
-          </a:p>
-          <a:p>
-            <a:pPr marL="342900" indent="-342900">
-              <a:buFont typeface="Arial" panose="020B0604020202020204" pitchFamily="34" charset="0"/>
-              <a:buChar char="•"/>
-            </a:pPr>
-            <a:r>
-              <a:rPr lang="pt-PT" sz="2400" dirty="0" smtClean="0"/>
-              <a:t>Marca de impressoras 3D</a:t>
-            </a:r>
+              <a:t>Sistemas Web-</a:t>
+            </a:r>
+            <a:r>
+              <a:rPr lang="pt-PT" sz="3200" b="1" dirty="0" err="1" smtClean="0"/>
+              <a:t>Based</a:t>
+            </a:r>
+            <a:r>
+              <a:rPr lang="pt-PT" sz="3200" b="1" dirty="0" smtClean="0"/>
+              <a:t> para Controlo e Automação</a:t>
+            </a:r>
+          </a:p>
+          <a:p>
+            <a:pPr marL="342900" indent="-342900">
+              <a:buFont typeface="Arial" panose="020B0604020202020204" pitchFamily="34" charset="0"/>
+              <a:buChar char="•"/>
+            </a:pPr>
+            <a:endParaRPr lang="pt-PT" sz="2400" dirty="0" smtClean="0"/>
+          </a:p>
+          <a:p>
+            <a:pPr marL="342900" indent="-342900">
+              <a:buFont typeface="Arial" panose="020B0604020202020204" pitchFamily="34" charset="0"/>
+              <a:buChar char="•"/>
+            </a:pPr>
+            <a:endParaRPr lang="en-US" sz="2400" dirty="0" smtClean="0"/>
+          </a:p>
+          <a:p>
+            <a:pPr marL="342900" indent="-342900">
+              <a:buFont typeface="Arial" panose="020B0604020202020204" pitchFamily="34" charset="0"/>
+              <a:buChar char="•"/>
+            </a:pPr>
             <a:endParaRPr lang="pt-PT" sz="2400" dirty="0"/>
           </a:p>
           <a:p>
-            <a:endParaRPr lang="pt-PT" sz="2400" dirty="0"/>
-          </a:p>
-          <a:p>
-            <a:pPr marL="342900" indent="-342900">
-              <a:buFont typeface="Arial" panose="020B0604020202020204" pitchFamily="34" charset="0"/>
-              <a:buChar char="•"/>
-            </a:pPr>
-            <a:endParaRPr lang="pt-PT" sz="2400" dirty="0" smtClean="0"/>
-          </a:p>
-          <a:p>
-            <a:endParaRPr lang="pt-PT" sz="2400" dirty="0" smtClean="0"/>
-          </a:p>
-          <a:p>
-            <a:pPr marL="342900" indent="-342900">
-              <a:buFont typeface="Arial" panose="020B0604020202020204" pitchFamily="34" charset="0"/>
-              <a:buChar char="•"/>
-            </a:pPr>
-            <a:r>
-              <a:rPr lang="pt-PT" sz="2400" dirty="0" smtClean="0"/>
-              <a:t>Possui software web-based que permite:</a:t>
-            </a:r>
-          </a:p>
-          <a:p>
-            <a:pPr marL="800100" lvl="1" indent="-342900">
-              <a:buFont typeface="Arial" panose="020B0604020202020204" pitchFamily="34" charset="0"/>
-              <a:buChar char="•"/>
-            </a:pPr>
-            <a:r>
-              <a:rPr lang="pt-PT" sz="2400" dirty="0" smtClean="0"/>
-              <a:t>Enviar ficheiros de peças para serem impressas</a:t>
-            </a:r>
-          </a:p>
-          <a:p>
-            <a:pPr marL="800100" lvl="1" indent="-342900">
-              <a:buFont typeface="Arial" panose="020B0604020202020204" pitchFamily="34" charset="0"/>
-              <a:buChar char="•"/>
-            </a:pPr>
-            <a:r>
-              <a:rPr lang="pt-PT" sz="2400" dirty="0" smtClean="0"/>
-              <a:t>Alterar peça: dimensões, posicionamento, material, etc</a:t>
-            </a:r>
-          </a:p>
-          <a:p>
-            <a:pPr marL="800100" lvl="1" indent="-342900">
-              <a:buFont typeface="Arial" panose="020B0604020202020204" pitchFamily="34" charset="0"/>
-              <a:buChar char="•"/>
-            </a:pPr>
-            <a:r>
-              <a:rPr lang="pt-PT" sz="2400" dirty="0" smtClean="0"/>
-              <a:t>Monitorizar parâmetros de impressão em tempo real</a:t>
-            </a:r>
-          </a:p>
-          <a:p>
-            <a:pPr marL="800100" lvl="1" indent="-342900">
-              <a:buFont typeface="Arial" panose="020B0604020202020204" pitchFamily="34" charset="0"/>
-              <a:buChar char="•"/>
-            </a:pPr>
-            <a:r>
-              <a:rPr lang="pt-PT" sz="2400" dirty="0" smtClean="0"/>
-              <a:t>Armazenamento e gestão das peças que já foram impressas</a:t>
-            </a:r>
-          </a:p>
-          <a:p>
-            <a:pPr marL="800100" lvl="1" indent="-342900">
-              <a:buFont typeface="Arial" panose="020B0604020202020204" pitchFamily="34" charset="0"/>
-              <a:buChar char="•"/>
-            </a:pPr>
-            <a:r>
-              <a:rPr lang="pt-PT" sz="2400" dirty="0" smtClean="0"/>
-              <a:t>Visualizar uma peça em 2D e 3D</a:t>
-            </a:r>
-          </a:p>
-          <a:p>
-            <a:pPr marL="800100" lvl="1" indent="-342900">
-              <a:buFont typeface="Arial" panose="020B0604020202020204" pitchFamily="34" charset="0"/>
-              <a:buChar char="•"/>
-            </a:pPr>
-            <a:r>
-              <a:rPr lang="pt-PT" sz="2400" dirty="0" smtClean="0"/>
-              <a:t>Visualizar camadas de impressão</a:t>
-            </a:r>
-          </a:p>
-          <a:p>
-            <a:pPr marL="800100" lvl="1" indent="-342900">
-              <a:buFont typeface="Arial" panose="020B0604020202020204" pitchFamily="34" charset="0"/>
-              <a:buChar char="•"/>
-            </a:pPr>
-            <a:endParaRPr lang="pt-PT" sz="2400" dirty="0" smtClean="0"/>
-          </a:p>
-          <a:p>
-            <a:pPr marL="342900" indent="-342900">
-              <a:buFont typeface="Arial" panose="020B0604020202020204" pitchFamily="34" charset="0"/>
-              <a:buChar char="•"/>
-            </a:pPr>
-            <a:r>
-              <a:rPr lang="pt-PT" sz="2400" dirty="0"/>
-              <a:t>https://www.youtube.com/watch?v=xP787awglCU</a:t>
-            </a:r>
+            <a:pPr marL="342900" indent="-342900">
+              <a:buFont typeface="Arial" panose="020B0604020202020204" pitchFamily="34" charset="0"/>
+              <a:buChar char="•"/>
+            </a:pPr>
+            <a:endParaRPr lang="pt-PT" sz="2400" dirty="0" smtClean="0"/>
+          </a:p>
+          <a:p>
+            <a:pPr marL="342900" indent="-342900">
+              <a:buFont typeface="Arial" panose="020B0604020202020204" pitchFamily="34" charset="0"/>
+              <a:buChar char="•"/>
+            </a:pPr>
+            <a:endParaRPr lang="pt-PT" sz="2400" dirty="0" smtClean="0"/>
+          </a:p>
+          <a:p>
             <a:endParaRPr lang="pt-PT" sz="2400" dirty="0" smtClean="0"/>
           </a:p>
           <a:p>
@@ -5948,11 +5790,3223 @@
             <a:pPr algn="ctr"/>
             <a:r>
               <a:rPr lang="pt-PT" sz="1600" b="1" dirty="0" smtClean="0"/>
-              <a:t>HMI para Fabrico </a:t>
-            </a:r>
+              <a:t>HMI para Fabrico Aditivo – Estado da Arte</a:t>
+            </a:r>
+            <a:endParaRPr lang="pt-PT" sz="1600" b="1" dirty="0"/>
+          </a:p>
+        </p:txBody>
+      </p:sp>
+      <p:pic>
+        <p:nvPicPr>
+          <p:cNvPr id="3" name="Imagem 2"/>
+          <p:cNvPicPr>
+            <a:picLocks noChangeAspect="1"/>
+          </p:cNvPicPr>
+          <p:nvPr/>
+        </p:nvPicPr>
+        <p:blipFill>
+          <a:blip r:embed="rId3">
+            <a:extLst>
+              <a:ext uri="{28A0092B-C50C-407E-A947-70E740481C1C}">
+                <a14:useLocalDpi xmlns:a14="http://schemas.microsoft.com/office/drawing/2010/main" val="0"/>
+              </a:ext>
+            </a:extLst>
+          </a:blip>
+          <a:stretch>
+            <a:fillRect/>
+          </a:stretch>
+        </p:blipFill>
+        <p:spPr>
+          <a:xfrm>
+            <a:off x="2628356" y="758951"/>
+            <a:ext cx="6425997" cy="5328876"/>
+          </a:xfrm>
+          <a:prstGeom prst="rect">
+            <a:avLst/>
+          </a:prstGeom>
+        </p:spPr>
+      </p:pic>
+    </p:spTree>
+    <p:extLst>
+      <p:ext uri="{BB962C8B-B14F-4D97-AF65-F5344CB8AC3E}">
+        <p14:creationId xmlns:p14="http://schemas.microsoft.com/office/powerpoint/2010/main" val="1039491615"/>
+      </p:ext>
+    </p:extLst>
+  </p:cSld>
+  <p:clrMapOvr>
+    <a:masterClrMapping/>
+  </p:clrMapOvr>
+</p:sld>
+</file>
+
+<file path=ppt/slides/slide12.xml><?xml version="1.0" encoding="utf-8"?>
+<p:sld xmlns:a="http://schemas.openxmlformats.org/drawingml/2006/main" xmlns:r="http://schemas.openxmlformats.org/officeDocument/2006/relationships" xmlns:p="http://schemas.openxmlformats.org/presentationml/2006/main">
+  <p:cSld>
+    <p:spTree>
+      <p:nvGrpSpPr>
+        <p:cNvPr id="1" name=""/>
+        <p:cNvGrpSpPr/>
+        <p:nvPr/>
+      </p:nvGrpSpPr>
+      <p:grpSpPr>
+        <a:xfrm>
+          <a:off x="0" y="0"/>
+          <a:ext cx="0" cy="0"/>
+          <a:chOff x="0" y="0"/>
+          <a:chExt cx="0" cy="0"/>
+        </a:xfrm>
+      </p:grpSpPr>
+      <p:sp>
+        <p:nvSpPr>
+          <p:cNvPr id="7" name="TextBox 6"/>
+          <p:cNvSpPr txBox="1"/>
+          <p:nvPr/>
+        </p:nvSpPr>
+        <p:spPr>
+          <a:xfrm>
+            <a:off x="445000" y="166025"/>
+            <a:ext cx="11271871" cy="7971413"/>
+          </a:xfrm>
+          <a:prstGeom prst="rect">
+            <a:avLst/>
+          </a:prstGeom>
+          <a:noFill/>
+        </p:spPr>
+        <p:txBody>
+          <a:bodyPr wrap="square" rtlCol="0">
+            <a:spAutoFit/>
+          </a:bodyPr>
+          <a:lstStyle/>
+          <a:p>
+            <a:r>
+              <a:rPr lang="pt-PT" sz="3200" b="1" dirty="0" smtClean="0"/>
+              <a:t>Sistemas Web-</a:t>
+            </a:r>
+            <a:r>
+              <a:rPr lang="pt-PT" sz="3200" b="1" dirty="0" err="1" smtClean="0"/>
+              <a:t>Based</a:t>
+            </a:r>
+            <a:r>
+              <a:rPr lang="pt-PT" sz="3200" b="1" dirty="0" smtClean="0"/>
+              <a:t> para Controlo e Automação</a:t>
+            </a:r>
+          </a:p>
+          <a:p>
+            <a:pPr marL="342900" indent="-342900">
+              <a:buFont typeface="Arial" panose="020B0604020202020204" pitchFamily="34" charset="0"/>
+              <a:buChar char="•"/>
+            </a:pPr>
+            <a:endParaRPr lang="pt-PT" sz="2400" dirty="0" smtClean="0"/>
+          </a:p>
+          <a:p>
+            <a:pPr marL="342900" indent="-342900">
+              <a:buFont typeface="Arial" panose="020B0604020202020204" pitchFamily="34" charset="0"/>
+              <a:buChar char="•"/>
+            </a:pPr>
+            <a:endParaRPr lang="en-US" sz="2400" dirty="0" smtClean="0"/>
+          </a:p>
+          <a:p>
+            <a:pPr marL="342900" indent="-342900">
+              <a:buFont typeface="Arial" panose="020B0604020202020204" pitchFamily="34" charset="0"/>
+              <a:buChar char="•"/>
+            </a:pPr>
+            <a:endParaRPr lang="pt-PT" sz="2400" dirty="0" smtClean="0"/>
+          </a:p>
+          <a:p>
+            <a:pPr marL="342900" indent="-342900">
+              <a:buFont typeface="Arial" panose="020B0604020202020204" pitchFamily="34" charset="0"/>
+              <a:buChar char="•"/>
+            </a:pPr>
+            <a:endParaRPr lang="pt-PT" sz="2400" dirty="0"/>
+          </a:p>
+          <a:p>
+            <a:r>
+              <a:rPr lang="pt-PT" sz="2400" b="1" dirty="0" smtClean="0"/>
+              <a:t>Conclusão</a:t>
+            </a:r>
+            <a:r>
+              <a:rPr lang="pt-PT" sz="2400" dirty="0" smtClean="0"/>
+              <a:t>: </a:t>
+            </a:r>
+          </a:p>
+          <a:p>
+            <a:pPr marL="800100" lvl="1" indent="-342900">
+              <a:buFont typeface="Arial" panose="020B0604020202020204" pitchFamily="34" charset="0"/>
+              <a:buChar char="•"/>
+            </a:pPr>
+            <a:r>
+              <a:rPr lang="pt-PT" sz="2400" dirty="0" smtClean="0"/>
+              <a:t>a integração das tecnologias web com o PLC pode ser útil em futuras investigações nos campos de estudo mencionados em alternativa a outras abordagens</a:t>
+            </a:r>
+            <a:endParaRPr lang="pt-PT" sz="2400" dirty="0"/>
+          </a:p>
+          <a:p>
+            <a:endParaRPr lang="pt-PT" sz="2400" dirty="0"/>
+          </a:p>
+          <a:p>
+            <a:pPr marL="342900" indent="-342900">
+              <a:buFont typeface="Arial" panose="020B0604020202020204" pitchFamily="34" charset="0"/>
+              <a:buChar char="•"/>
+            </a:pPr>
+            <a:endParaRPr lang="pt-PT" sz="2400" dirty="0" smtClean="0"/>
+          </a:p>
+          <a:p>
+            <a:pPr marL="342900" indent="-342900">
+              <a:buFont typeface="Arial" panose="020B0604020202020204" pitchFamily="34" charset="0"/>
+              <a:buChar char="•"/>
+            </a:pPr>
+            <a:endParaRPr lang="pt-PT" sz="2400" dirty="0" smtClean="0"/>
+          </a:p>
+          <a:p>
+            <a:endParaRPr lang="pt-PT" sz="2400" dirty="0" smtClean="0"/>
+          </a:p>
+          <a:p>
+            <a:pPr marL="342900" indent="-342900">
+              <a:buFont typeface="Arial" panose="020B0604020202020204" pitchFamily="34" charset="0"/>
+              <a:buChar char="•"/>
+            </a:pPr>
+            <a:endParaRPr lang="pt-PT" sz="2400" dirty="0" smtClean="0"/>
+          </a:p>
+          <a:p>
+            <a:pPr marL="342900" indent="-342900">
+              <a:buFont typeface="Arial" panose="020B0604020202020204" pitchFamily="34" charset="0"/>
+              <a:buChar char="•"/>
+            </a:pPr>
+            <a:endParaRPr lang="pt-PT" sz="2400" dirty="0" smtClean="0"/>
+          </a:p>
+          <a:p>
+            <a:pPr marL="342900" indent="-342900">
+              <a:buFont typeface="Arial" panose="020B0604020202020204" pitchFamily="34" charset="0"/>
+              <a:buChar char="•"/>
+            </a:pPr>
+            <a:endParaRPr lang="pt-PT" sz="2400" dirty="0"/>
+          </a:p>
+          <a:p>
+            <a:pPr marL="342900" indent="-342900">
+              <a:buFont typeface="Arial" panose="020B0604020202020204" pitchFamily="34" charset="0"/>
+              <a:buChar char="•"/>
+            </a:pPr>
+            <a:endParaRPr lang="pt-PT" sz="2400" dirty="0" smtClean="0"/>
+          </a:p>
+          <a:p>
+            <a:pPr marL="342900" indent="-342900">
+              <a:buFont typeface="Arial" panose="020B0604020202020204" pitchFamily="34" charset="0"/>
+              <a:buChar char="•"/>
+            </a:pPr>
+            <a:endParaRPr lang="pt-PT" sz="2400" dirty="0" smtClean="0"/>
+          </a:p>
+          <a:p>
+            <a:pPr marL="342900" indent="-342900">
+              <a:buFont typeface="Arial" panose="020B0604020202020204" pitchFamily="34" charset="0"/>
+              <a:buChar char="•"/>
+            </a:pPr>
+            <a:endParaRPr lang="pt-PT" sz="2400" dirty="0" smtClean="0"/>
+          </a:p>
+          <a:p>
+            <a:pPr marL="342900" indent="-342900">
+              <a:buFont typeface="Arial" panose="020B0604020202020204" pitchFamily="34" charset="0"/>
+              <a:buChar char="•"/>
+            </a:pPr>
+            <a:endParaRPr lang="pt-PT" sz="2400" dirty="0" smtClean="0"/>
+          </a:p>
+          <a:p>
+            <a:pPr marL="342900" indent="-342900">
+              <a:buFont typeface="Arial" panose="020B0604020202020204" pitchFamily="34" charset="0"/>
+              <a:buChar char="•"/>
+            </a:pPr>
+            <a:endParaRPr lang="pt-PT" sz="2400" dirty="0"/>
+          </a:p>
+          <a:p>
+            <a:pPr marL="342900" indent="-342900">
+              <a:buFont typeface="Arial" panose="020B0604020202020204" pitchFamily="34" charset="0"/>
+              <a:buChar char="•"/>
+            </a:pPr>
+            <a:endParaRPr lang="pt-PT" sz="2400" dirty="0" smtClean="0"/>
+          </a:p>
+        </p:txBody>
+      </p:sp>
+      <p:sp>
+        <p:nvSpPr>
+          <p:cNvPr id="2" name="Slide Number Placeholder 1"/>
+          <p:cNvSpPr>
+            <a:spLocks noGrp="1"/>
+          </p:cNvSpPr>
+          <p:nvPr>
+            <p:ph type="sldNum" sz="quarter" idx="12"/>
+          </p:nvPr>
+        </p:nvSpPr>
+        <p:spPr/>
+        <p:txBody>
+          <a:bodyPr/>
+          <a:lstStyle/>
+          <a:p>
+            <a:fld id="{422D536B-584E-486B-9435-086987A3D916}" type="slidenum">
+              <a:rPr lang="pt-PT" smtClean="0"/>
+              <a:t>12</a:t>
+            </a:fld>
+            <a:endParaRPr lang="pt-PT" dirty="0"/>
+          </a:p>
+        </p:txBody>
+      </p:sp>
+      <p:sp>
+        <p:nvSpPr>
+          <p:cNvPr id="6" name="Slide Number Placeholder 5"/>
+          <p:cNvSpPr txBox="1">
+            <a:spLocks/>
+          </p:cNvSpPr>
+          <p:nvPr/>
+        </p:nvSpPr>
+        <p:spPr>
+          <a:xfrm>
+            <a:off x="0" y="6464982"/>
+            <a:ext cx="475129" cy="365125"/>
+          </a:xfrm>
+          <a:prstGeom prst="rect">
+            <a:avLst/>
+          </a:prstGeom>
+        </p:spPr>
+        <p:txBody>
+          <a:bodyPr vert="horz" lIns="91440" tIns="45720" rIns="91440" bIns="45720" rtlCol="0" anchor="ctr"/>
+          <a:lstStyle>
+            <a:defPPr>
+              <a:defRPr lang="en-US"/>
+            </a:defPPr>
+            <a:lvl1pPr marL="0" algn="r" defTabSz="457200" rtl="0" eaLnBrk="1" latinLnBrk="0" hangingPunct="1">
+              <a:defRPr sz="1050" kern="1200">
+                <a:solidFill>
+                  <a:srgbClr val="FFFFFF"/>
+                </a:solidFill>
+                <a:latin typeface="+mn-lt"/>
+                <a:ea typeface="+mn-ea"/>
+                <a:cs typeface="+mn-cs"/>
+              </a:defRPr>
+            </a:lvl1pPr>
+            <a:lvl2pPr marL="457200" algn="l" defTabSz="457200" rtl="0" eaLnBrk="1" latinLnBrk="0" hangingPunct="1">
+              <a:defRPr sz="1800" kern="1200">
+                <a:solidFill>
+                  <a:schemeClr val="tx1"/>
+                </a:solidFill>
+                <a:latin typeface="+mn-lt"/>
+                <a:ea typeface="+mn-ea"/>
+                <a:cs typeface="+mn-cs"/>
+              </a:defRPr>
+            </a:lvl2pPr>
+            <a:lvl3pPr marL="914400" algn="l" defTabSz="457200" rtl="0" eaLnBrk="1" latinLnBrk="0" hangingPunct="1">
+              <a:defRPr sz="1800" kern="1200">
+                <a:solidFill>
+                  <a:schemeClr val="tx1"/>
+                </a:solidFill>
+                <a:latin typeface="+mn-lt"/>
+                <a:ea typeface="+mn-ea"/>
+                <a:cs typeface="+mn-cs"/>
+              </a:defRPr>
+            </a:lvl3pPr>
+            <a:lvl4pPr marL="1371600" algn="l" defTabSz="457200" rtl="0" eaLnBrk="1" latinLnBrk="0" hangingPunct="1">
+              <a:defRPr sz="1800" kern="1200">
+                <a:solidFill>
+                  <a:schemeClr val="tx1"/>
+                </a:solidFill>
+                <a:latin typeface="+mn-lt"/>
+                <a:ea typeface="+mn-ea"/>
+                <a:cs typeface="+mn-cs"/>
+              </a:defRPr>
+            </a:lvl4pPr>
+            <a:lvl5pPr marL="1828800" algn="l" defTabSz="457200" rtl="0" eaLnBrk="1" latinLnBrk="0" hangingPunct="1">
+              <a:defRPr sz="1800" kern="1200">
+                <a:solidFill>
+                  <a:schemeClr val="tx1"/>
+                </a:solidFill>
+                <a:latin typeface="+mn-lt"/>
+                <a:ea typeface="+mn-ea"/>
+                <a:cs typeface="+mn-cs"/>
+              </a:defRPr>
+            </a:lvl5pPr>
+            <a:lvl6pPr marL="2286000" algn="l" defTabSz="457200" rtl="0" eaLnBrk="1" latinLnBrk="0" hangingPunct="1">
+              <a:defRPr sz="1800" kern="1200">
+                <a:solidFill>
+                  <a:schemeClr val="tx1"/>
+                </a:solidFill>
+                <a:latin typeface="+mn-lt"/>
+                <a:ea typeface="+mn-ea"/>
+                <a:cs typeface="+mn-cs"/>
+              </a:defRPr>
+            </a:lvl6pPr>
+            <a:lvl7pPr marL="2743200" algn="l" defTabSz="457200" rtl="0" eaLnBrk="1" latinLnBrk="0" hangingPunct="1">
+              <a:defRPr sz="1800" kern="1200">
+                <a:solidFill>
+                  <a:schemeClr val="tx1"/>
+                </a:solidFill>
+                <a:latin typeface="+mn-lt"/>
+                <a:ea typeface="+mn-ea"/>
+                <a:cs typeface="+mn-cs"/>
+              </a:defRPr>
+            </a:lvl7pPr>
+            <a:lvl8pPr marL="3200400" algn="l" defTabSz="457200" rtl="0" eaLnBrk="1" latinLnBrk="0" hangingPunct="1">
+              <a:defRPr sz="1800" kern="1200">
+                <a:solidFill>
+                  <a:schemeClr val="tx1"/>
+                </a:solidFill>
+                <a:latin typeface="+mn-lt"/>
+                <a:ea typeface="+mn-ea"/>
+                <a:cs typeface="+mn-cs"/>
+              </a:defRPr>
+            </a:lvl8pPr>
+            <a:lvl9pPr marL="3657600" algn="l" defTabSz="457200" rtl="0" eaLnBrk="1" latinLnBrk="0" hangingPunct="1">
+              <a:defRPr sz="1800" kern="1200">
+                <a:solidFill>
+                  <a:schemeClr val="tx1"/>
+                </a:solidFill>
+                <a:latin typeface="+mn-lt"/>
+                <a:ea typeface="+mn-ea"/>
+                <a:cs typeface="+mn-cs"/>
+              </a:defRPr>
+            </a:lvl9pPr>
+          </a:lstStyle>
+          <a:p>
+            <a:r>
+              <a:rPr lang="pt-PT" dirty="0" smtClean="0"/>
+              <a:t>IPVC</a:t>
+            </a:r>
+            <a:endParaRPr lang="pt-PT" dirty="0"/>
+          </a:p>
+        </p:txBody>
+      </p:sp>
+      <p:pic>
+        <p:nvPicPr>
+          <p:cNvPr id="9" name="Picture 4"/>
+          <p:cNvPicPr>
+            <a:picLocks noChangeAspect="1"/>
+          </p:cNvPicPr>
+          <p:nvPr/>
+        </p:nvPicPr>
+        <p:blipFill>
+          <a:blip r:embed="rId2" cstate="print">
+            <a:extLst>
+              <a:ext uri="{28A0092B-C50C-407E-A947-70E740481C1C}">
+                <a14:useLocalDpi xmlns:a14="http://schemas.microsoft.com/office/drawing/2010/main" val="0"/>
+              </a:ext>
+            </a:extLst>
+          </a:blip>
+          <a:stretch>
+            <a:fillRect/>
+          </a:stretch>
+        </p:blipFill>
+        <p:spPr>
+          <a:xfrm>
+            <a:off x="10468855" y="300496"/>
+            <a:ext cx="1373649" cy="916911"/>
+          </a:xfrm>
+          <a:prstGeom prst="rect">
+            <a:avLst/>
+          </a:prstGeom>
+        </p:spPr>
+      </p:pic>
+      <p:sp>
+        <p:nvSpPr>
+          <p:cNvPr id="10" name="Slide Number Placeholder 5"/>
+          <p:cNvSpPr txBox="1">
+            <a:spLocks/>
+          </p:cNvSpPr>
+          <p:nvPr/>
+        </p:nvSpPr>
+        <p:spPr>
+          <a:xfrm>
+            <a:off x="3908571" y="6492875"/>
+            <a:ext cx="4435818" cy="365125"/>
+          </a:xfrm>
+          <a:prstGeom prst="rect">
+            <a:avLst/>
+          </a:prstGeom>
+        </p:spPr>
+        <p:txBody>
+          <a:bodyPr vert="horz" lIns="91440" tIns="45720" rIns="91440" bIns="45720" rtlCol="0" anchor="ctr"/>
+          <a:lstStyle>
+            <a:defPPr>
+              <a:defRPr lang="en-US"/>
+            </a:defPPr>
+            <a:lvl1pPr marL="0" algn="r" defTabSz="457200" rtl="0" eaLnBrk="1" latinLnBrk="0" hangingPunct="1">
+              <a:defRPr sz="1050" kern="1200">
+                <a:solidFill>
+                  <a:srgbClr val="FFFFFF"/>
+                </a:solidFill>
+                <a:latin typeface="+mn-lt"/>
+                <a:ea typeface="+mn-ea"/>
+                <a:cs typeface="+mn-cs"/>
+              </a:defRPr>
+            </a:lvl1pPr>
+            <a:lvl2pPr marL="457200" algn="l" defTabSz="457200" rtl="0" eaLnBrk="1" latinLnBrk="0" hangingPunct="1">
+              <a:defRPr sz="1800" kern="1200">
+                <a:solidFill>
+                  <a:schemeClr val="tx1"/>
+                </a:solidFill>
+                <a:latin typeface="+mn-lt"/>
+                <a:ea typeface="+mn-ea"/>
+                <a:cs typeface="+mn-cs"/>
+              </a:defRPr>
+            </a:lvl2pPr>
+            <a:lvl3pPr marL="914400" algn="l" defTabSz="457200" rtl="0" eaLnBrk="1" latinLnBrk="0" hangingPunct="1">
+              <a:defRPr sz="1800" kern="1200">
+                <a:solidFill>
+                  <a:schemeClr val="tx1"/>
+                </a:solidFill>
+                <a:latin typeface="+mn-lt"/>
+                <a:ea typeface="+mn-ea"/>
+                <a:cs typeface="+mn-cs"/>
+              </a:defRPr>
+            </a:lvl3pPr>
+            <a:lvl4pPr marL="1371600" algn="l" defTabSz="457200" rtl="0" eaLnBrk="1" latinLnBrk="0" hangingPunct="1">
+              <a:defRPr sz="1800" kern="1200">
+                <a:solidFill>
+                  <a:schemeClr val="tx1"/>
+                </a:solidFill>
+                <a:latin typeface="+mn-lt"/>
+                <a:ea typeface="+mn-ea"/>
+                <a:cs typeface="+mn-cs"/>
+              </a:defRPr>
+            </a:lvl4pPr>
+            <a:lvl5pPr marL="1828800" algn="l" defTabSz="457200" rtl="0" eaLnBrk="1" latinLnBrk="0" hangingPunct="1">
+              <a:defRPr sz="1800" kern="1200">
+                <a:solidFill>
+                  <a:schemeClr val="tx1"/>
+                </a:solidFill>
+                <a:latin typeface="+mn-lt"/>
+                <a:ea typeface="+mn-ea"/>
+                <a:cs typeface="+mn-cs"/>
+              </a:defRPr>
+            </a:lvl5pPr>
+            <a:lvl6pPr marL="2286000" algn="l" defTabSz="457200" rtl="0" eaLnBrk="1" latinLnBrk="0" hangingPunct="1">
+              <a:defRPr sz="1800" kern="1200">
+                <a:solidFill>
+                  <a:schemeClr val="tx1"/>
+                </a:solidFill>
+                <a:latin typeface="+mn-lt"/>
+                <a:ea typeface="+mn-ea"/>
+                <a:cs typeface="+mn-cs"/>
+              </a:defRPr>
+            </a:lvl6pPr>
+            <a:lvl7pPr marL="2743200" algn="l" defTabSz="457200" rtl="0" eaLnBrk="1" latinLnBrk="0" hangingPunct="1">
+              <a:defRPr sz="1800" kern="1200">
+                <a:solidFill>
+                  <a:schemeClr val="tx1"/>
+                </a:solidFill>
+                <a:latin typeface="+mn-lt"/>
+                <a:ea typeface="+mn-ea"/>
+                <a:cs typeface="+mn-cs"/>
+              </a:defRPr>
+            </a:lvl7pPr>
+            <a:lvl8pPr marL="3200400" algn="l" defTabSz="457200" rtl="0" eaLnBrk="1" latinLnBrk="0" hangingPunct="1">
+              <a:defRPr sz="1800" kern="1200">
+                <a:solidFill>
+                  <a:schemeClr val="tx1"/>
+                </a:solidFill>
+                <a:latin typeface="+mn-lt"/>
+                <a:ea typeface="+mn-ea"/>
+                <a:cs typeface="+mn-cs"/>
+              </a:defRPr>
+            </a:lvl8pPr>
+            <a:lvl9pPr marL="3657600" algn="l" defTabSz="457200" rtl="0" eaLnBrk="1" latinLnBrk="0" hangingPunct="1">
+              <a:defRPr sz="1800" kern="1200">
+                <a:solidFill>
+                  <a:schemeClr val="tx1"/>
+                </a:solidFill>
+                <a:latin typeface="+mn-lt"/>
+                <a:ea typeface="+mn-ea"/>
+                <a:cs typeface="+mn-cs"/>
+              </a:defRPr>
+            </a:lvl9pPr>
+          </a:lstStyle>
+          <a:p>
+            <a:pPr algn="ctr"/>
             <a:r>
               <a:rPr lang="pt-PT" sz="1600" b="1" dirty="0" smtClean="0"/>
-              <a:t>Aditivo – Estado da Arte</a:t>
+              <a:t>HMI para Fabrico Aditivo – Estado da Arte</a:t>
+            </a:r>
+            <a:endParaRPr lang="pt-PT" sz="1600" b="1" dirty="0"/>
+          </a:p>
+        </p:txBody>
+      </p:sp>
+    </p:spTree>
+    <p:extLst>
+      <p:ext uri="{BB962C8B-B14F-4D97-AF65-F5344CB8AC3E}">
+        <p14:creationId xmlns:p14="http://schemas.microsoft.com/office/powerpoint/2010/main" val="1287134299"/>
+      </p:ext>
+    </p:extLst>
+  </p:cSld>
+  <p:clrMapOvr>
+    <a:masterClrMapping/>
+  </p:clrMapOvr>
+</p:sld>
+</file>
+
+<file path=ppt/slides/slide13.xml><?xml version="1.0" encoding="utf-8"?>
+<p:sld xmlns:a="http://schemas.openxmlformats.org/drawingml/2006/main" xmlns:r="http://schemas.openxmlformats.org/officeDocument/2006/relationships" xmlns:p="http://schemas.openxmlformats.org/presentationml/2006/main">
+  <p:cSld>
+    <p:spTree>
+      <p:nvGrpSpPr>
+        <p:cNvPr id="1" name=""/>
+        <p:cNvGrpSpPr/>
+        <p:nvPr/>
+      </p:nvGrpSpPr>
+      <p:grpSpPr>
+        <a:xfrm>
+          <a:off x="0" y="0"/>
+          <a:ext cx="0" cy="0"/>
+          <a:chOff x="0" y="0"/>
+          <a:chExt cx="0" cy="0"/>
+        </a:xfrm>
+      </p:grpSpPr>
+      <p:sp>
+        <p:nvSpPr>
+          <p:cNvPr id="7" name="TextBox 6"/>
+          <p:cNvSpPr txBox="1"/>
+          <p:nvPr/>
+        </p:nvSpPr>
+        <p:spPr>
+          <a:xfrm>
+            <a:off x="445000" y="166025"/>
+            <a:ext cx="11747000" cy="10556736"/>
+          </a:xfrm>
+          <a:prstGeom prst="rect">
+            <a:avLst/>
+          </a:prstGeom>
+          <a:noFill/>
+        </p:spPr>
+        <p:txBody>
+          <a:bodyPr wrap="square" rtlCol="0">
+            <a:spAutoFit/>
+          </a:bodyPr>
+          <a:lstStyle/>
+          <a:p>
+            <a:r>
+              <a:rPr lang="pt-PT" sz="3200" b="1" dirty="0" smtClean="0"/>
+              <a:t>Sistemas Web-</a:t>
+            </a:r>
+            <a:r>
+              <a:rPr lang="pt-PT" sz="3200" b="1" dirty="0" err="1" smtClean="0"/>
+              <a:t>Based</a:t>
+            </a:r>
+            <a:r>
+              <a:rPr lang="pt-PT" sz="3200" b="1" dirty="0" smtClean="0"/>
+              <a:t> para Controlo e Automação</a:t>
+            </a:r>
+          </a:p>
+          <a:p>
+            <a:pPr marL="342900" indent="-342900">
+              <a:buFont typeface="Arial" panose="020B0604020202020204" pitchFamily="34" charset="0"/>
+              <a:buChar char="•"/>
+            </a:pPr>
+            <a:endParaRPr lang="pt-PT" sz="2400" dirty="0" smtClean="0"/>
+          </a:p>
+          <a:p>
+            <a:pPr marL="342900" indent="-342900">
+              <a:buFont typeface="Arial" panose="020B0604020202020204" pitchFamily="34" charset="0"/>
+              <a:buChar char="•"/>
+            </a:pPr>
+            <a:endParaRPr lang="en-US" sz="2400" dirty="0" smtClean="0"/>
+          </a:p>
+          <a:p>
+            <a:pPr marL="342900" indent="-342900">
+              <a:buFont typeface="Arial" panose="020B0604020202020204" pitchFamily="34" charset="0"/>
+              <a:buChar char="•"/>
+            </a:pPr>
+            <a:r>
+              <a:rPr lang="en-US" sz="2400" dirty="0"/>
+              <a:t>Developing web &amp; </a:t>
+            </a:r>
+            <a:r>
+              <a:rPr lang="en-US" sz="2400" dirty="0" err="1"/>
+              <a:t>TwinCAT</a:t>
+            </a:r>
+            <a:r>
+              <a:rPr lang="en-US" sz="2400" dirty="0"/>
+              <a:t> PLC-based remote Control laboratories</a:t>
+            </a:r>
+          </a:p>
+          <a:p>
+            <a:r>
+              <a:rPr lang="en-US" sz="2400" dirty="0"/>
+              <a:t>for modern web-browsers or mobile </a:t>
+            </a:r>
+            <a:r>
+              <a:rPr lang="en-US" sz="2400" dirty="0" smtClean="0"/>
+              <a:t>devices</a:t>
+            </a:r>
+            <a:r>
+              <a:rPr lang="pt-PT" sz="2400" dirty="0" smtClean="0"/>
+              <a:t>(</a:t>
+            </a:r>
+            <a:r>
+              <a:rPr lang="pt-PT" sz="2400" dirty="0" err="1" smtClean="0"/>
+              <a:t>Bermudez</a:t>
+            </a:r>
+            <a:r>
+              <a:rPr lang="pt-PT" sz="2400" dirty="0" smtClean="0"/>
+              <a:t>-Ortega</a:t>
+            </a:r>
+            <a:r>
+              <a:rPr lang="pt-PT" sz="2400" dirty="0"/>
+              <a:t>, </a:t>
+            </a:r>
+            <a:r>
+              <a:rPr lang="pt-PT" sz="2400" dirty="0" err="1"/>
+              <a:t>Besada</a:t>
+            </a:r>
+            <a:r>
+              <a:rPr lang="pt-PT" sz="2400" dirty="0"/>
+              <a:t>-Portas, </a:t>
+            </a:r>
+            <a:r>
+              <a:rPr lang="pt-PT" sz="2400" dirty="0" err="1"/>
+              <a:t>Lopez-Orozco</a:t>
+            </a:r>
+            <a:r>
+              <a:rPr lang="pt-PT" sz="2400" dirty="0"/>
+              <a:t>, </a:t>
+            </a:r>
+            <a:r>
+              <a:rPr lang="pt-PT" sz="2400" dirty="0" err="1"/>
+              <a:t>Chacon</a:t>
+            </a:r>
+            <a:r>
+              <a:rPr lang="pt-PT" sz="2400" dirty="0"/>
+              <a:t>, &amp; de la Cruz, 2016)</a:t>
+            </a:r>
+          </a:p>
+          <a:p>
+            <a:pPr marL="342900" indent="-342900">
+              <a:buFont typeface="Arial" panose="020B0604020202020204" pitchFamily="34" charset="0"/>
+              <a:buChar char="•"/>
+            </a:pPr>
+            <a:endParaRPr lang="pt-PT" sz="2400" dirty="0"/>
+          </a:p>
+          <a:p>
+            <a:pPr marL="342900" indent="-342900">
+              <a:buFont typeface="Arial" panose="020B0604020202020204" pitchFamily="34" charset="0"/>
+              <a:buChar char="•"/>
+            </a:pPr>
+            <a:r>
+              <a:rPr lang="pt-PT" sz="2400" dirty="0" smtClean="0"/>
+              <a:t>Casos de estudo: aceder a experiências de controlo em laboratórios remotamente</a:t>
+            </a:r>
+          </a:p>
+          <a:p>
+            <a:pPr marL="342900" indent="-342900">
+              <a:buFont typeface="Arial" panose="020B0604020202020204" pitchFamily="34" charset="0"/>
+              <a:buChar char="•"/>
+            </a:pPr>
+            <a:endParaRPr lang="pt-PT" sz="2400" dirty="0"/>
+          </a:p>
+          <a:p>
+            <a:pPr marL="342900" indent="-342900">
+              <a:buFont typeface="Arial" panose="020B0604020202020204" pitchFamily="34" charset="0"/>
+              <a:buChar char="•"/>
+            </a:pPr>
+            <a:r>
+              <a:rPr lang="pt-PT" sz="2400" dirty="0" err="1" smtClean="0"/>
+              <a:t>PLCs</a:t>
+            </a:r>
+            <a:r>
+              <a:rPr lang="pt-PT" sz="2400" dirty="0" smtClean="0"/>
+              <a:t> </a:t>
+            </a:r>
+            <a:r>
+              <a:rPr lang="pt-PT" sz="2400" dirty="0" err="1" smtClean="0"/>
+              <a:t>Twincat</a:t>
+            </a:r>
+            <a:r>
+              <a:rPr lang="pt-PT" sz="2400" dirty="0" smtClean="0"/>
+              <a:t>, página web com </a:t>
+            </a:r>
+            <a:r>
+              <a:rPr lang="pt-PT" sz="2400" dirty="0" err="1" smtClean="0"/>
+              <a:t>plugin</a:t>
+            </a:r>
+            <a:r>
+              <a:rPr lang="pt-PT" sz="2400" dirty="0" smtClean="0"/>
+              <a:t> </a:t>
+            </a:r>
+            <a:r>
+              <a:rPr lang="pt-PT" sz="2400" dirty="0" err="1" smtClean="0"/>
+              <a:t>Easy</a:t>
+            </a:r>
+            <a:r>
+              <a:rPr lang="pt-PT" sz="2400" dirty="0" smtClean="0"/>
+              <a:t> </a:t>
+            </a:r>
+            <a:r>
+              <a:rPr lang="pt-PT" sz="2400" dirty="0" err="1" smtClean="0"/>
+              <a:t>Javascript</a:t>
+            </a:r>
+            <a:r>
+              <a:rPr lang="pt-PT" sz="2400" dirty="0" smtClean="0"/>
+              <a:t> </a:t>
+            </a:r>
+            <a:r>
+              <a:rPr lang="pt-PT" sz="2400" dirty="0" err="1" smtClean="0"/>
+              <a:t>Simulations</a:t>
+            </a:r>
+            <a:r>
+              <a:rPr lang="pt-PT" sz="2400" dirty="0" smtClean="0"/>
+              <a:t> e Node.js para servidor web no laboratório</a:t>
+            </a:r>
+          </a:p>
+          <a:p>
+            <a:pPr marL="342900" indent="-342900">
+              <a:buFont typeface="Arial" panose="020B0604020202020204" pitchFamily="34" charset="0"/>
+              <a:buChar char="•"/>
+            </a:pPr>
+            <a:endParaRPr lang="pt-PT" sz="2400" dirty="0"/>
+          </a:p>
+          <a:p>
+            <a:pPr marL="342900" indent="-342900">
+              <a:buFont typeface="Arial" panose="020B0604020202020204" pitchFamily="34" charset="0"/>
+              <a:buChar char="•"/>
+            </a:pPr>
+            <a:r>
+              <a:rPr lang="pt-PT" sz="2400" dirty="0" smtClean="0"/>
+              <a:t>Monitorização de dados em tempo real</a:t>
+            </a:r>
+          </a:p>
+          <a:p>
+            <a:pPr marL="342900" indent="-342900">
+              <a:buFont typeface="Arial" panose="020B0604020202020204" pitchFamily="34" charset="0"/>
+              <a:buChar char="•"/>
+            </a:pPr>
+            <a:endParaRPr lang="pt-PT" sz="2400" dirty="0" smtClean="0"/>
+          </a:p>
+          <a:p>
+            <a:pPr marL="342900" indent="-342900">
+              <a:buFont typeface="Arial" panose="020B0604020202020204" pitchFamily="34" charset="0"/>
+              <a:buChar char="•"/>
+            </a:pPr>
+            <a:r>
+              <a:rPr lang="pt-PT" sz="2400" dirty="0" smtClean="0"/>
+              <a:t>Monitorização</a:t>
+            </a:r>
+            <a:r>
+              <a:rPr lang="pt-PT" sz="2400" dirty="0" smtClean="0"/>
+              <a:t> visual em tempo real através de câmara</a:t>
+            </a:r>
+          </a:p>
+          <a:p>
+            <a:pPr marL="342900" indent="-342900">
+              <a:buFont typeface="Arial" panose="020B0604020202020204" pitchFamily="34" charset="0"/>
+              <a:buChar char="•"/>
+            </a:pPr>
+            <a:endParaRPr lang="pt-PT" sz="2400" dirty="0"/>
+          </a:p>
+          <a:p>
+            <a:pPr marL="342900" indent="-342900">
+              <a:buFont typeface="Arial" panose="020B0604020202020204" pitchFamily="34" charset="0"/>
+              <a:buChar char="•"/>
+            </a:pPr>
+            <a:endParaRPr lang="pt-PT" sz="2400" dirty="0" smtClean="0"/>
+          </a:p>
+          <a:p>
+            <a:pPr marL="342900" indent="-342900">
+              <a:buFont typeface="Arial" panose="020B0604020202020204" pitchFamily="34" charset="0"/>
+              <a:buChar char="•"/>
+            </a:pPr>
+            <a:endParaRPr lang="pt-PT" sz="2400" dirty="0" smtClean="0"/>
+          </a:p>
+          <a:p>
+            <a:endParaRPr lang="pt-PT" sz="2400" dirty="0" smtClean="0"/>
+          </a:p>
+          <a:p>
+            <a:pPr marL="342900" indent="-342900">
+              <a:buFont typeface="Arial" panose="020B0604020202020204" pitchFamily="34" charset="0"/>
+              <a:buChar char="•"/>
+            </a:pPr>
+            <a:endParaRPr lang="pt-PT" sz="2400" dirty="0" smtClean="0"/>
+          </a:p>
+          <a:p>
+            <a:pPr marL="342900" indent="-342900">
+              <a:buFont typeface="Arial" panose="020B0604020202020204" pitchFamily="34" charset="0"/>
+              <a:buChar char="•"/>
+            </a:pPr>
+            <a:endParaRPr lang="pt-PT" sz="2400" dirty="0" smtClean="0"/>
+          </a:p>
+          <a:p>
+            <a:pPr marL="342900" indent="-342900">
+              <a:buFont typeface="Arial" panose="020B0604020202020204" pitchFamily="34" charset="0"/>
+              <a:buChar char="•"/>
+            </a:pPr>
+            <a:endParaRPr lang="pt-PT" sz="2400" dirty="0"/>
+          </a:p>
+          <a:p>
+            <a:pPr marL="342900" indent="-342900">
+              <a:buFont typeface="Arial" panose="020B0604020202020204" pitchFamily="34" charset="0"/>
+              <a:buChar char="•"/>
+            </a:pPr>
+            <a:endParaRPr lang="pt-PT" sz="2400" dirty="0" smtClean="0"/>
+          </a:p>
+          <a:p>
+            <a:pPr marL="342900" indent="-342900">
+              <a:buFont typeface="Arial" panose="020B0604020202020204" pitchFamily="34" charset="0"/>
+              <a:buChar char="•"/>
+            </a:pPr>
+            <a:endParaRPr lang="pt-PT" sz="2400" dirty="0" smtClean="0"/>
+          </a:p>
+          <a:p>
+            <a:pPr marL="342900" indent="-342900">
+              <a:buFont typeface="Arial" panose="020B0604020202020204" pitchFamily="34" charset="0"/>
+              <a:buChar char="•"/>
+            </a:pPr>
+            <a:endParaRPr lang="pt-PT" sz="2400" dirty="0" smtClean="0"/>
+          </a:p>
+          <a:p>
+            <a:pPr marL="342900" indent="-342900">
+              <a:buFont typeface="Arial" panose="020B0604020202020204" pitchFamily="34" charset="0"/>
+              <a:buChar char="•"/>
+            </a:pPr>
+            <a:endParaRPr lang="pt-PT" sz="2400" dirty="0" smtClean="0"/>
+          </a:p>
+          <a:p>
+            <a:pPr marL="342900" indent="-342900">
+              <a:buFont typeface="Arial" panose="020B0604020202020204" pitchFamily="34" charset="0"/>
+              <a:buChar char="•"/>
+            </a:pPr>
+            <a:endParaRPr lang="pt-PT" sz="2400" dirty="0"/>
+          </a:p>
+          <a:p>
+            <a:pPr marL="342900" indent="-342900">
+              <a:buFont typeface="Arial" panose="020B0604020202020204" pitchFamily="34" charset="0"/>
+              <a:buChar char="•"/>
+            </a:pPr>
+            <a:endParaRPr lang="pt-PT" sz="2400" dirty="0" smtClean="0"/>
+          </a:p>
+        </p:txBody>
+      </p:sp>
+      <p:sp>
+        <p:nvSpPr>
+          <p:cNvPr id="2" name="Slide Number Placeholder 1"/>
+          <p:cNvSpPr>
+            <a:spLocks noGrp="1"/>
+          </p:cNvSpPr>
+          <p:nvPr>
+            <p:ph type="sldNum" sz="quarter" idx="12"/>
+          </p:nvPr>
+        </p:nvSpPr>
+        <p:spPr/>
+        <p:txBody>
+          <a:bodyPr/>
+          <a:lstStyle/>
+          <a:p>
+            <a:fld id="{422D536B-584E-486B-9435-086987A3D916}" type="slidenum">
+              <a:rPr lang="pt-PT" smtClean="0"/>
+              <a:t>13</a:t>
+            </a:fld>
+            <a:endParaRPr lang="pt-PT" dirty="0"/>
+          </a:p>
+        </p:txBody>
+      </p:sp>
+      <p:sp>
+        <p:nvSpPr>
+          <p:cNvPr id="6" name="Slide Number Placeholder 5"/>
+          <p:cNvSpPr txBox="1">
+            <a:spLocks/>
+          </p:cNvSpPr>
+          <p:nvPr/>
+        </p:nvSpPr>
+        <p:spPr>
+          <a:xfrm>
+            <a:off x="0" y="6464982"/>
+            <a:ext cx="475129" cy="365125"/>
+          </a:xfrm>
+          <a:prstGeom prst="rect">
+            <a:avLst/>
+          </a:prstGeom>
+        </p:spPr>
+        <p:txBody>
+          <a:bodyPr vert="horz" lIns="91440" tIns="45720" rIns="91440" bIns="45720" rtlCol="0" anchor="ctr"/>
+          <a:lstStyle>
+            <a:defPPr>
+              <a:defRPr lang="en-US"/>
+            </a:defPPr>
+            <a:lvl1pPr marL="0" algn="r" defTabSz="457200" rtl="0" eaLnBrk="1" latinLnBrk="0" hangingPunct="1">
+              <a:defRPr sz="1050" kern="1200">
+                <a:solidFill>
+                  <a:srgbClr val="FFFFFF"/>
+                </a:solidFill>
+                <a:latin typeface="+mn-lt"/>
+                <a:ea typeface="+mn-ea"/>
+                <a:cs typeface="+mn-cs"/>
+              </a:defRPr>
+            </a:lvl1pPr>
+            <a:lvl2pPr marL="457200" algn="l" defTabSz="457200" rtl="0" eaLnBrk="1" latinLnBrk="0" hangingPunct="1">
+              <a:defRPr sz="1800" kern="1200">
+                <a:solidFill>
+                  <a:schemeClr val="tx1"/>
+                </a:solidFill>
+                <a:latin typeface="+mn-lt"/>
+                <a:ea typeface="+mn-ea"/>
+                <a:cs typeface="+mn-cs"/>
+              </a:defRPr>
+            </a:lvl2pPr>
+            <a:lvl3pPr marL="914400" algn="l" defTabSz="457200" rtl="0" eaLnBrk="1" latinLnBrk="0" hangingPunct="1">
+              <a:defRPr sz="1800" kern="1200">
+                <a:solidFill>
+                  <a:schemeClr val="tx1"/>
+                </a:solidFill>
+                <a:latin typeface="+mn-lt"/>
+                <a:ea typeface="+mn-ea"/>
+                <a:cs typeface="+mn-cs"/>
+              </a:defRPr>
+            </a:lvl3pPr>
+            <a:lvl4pPr marL="1371600" algn="l" defTabSz="457200" rtl="0" eaLnBrk="1" latinLnBrk="0" hangingPunct="1">
+              <a:defRPr sz="1800" kern="1200">
+                <a:solidFill>
+                  <a:schemeClr val="tx1"/>
+                </a:solidFill>
+                <a:latin typeface="+mn-lt"/>
+                <a:ea typeface="+mn-ea"/>
+                <a:cs typeface="+mn-cs"/>
+              </a:defRPr>
+            </a:lvl4pPr>
+            <a:lvl5pPr marL="1828800" algn="l" defTabSz="457200" rtl="0" eaLnBrk="1" latinLnBrk="0" hangingPunct="1">
+              <a:defRPr sz="1800" kern="1200">
+                <a:solidFill>
+                  <a:schemeClr val="tx1"/>
+                </a:solidFill>
+                <a:latin typeface="+mn-lt"/>
+                <a:ea typeface="+mn-ea"/>
+                <a:cs typeface="+mn-cs"/>
+              </a:defRPr>
+            </a:lvl5pPr>
+            <a:lvl6pPr marL="2286000" algn="l" defTabSz="457200" rtl="0" eaLnBrk="1" latinLnBrk="0" hangingPunct="1">
+              <a:defRPr sz="1800" kern="1200">
+                <a:solidFill>
+                  <a:schemeClr val="tx1"/>
+                </a:solidFill>
+                <a:latin typeface="+mn-lt"/>
+                <a:ea typeface="+mn-ea"/>
+                <a:cs typeface="+mn-cs"/>
+              </a:defRPr>
+            </a:lvl6pPr>
+            <a:lvl7pPr marL="2743200" algn="l" defTabSz="457200" rtl="0" eaLnBrk="1" latinLnBrk="0" hangingPunct="1">
+              <a:defRPr sz="1800" kern="1200">
+                <a:solidFill>
+                  <a:schemeClr val="tx1"/>
+                </a:solidFill>
+                <a:latin typeface="+mn-lt"/>
+                <a:ea typeface="+mn-ea"/>
+                <a:cs typeface="+mn-cs"/>
+              </a:defRPr>
+            </a:lvl7pPr>
+            <a:lvl8pPr marL="3200400" algn="l" defTabSz="457200" rtl="0" eaLnBrk="1" latinLnBrk="0" hangingPunct="1">
+              <a:defRPr sz="1800" kern="1200">
+                <a:solidFill>
+                  <a:schemeClr val="tx1"/>
+                </a:solidFill>
+                <a:latin typeface="+mn-lt"/>
+                <a:ea typeface="+mn-ea"/>
+                <a:cs typeface="+mn-cs"/>
+              </a:defRPr>
+            </a:lvl8pPr>
+            <a:lvl9pPr marL="3657600" algn="l" defTabSz="457200" rtl="0" eaLnBrk="1" latinLnBrk="0" hangingPunct="1">
+              <a:defRPr sz="1800" kern="1200">
+                <a:solidFill>
+                  <a:schemeClr val="tx1"/>
+                </a:solidFill>
+                <a:latin typeface="+mn-lt"/>
+                <a:ea typeface="+mn-ea"/>
+                <a:cs typeface="+mn-cs"/>
+              </a:defRPr>
+            </a:lvl9pPr>
+          </a:lstStyle>
+          <a:p>
+            <a:r>
+              <a:rPr lang="pt-PT" dirty="0" smtClean="0"/>
+              <a:t>IPVC</a:t>
+            </a:r>
+            <a:endParaRPr lang="pt-PT" dirty="0"/>
+          </a:p>
+        </p:txBody>
+      </p:sp>
+      <p:pic>
+        <p:nvPicPr>
+          <p:cNvPr id="9" name="Picture 4"/>
+          <p:cNvPicPr>
+            <a:picLocks noChangeAspect="1"/>
+          </p:cNvPicPr>
+          <p:nvPr/>
+        </p:nvPicPr>
+        <p:blipFill>
+          <a:blip r:embed="rId2" cstate="print">
+            <a:extLst>
+              <a:ext uri="{28A0092B-C50C-407E-A947-70E740481C1C}">
+                <a14:useLocalDpi xmlns:a14="http://schemas.microsoft.com/office/drawing/2010/main" val="0"/>
+              </a:ext>
+            </a:extLst>
+          </a:blip>
+          <a:stretch>
+            <a:fillRect/>
+          </a:stretch>
+        </p:blipFill>
+        <p:spPr>
+          <a:xfrm>
+            <a:off x="10468855" y="300496"/>
+            <a:ext cx="1373649" cy="916911"/>
+          </a:xfrm>
+          <a:prstGeom prst="rect">
+            <a:avLst/>
+          </a:prstGeom>
+        </p:spPr>
+      </p:pic>
+      <p:sp>
+        <p:nvSpPr>
+          <p:cNvPr id="10" name="Slide Number Placeholder 5"/>
+          <p:cNvSpPr txBox="1">
+            <a:spLocks/>
+          </p:cNvSpPr>
+          <p:nvPr/>
+        </p:nvSpPr>
+        <p:spPr>
+          <a:xfrm>
+            <a:off x="3908571" y="6492875"/>
+            <a:ext cx="4435818" cy="365125"/>
+          </a:xfrm>
+          <a:prstGeom prst="rect">
+            <a:avLst/>
+          </a:prstGeom>
+        </p:spPr>
+        <p:txBody>
+          <a:bodyPr vert="horz" lIns="91440" tIns="45720" rIns="91440" bIns="45720" rtlCol="0" anchor="ctr"/>
+          <a:lstStyle>
+            <a:defPPr>
+              <a:defRPr lang="en-US"/>
+            </a:defPPr>
+            <a:lvl1pPr marL="0" algn="r" defTabSz="457200" rtl="0" eaLnBrk="1" latinLnBrk="0" hangingPunct="1">
+              <a:defRPr sz="1050" kern="1200">
+                <a:solidFill>
+                  <a:srgbClr val="FFFFFF"/>
+                </a:solidFill>
+                <a:latin typeface="+mn-lt"/>
+                <a:ea typeface="+mn-ea"/>
+                <a:cs typeface="+mn-cs"/>
+              </a:defRPr>
+            </a:lvl1pPr>
+            <a:lvl2pPr marL="457200" algn="l" defTabSz="457200" rtl="0" eaLnBrk="1" latinLnBrk="0" hangingPunct="1">
+              <a:defRPr sz="1800" kern="1200">
+                <a:solidFill>
+                  <a:schemeClr val="tx1"/>
+                </a:solidFill>
+                <a:latin typeface="+mn-lt"/>
+                <a:ea typeface="+mn-ea"/>
+                <a:cs typeface="+mn-cs"/>
+              </a:defRPr>
+            </a:lvl2pPr>
+            <a:lvl3pPr marL="914400" algn="l" defTabSz="457200" rtl="0" eaLnBrk="1" latinLnBrk="0" hangingPunct="1">
+              <a:defRPr sz="1800" kern="1200">
+                <a:solidFill>
+                  <a:schemeClr val="tx1"/>
+                </a:solidFill>
+                <a:latin typeface="+mn-lt"/>
+                <a:ea typeface="+mn-ea"/>
+                <a:cs typeface="+mn-cs"/>
+              </a:defRPr>
+            </a:lvl3pPr>
+            <a:lvl4pPr marL="1371600" algn="l" defTabSz="457200" rtl="0" eaLnBrk="1" latinLnBrk="0" hangingPunct="1">
+              <a:defRPr sz="1800" kern="1200">
+                <a:solidFill>
+                  <a:schemeClr val="tx1"/>
+                </a:solidFill>
+                <a:latin typeface="+mn-lt"/>
+                <a:ea typeface="+mn-ea"/>
+                <a:cs typeface="+mn-cs"/>
+              </a:defRPr>
+            </a:lvl4pPr>
+            <a:lvl5pPr marL="1828800" algn="l" defTabSz="457200" rtl="0" eaLnBrk="1" latinLnBrk="0" hangingPunct="1">
+              <a:defRPr sz="1800" kern="1200">
+                <a:solidFill>
+                  <a:schemeClr val="tx1"/>
+                </a:solidFill>
+                <a:latin typeface="+mn-lt"/>
+                <a:ea typeface="+mn-ea"/>
+                <a:cs typeface="+mn-cs"/>
+              </a:defRPr>
+            </a:lvl5pPr>
+            <a:lvl6pPr marL="2286000" algn="l" defTabSz="457200" rtl="0" eaLnBrk="1" latinLnBrk="0" hangingPunct="1">
+              <a:defRPr sz="1800" kern="1200">
+                <a:solidFill>
+                  <a:schemeClr val="tx1"/>
+                </a:solidFill>
+                <a:latin typeface="+mn-lt"/>
+                <a:ea typeface="+mn-ea"/>
+                <a:cs typeface="+mn-cs"/>
+              </a:defRPr>
+            </a:lvl6pPr>
+            <a:lvl7pPr marL="2743200" algn="l" defTabSz="457200" rtl="0" eaLnBrk="1" latinLnBrk="0" hangingPunct="1">
+              <a:defRPr sz="1800" kern="1200">
+                <a:solidFill>
+                  <a:schemeClr val="tx1"/>
+                </a:solidFill>
+                <a:latin typeface="+mn-lt"/>
+                <a:ea typeface="+mn-ea"/>
+                <a:cs typeface="+mn-cs"/>
+              </a:defRPr>
+            </a:lvl7pPr>
+            <a:lvl8pPr marL="3200400" algn="l" defTabSz="457200" rtl="0" eaLnBrk="1" latinLnBrk="0" hangingPunct="1">
+              <a:defRPr sz="1800" kern="1200">
+                <a:solidFill>
+                  <a:schemeClr val="tx1"/>
+                </a:solidFill>
+                <a:latin typeface="+mn-lt"/>
+                <a:ea typeface="+mn-ea"/>
+                <a:cs typeface="+mn-cs"/>
+              </a:defRPr>
+            </a:lvl8pPr>
+            <a:lvl9pPr marL="3657600" algn="l" defTabSz="457200" rtl="0" eaLnBrk="1" latinLnBrk="0" hangingPunct="1">
+              <a:defRPr sz="1800" kern="1200">
+                <a:solidFill>
+                  <a:schemeClr val="tx1"/>
+                </a:solidFill>
+                <a:latin typeface="+mn-lt"/>
+                <a:ea typeface="+mn-ea"/>
+                <a:cs typeface="+mn-cs"/>
+              </a:defRPr>
+            </a:lvl9pPr>
+          </a:lstStyle>
+          <a:p>
+            <a:pPr algn="ctr"/>
+            <a:r>
+              <a:rPr lang="pt-PT" sz="1600" b="1" dirty="0" smtClean="0"/>
+              <a:t>HMI para Fabrico Aditivo – Estado da Arte</a:t>
+            </a:r>
+            <a:endParaRPr lang="pt-PT" sz="1600" b="1" dirty="0"/>
+          </a:p>
+        </p:txBody>
+      </p:sp>
+    </p:spTree>
+    <p:extLst>
+      <p:ext uri="{BB962C8B-B14F-4D97-AF65-F5344CB8AC3E}">
+        <p14:creationId xmlns:p14="http://schemas.microsoft.com/office/powerpoint/2010/main" val="108266854"/>
+      </p:ext>
+    </p:extLst>
+  </p:cSld>
+  <p:clrMapOvr>
+    <a:masterClrMapping/>
+  </p:clrMapOvr>
+</p:sld>
+</file>
+
+<file path=ppt/slides/slide14.xml><?xml version="1.0" encoding="utf-8"?>
+<p:sld xmlns:a="http://schemas.openxmlformats.org/drawingml/2006/main" xmlns:r="http://schemas.openxmlformats.org/officeDocument/2006/relationships" xmlns:p="http://schemas.openxmlformats.org/presentationml/2006/main">
+  <p:cSld>
+    <p:spTree>
+      <p:nvGrpSpPr>
+        <p:cNvPr id="1" name=""/>
+        <p:cNvGrpSpPr/>
+        <p:nvPr/>
+      </p:nvGrpSpPr>
+      <p:grpSpPr>
+        <a:xfrm>
+          <a:off x="0" y="0"/>
+          <a:ext cx="0" cy="0"/>
+          <a:chOff x="0" y="0"/>
+          <a:chExt cx="0" cy="0"/>
+        </a:xfrm>
+      </p:grpSpPr>
+      <p:sp>
+        <p:nvSpPr>
+          <p:cNvPr id="7" name="TextBox 6"/>
+          <p:cNvSpPr txBox="1"/>
+          <p:nvPr/>
+        </p:nvSpPr>
+        <p:spPr>
+          <a:xfrm>
+            <a:off x="445000" y="166025"/>
+            <a:ext cx="11747000" cy="6124754"/>
+          </a:xfrm>
+          <a:prstGeom prst="rect">
+            <a:avLst/>
+          </a:prstGeom>
+          <a:noFill/>
+        </p:spPr>
+        <p:txBody>
+          <a:bodyPr wrap="square" rtlCol="0">
+            <a:spAutoFit/>
+          </a:bodyPr>
+          <a:lstStyle/>
+          <a:p>
+            <a:r>
+              <a:rPr lang="pt-PT" sz="3200" b="1" dirty="0" smtClean="0"/>
+              <a:t>Sistemas Web-</a:t>
+            </a:r>
+            <a:r>
+              <a:rPr lang="pt-PT" sz="3200" b="1" dirty="0" err="1" smtClean="0"/>
+              <a:t>Based</a:t>
+            </a:r>
+            <a:r>
+              <a:rPr lang="pt-PT" sz="3200" b="1" dirty="0" smtClean="0"/>
+              <a:t> para Controlo e Automação</a:t>
+            </a:r>
+          </a:p>
+          <a:p>
+            <a:pPr marL="342900" indent="-342900">
+              <a:buFont typeface="Arial" panose="020B0604020202020204" pitchFamily="34" charset="0"/>
+              <a:buChar char="•"/>
+            </a:pPr>
+            <a:endParaRPr lang="pt-PT" sz="2400" dirty="0" smtClean="0"/>
+          </a:p>
+          <a:p>
+            <a:pPr marL="342900" indent="-342900">
+              <a:buFont typeface="Arial" panose="020B0604020202020204" pitchFamily="34" charset="0"/>
+              <a:buChar char="•"/>
+            </a:pPr>
+            <a:endParaRPr lang="en-US" sz="2400" dirty="0" smtClean="0"/>
+          </a:p>
+          <a:p>
+            <a:endParaRPr lang="pt-PT" sz="2400" dirty="0"/>
+          </a:p>
+          <a:p>
+            <a:pPr marL="342900" indent="-342900">
+              <a:buFont typeface="Arial" panose="020B0604020202020204" pitchFamily="34" charset="0"/>
+              <a:buChar char="•"/>
+            </a:pPr>
+            <a:endParaRPr lang="pt-PT" sz="2400" dirty="0" smtClean="0"/>
+          </a:p>
+          <a:p>
+            <a:pPr marL="342900" indent="-342900">
+              <a:buFont typeface="Arial" panose="020B0604020202020204" pitchFamily="34" charset="0"/>
+              <a:buChar char="•"/>
+            </a:pPr>
+            <a:endParaRPr lang="pt-PT" sz="2400" dirty="0" smtClean="0"/>
+          </a:p>
+          <a:p>
+            <a:endParaRPr lang="pt-PT" sz="2400" dirty="0" smtClean="0"/>
+          </a:p>
+          <a:p>
+            <a:pPr marL="342900" indent="-342900">
+              <a:buFont typeface="Arial" panose="020B0604020202020204" pitchFamily="34" charset="0"/>
+              <a:buChar char="•"/>
+            </a:pPr>
+            <a:endParaRPr lang="pt-PT" sz="2400" dirty="0" smtClean="0"/>
+          </a:p>
+          <a:p>
+            <a:pPr marL="342900" indent="-342900">
+              <a:buFont typeface="Arial" panose="020B0604020202020204" pitchFamily="34" charset="0"/>
+              <a:buChar char="•"/>
+            </a:pPr>
+            <a:endParaRPr lang="pt-PT" sz="2400" dirty="0" smtClean="0"/>
+          </a:p>
+          <a:p>
+            <a:pPr marL="342900" indent="-342900">
+              <a:buFont typeface="Arial" panose="020B0604020202020204" pitchFamily="34" charset="0"/>
+              <a:buChar char="•"/>
+            </a:pPr>
+            <a:endParaRPr lang="pt-PT" sz="2400" dirty="0"/>
+          </a:p>
+          <a:p>
+            <a:pPr marL="342900" indent="-342900">
+              <a:buFont typeface="Arial" panose="020B0604020202020204" pitchFamily="34" charset="0"/>
+              <a:buChar char="•"/>
+            </a:pPr>
+            <a:endParaRPr lang="pt-PT" sz="2400" dirty="0" smtClean="0"/>
+          </a:p>
+          <a:p>
+            <a:pPr marL="342900" indent="-342900">
+              <a:buFont typeface="Arial" panose="020B0604020202020204" pitchFamily="34" charset="0"/>
+              <a:buChar char="•"/>
+            </a:pPr>
+            <a:endParaRPr lang="pt-PT" sz="2400" dirty="0" smtClean="0"/>
+          </a:p>
+          <a:p>
+            <a:pPr marL="342900" indent="-342900">
+              <a:buFont typeface="Arial" panose="020B0604020202020204" pitchFamily="34" charset="0"/>
+              <a:buChar char="•"/>
+            </a:pPr>
+            <a:endParaRPr lang="pt-PT" sz="2400" dirty="0" smtClean="0"/>
+          </a:p>
+          <a:p>
+            <a:pPr marL="342900" indent="-342900">
+              <a:buFont typeface="Arial" panose="020B0604020202020204" pitchFamily="34" charset="0"/>
+              <a:buChar char="•"/>
+            </a:pPr>
+            <a:endParaRPr lang="pt-PT" sz="2400" dirty="0" smtClean="0"/>
+          </a:p>
+          <a:p>
+            <a:pPr marL="342900" indent="-342900">
+              <a:buFont typeface="Arial" panose="020B0604020202020204" pitchFamily="34" charset="0"/>
+              <a:buChar char="•"/>
+            </a:pPr>
+            <a:endParaRPr lang="pt-PT" sz="2400" dirty="0"/>
+          </a:p>
+          <a:p>
+            <a:pPr marL="342900" indent="-342900">
+              <a:buFont typeface="Arial" panose="020B0604020202020204" pitchFamily="34" charset="0"/>
+              <a:buChar char="•"/>
+            </a:pPr>
+            <a:endParaRPr lang="pt-PT" sz="2400" dirty="0" smtClean="0"/>
+          </a:p>
+        </p:txBody>
+      </p:sp>
+      <p:sp>
+        <p:nvSpPr>
+          <p:cNvPr id="2" name="Slide Number Placeholder 1"/>
+          <p:cNvSpPr>
+            <a:spLocks noGrp="1"/>
+          </p:cNvSpPr>
+          <p:nvPr>
+            <p:ph type="sldNum" sz="quarter" idx="12"/>
+          </p:nvPr>
+        </p:nvSpPr>
+        <p:spPr/>
+        <p:txBody>
+          <a:bodyPr/>
+          <a:lstStyle/>
+          <a:p>
+            <a:fld id="{422D536B-584E-486B-9435-086987A3D916}" type="slidenum">
+              <a:rPr lang="pt-PT" smtClean="0"/>
+              <a:t>14</a:t>
+            </a:fld>
+            <a:endParaRPr lang="pt-PT" dirty="0"/>
+          </a:p>
+        </p:txBody>
+      </p:sp>
+      <p:sp>
+        <p:nvSpPr>
+          <p:cNvPr id="6" name="Slide Number Placeholder 5"/>
+          <p:cNvSpPr txBox="1">
+            <a:spLocks/>
+          </p:cNvSpPr>
+          <p:nvPr/>
+        </p:nvSpPr>
+        <p:spPr>
+          <a:xfrm>
+            <a:off x="0" y="6464982"/>
+            <a:ext cx="475129" cy="365125"/>
+          </a:xfrm>
+          <a:prstGeom prst="rect">
+            <a:avLst/>
+          </a:prstGeom>
+        </p:spPr>
+        <p:txBody>
+          <a:bodyPr vert="horz" lIns="91440" tIns="45720" rIns="91440" bIns="45720" rtlCol="0" anchor="ctr"/>
+          <a:lstStyle>
+            <a:defPPr>
+              <a:defRPr lang="en-US"/>
+            </a:defPPr>
+            <a:lvl1pPr marL="0" algn="r" defTabSz="457200" rtl="0" eaLnBrk="1" latinLnBrk="0" hangingPunct="1">
+              <a:defRPr sz="1050" kern="1200">
+                <a:solidFill>
+                  <a:srgbClr val="FFFFFF"/>
+                </a:solidFill>
+                <a:latin typeface="+mn-lt"/>
+                <a:ea typeface="+mn-ea"/>
+                <a:cs typeface="+mn-cs"/>
+              </a:defRPr>
+            </a:lvl1pPr>
+            <a:lvl2pPr marL="457200" algn="l" defTabSz="457200" rtl="0" eaLnBrk="1" latinLnBrk="0" hangingPunct="1">
+              <a:defRPr sz="1800" kern="1200">
+                <a:solidFill>
+                  <a:schemeClr val="tx1"/>
+                </a:solidFill>
+                <a:latin typeface="+mn-lt"/>
+                <a:ea typeface="+mn-ea"/>
+                <a:cs typeface="+mn-cs"/>
+              </a:defRPr>
+            </a:lvl2pPr>
+            <a:lvl3pPr marL="914400" algn="l" defTabSz="457200" rtl="0" eaLnBrk="1" latinLnBrk="0" hangingPunct="1">
+              <a:defRPr sz="1800" kern="1200">
+                <a:solidFill>
+                  <a:schemeClr val="tx1"/>
+                </a:solidFill>
+                <a:latin typeface="+mn-lt"/>
+                <a:ea typeface="+mn-ea"/>
+                <a:cs typeface="+mn-cs"/>
+              </a:defRPr>
+            </a:lvl3pPr>
+            <a:lvl4pPr marL="1371600" algn="l" defTabSz="457200" rtl="0" eaLnBrk="1" latinLnBrk="0" hangingPunct="1">
+              <a:defRPr sz="1800" kern="1200">
+                <a:solidFill>
+                  <a:schemeClr val="tx1"/>
+                </a:solidFill>
+                <a:latin typeface="+mn-lt"/>
+                <a:ea typeface="+mn-ea"/>
+                <a:cs typeface="+mn-cs"/>
+              </a:defRPr>
+            </a:lvl4pPr>
+            <a:lvl5pPr marL="1828800" algn="l" defTabSz="457200" rtl="0" eaLnBrk="1" latinLnBrk="0" hangingPunct="1">
+              <a:defRPr sz="1800" kern="1200">
+                <a:solidFill>
+                  <a:schemeClr val="tx1"/>
+                </a:solidFill>
+                <a:latin typeface="+mn-lt"/>
+                <a:ea typeface="+mn-ea"/>
+                <a:cs typeface="+mn-cs"/>
+              </a:defRPr>
+            </a:lvl5pPr>
+            <a:lvl6pPr marL="2286000" algn="l" defTabSz="457200" rtl="0" eaLnBrk="1" latinLnBrk="0" hangingPunct="1">
+              <a:defRPr sz="1800" kern="1200">
+                <a:solidFill>
+                  <a:schemeClr val="tx1"/>
+                </a:solidFill>
+                <a:latin typeface="+mn-lt"/>
+                <a:ea typeface="+mn-ea"/>
+                <a:cs typeface="+mn-cs"/>
+              </a:defRPr>
+            </a:lvl6pPr>
+            <a:lvl7pPr marL="2743200" algn="l" defTabSz="457200" rtl="0" eaLnBrk="1" latinLnBrk="0" hangingPunct="1">
+              <a:defRPr sz="1800" kern="1200">
+                <a:solidFill>
+                  <a:schemeClr val="tx1"/>
+                </a:solidFill>
+                <a:latin typeface="+mn-lt"/>
+                <a:ea typeface="+mn-ea"/>
+                <a:cs typeface="+mn-cs"/>
+              </a:defRPr>
+            </a:lvl7pPr>
+            <a:lvl8pPr marL="3200400" algn="l" defTabSz="457200" rtl="0" eaLnBrk="1" latinLnBrk="0" hangingPunct="1">
+              <a:defRPr sz="1800" kern="1200">
+                <a:solidFill>
+                  <a:schemeClr val="tx1"/>
+                </a:solidFill>
+                <a:latin typeface="+mn-lt"/>
+                <a:ea typeface="+mn-ea"/>
+                <a:cs typeface="+mn-cs"/>
+              </a:defRPr>
+            </a:lvl8pPr>
+            <a:lvl9pPr marL="3657600" algn="l" defTabSz="457200" rtl="0" eaLnBrk="1" latinLnBrk="0" hangingPunct="1">
+              <a:defRPr sz="1800" kern="1200">
+                <a:solidFill>
+                  <a:schemeClr val="tx1"/>
+                </a:solidFill>
+                <a:latin typeface="+mn-lt"/>
+                <a:ea typeface="+mn-ea"/>
+                <a:cs typeface="+mn-cs"/>
+              </a:defRPr>
+            </a:lvl9pPr>
+          </a:lstStyle>
+          <a:p>
+            <a:r>
+              <a:rPr lang="pt-PT" dirty="0" smtClean="0"/>
+              <a:t>IPVC</a:t>
+            </a:r>
+            <a:endParaRPr lang="pt-PT" dirty="0"/>
+          </a:p>
+        </p:txBody>
+      </p:sp>
+      <p:pic>
+        <p:nvPicPr>
+          <p:cNvPr id="9" name="Picture 4"/>
+          <p:cNvPicPr>
+            <a:picLocks noChangeAspect="1"/>
+          </p:cNvPicPr>
+          <p:nvPr/>
+        </p:nvPicPr>
+        <p:blipFill>
+          <a:blip r:embed="rId2" cstate="print">
+            <a:extLst>
+              <a:ext uri="{28A0092B-C50C-407E-A947-70E740481C1C}">
+                <a14:useLocalDpi xmlns:a14="http://schemas.microsoft.com/office/drawing/2010/main" val="0"/>
+              </a:ext>
+            </a:extLst>
+          </a:blip>
+          <a:stretch>
+            <a:fillRect/>
+          </a:stretch>
+        </p:blipFill>
+        <p:spPr>
+          <a:xfrm>
+            <a:off x="10468855" y="300496"/>
+            <a:ext cx="1373649" cy="916911"/>
+          </a:xfrm>
+          <a:prstGeom prst="rect">
+            <a:avLst/>
+          </a:prstGeom>
+        </p:spPr>
+      </p:pic>
+      <p:sp>
+        <p:nvSpPr>
+          <p:cNvPr id="10" name="Slide Number Placeholder 5"/>
+          <p:cNvSpPr txBox="1">
+            <a:spLocks/>
+          </p:cNvSpPr>
+          <p:nvPr/>
+        </p:nvSpPr>
+        <p:spPr>
+          <a:xfrm>
+            <a:off x="3908571" y="6492875"/>
+            <a:ext cx="4435818" cy="365125"/>
+          </a:xfrm>
+          <a:prstGeom prst="rect">
+            <a:avLst/>
+          </a:prstGeom>
+        </p:spPr>
+        <p:txBody>
+          <a:bodyPr vert="horz" lIns="91440" tIns="45720" rIns="91440" bIns="45720" rtlCol="0" anchor="ctr"/>
+          <a:lstStyle>
+            <a:defPPr>
+              <a:defRPr lang="en-US"/>
+            </a:defPPr>
+            <a:lvl1pPr marL="0" algn="r" defTabSz="457200" rtl="0" eaLnBrk="1" latinLnBrk="0" hangingPunct="1">
+              <a:defRPr sz="1050" kern="1200">
+                <a:solidFill>
+                  <a:srgbClr val="FFFFFF"/>
+                </a:solidFill>
+                <a:latin typeface="+mn-lt"/>
+                <a:ea typeface="+mn-ea"/>
+                <a:cs typeface="+mn-cs"/>
+              </a:defRPr>
+            </a:lvl1pPr>
+            <a:lvl2pPr marL="457200" algn="l" defTabSz="457200" rtl="0" eaLnBrk="1" latinLnBrk="0" hangingPunct="1">
+              <a:defRPr sz="1800" kern="1200">
+                <a:solidFill>
+                  <a:schemeClr val="tx1"/>
+                </a:solidFill>
+                <a:latin typeface="+mn-lt"/>
+                <a:ea typeface="+mn-ea"/>
+                <a:cs typeface="+mn-cs"/>
+              </a:defRPr>
+            </a:lvl2pPr>
+            <a:lvl3pPr marL="914400" algn="l" defTabSz="457200" rtl="0" eaLnBrk="1" latinLnBrk="0" hangingPunct="1">
+              <a:defRPr sz="1800" kern="1200">
+                <a:solidFill>
+                  <a:schemeClr val="tx1"/>
+                </a:solidFill>
+                <a:latin typeface="+mn-lt"/>
+                <a:ea typeface="+mn-ea"/>
+                <a:cs typeface="+mn-cs"/>
+              </a:defRPr>
+            </a:lvl3pPr>
+            <a:lvl4pPr marL="1371600" algn="l" defTabSz="457200" rtl="0" eaLnBrk="1" latinLnBrk="0" hangingPunct="1">
+              <a:defRPr sz="1800" kern="1200">
+                <a:solidFill>
+                  <a:schemeClr val="tx1"/>
+                </a:solidFill>
+                <a:latin typeface="+mn-lt"/>
+                <a:ea typeface="+mn-ea"/>
+                <a:cs typeface="+mn-cs"/>
+              </a:defRPr>
+            </a:lvl4pPr>
+            <a:lvl5pPr marL="1828800" algn="l" defTabSz="457200" rtl="0" eaLnBrk="1" latinLnBrk="0" hangingPunct="1">
+              <a:defRPr sz="1800" kern="1200">
+                <a:solidFill>
+                  <a:schemeClr val="tx1"/>
+                </a:solidFill>
+                <a:latin typeface="+mn-lt"/>
+                <a:ea typeface="+mn-ea"/>
+                <a:cs typeface="+mn-cs"/>
+              </a:defRPr>
+            </a:lvl5pPr>
+            <a:lvl6pPr marL="2286000" algn="l" defTabSz="457200" rtl="0" eaLnBrk="1" latinLnBrk="0" hangingPunct="1">
+              <a:defRPr sz="1800" kern="1200">
+                <a:solidFill>
+                  <a:schemeClr val="tx1"/>
+                </a:solidFill>
+                <a:latin typeface="+mn-lt"/>
+                <a:ea typeface="+mn-ea"/>
+                <a:cs typeface="+mn-cs"/>
+              </a:defRPr>
+            </a:lvl6pPr>
+            <a:lvl7pPr marL="2743200" algn="l" defTabSz="457200" rtl="0" eaLnBrk="1" latinLnBrk="0" hangingPunct="1">
+              <a:defRPr sz="1800" kern="1200">
+                <a:solidFill>
+                  <a:schemeClr val="tx1"/>
+                </a:solidFill>
+                <a:latin typeface="+mn-lt"/>
+                <a:ea typeface="+mn-ea"/>
+                <a:cs typeface="+mn-cs"/>
+              </a:defRPr>
+            </a:lvl7pPr>
+            <a:lvl8pPr marL="3200400" algn="l" defTabSz="457200" rtl="0" eaLnBrk="1" latinLnBrk="0" hangingPunct="1">
+              <a:defRPr sz="1800" kern="1200">
+                <a:solidFill>
+                  <a:schemeClr val="tx1"/>
+                </a:solidFill>
+                <a:latin typeface="+mn-lt"/>
+                <a:ea typeface="+mn-ea"/>
+                <a:cs typeface="+mn-cs"/>
+              </a:defRPr>
+            </a:lvl8pPr>
+            <a:lvl9pPr marL="3657600" algn="l" defTabSz="457200" rtl="0" eaLnBrk="1" latinLnBrk="0" hangingPunct="1">
+              <a:defRPr sz="1800" kern="1200">
+                <a:solidFill>
+                  <a:schemeClr val="tx1"/>
+                </a:solidFill>
+                <a:latin typeface="+mn-lt"/>
+                <a:ea typeface="+mn-ea"/>
+                <a:cs typeface="+mn-cs"/>
+              </a:defRPr>
+            </a:lvl9pPr>
+          </a:lstStyle>
+          <a:p>
+            <a:pPr algn="ctr"/>
+            <a:r>
+              <a:rPr lang="pt-PT" sz="1600" b="1" dirty="0" smtClean="0"/>
+              <a:t>HMI para Fabrico Aditivo – Estado da Arte</a:t>
+            </a:r>
+            <a:endParaRPr lang="pt-PT" sz="1600" b="1" dirty="0"/>
+          </a:p>
+        </p:txBody>
+      </p:sp>
+      <p:pic>
+        <p:nvPicPr>
+          <p:cNvPr id="3" name="Imagem 2"/>
+          <p:cNvPicPr>
+            <a:picLocks noChangeAspect="1"/>
+          </p:cNvPicPr>
+          <p:nvPr/>
+        </p:nvPicPr>
+        <p:blipFill>
+          <a:blip r:embed="rId3">
+            <a:extLst>
+              <a:ext uri="{28A0092B-C50C-407E-A947-70E740481C1C}">
+                <a14:useLocalDpi xmlns:a14="http://schemas.microsoft.com/office/drawing/2010/main" val="0"/>
+              </a:ext>
+            </a:extLst>
+          </a:blip>
+          <a:stretch>
+            <a:fillRect/>
+          </a:stretch>
+        </p:blipFill>
+        <p:spPr>
+          <a:xfrm>
+            <a:off x="2476205" y="1052580"/>
+            <a:ext cx="8080265" cy="4575711"/>
+          </a:xfrm>
+          <a:prstGeom prst="rect">
+            <a:avLst/>
+          </a:prstGeom>
+        </p:spPr>
+      </p:pic>
+    </p:spTree>
+    <p:extLst>
+      <p:ext uri="{BB962C8B-B14F-4D97-AF65-F5344CB8AC3E}">
+        <p14:creationId xmlns:p14="http://schemas.microsoft.com/office/powerpoint/2010/main" val="3051048526"/>
+      </p:ext>
+    </p:extLst>
+  </p:cSld>
+  <p:clrMapOvr>
+    <a:masterClrMapping/>
+  </p:clrMapOvr>
+</p:sld>
+</file>
+
+<file path=ppt/slides/slide15.xml><?xml version="1.0" encoding="utf-8"?>
+<p:sld xmlns:a="http://schemas.openxmlformats.org/drawingml/2006/main" xmlns:r="http://schemas.openxmlformats.org/officeDocument/2006/relationships" xmlns:p="http://schemas.openxmlformats.org/presentationml/2006/main">
+  <p:cSld>
+    <p:spTree>
+      <p:nvGrpSpPr>
+        <p:cNvPr id="1" name=""/>
+        <p:cNvGrpSpPr/>
+        <p:nvPr/>
+      </p:nvGrpSpPr>
+      <p:grpSpPr>
+        <a:xfrm>
+          <a:off x="0" y="0"/>
+          <a:ext cx="0" cy="0"/>
+          <a:chOff x="0" y="0"/>
+          <a:chExt cx="0" cy="0"/>
+        </a:xfrm>
+      </p:grpSpPr>
+      <p:sp>
+        <p:nvSpPr>
+          <p:cNvPr id="7" name="TextBox 6"/>
+          <p:cNvSpPr txBox="1"/>
+          <p:nvPr/>
+        </p:nvSpPr>
+        <p:spPr>
+          <a:xfrm>
+            <a:off x="445000" y="166025"/>
+            <a:ext cx="11747000" cy="6124754"/>
+          </a:xfrm>
+          <a:prstGeom prst="rect">
+            <a:avLst/>
+          </a:prstGeom>
+          <a:noFill/>
+        </p:spPr>
+        <p:txBody>
+          <a:bodyPr wrap="square" rtlCol="0">
+            <a:spAutoFit/>
+          </a:bodyPr>
+          <a:lstStyle/>
+          <a:p>
+            <a:r>
+              <a:rPr lang="pt-PT" sz="3200" b="1" dirty="0" smtClean="0"/>
+              <a:t>Sistemas Web-</a:t>
+            </a:r>
+            <a:r>
+              <a:rPr lang="pt-PT" sz="3200" b="1" dirty="0" err="1" smtClean="0"/>
+              <a:t>Based</a:t>
+            </a:r>
+            <a:r>
+              <a:rPr lang="pt-PT" sz="3200" b="1" dirty="0" smtClean="0"/>
+              <a:t> para Controlo e Automação</a:t>
+            </a:r>
+          </a:p>
+          <a:p>
+            <a:pPr marL="342900" indent="-342900">
+              <a:buFont typeface="Arial" panose="020B0604020202020204" pitchFamily="34" charset="0"/>
+              <a:buChar char="•"/>
+            </a:pPr>
+            <a:endParaRPr lang="pt-PT" sz="2400" dirty="0" smtClean="0"/>
+          </a:p>
+          <a:p>
+            <a:pPr marL="342900" indent="-342900">
+              <a:buFont typeface="Arial" panose="020B0604020202020204" pitchFamily="34" charset="0"/>
+              <a:buChar char="•"/>
+            </a:pPr>
+            <a:endParaRPr lang="en-US" sz="2400" dirty="0" smtClean="0"/>
+          </a:p>
+          <a:p>
+            <a:endParaRPr lang="pt-PT" sz="2400" dirty="0"/>
+          </a:p>
+          <a:p>
+            <a:pPr marL="342900" indent="-342900">
+              <a:buFont typeface="Arial" panose="020B0604020202020204" pitchFamily="34" charset="0"/>
+              <a:buChar char="•"/>
+            </a:pPr>
+            <a:endParaRPr lang="pt-PT" sz="2400" dirty="0" smtClean="0"/>
+          </a:p>
+          <a:p>
+            <a:pPr marL="342900" indent="-342900">
+              <a:buFont typeface="Arial" panose="020B0604020202020204" pitchFamily="34" charset="0"/>
+              <a:buChar char="•"/>
+            </a:pPr>
+            <a:endParaRPr lang="pt-PT" sz="2400" dirty="0" smtClean="0"/>
+          </a:p>
+          <a:p>
+            <a:endParaRPr lang="pt-PT" sz="2400" dirty="0" smtClean="0"/>
+          </a:p>
+          <a:p>
+            <a:pPr marL="342900" indent="-342900">
+              <a:buFont typeface="Arial" panose="020B0604020202020204" pitchFamily="34" charset="0"/>
+              <a:buChar char="•"/>
+            </a:pPr>
+            <a:endParaRPr lang="pt-PT" sz="2400" dirty="0" smtClean="0"/>
+          </a:p>
+          <a:p>
+            <a:pPr marL="342900" indent="-342900">
+              <a:buFont typeface="Arial" panose="020B0604020202020204" pitchFamily="34" charset="0"/>
+              <a:buChar char="•"/>
+            </a:pPr>
+            <a:endParaRPr lang="pt-PT" sz="2400" dirty="0" smtClean="0"/>
+          </a:p>
+          <a:p>
+            <a:pPr marL="342900" indent="-342900">
+              <a:buFont typeface="Arial" panose="020B0604020202020204" pitchFamily="34" charset="0"/>
+              <a:buChar char="•"/>
+            </a:pPr>
+            <a:endParaRPr lang="pt-PT" sz="2400" dirty="0"/>
+          </a:p>
+          <a:p>
+            <a:pPr marL="342900" indent="-342900">
+              <a:buFont typeface="Arial" panose="020B0604020202020204" pitchFamily="34" charset="0"/>
+              <a:buChar char="•"/>
+            </a:pPr>
+            <a:endParaRPr lang="pt-PT" sz="2400" dirty="0" smtClean="0"/>
+          </a:p>
+          <a:p>
+            <a:pPr marL="342900" indent="-342900">
+              <a:buFont typeface="Arial" panose="020B0604020202020204" pitchFamily="34" charset="0"/>
+              <a:buChar char="•"/>
+            </a:pPr>
+            <a:endParaRPr lang="pt-PT" sz="2400" dirty="0" smtClean="0"/>
+          </a:p>
+          <a:p>
+            <a:pPr marL="342900" indent="-342900">
+              <a:buFont typeface="Arial" panose="020B0604020202020204" pitchFamily="34" charset="0"/>
+              <a:buChar char="•"/>
+            </a:pPr>
+            <a:endParaRPr lang="pt-PT" sz="2400" dirty="0" smtClean="0"/>
+          </a:p>
+          <a:p>
+            <a:pPr marL="342900" indent="-342900">
+              <a:buFont typeface="Arial" panose="020B0604020202020204" pitchFamily="34" charset="0"/>
+              <a:buChar char="•"/>
+            </a:pPr>
+            <a:endParaRPr lang="pt-PT" sz="2400" dirty="0" smtClean="0"/>
+          </a:p>
+          <a:p>
+            <a:pPr marL="342900" indent="-342900">
+              <a:buFont typeface="Arial" panose="020B0604020202020204" pitchFamily="34" charset="0"/>
+              <a:buChar char="•"/>
+            </a:pPr>
+            <a:endParaRPr lang="pt-PT" sz="2400" dirty="0"/>
+          </a:p>
+          <a:p>
+            <a:pPr marL="342900" indent="-342900">
+              <a:buFont typeface="Arial" panose="020B0604020202020204" pitchFamily="34" charset="0"/>
+              <a:buChar char="•"/>
+            </a:pPr>
+            <a:endParaRPr lang="pt-PT" sz="2400" dirty="0" smtClean="0"/>
+          </a:p>
+        </p:txBody>
+      </p:sp>
+      <p:sp>
+        <p:nvSpPr>
+          <p:cNvPr id="2" name="Slide Number Placeholder 1"/>
+          <p:cNvSpPr>
+            <a:spLocks noGrp="1"/>
+          </p:cNvSpPr>
+          <p:nvPr>
+            <p:ph type="sldNum" sz="quarter" idx="12"/>
+          </p:nvPr>
+        </p:nvSpPr>
+        <p:spPr/>
+        <p:txBody>
+          <a:bodyPr/>
+          <a:lstStyle/>
+          <a:p>
+            <a:fld id="{422D536B-584E-486B-9435-086987A3D916}" type="slidenum">
+              <a:rPr lang="pt-PT" smtClean="0"/>
+              <a:t>15</a:t>
+            </a:fld>
+            <a:endParaRPr lang="pt-PT" dirty="0"/>
+          </a:p>
+        </p:txBody>
+      </p:sp>
+      <p:sp>
+        <p:nvSpPr>
+          <p:cNvPr id="6" name="Slide Number Placeholder 5"/>
+          <p:cNvSpPr txBox="1">
+            <a:spLocks/>
+          </p:cNvSpPr>
+          <p:nvPr/>
+        </p:nvSpPr>
+        <p:spPr>
+          <a:xfrm>
+            <a:off x="0" y="6464982"/>
+            <a:ext cx="475129" cy="365125"/>
+          </a:xfrm>
+          <a:prstGeom prst="rect">
+            <a:avLst/>
+          </a:prstGeom>
+        </p:spPr>
+        <p:txBody>
+          <a:bodyPr vert="horz" lIns="91440" tIns="45720" rIns="91440" bIns="45720" rtlCol="0" anchor="ctr"/>
+          <a:lstStyle>
+            <a:defPPr>
+              <a:defRPr lang="en-US"/>
+            </a:defPPr>
+            <a:lvl1pPr marL="0" algn="r" defTabSz="457200" rtl="0" eaLnBrk="1" latinLnBrk="0" hangingPunct="1">
+              <a:defRPr sz="1050" kern="1200">
+                <a:solidFill>
+                  <a:srgbClr val="FFFFFF"/>
+                </a:solidFill>
+                <a:latin typeface="+mn-lt"/>
+                <a:ea typeface="+mn-ea"/>
+                <a:cs typeface="+mn-cs"/>
+              </a:defRPr>
+            </a:lvl1pPr>
+            <a:lvl2pPr marL="457200" algn="l" defTabSz="457200" rtl="0" eaLnBrk="1" latinLnBrk="0" hangingPunct="1">
+              <a:defRPr sz="1800" kern="1200">
+                <a:solidFill>
+                  <a:schemeClr val="tx1"/>
+                </a:solidFill>
+                <a:latin typeface="+mn-lt"/>
+                <a:ea typeface="+mn-ea"/>
+                <a:cs typeface="+mn-cs"/>
+              </a:defRPr>
+            </a:lvl2pPr>
+            <a:lvl3pPr marL="914400" algn="l" defTabSz="457200" rtl="0" eaLnBrk="1" latinLnBrk="0" hangingPunct="1">
+              <a:defRPr sz="1800" kern="1200">
+                <a:solidFill>
+                  <a:schemeClr val="tx1"/>
+                </a:solidFill>
+                <a:latin typeface="+mn-lt"/>
+                <a:ea typeface="+mn-ea"/>
+                <a:cs typeface="+mn-cs"/>
+              </a:defRPr>
+            </a:lvl3pPr>
+            <a:lvl4pPr marL="1371600" algn="l" defTabSz="457200" rtl="0" eaLnBrk="1" latinLnBrk="0" hangingPunct="1">
+              <a:defRPr sz="1800" kern="1200">
+                <a:solidFill>
+                  <a:schemeClr val="tx1"/>
+                </a:solidFill>
+                <a:latin typeface="+mn-lt"/>
+                <a:ea typeface="+mn-ea"/>
+                <a:cs typeface="+mn-cs"/>
+              </a:defRPr>
+            </a:lvl4pPr>
+            <a:lvl5pPr marL="1828800" algn="l" defTabSz="457200" rtl="0" eaLnBrk="1" latinLnBrk="0" hangingPunct="1">
+              <a:defRPr sz="1800" kern="1200">
+                <a:solidFill>
+                  <a:schemeClr val="tx1"/>
+                </a:solidFill>
+                <a:latin typeface="+mn-lt"/>
+                <a:ea typeface="+mn-ea"/>
+                <a:cs typeface="+mn-cs"/>
+              </a:defRPr>
+            </a:lvl5pPr>
+            <a:lvl6pPr marL="2286000" algn="l" defTabSz="457200" rtl="0" eaLnBrk="1" latinLnBrk="0" hangingPunct="1">
+              <a:defRPr sz="1800" kern="1200">
+                <a:solidFill>
+                  <a:schemeClr val="tx1"/>
+                </a:solidFill>
+                <a:latin typeface="+mn-lt"/>
+                <a:ea typeface="+mn-ea"/>
+                <a:cs typeface="+mn-cs"/>
+              </a:defRPr>
+            </a:lvl6pPr>
+            <a:lvl7pPr marL="2743200" algn="l" defTabSz="457200" rtl="0" eaLnBrk="1" latinLnBrk="0" hangingPunct="1">
+              <a:defRPr sz="1800" kern="1200">
+                <a:solidFill>
+                  <a:schemeClr val="tx1"/>
+                </a:solidFill>
+                <a:latin typeface="+mn-lt"/>
+                <a:ea typeface="+mn-ea"/>
+                <a:cs typeface="+mn-cs"/>
+              </a:defRPr>
+            </a:lvl7pPr>
+            <a:lvl8pPr marL="3200400" algn="l" defTabSz="457200" rtl="0" eaLnBrk="1" latinLnBrk="0" hangingPunct="1">
+              <a:defRPr sz="1800" kern="1200">
+                <a:solidFill>
+                  <a:schemeClr val="tx1"/>
+                </a:solidFill>
+                <a:latin typeface="+mn-lt"/>
+                <a:ea typeface="+mn-ea"/>
+                <a:cs typeface="+mn-cs"/>
+              </a:defRPr>
+            </a:lvl8pPr>
+            <a:lvl9pPr marL="3657600" algn="l" defTabSz="457200" rtl="0" eaLnBrk="1" latinLnBrk="0" hangingPunct="1">
+              <a:defRPr sz="1800" kern="1200">
+                <a:solidFill>
+                  <a:schemeClr val="tx1"/>
+                </a:solidFill>
+                <a:latin typeface="+mn-lt"/>
+                <a:ea typeface="+mn-ea"/>
+                <a:cs typeface="+mn-cs"/>
+              </a:defRPr>
+            </a:lvl9pPr>
+          </a:lstStyle>
+          <a:p>
+            <a:r>
+              <a:rPr lang="pt-PT" dirty="0" smtClean="0"/>
+              <a:t>IPVC</a:t>
+            </a:r>
+            <a:endParaRPr lang="pt-PT" dirty="0"/>
+          </a:p>
+        </p:txBody>
+      </p:sp>
+      <p:pic>
+        <p:nvPicPr>
+          <p:cNvPr id="9" name="Picture 4"/>
+          <p:cNvPicPr>
+            <a:picLocks noChangeAspect="1"/>
+          </p:cNvPicPr>
+          <p:nvPr/>
+        </p:nvPicPr>
+        <p:blipFill>
+          <a:blip r:embed="rId2" cstate="print">
+            <a:extLst>
+              <a:ext uri="{28A0092B-C50C-407E-A947-70E740481C1C}">
+                <a14:useLocalDpi xmlns:a14="http://schemas.microsoft.com/office/drawing/2010/main" val="0"/>
+              </a:ext>
+            </a:extLst>
+          </a:blip>
+          <a:stretch>
+            <a:fillRect/>
+          </a:stretch>
+        </p:blipFill>
+        <p:spPr>
+          <a:xfrm>
+            <a:off x="10468855" y="300496"/>
+            <a:ext cx="1373649" cy="916911"/>
+          </a:xfrm>
+          <a:prstGeom prst="rect">
+            <a:avLst/>
+          </a:prstGeom>
+        </p:spPr>
+      </p:pic>
+      <p:sp>
+        <p:nvSpPr>
+          <p:cNvPr id="10" name="Slide Number Placeholder 5"/>
+          <p:cNvSpPr txBox="1">
+            <a:spLocks/>
+          </p:cNvSpPr>
+          <p:nvPr/>
+        </p:nvSpPr>
+        <p:spPr>
+          <a:xfrm>
+            <a:off x="3908571" y="6492875"/>
+            <a:ext cx="4435818" cy="365125"/>
+          </a:xfrm>
+          <a:prstGeom prst="rect">
+            <a:avLst/>
+          </a:prstGeom>
+        </p:spPr>
+        <p:txBody>
+          <a:bodyPr vert="horz" lIns="91440" tIns="45720" rIns="91440" bIns="45720" rtlCol="0" anchor="ctr"/>
+          <a:lstStyle>
+            <a:defPPr>
+              <a:defRPr lang="en-US"/>
+            </a:defPPr>
+            <a:lvl1pPr marL="0" algn="r" defTabSz="457200" rtl="0" eaLnBrk="1" latinLnBrk="0" hangingPunct="1">
+              <a:defRPr sz="1050" kern="1200">
+                <a:solidFill>
+                  <a:srgbClr val="FFFFFF"/>
+                </a:solidFill>
+                <a:latin typeface="+mn-lt"/>
+                <a:ea typeface="+mn-ea"/>
+                <a:cs typeface="+mn-cs"/>
+              </a:defRPr>
+            </a:lvl1pPr>
+            <a:lvl2pPr marL="457200" algn="l" defTabSz="457200" rtl="0" eaLnBrk="1" latinLnBrk="0" hangingPunct="1">
+              <a:defRPr sz="1800" kern="1200">
+                <a:solidFill>
+                  <a:schemeClr val="tx1"/>
+                </a:solidFill>
+                <a:latin typeface="+mn-lt"/>
+                <a:ea typeface="+mn-ea"/>
+                <a:cs typeface="+mn-cs"/>
+              </a:defRPr>
+            </a:lvl2pPr>
+            <a:lvl3pPr marL="914400" algn="l" defTabSz="457200" rtl="0" eaLnBrk="1" latinLnBrk="0" hangingPunct="1">
+              <a:defRPr sz="1800" kern="1200">
+                <a:solidFill>
+                  <a:schemeClr val="tx1"/>
+                </a:solidFill>
+                <a:latin typeface="+mn-lt"/>
+                <a:ea typeface="+mn-ea"/>
+                <a:cs typeface="+mn-cs"/>
+              </a:defRPr>
+            </a:lvl3pPr>
+            <a:lvl4pPr marL="1371600" algn="l" defTabSz="457200" rtl="0" eaLnBrk="1" latinLnBrk="0" hangingPunct="1">
+              <a:defRPr sz="1800" kern="1200">
+                <a:solidFill>
+                  <a:schemeClr val="tx1"/>
+                </a:solidFill>
+                <a:latin typeface="+mn-lt"/>
+                <a:ea typeface="+mn-ea"/>
+                <a:cs typeface="+mn-cs"/>
+              </a:defRPr>
+            </a:lvl4pPr>
+            <a:lvl5pPr marL="1828800" algn="l" defTabSz="457200" rtl="0" eaLnBrk="1" latinLnBrk="0" hangingPunct="1">
+              <a:defRPr sz="1800" kern="1200">
+                <a:solidFill>
+                  <a:schemeClr val="tx1"/>
+                </a:solidFill>
+                <a:latin typeface="+mn-lt"/>
+                <a:ea typeface="+mn-ea"/>
+                <a:cs typeface="+mn-cs"/>
+              </a:defRPr>
+            </a:lvl5pPr>
+            <a:lvl6pPr marL="2286000" algn="l" defTabSz="457200" rtl="0" eaLnBrk="1" latinLnBrk="0" hangingPunct="1">
+              <a:defRPr sz="1800" kern="1200">
+                <a:solidFill>
+                  <a:schemeClr val="tx1"/>
+                </a:solidFill>
+                <a:latin typeface="+mn-lt"/>
+                <a:ea typeface="+mn-ea"/>
+                <a:cs typeface="+mn-cs"/>
+              </a:defRPr>
+            </a:lvl6pPr>
+            <a:lvl7pPr marL="2743200" algn="l" defTabSz="457200" rtl="0" eaLnBrk="1" latinLnBrk="0" hangingPunct="1">
+              <a:defRPr sz="1800" kern="1200">
+                <a:solidFill>
+                  <a:schemeClr val="tx1"/>
+                </a:solidFill>
+                <a:latin typeface="+mn-lt"/>
+                <a:ea typeface="+mn-ea"/>
+                <a:cs typeface="+mn-cs"/>
+              </a:defRPr>
+            </a:lvl7pPr>
+            <a:lvl8pPr marL="3200400" algn="l" defTabSz="457200" rtl="0" eaLnBrk="1" latinLnBrk="0" hangingPunct="1">
+              <a:defRPr sz="1800" kern="1200">
+                <a:solidFill>
+                  <a:schemeClr val="tx1"/>
+                </a:solidFill>
+                <a:latin typeface="+mn-lt"/>
+                <a:ea typeface="+mn-ea"/>
+                <a:cs typeface="+mn-cs"/>
+              </a:defRPr>
+            </a:lvl8pPr>
+            <a:lvl9pPr marL="3657600" algn="l" defTabSz="457200" rtl="0" eaLnBrk="1" latinLnBrk="0" hangingPunct="1">
+              <a:defRPr sz="1800" kern="1200">
+                <a:solidFill>
+                  <a:schemeClr val="tx1"/>
+                </a:solidFill>
+                <a:latin typeface="+mn-lt"/>
+                <a:ea typeface="+mn-ea"/>
+                <a:cs typeface="+mn-cs"/>
+              </a:defRPr>
+            </a:lvl9pPr>
+          </a:lstStyle>
+          <a:p>
+            <a:pPr algn="ctr"/>
+            <a:r>
+              <a:rPr lang="pt-PT" sz="1600" b="1" dirty="0" smtClean="0"/>
+              <a:t>HMI para Fabrico Aditivo – Estado da Arte</a:t>
+            </a:r>
+            <a:endParaRPr lang="pt-PT" sz="1600" b="1" dirty="0"/>
+          </a:p>
+        </p:txBody>
+      </p:sp>
+      <p:pic>
+        <p:nvPicPr>
+          <p:cNvPr id="3" name="Imagem 2"/>
+          <p:cNvPicPr>
+            <a:picLocks noChangeAspect="1"/>
+          </p:cNvPicPr>
+          <p:nvPr/>
+        </p:nvPicPr>
+        <p:blipFill>
+          <a:blip r:embed="rId3">
+            <a:extLst>
+              <a:ext uri="{28A0092B-C50C-407E-A947-70E740481C1C}">
+                <a14:useLocalDpi xmlns:a14="http://schemas.microsoft.com/office/drawing/2010/main" val="0"/>
+              </a:ext>
+            </a:extLst>
+          </a:blip>
+          <a:stretch>
+            <a:fillRect/>
+          </a:stretch>
+        </p:blipFill>
+        <p:spPr>
+          <a:xfrm>
+            <a:off x="2214384" y="1036815"/>
+            <a:ext cx="8208231" cy="4749130"/>
+          </a:xfrm>
+          <a:prstGeom prst="rect">
+            <a:avLst/>
+          </a:prstGeom>
+        </p:spPr>
+      </p:pic>
+    </p:spTree>
+    <p:extLst>
+      <p:ext uri="{BB962C8B-B14F-4D97-AF65-F5344CB8AC3E}">
+        <p14:creationId xmlns:p14="http://schemas.microsoft.com/office/powerpoint/2010/main" val="2246701774"/>
+      </p:ext>
+    </p:extLst>
+  </p:cSld>
+  <p:clrMapOvr>
+    <a:masterClrMapping/>
+  </p:clrMapOvr>
+</p:sld>
+</file>
+
+<file path=ppt/slides/slide16.xml><?xml version="1.0" encoding="utf-8"?>
+<p:sld xmlns:a="http://schemas.openxmlformats.org/drawingml/2006/main" xmlns:r="http://schemas.openxmlformats.org/officeDocument/2006/relationships" xmlns:p="http://schemas.openxmlformats.org/presentationml/2006/main">
+  <p:cSld>
+    <p:spTree>
+      <p:nvGrpSpPr>
+        <p:cNvPr id="1" name=""/>
+        <p:cNvGrpSpPr/>
+        <p:nvPr/>
+      </p:nvGrpSpPr>
+      <p:grpSpPr>
+        <a:xfrm>
+          <a:off x="0" y="0"/>
+          <a:ext cx="0" cy="0"/>
+          <a:chOff x="0" y="0"/>
+          <a:chExt cx="0" cy="0"/>
+        </a:xfrm>
+      </p:grpSpPr>
+      <p:sp>
+        <p:nvSpPr>
+          <p:cNvPr id="7" name="TextBox 6"/>
+          <p:cNvSpPr txBox="1"/>
+          <p:nvPr/>
+        </p:nvSpPr>
+        <p:spPr>
+          <a:xfrm>
+            <a:off x="445000" y="166025"/>
+            <a:ext cx="11271871" cy="7602081"/>
+          </a:xfrm>
+          <a:prstGeom prst="rect">
+            <a:avLst/>
+          </a:prstGeom>
+          <a:noFill/>
+        </p:spPr>
+        <p:txBody>
+          <a:bodyPr wrap="square" rtlCol="0">
+            <a:spAutoFit/>
+          </a:bodyPr>
+          <a:lstStyle/>
+          <a:p>
+            <a:r>
+              <a:rPr lang="pt-PT" sz="3200" b="1" dirty="0" smtClean="0"/>
+              <a:t>Sistemas Web-</a:t>
+            </a:r>
+            <a:r>
+              <a:rPr lang="pt-PT" sz="3200" b="1" dirty="0" err="1" smtClean="0"/>
+              <a:t>Based</a:t>
+            </a:r>
+            <a:r>
+              <a:rPr lang="pt-PT" sz="3200" b="1" dirty="0" smtClean="0"/>
+              <a:t> para Controlo e Automação</a:t>
+            </a:r>
+          </a:p>
+          <a:p>
+            <a:pPr marL="342900" indent="-342900">
+              <a:buFont typeface="Arial" panose="020B0604020202020204" pitchFamily="34" charset="0"/>
+              <a:buChar char="•"/>
+            </a:pPr>
+            <a:endParaRPr lang="pt-PT" sz="2400" dirty="0" smtClean="0"/>
+          </a:p>
+          <a:p>
+            <a:pPr marL="342900" indent="-342900">
+              <a:buFont typeface="Arial" panose="020B0604020202020204" pitchFamily="34" charset="0"/>
+              <a:buChar char="•"/>
+            </a:pPr>
+            <a:endParaRPr lang="en-US" sz="2400" dirty="0" smtClean="0"/>
+          </a:p>
+          <a:p>
+            <a:pPr marL="342900" indent="-342900">
+              <a:buFont typeface="Arial" panose="020B0604020202020204" pitchFamily="34" charset="0"/>
+              <a:buChar char="•"/>
+            </a:pPr>
+            <a:endParaRPr lang="pt-PT" sz="2400" dirty="0" smtClean="0"/>
+          </a:p>
+          <a:p>
+            <a:pPr marL="342900" indent="-342900">
+              <a:buFont typeface="Arial" panose="020B0604020202020204" pitchFamily="34" charset="0"/>
+              <a:buChar char="•"/>
+            </a:pPr>
+            <a:endParaRPr lang="pt-PT" sz="2400" dirty="0"/>
+          </a:p>
+          <a:p>
+            <a:r>
+              <a:rPr lang="pt-PT" sz="2400" b="1" dirty="0" smtClean="0"/>
+              <a:t>Conclusão</a:t>
+            </a:r>
+            <a:r>
+              <a:rPr lang="pt-PT" sz="2400" dirty="0" smtClean="0"/>
+              <a:t>: </a:t>
+            </a:r>
+          </a:p>
+          <a:p>
+            <a:pPr marL="800100" lvl="1" indent="-342900">
+              <a:buFont typeface="Arial" panose="020B0604020202020204" pitchFamily="34" charset="0"/>
+              <a:buChar char="•"/>
+            </a:pPr>
+            <a:r>
+              <a:rPr lang="pt-PT" sz="2400" dirty="0" smtClean="0"/>
+              <a:t>Sucesso na disponibilização de experiências de controlo remotamente</a:t>
+            </a:r>
+            <a:endParaRPr lang="pt-PT" sz="2400" dirty="0"/>
+          </a:p>
+          <a:p>
+            <a:endParaRPr lang="pt-PT" sz="2400" dirty="0"/>
+          </a:p>
+          <a:p>
+            <a:pPr marL="342900" indent="-342900">
+              <a:buFont typeface="Arial" panose="020B0604020202020204" pitchFamily="34" charset="0"/>
+              <a:buChar char="•"/>
+            </a:pPr>
+            <a:endParaRPr lang="pt-PT" sz="2400" dirty="0" smtClean="0"/>
+          </a:p>
+          <a:p>
+            <a:pPr marL="342900" indent="-342900">
+              <a:buFont typeface="Arial" panose="020B0604020202020204" pitchFamily="34" charset="0"/>
+              <a:buChar char="•"/>
+            </a:pPr>
+            <a:endParaRPr lang="pt-PT" sz="2400" dirty="0" smtClean="0"/>
+          </a:p>
+          <a:p>
+            <a:endParaRPr lang="pt-PT" sz="2400" dirty="0" smtClean="0"/>
+          </a:p>
+          <a:p>
+            <a:pPr marL="342900" indent="-342900">
+              <a:buFont typeface="Arial" panose="020B0604020202020204" pitchFamily="34" charset="0"/>
+              <a:buChar char="•"/>
+            </a:pPr>
+            <a:endParaRPr lang="pt-PT" sz="2400" dirty="0" smtClean="0"/>
+          </a:p>
+          <a:p>
+            <a:pPr marL="342900" indent="-342900">
+              <a:buFont typeface="Arial" panose="020B0604020202020204" pitchFamily="34" charset="0"/>
+              <a:buChar char="•"/>
+            </a:pPr>
+            <a:endParaRPr lang="pt-PT" sz="2400" dirty="0" smtClean="0"/>
+          </a:p>
+          <a:p>
+            <a:pPr marL="342900" indent="-342900">
+              <a:buFont typeface="Arial" panose="020B0604020202020204" pitchFamily="34" charset="0"/>
+              <a:buChar char="•"/>
+            </a:pPr>
+            <a:endParaRPr lang="pt-PT" sz="2400" dirty="0"/>
+          </a:p>
+          <a:p>
+            <a:pPr marL="342900" indent="-342900">
+              <a:buFont typeface="Arial" panose="020B0604020202020204" pitchFamily="34" charset="0"/>
+              <a:buChar char="•"/>
+            </a:pPr>
+            <a:endParaRPr lang="pt-PT" sz="2400" dirty="0" smtClean="0"/>
+          </a:p>
+          <a:p>
+            <a:pPr marL="342900" indent="-342900">
+              <a:buFont typeface="Arial" panose="020B0604020202020204" pitchFamily="34" charset="0"/>
+              <a:buChar char="•"/>
+            </a:pPr>
+            <a:endParaRPr lang="pt-PT" sz="2400" dirty="0" smtClean="0"/>
+          </a:p>
+          <a:p>
+            <a:pPr marL="342900" indent="-342900">
+              <a:buFont typeface="Arial" panose="020B0604020202020204" pitchFamily="34" charset="0"/>
+              <a:buChar char="•"/>
+            </a:pPr>
+            <a:endParaRPr lang="pt-PT" sz="2400" dirty="0" smtClean="0"/>
+          </a:p>
+          <a:p>
+            <a:pPr marL="342900" indent="-342900">
+              <a:buFont typeface="Arial" panose="020B0604020202020204" pitchFamily="34" charset="0"/>
+              <a:buChar char="•"/>
+            </a:pPr>
+            <a:endParaRPr lang="pt-PT" sz="2400" dirty="0" smtClean="0"/>
+          </a:p>
+          <a:p>
+            <a:pPr marL="342900" indent="-342900">
+              <a:buFont typeface="Arial" panose="020B0604020202020204" pitchFamily="34" charset="0"/>
+              <a:buChar char="•"/>
+            </a:pPr>
+            <a:endParaRPr lang="pt-PT" sz="2400" dirty="0"/>
+          </a:p>
+          <a:p>
+            <a:pPr marL="342900" indent="-342900">
+              <a:buFont typeface="Arial" panose="020B0604020202020204" pitchFamily="34" charset="0"/>
+              <a:buChar char="•"/>
+            </a:pPr>
+            <a:endParaRPr lang="pt-PT" sz="2400" dirty="0" smtClean="0"/>
+          </a:p>
+        </p:txBody>
+      </p:sp>
+      <p:sp>
+        <p:nvSpPr>
+          <p:cNvPr id="2" name="Slide Number Placeholder 1"/>
+          <p:cNvSpPr>
+            <a:spLocks noGrp="1"/>
+          </p:cNvSpPr>
+          <p:nvPr>
+            <p:ph type="sldNum" sz="quarter" idx="12"/>
+          </p:nvPr>
+        </p:nvSpPr>
+        <p:spPr/>
+        <p:txBody>
+          <a:bodyPr/>
+          <a:lstStyle/>
+          <a:p>
+            <a:fld id="{422D536B-584E-486B-9435-086987A3D916}" type="slidenum">
+              <a:rPr lang="pt-PT" smtClean="0"/>
+              <a:t>16</a:t>
+            </a:fld>
+            <a:endParaRPr lang="pt-PT" dirty="0"/>
+          </a:p>
+        </p:txBody>
+      </p:sp>
+      <p:sp>
+        <p:nvSpPr>
+          <p:cNvPr id="6" name="Slide Number Placeholder 5"/>
+          <p:cNvSpPr txBox="1">
+            <a:spLocks/>
+          </p:cNvSpPr>
+          <p:nvPr/>
+        </p:nvSpPr>
+        <p:spPr>
+          <a:xfrm>
+            <a:off x="0" y="6464982"/>
+            <a:ext cx="475129" cy="365125"/>
+          </a:xfrm>
+          <a:prstGeom prst="rect">
+            <a:avLst/>
+          </a:prstGeom>
+        </p:spPr>
+        <p:txBody>
+          <a:bodyPr vert="horz" lIns="91440" tIns="45720" rIns="91440" bIns="45720" rtlCol="0" anchor="ctr"/>
+          <a:lstStyle>
+            <a:defPPr>
+              <a:defRPr lang="en-US"/>
+            </a:defPPr>
+            <a:lvl1pPr marL="0" algn="r" defTabSz="457200" rtl="0" eaLnBrk="1" latinLnBrk="0" hangingPunct="1">
+              <a:defRPr sz="1050" kern="1200">
+                <a:solidFill>
+                  <a:srgbClr val="FFFFFF"/>
+                </a:solidFill>
+                <a:latin typeface="+mn-lt"/>
+                <a:ea typeface="+mn-ea"/>
+                <a:cs typeface="+mn-cs"/>
+              </a:defRPr>
+            </a:lvl1pPr>
+            <a:lvl2pPr marL="457200" algn="l" defTabSz="457200" rtl="0" eaLnBrk="1" latinLnBrk="0" hangingPunct="1">
+              <a:defRPr sz="1800" kern="1200">
+                <a:solidFill>
+                  <a:schemeClr val="tx1"/>
+                </a:solidFill>
+                <a:latin typeface="+mn-lt"/>
+                <a:ea typeface="+mn-ea"/>
+                <a:cs typeface="+mn-cs"/>
+              </a:defRPr>
+            </a:lvl2pPr>
+            <a:lvl3pPr marL="914400" algn="l" defTabSz="457200" rtl="0" eaLnBrk="1" latinLnBrk="0" hangingPunct="1">
+              <a:defRPr sz="1800" kern="1200">
+                <a:solidFill>
+                  <a:schemeClr val="tx1"/>
+                </a:solidFill>
+                <a:latin typeface="+mn-lt"/>
+                <a:ea typeface="+mn-ea"/>
+                <a:cs typeface="+mn-cs"/>
+              </a:defRPr>
+            </a:lvl3pPr>
+            <a:lvl4pPr marL="1371600" algn="l" defTabSz="457200" rtl="0" eaLnBrk="1" latinLnBrk="0" hangingPunct="1">
+              <a:defRPr sz="1800" kern="1200">
+                <a:solidFill>
+                  <a:schemeClr val="tx1"/>
+                </a:solidFill>
+                <a:latin typeface="+mn-lt"/>
+                <a:ea typeface="+mn-ea"/>
+                <a:cs typeface="+mn-cs"/>
+              </a:defRPr>
+            </a:lvl4pPr>
+            <a:lvl5pPr marL="1828800" algn="l" defTabSz="457200" rtl="0" eaLnBrk="1" latinLnBrk="0" hangingPunct="1">
+              <a:defRPr sz="1800" kern="1200">
+                <a:solidFill>
+                  <a:schemeClr val="tx1"/>
+                </a:solidFill>
+                <a:latin typeface="+mn-lt"/>
+                <a:ea typeface="+mn-ea"/>
+                <a:cs typeface="+mn-cs"/>
+              </a:defRPr>
+            </a:lvl5pPr>
+            <a:lvl6pPr marL="2286000" algn="l" defTabSz="457200" rtl="0" eaLnBrk="1" latinLnBrk="0" hangingPunct="1">
+              <a:defRPr sz="1800" kern="1200">
+                <a:solidFill>
+                  <a:schemeClr val="tx1"/>
+                </a:solidFill>
+                <a:latin typeface="+mn-lt"/>
+                <a:ea typeface="+mn-ea"/>
+                <a:cs typeface="+mn-cs"/>
+              </a:defRPr>
+            </a:lvl6pPr>
+            <a:lvl7pPr marL="2743200" algn="l" defTabSz="457200" rtl="0" eaLnBrk="1" latinLnBrk="0" hangingPunct="1">
+              <a:defRPr sz="1800" kern="1200">
+                <a:solidFill>
+                  <a:schemeClr val="tx1"/>
+                </a:solidFill>
+                <a:latin typeface="+mn-lt"/>
+                <a:ea typeface="+mn-ea"/>
+                <a:cs typeface="+mn-cs"/>
+              </a:defRPr>
+            </a:lvl7pPr>
+            <a:lvl8pPr marL="3200400" algn="l" defTabSz="457200" rtl="0" eaLnBrk="1" latinLnBrk="0" hangingPunct="1">
+              <a:defRPr sz="1800" kern="1200">
+                <a:solidFill>
+                  <a:schemeClr val="tx1"/>
+                </a:solidFill>
+                <a:latin typeface="+mn-lt"/>
+                <a:ea typeface="+mn-ea"/>
+                <a:cs typeface="+mn-cs"/>
+              </a:defRPr>
+            </a:lvl8pPr>
+            <a:lvl9pPr marL="3657600" algn="l" defTabSz="457200" rtl="0" eaLnBrk="1" latinLnBrk="0" hangingPunct="1">
+              <a:defRPr sz="1800" kern="1200">
+                <a:solidFill>
+                  <a:schemeClr val="tx1"/>
+                </a:solidFill>
+                <a:latin typeface="+mn-lt"/>
+                <a:ea typeface="+mn-ea"/>
+                <a:cs typeface="+mn-cs"/>
+              </a:defRPr>
+            </a:lvl9pPr>
+          </a:lstStyle>
+          <a:p>
+            <a:r>
+              <a:rPr lang="pt-PT" dirty="0" smtClean="0"/>
+              <a:t>IPVC</a:t>
+            </a:r>
+            <a:endParaRPr lang="pt-PT" dirty="0"/>
+          </a:p>
+        </p:txBody>
+      </p:sp>
+      <p:pic>
+        <p:nvPicPr>
+          <p:cNvPr id="9" name="Picture 4"/>
+          <p:cNvPicPr>
+            <a:picLocks noChangeAspect="1"/>
+          </p:cNvPicPr>
+          <p:nvPr/>
+        </p:nvPicPr>
+        <p:blipFill>
+          <a:blip r:embed="rId2" cstate="print">
+            <a:extLst>
+              <a:ext uri="{28A0092B-C50C-407E-A947-70E740481C1C}">
+                <a14:useLocalDpi xmlns:a14="http://schemas.microsoft.com/office/drawing/2010/main" val="0"/>
+              </a:ext>
+            </a:extLst>
+          </a:blip>
+          <a:stretch>
+            <a:fillRect/>
+          </a:stretch>
+        </p:blipFill>
+        <p:spPr>
+          <a:xfrm>
+            <a:off x="10468855" y="300496"/>
+            <a:ext cx="1373649" cy="916911"/>
+          </a:xfrm>
+          <a:prstGeom prst="rect">
+            <a:avLst/>
+          </a:prstGeom>
+        </p:spPr>
+      </p:pic>
+      <p:sp>
+        <p:nvSpPr>
+          <p:cNvPr id="10" name="Slide Number Placeholder 5"/>
+          <p:cNvSpPr txBox="1">
+            <a:spLocks/>
+          </p:cNvSpPr>
+          <p:nvPr/>
+        </p:nvSpPr>
+        <p:spPr>
+          <a:xfrm>
+            <a:off x="3908571" y="6492875"/>
+            <a:ext cx="4435818" cy="365125"/>
+          </a:xfrm>
+          <a:prstGeom prst="rect">
+            <a:avLst/>
+          </a:prstGeom>
+        </p:spPr>
+        <p:txBody>
+          <a:bodyPr vert="horz" lIns="91440" tIns="45720" rIns="91440" bIns="45720" rtlCol="0" anchor="ctr"/>
+          <a:lstStyle>
+            <a:defPPr>
+              <a:defRPr lang="en-US"/>
+            </a:defPPr>
+            <a:lvl1pPr marL="0" algn="r" defTabSz="457200" rtl="0" eaLnBrk="1" latinLnBrk="0" hangingPunct="1">
+              <a:defRPr sz="1050" kern="1200">
+                <a:solidFill>
+                  <a:srgbClr val="FFFFFF"/>
+                </a:solidFill>
+                <a:latin typeface="+mn-lt"/>
+                <a:ea typeface="+mn-ea"/>
+                <a:cs typeface="+mn-cs"/>
+              </a:defRPr>
+            </a:lvl1pPr>
+            <a:lvl2pPr marL="457200" algn="l" defTabSz="457200" rtl="0" eaLnBrk="1" latinLnBrk="0" hangingPunct="1">
+              <a:defRPr sz="1800" kern="1200">
+                <a:solidFill>
+                  <a:schemeClr val="tx1"/>
+                </a:solidFill>
+                <a:latin typeface="+mn-lt"/>
+                <a:ea typeface="+mn-ea"/>
+                <a:cs typeface="+mn-cs"/>
+              </a:defRPr>
+            </a:lvl2pPr>
+            <a:lvl3pPr marL="914400" algn="l" defTabSz="457200" rtl="0" eaLnBrk="1" latinLnBrk="0" hangingPunct="1">
+              <a:defRPr sz="1800" kern="1200">
+                <a:solidFill>
+                  <a:schemeClr val="tx1"/>
+                </a:solidFill>
+                <a:latin typeface="+mn-lt"/>
+                <a:ea typeface="+mn-ea"/>
+                <a:cs typeface="+mn-cs"/>
+              </a:defRPr>
+            </a:lvl3pPr>
+            <a:lvl4pPr marL="1371600" algn="l" defTabSz="457200" rtl="0" eaLnBrk="1" latinLnBrk="0" hangingPunct="1">
+              <a:defRPr sz="1800" kern="1200">
+                <a:solidFill>
+                  <a:schemeClr val="tx1"/>
+                </a:solidFill>
+                <a:latin typeface="+mn-lt"/>
+                <a:ea typeface="+mn-ea"/>
+                <a:cs typeface="+mn-cs"/>
+              </a:defRPr>
+            </a:lvl4pPr>
+            <a:lvl5pPr marL="1828800" algn="l" defTabSz="457200" rtl="0" eaLnBrk="1" latinLnBrk="0" hangingPunct="1">
+              <a:defRPr sz="1800" kern="1200">
+                <a:solidFill>
+                  <a:schemeClr val="tx1"/>
+                </a:solidFill>
+                <a:latin typeface="+mn-lt"/>
+                <a:ea typeface="+mn-ea"/>
+                <a:cs typeface="+mn-cs"/>
+              </a:defRPr>
+            </a:lvl5pPr>
+            <a:lvl6pPr marL="2286000" algn="l" defTabSz="457200" rtl="0" eaLnBrk="1" latinLnBrk="0" hangingPunct="1">
+              <a:defRPr sz="1800" kern="1200">
+                <a:solidFill>
+                  <a:schemeClr val="tx1"/>
+                </a:solidFill>
+                <a:latin typeface="+mn-lt"/>
+                <a:ea typeface="+mn-ea"/>
+                <a:cs typeface="+mn-cs"/>
+              </a:defRPr>
+            </a:lvl6pPr>
+            <a:lvl7pPr marL="2743200" algn="l" defTabSz="457200" rtl="0" eaLnBrk="1" latinLnBrk="0" hangingPunct="1">
+              <a:defRPr sz="1800" kern="1200">
+                <a:solidFill>
+                  <a:schemeClr val="tx1"/>
+                </a:solidFill>
+                <a:latin typeface="+mn-lt"/>
+                <a:ea typeface="+mn-ea"/>
+                <a:cs typeface="+mn-cs"/>
+              </a:defRPr>
+            </a:lvl7pPr>
+            <a:lvl8pPr marL="3200400" algn="l" defTabSz="457200" rtl="0" eaLnBrk="1" latinLnBrk="0" hangingPunct="1">
+              <a:defRPr sz="1800" kern="1200">
+                <a:solidFill>
+                  <a:schemeClr val="tx1"/>
+                </a:solidFill>
+                <a:latin typeface="+mn-lt"/>
+                <a:ea typeface="+mn-ea"/>
+                <a:cs typeface="+mn-cs"/>
+              </a:defRPr>
+            </a:lvl8pPr>
+            <a:lvl9pPr marL="3657600" algn="l" defTabSz="457200" rtl="0" eaLnBrk="1" latinLnBrk="0" hangingPunct="1">
+              <a:defRPr sz="1800" kern="1200">
+                <a:solidFill>
+                  <a:schemeClr val="tx1"/>
+                </a:solidFill>
+                <a:latin typeface="+mn-lt"/>
+                <a:ea typeface="+mn-ea"/>
+                <a:cs typeface="+mn-cs"/>
+              </a:defRPr>
+            </a:lvl9pPr>
+          </a:lstStyle>
+          <a:p>
+            <a:pPr algn="ctr"/>
+            <a:r>
+              <a:rPr lang="pt-PT" sz="1600" b="1" dirty="0" smtClean="0"/>
+              <a:t>HMI para Fabrico Aditivo – Estado da Arte</a:t>
+            </a:r>
+            <a:endParaRPr lang="pt-PT" sz="1600" b="1" dirty="0"/>
+          </a:p>
+        </p:txBody>
+      </p:sp>
+    </p:spTree>
+    <p:extLst>
+      <p:ext uri="{BB962C8B-B14F-4D97-AF65-F5344CB8AC3E}">
+        <p14:creationId xmlns:p14="http://schemas.microsoft.com/office/powerpoint/2010/main" val="32972464"/>
+      </p:ext>
+    </p:extLst>
+  </p:cSld>
+  <p:clrMapOvr>
+    <a:masterClrMapping/>
+  </p:clrMapOvr>
+</p:sld>
+</file>
+
+<file path=ppt/slides/slide17.xml><?xml version="1.0" encoding="utf-8"?>
+<p:sld xmlns:a="http://schemas.openxmlformats.org/drawingml/2006/main" xmlns:r="http://schemas.openxmlformats.org/officeDocument/2006/relationships" xmlns:p="http://schemas.openxmlformats.org/presentationml/2006/main">
+  <p:cSld>
+    <p:spTree>
+      <p:nvGrpSpPr>
+        <p:cNvPr id="1" name=""/>
+        <p:cNvGrpSpPr/>
+        <p:nvPr/>
+      </p:nvGrpSpPr>
+      <p:grpSpPr>
+        <a:xfrm>
+          <a:off x="0" y="0"/>
+          <a:ext cx="0" cy="0"/>
+          <a:chOff x="0" y="0"/>
+          <a:chExt cx="0" cy="0"/>
+        </a:xfrm>
+      </p:grpSpPr>
+      <p:sp>
+        <p:nvSpPr>
+          <p:cNvPr id="7" name="TextBox 6"/>
+          <p:cNvSpPr txBox="1"/>
+          <p:nvPr/>
+        </p:nvSpPr>
+        <p:spPr>
+          <a:xfrm>
+            <a:off x="445000" y="166025"/>
+            <a:ext cx="11747000" cy="9818072"/>
+          </a:xfrm>
+          <a:prstGeom prst="rect">
+            <a:avLst/>
+          </a:prstGeom>
+          <a:noFill/>
+        </p:spPr>
+        <p:txBody>
+          <a:bodyPr wrap="square" rtlCol="0">
+            <a:spAutoFit/>
+          </a:bodyPr>
+          <a:lstStyle/>
+          <a:p>
+            <a:r>
+              <a:rPr lang="pt-PT" sz="3200" b="1" dirty="0" smtClean="0"/>
+              <a:t>Caso real: Markforged</a:t>
+            </a:r>
+          </a:p>
+          <a:p>
+            <a:pPr marL="342900" indent="-342900">
+              <a:buFont typeface="Arial" panose="020B0604020202020204" pitchFamily="34" charset="0"/>
+              <a:buChar char="•"/>
+            </a:pPr>
+            <a:endParaRPr lang="pt-PT" sz="2400" dirty="0" smtClean="0"/>
+          </a:p>
+          <a:p>
+            <a:pPr marL="342900" indent="-342900">
+              <a:buFont typeface="Arial" panose="020B0604020202020204" pitchFamily="34" charset="0"/>
+              <a:buChar char="•"/>
+            </a:pPr>
+            <a:endParaRPr lang="pt-PT" sz="2400" dirty="0" smtClean="0"/>
+          </a:p>
+          <a:p>
+            <a:pPr marL="342900" indent="-342900">
+              <a:buFont typeface="Arial" panose="020B0604020202020204" pitchFamily="34" charset="0"/>
+              <a:buChar char="•"/>
+            </a:pPr>
+            <a:r>
+              <a:rPr lang="pt-PT" sz="2400" dirty="0" smtClean="0"/>
+              <a:t>Marca de impressoras 3D</a:t>
+            </a:r>
+            <a:endParaRPr lang="pt-PT" sz="2400" dirty="0"/>
+          </a:p>
+          <a:p>
+            <a:endParaRPr lang="pt-PT" sz="2400" dirty="0"/>
+          </a:p>
+          <a:p>
+            <a:pPr marL="342900" indent="-342900">
+              <a:buFont typeface="Arial" panose="020B0604020202020204" pitchFamily="34" charset="0"/>
+              <a:buChar char="•"/>
+            </a:pPr>
+            <a:endParaRPr lang="pt-PT" sz="2400" dirty="0" smtClean="0"/>
+          </a:p>
+          <a:p>
+            <a:endParaRPr lang="pt-PT" sz="2400" dirty="0" smtClean="0"/>
+          </a:p>
+          <a:p>
+            <a:pPr marL="342900" indent="-342900">
+              <a:buFont typeface="Arial" panose="020B0604020202020204" pitchFamily="34" charset="0"/>
+              <a:buChar char="•"/>
+            </a:pPr>
+            <a:r>
+              <a:rPr lang="pt-PT" sz="2400" dirty="0" smtClean="0"/>
+              <a:t>Possui software web-based que permite:</a:t>
+            </a:r>
+          </a:p>
+          <a:p>
+            <a:pPr marL="800100" lvl="1" indent="-342900">
+              <a:buFont typeface="Arial" panose="020B0604020202020204" pitchFamily="34" charset="0"/>
+              <a:buChar char="•"/>
+            </a:pPr>
+            <a:r>
+              <a:rPr lang="pt-PT" sz="2400" dirty="0" smtClean="0"/>
+              <a:t>Enviar ficheiros de peças para serem impressas</a:t>
+            </a:r>
+          </a:p>
+          <a:p>
+            <a:pPr marL="800100" lvl="1" indent="-342900">
+              <a:buFont typeface="Arial" panose="020B0604020202020204" pitchFamily="34" charset="0"/>
+              <a:buChar char="•"/>
+            </a:pPr>
+            <a:r>
+              <a:rPr lang="pt-PT" sz="2400" dirty="0" smtClean="0"/>
+              <a:t>Alterar peça: dimensões, posicionamento, material, etc</a:t>
+            </a:r>
+          </a:p>
+          <a:p>
+            <a:pPr marL="800100" lvl="1" indent="-342900">
+              <a:buFont typeface="Arial" panose="020B0604020202020204" pitchFamily="34" charset="0"/>
+              <a:buChar char="•"/>
+            </a:pPr>
+            <a:r>
+              <a:rPr lang="pt-PT" sz="2400" dirty="0" smtClean="0"/>
+              <a:t>Monitorizar parâmetros de impressão em tempo real</a:t>
+            </a:r>
+          </a:p>
+          <a:p>
+            <a:pPr marL="800100" lvl="1" indent="-342900">
+              <a:buFont typeface="Arial" panose="020B0604020202020204" pitchFamily="34" charset="0"/>
+              <a:buChar char="•"/>
+            </a:pPr>
+            <a:r>
+              <a:rPr lang="pt-PT" sz="2400" dirty="0" smtClean="0"/>
+              <a:t>Armazenamento e gestão das peças que já foram impressas</a:t>
+            </a:r>
+          </a:p>
+          <a:p>
+            <a:pPr marL="800100" lvl="1" indent="-342900">
+              <a:buFont typeface="Arial" panose="020B0604020202020204" pitchFamily="34" charset="0"/>
+              <a:buChar char="•"/>
+            </a:pPr>
+            <a:r>
+              <a:rPr lang="pt-PT" sz="2400" dirty="0" smtClean="0"/>
+              <a:t>Visualizar uma peça em 2D e 3D</a:t>
+            </a:r>
+          </a:p>
+          <a:p>
+            <a:pPr marL="800100" lvl="1" indent="-342900">
+              <a:buFont typeface="Arial" panose="020B0604020202020204" pitchFamily="34" charset="0"/>
+              <a:buChar char="•"/>
+            </a:pPr>
+            <a:r>
+              <a:rPr lang="pt-PT" sz="2400" dirty="0" smtClean="0"/>
+              <a:t>Visualizar camadas de impressão</a:t>
+            </a:r>
+          </a:p>
+          <a:p>
+            <a:pPr marL="800100" lvl="1" indent="-342900">
+              <a:buFont typeface="Arial" panose="020B0604020202020204" pitchFamily="34" charset="0"/>
+              <a:buChar char="•"/>
+            </a:pPr>
+            <a:endParaRPr lang="pt-PT" sz="2400" dirty="0" smtClean="0"/>
+          </a:p>
+          <a:p>
+            <a:pPr marL="342900" indent="-342900">
+              <a:buFont typeface="Arial" panose="020B0604020202020204" pitchFamily="34" charset="0"/>
+              <a:buChar char="•"/>
+            </a:pPr>
+            <a:r>
+              <a:rPr lang="pt-PT" sz="2400" dirty="0"/>
+              <a:t>https://www.youtube.com/watch?v=xP787awglCU</a:t>
+            </a:r>
+            <a:endParaRPr lang="pt-PT" sz="2400" dirty="0" smtClean="0"/>
+          </a:p>
+          <a:p>
+            <a:pPr marL="342900" indent="-342900">
+              <a:buFont typeface="Arial" panose="020B0604020202020204" pitchFamily="34" charset="0"/>
+              <a:buChar char="•"/>
+            </a:pPr>
+            <a:endParaRPr lang="pt-PT" sz="2400" dirty="0" smtClean="0"/>
+          </a:p>
+          <a:p>
+            <a:pPr marL="342900" indent="-342900">
+              <a:buFont typeface="Arial" panose="020B0604020202020204" pitchFamily="34" charset="0"/>
+              <a:buChar char="•"/>
+            </a:pPr>
+            <a:endParaRPr lang="pt-PT" sz="2400" dirty="0" smtClean="0"/>
+          </a:p>
+          <a:p>
+            <a:pPr marL="342900" indent="-342900">
+              <a:buFont typeface="Arial" panose="020B0604020202020204" pitchFamily="34" charset="0"/>
+              <a:buChar char="•"/>
+            </a:pPr>
+            <a:endParaRPr lang="pt-PT" sz="2400" dirty="0"/>
+          </a:p>
+          <a:p>
+            <a:pPr marL="342900" indent="-342900">
+              <a:buFont typeface="Arial" panose="020B0604020202020204" pitchFamily="34" charset="0"/>
+              <a:buChar char="•"/>
+            </a:pPr>
+            <a:endParaRPr lang="pt-PT" sz="2400" dirty="0" smtClean="0"/>
+          </a:p>
+          <a:p>
+            <a:pPr marL="342900" indent="-342900">
+              <a:buFont typeface="Arial" panose="020B0604020202020204" pitchFamily="34" charset="0"/>
+              <a:buChar char="•"/>
+            </a:pPr>
+            <a:endParaRPr lang="pt-PT" sz="2400" dirty="0" smtClean="0"/>
+          </a:p>
+          <a:p>
+            <a:pPr marL="342900" indent="-342900">
+              <a:buFont typeface="Arial" panose="020B0604020202020204" pitchFamily="34" charset="0"/>
+              <a:buChar char="•"/>
+            </a:pPr>
+            <a:endParaRPr lang="pt-PT" sz="2400" dirty="0" smtClean="0"/>
+          </a:p>
+          <a:p>
+            <a:pPr marL="342900" indent="-342900">
+              <a:buFont typeface="Arial" panose="020B0604020202020204" pitchFamily="34" charset="0"/>
+              <a:buChar char="•"/>
+            </a:pPr>
+            <a:endParaRPr lang="pt-PT" sz="2400" dirty="0" smtClean="0"/>
+          </a:p>
+          <a:p>
+            <a:pPr marL="342900" indent="-342900">
+              <a:buFont typeface="Arial" panose="020B0604020202020204" pitchFamily="34" charset="0"/>
+              <a:buChar char="•"/>
+            </a:pPr>
+            <a:endParaRPr lang="pt-PT" sz="2400" dirty="0"/>
+          </a:p>
+          <a:p>
+            <a:pPr marL="342900" indent="-342900">
+              <a:buFont typeface="Arial" panose="020B0604020202020204" pitchFamily="34" charset="0"/>
+              <a:buChar char="•"/>
+            </a:pPr>
+            <a:endParaRPr lang="pt-PT" sz="2400" dirty="0" smtClean="0"/>
+          </a:p>
+        </p:txBody>
+      </p:sp>
+      <p:sp>
+        <p:nvSpPr>
+          <p:cNvPr id="2" name="Slide Number Placeholder 1"/>
+          <p:cNvSpPr>
+            <a:spLocks noGrp="1"/>
+          </p:cNvSpPr>
+          <p:nvPr>
+            <p:ph type="sldNum" sz="quarter" idx="12"/>
+          </p:nvPr>
+        </p:nvSpPr>
+        <p:spPr/>
+        <p:txBody>
+          <a:bodyPr/>
+          <a:lstStyle/>
+          <a:p>
+            <a:fld id="{422D536B-584E-486B-9435-086987A3D916}" type="slidenum">
+              <a:rPr lang="pt-PT" smtClean="0"/>
+              <a:t>17</a:t>
+            </a:fld>
+            <a:endParaRPr lang="pt-PT" dirty="0"/>
+          </a:p>
+        </p:txBody>
+      </p:sp>
+      <p:sp>
+        <p:nvSpPr>
+          <p:cNvPr id="6" name="Slide Number Placeholder 5"/>
+          <p:cNvSpPr txBox="1">
+            <a:spLocks/>
+          </p:cNvSpPr>
+          <p:nvPr/>
+        </p:nvSpPr>
+        <p:spPr>
+          <a:xfrm>
+            <a:off x="0" y="6464982"/>
+            <a:ext cx="475129" cy="365125"/>
+          </a:xfrm>
+          <a:prstGeom prst="rect">
+            <a:avLst/>
+          </a:prstGeom>
+        </p:spPr>
+        <p:txBody>
+          <a:bodyPr vert="horz" lIns="91440" tIns="45720" rIns="91440" bIns="45720" rtlCol="0" anchor="ctr"/>
+          <a:lstStyle>
+            <a:defPPr>
+              <a:defRPr lang="en-US"/>
+            </a:defPPr>
+            <a:lvl1pPr marL="0" algn="r" defTabSz="457200" rtl="0" eaLnBrk="1" latinLnBrk="0" hangingPunct="1">
+              <a:defRPr sz="1050" kern="1200">
+                <a:solidFill>
+                  <a:srgbClr val="FFFFFF"/>
+                </a:solidFill>
+                <a:latin typeface="+mn-lt"/>
+                <a:ea typeface="+mn-ea"/>
+                <a:cs typeface="+mn-cs"/>
+              </a:defRPr>
+            </a:lvl1pPr>
+            <a:lvl2pPr marL="457200" algn="l" defTabSz="457200" rtl="0" eaLnBrk="1" latinLnBrk="0" hangingPunct="1">
+              <a:defRPr sz="1800" kern="1200">
+                <a:solidFill>
+                  <a:schemeClr val="tx1"/>
+                </a:solidFill>
+                <a:latin typeface="+mn-lt"/>
+                <a:ea typeface="+mn-ea"/>
+                <a:cs typeface="+mn-cs"/>
+              </a:defRPr>
+            </a:lvl2pPr>
+            <a:lvl3pPr marL="914400" algn="l" defTabSz="457200" rtl="0" eaLnBrk="1" latinLnBrk="0" hangingPunct="1">
+              <a:defRPr sz="1800" kern="1200">
+                <a:solidFill>
+                  <a:schemeClr val="tx1"/>
+                </a:solidFill>
+                <a:latin typeface="+mn-lt"/>
+                <a:ea typeface="+mn-ea"/>
+                <a:cs typeface="+mn-cs"/>
+              </a:defRPr>
+            </a:lvl3pPr>
+            <a:lvl4pPr marL="1371600" algn="l" defTabSz="457200" rtl="0" eaLnBrk="1" latinLnBrk="0" hangingPunct="1">
+              <a:defRPr sz="1800" kern="1200">
+                <a:solidFill>
+                  <a:schemeClr val="tx1"/>
+                </a:solidFill>
+                <a:latin typeface="+mn-lt"/>
+                <a:ea typeface="+mn-ea"/>
+                <a:cs typeface="+mn-cs"/>
+              </a:defRPr>
+            </a:lvl4pPr>
+            <a:lvl5pPr marL="1828800" algn="l" defTabSz="457200" rtl="0" eaLnBrk="1" latinLnBrk="0" hangingPunct="1">
+              <a:defRPr sz="1800" kern="1200">
+                <a:solidFill>
+                  <a:schemeClr val="tx1"/>
+                </a:solidFill>
+                <a:latin typeface="+mn-lt"/>
+                <a:ea typeface="+mn-ea"/>
+                <a:cs typeface="+mn-cs"/>
+              </a:defRPr>
+            </a:lvl5pPr>
+            <a:lvl6pPr marL="2286000" algn="l" defTabSz="457200" rtl="0" eaLnBrk="1" latinLnBrk="0" hangingPunct="1">
+              <a:defRPr sz="1800" kern="1200">
+                <a:solidFill>
+                  <a:schemeClr val="tx1"/>
+                </a:solidFill>
+                <a:latin typeface="+mn-lt"/>
+                <a:ea typeface="+mn-ea"/>
+                <a:cs typeface="+mn-cs"/>
+              </a:defRPr>
+            </a:lvl6pPr>
+            <a:lvl7pPr marL="2743200" algn="l" defTabSz="457200" rtl="0" eaLnBrk="1" latinLnBrk="0" hangingPunct="1">
+              <a:defRPr sz="1800" kern="1200">
+                <a:solidFill>
+                  <a:schemeClr val="tx1"/>
+                </a:solidFill>
+                <a:latin typeface="+mn-lt"/>
+                <a:ea typeface="+mn-ea"/>
+                <a:cs typeface="+mn-cs"/>
+              </a:defRPr>
+            </a:lvl7pPr>
+            <a:lvl8pPr marL="3200400" algn="l" defTabSz="457200" rtl="0" eaLnBrk="1" latinLnBrk="0" hangingPunct="1">
+              <a:defRPr sz="1800" kern="1200">
+                <a:solidFill>
+                  <a:schemeClr val="tx1"/>
+                </a:solidFill>
+                <a:latin typeface="+mn-lt"/>
+                <a:ea typeface="+mn-ea"/>
+                <a:cs typeface="+mn-cs"/>
+              </a:defRPr>
+            </a:lvl8pPr>
+            <a:lvl9pPr marL="3657600" algn="l" defTabSz="457200" rtl="0" eaLnBrk="1" latinLnBrk="0" hangingPunct="1">
+              <a:defRPr sz="1800" kern="1200">
+                <a:solidFill>
+                  <a:schemeClr val="tx1"/>
+                </a:solidFill>
+                <a:latin typeface="+mn-lt"/>
+                <a:ea typeface="+mn-ea"/>
+                <a:cs typeface="+mn-cs"/>
+              </a:defRPr>
+            </a:lvl9pPr>
+          </a:lstStyle>
+          <a:p>
+            <a:r>
+              <a:rPr lang="pt-PT" dirty="0" smtClean="0"/>
+              <a:t>IPVC</a:t>
+            </a:r>
+            <a:endParaRPr lang="pt-PT" dirty="0"/>
+          </a:p>
+        </p:txBody>
+      </p:sp>
+      <p:pic>
+        <p:nvPicPr>
+          <p:cNvPr id="9" name="Picture 4"/>
+          <p:cNvPicPr>
+            <a:picLocks noChangeAspect="1"/>
+          </p:cNvPicPr>
+          <p:nvPr/>
+        </p:nvPicPr>
+        <p:blipFill>
+          <a:blip r:embed="rId2" cstate="print">
+            <a:extLst>
+              <a:ext uri="{28A0092B-C50C-407E-A947-70E740481C1C}">
+                <a14:useLocalDpi xmlns:a14="http://schemas.microsoft.com/office/drawing/2010/main" val="0"/>
+              </a:ext>
+            </a:extLst>
+          </a:blip>
+          <a:stretch>
+            <a:fillRect/>
+          </a:stretch>
+        </p:blipFill>
+        <p:spPr>
+          <a:xfrm>
+            <a:off x="10468855" y="300496"/>
+            <a:ext cx="1373649" cy="916911"/>
+          </a:xfrm>
+          <a:prstGeom prst="rect">
+            <a:avLst/>
+          </a:prstGeom>
+        </p:spPr>
+      </p:pic>
+      <p:sp>
+        <p:nvSpPr>
+          <p:cNvPr id="10" name="Slide Number Placeholder 5"/>
+          <p:cNvSpPr txBox="1">
+            <a:spLocks/>
+          </p:cNvSpPr>
+          <p:nvPr/>
+        </p:nvSpPr>
+        <p:spPr>
+          <a:xfrm>
+            <a:off x="3908571" y="6492875"/>
+            <a:ext cx="4435818" cy="365125"/>
+          </a:xfrm>
+          <a:prstGeom prst="rect">
+            <a:avLst/>
+          </a:prstGeom>
+        </p:spPr>
+        <p:txBody>
+          <a:bodyPr vert="horz" lIns="91440" tIns="45720" rIns="91440" bIns="45720" rtlCol="0" anchor="ctr"/>
+          <a:lstStyle>
+            <a:defPPr>
+              <a:defRPr lang="en-US"/>
+            </a:defPPr>
+            <a:lvl1pPr marL="0" algn="r" defTabSz="457200" rtl="0" eaLnBrk="1" latinLnBrk="0" hangingPunct="1">
+              <a:defRPr sz="1050" kern="1200">
+                <a:solidFill>
+                  <a:srgbClr val="FFFFFF"/>
+                </a:solidFill>
+                <a:latin typeface="+mn-lt"/>
+                <a:ea typeface="+mn-ea"/>
+                <a:cs typeface="+mn-cs"/>
+              </a:defRPr>
+            </a:lvl1pPr>
+            <a:lvl2pPr marL="457200" algn="l" defTabSz="457200" rtl="0" eaLnBrk="1" latinLnBrk="0" hangingPunct="1">
+              <a:defRPr sz="1800" kern="1200">
+                <a:solidFill>
+                  <a:schemeClr val="tx1"/>
+                </a:solidFill>
+                <a:latin typeface="+mn-lt"/>
+                <a:ea typeface="+mn-ea"/>
+                <a:cs typeface="+mn-cs"/>
+              </a:defRPr>
+            </a:lvl2pPr>
+            <a:lvl3pPr marL="914400" algn="l" defTabSz="457200" rtl="0" eaLnBrk="1" latinLnBrk="0" hangingPunct="1">
+              <a:defRPr sz="1800" kern="1200">
+                <a:solidFill>
+                  <a:schemeClr val="tx1"/>
+                </a:solidFill>
+                <a:latin typeface="+mn-lt"/>
+                <a:ea typeface="+mn-ea"/>
+                <a:cs typeface="+mn-cs"/>
+              </a:defRPr>
+            </a:lvl3pPr>
+            <a:lvl4pPr marL="1371600" algn="l" defTabSz="457200" rtl="0" eaLnBrk="1" latinLnBrk="0" hangingPunct="1">
+              <a:defRPr sz="1800" kern="1200">
+                <a:solidFill>
+                  <a:schemeClr val="tx1"/>
+                </a:solidFill>
+                <a:latin typeface="+mn-lt"/>
+                <a:ea typeface="+mn-ea"/>
+                <a:cs typeface="+mn-cs"/>
+              </a:defRPr>
+            </a:lvl4pPr>
+            <a:lvl5pPr marL="1828800" algn="l" defTabSz="457200" rtl="0" eaLnBrk="1" latinLnBrk="0" hangingPunct="1">
+              <a:defRPr sz="1800" kern="1200">
+                <a:solidFill>
+                  <a:schemeClr val="tx1"/>
+                </a:solidFill>
+                <a:latin typeface="+mn-lt"/>
+                <a:ea typeface="+mn-ea"/>
+                <a:cs typeface="+mn-cs"/>
+              </a:defRPr>
+            </a:lvl5pPr>
+            <a:lvl6pPr marL="2286000" algn="l" defTabSz="457200" rtl="0" eaLnBrk="1" latinLnBrk="0" hangingPunct="1">
+              <a:defRPr sz="1800" kern="1200">
+                <a:solidFill>
+                  <a:schemeClr val="tx1"/>
+                </a:solidFill>
+                <a:latin typeface="+mn-lt"/>
+                <a:ea typeface="+mn-ea"/>
+                <a:cs typeface="+mn-cs"/>
+              </a:defRPr>
+            </a:lvl6pPr>
+            <a:lvl7pPr marL="2743200" algn="l" defTabSz="457200" rtl="0" eaLnBrk="1" latinLnBrk="0" hangingPunct="1">
+              <a:defRPr sz="1800" kern="1200">
+                <a:solidFill>
+                  <a:schemeClr val="tx1"/>
+                </a:solidFill>
+                <a:latin typeface="+mn-lt"/>
+                <a:ea typeface="+mn-ea"/>
+                <a:cs typeface="+mn-cs"/>
+              </a:defRPr>
+            </a:lvl7pPr>
+            <a:lvl8pPr marL="3200400" algn="l" defTabSz="457200" rtl="0" eaLnBrk="1" latinLnBrk="0" hangingPunct="1">
+              <a:defRPr sz="1800" kern="1200">
+                <a:solidFill>
+                  <a:schemeClr val="tx1"/>
+                </a:solidFill>
+                <a:latin typeface="+mn-lt"/>
+                <a:ea typeface="+mn-ea"/>
+                <a:cs typeface="+mn-cs"/>
+              </a:defRPr>
+            </a:lvl8pPr>
+            <a:lvl9pPr marL="3657600" algn="l" defTabSz="457200" rtl="0" eaLnBrk="1" latinLnBrk="0" hangingPunct="1">
+              <a:defRPr sz="1800" kern="1200">
+                <a:solidFill>
+                  <a:schemeClr val="tx1"/>
+                </a:solidFill>
+                <a:latin typeface="+mn-lt"/>
+                <a:ea typeface="+mn-ea"/>
+                <a:cs typeface="+mn-cs"/>
+              </a:defRPr>
+            </a:lvl9pPr>
+          </a:lstStyle>
+          <a:p>
+            <a:pPr algn="ctr"/>
+            <a:r>
+              <a:rPr lang="pt-PT" sz="1600" b="1" dirty="0" smtClean="0"/>
+              <a:t>HMI para Fabrico Aditivo – Estado da Arte</a:t>
             </a:r>
             <a:endParaRPr lang="pt-PT" sz="1600" b="1" dirty="0"/>
           </a:p>
@@ -6001,7 +9055,7 @@
 </p:sld>
 </file>
 
-<file path=ppt/slides/slide12.xml><?xml version="1.0" encoding="utf-8"?>
+<file path=ppt/slides/slide18.xml><?xml version="1.0" encoding="utf-8"?>
 <p:sld xmlns:a="http://schemas.openxmlformats.org/drawingml/2006/main" xmlns:r="http://schemas.openxmlformats.org/officeDocument/2006/relationships" xmlns:p="http://schemas.openxmlformats.org/presentationml/2006/main">
   <p:cSld>
     <p:spTree>
@@ -6044,7 +9098,6 @@
               <a:rPr lang="pt-PT" sz="3200" b="1" dirty="0" smtClean="0"/>
               <a:t>Planeamento</a:t>
             </a:r>
-            <a:endParaRPr lang="pt-PT" sz="3200" b="1" dirty="0" smtClean="0"/>
           </a:p>
           <a:p>
             <a:pPr marL="342900" indent="-342900">
@@ -6092,7 +9145,6 @@
               <a:rPr lang="pt-PT" sz="2400" dirty="0" smtClean="0"/>
               <a:t>06/07 a 12/07 – Relatório e Apresentação</a:t>
             </a:r>
-            <a:endParaRPr lang="pt-PT" sz="2400" dirty="0" smtClean="0"/>
           </a:p>
           <a:p>
             <a:pPr marL="342900" indent="-342900">
@@ -6101,7 +9153,15 @@
             </a:pPr>
             <a:r>
               <a:rPr lang="pt-PT" sz="2400" dirty="0" smtClean="0"/>
-              <a:t>01/10 a 01/12 – Desenvolvimento do Projeto Final</a:t>
+              <a:t>01/10 a </a:t>
+            </a:r>
+            <a:r>
+              <a:rPr lang="pt-PT" sz="2400" dirty="0" smtClean="0"/>
+              <a:t>01/12 </a:t>
+            </a:r>
+            <a:r>
+              <a:rPr lang="pt-PT" sz="2400" dirty="0" smtClean="0"/>
+              <a:t>– Desenvolvimento do Projeto Final</a:t>
             </a:r>
           </a:p>
           <a:p>
@@ -6113,7 +9173,6 @@
               <a:rPr lang="pt-PT" sz="2400" dirty="0" smtClean="0"/>
               <a:t>02/12 a 01/02 – Relatório e Apresentação Final</a:t>
             </a:r>
-            <a:endParaRPr lang="pt-PT" sz="2400" dirty="0" smtClean="0"/>
           </a:p>
           <a:p>
             <a:pPr marL="342900" indent="-342900">
@@ -6214,7 +9273,7 @@
           <a:p>
             <a:fld id="{422D536B-584E-486B-9435-086987A3D916}" type="slidenum">
               <a:rPr lang="pt-PT" smtClean="0"/>
-              <a:t>12</a:t>
+              <a:t>18</a:t>
             </a:fld>
             <a:endParaRPr lang="pt-PT" dirty="0"/>
           </a:p>
@@ -6491,11 +9550,7 @@
             <a:pPr algn="ctr"/>
             <a:r>
               <a:rPr lang="pt-PT" sz="1600" b="1" dirty="0" smtClean="0"/>
-              <a:t>HMI para Fabrico </a:t>
-            </a:r>
-            <a:r>
-              <a:rPr lang="pt-PT" sz="1600" b="1" dirty="0" smtClean="0"/>
-              <a:t>Aditivo – Estado da Arte</a:t>
+              <a:t>HMI para Fabrico Aditivo – Estado da Arte</a:t>
             </a:r>
             <a:endParaRPr lang="pt-PT" sz="1600" b="1" dirty="0"/>
           </a:p>
@@ -6542,7 +9597,7 @@
 </p:sld>
 </file>
 
-<file path=ppt/slides/slide13.xml><?xml version="1.0" encoding="utf-8"?>
+<file path=ppt/slides/slide19.xml><?xml version="1.0" encoding="utf-8"?>
 <p:sld xmlns:a="http://schemas.openxmlformats.org/drawingml/2006/main" xmlns:r="http://schemas.openxmlformats.org/officeDocument/2006/relationships" xmlns:p="http://schemas.openxmlformats.org/presentationml/2006/main">
   <p:cSld>
     <p:spTree>
@@ -6696,7 +9751,7 @@
           <a:p>
             <a:fld id="{422D536B-584E-486B-9435-086987A3D916}" type="slidenum">
               <a:rPr lang="pt-PT" smtClean="0"/>
-              <a:t>13</a:t>
+              <a:t>19</a:t>
             </a:fld>
             <a:endParaRPr lang="pt-PT" dirty="0"/>
           </a:p>
@@ -6894,7 +9949,7 @@
         <p:spPr>
           <a:xfrm>
             <a:off x="445000" y="166025"/>
-            <a:ext cx="9455458" cy="6863417"/>
+            <a:ext cx="9455458" cy="6124754"/>
           </a:xfrm>
           <a:prstGeom prst="rect">
             <a:avLst/>
@@ -6946,8 +10001,9 @@
             </a:pPr>
             <a:r>
               <a:rPr lang="pt-PT" sz="2400" dirty="0" smtClean="0"/>
-              <a:t>Problema ?</a:t>
-            </a:r>
+              <a:t>Problema</a:t>
+            </a:r>
+            <a:endParaRPr lang="pt-PT" sz="2400" dirty="0" smtClean="0"/>
           </a:p>
           <a:p>
             <a:pPr marL="800100" lvl="1" indent="-342900">
@@ -7016,17 +10072,11 @@
             </a:pPr>
             <a:r>
               <a:rPr lang="pt-PT" sz="2400" dirty="0" smtClean="0"/>
-              <a:t>Controlo e Automação na Indústria</a:t>
-            </a:r>
-          </a:p>
-          <a:p>
-            <a:pPr marL="1257300" lvl="2" indent="-342900">
-              <a:buFont typeface="Arial" panose="020B0604020202020204" pitchFamily="34" charset="0"/>
-              <a:buChar char="•"/>
-            </a:pPr>
+              <a:t>Sistemas </a:t>
+            </a:r>
             <a:r>
               <a:rPr lang="pt-PT" sz="2400" dirty="0" smtClean="0"/>
-              <a:t>Sistemas Web-</a:t>
+              <a:t>Web-</a:t>
             </a:r>
             <a:r>
               <a:rPr lang="pt-PT" sz="2400" dirty="0" err="1" smtClean="0"/>
@@ -7043,24 +10093,10 @@
               <a:buChar char="•"/>
             </a:pPr>
             <a:r>
-              <a:rPr lang="pt-PT" sz="2400" dirty="0" smtClean="0"/>
-              <a:t>Mark </a:t>
-            </a:r>
-            <a:r>
               <a:rPr lang="pt-PT" sz="2400" dirty="0" err="1" smtClean="0"/>
-              <a:t>One</a:t>
-            </a:r>
-            <a:endParaRPr lang="pt-PT" sz="2400" dirty="0" smtClean="0"/>
-          </a:p>
-          <a:p>
-            <a:pPr marL="342900" indent="-342900">
-              <a:buFont typeface="Arial" panose="020B0604020202020204" pitchFamily="34" charset="0"/>
-              <a:buChar char="•"/>
-            </a:pPr>
-            <a:r>
-              <a:rPr lang="pt-PT" sz="2400" dirty="0" smtClean="0"/>
-              <a:t>Tecnologias Utilizadas</a:t>
-            </a:r>
+              <a:t>Markforged</a:t>
+            </a:r>
+            <a:endParaRPr lang="pt-PT" sz="2400" dirty="0" smtClean="0"/>
           </a:p>
           <a:p>
             <a:pPr marL="342900" indent="-342900">
@@ -7071,6 +10107,7 @@
               <a:rPr lang="pt-PT" sz="2400" dirty="0" smtClean="0"/>
               <a:t>Planeamento</a:t>
             </a:r>
+            <a:endParaRPr lang="pt-PT" sz="2400" dirty="0" smtClean="0"/>
           </a:p>
           <a:p>
             <a:pPr marL="342900" indent="-342900">
@@ -7391,7 +10428,7 @@
     </p:spTree>
     <p:extLst>
       <p:ext uri="{BB962C8B-B14F-4D97-AF65-F5344CB8AC3E}">
-        <p14:creationId xmlns:p14="http://schemas.microsoft.com/office/powerpoint/2010/main" val="3787590712"/>
+        <p14:creationId xmlns:p14="http://schemas.microsoft.com/office/powerpoint/2010/main" val="967993589"/>
       </p:ext>
     </p:extLst>
   </p:cSld>
@@ -7953,11 +10990,7 @@
             <a:pPr algn="ctr"/>
             <a:r>
               <a:rPr lang="pt-PT" sz="1600" b="1" dirty="0" smtClean="0"/>
-              <a:t>HMI para Fabrico </a:t>
-            </a:r>
-            <a:r>
-              <a:rPr lang="pt-PT" sz="1600" b="1" dirty="0" smtClean="0"/>
-              <a:t>Aditivo - Introdução</a:t>
+              <a:t>HMI para Fabrico Aditivo - Introdução</a:t>
             </a:r>
             <a:endParaRPr lang="pt-PT" sz="1600" b="1" dirty="0"/>
           </a:p>
@@ -8001,8 +11034,8 @@
         </p:nvSpPr>
         <p:spPr>
           <a:xfrm>
-            <a:off x="444999" y="166025"/>
-            <a:ext cx="11511869" cy="6494085"/>
+            <a:off x="445000" y="166025"/>
+            <a:ext cx="8273332" cy="8340745"/>
           </a:xfrm>
           <a:prstGeom prst="rect">
             <a:avLst/>
@@ -8017,8 +11050,9 @@
           <a:p>
             <a:r>
               <a:rPr lang="pt-PT" sz="3200" b="1" dirty="0" smtClean="0"/>
-              <a:t>Contexto e Motivação</a:t>
-            </a:r>
+              <a:t>Problema</a:t>
+            </a:r>
+            <a:endParaRPr lang="pt-PT" sz="3200" b="1" dirty="0" smtClean="0"/>
           </a:p>
           <a:p>
             <a:pPr marL="342900" indent="-342900">
@@ -8034,8 +11068,34 @@
             </a:pPr>
             <a:r>
               <a:rPr lang="pt-PT" sz="2400" dirty="0" smtClean="0"/>
-              <a:t>Necessidades:</a:t>
-            </a:r>
+              <a:t>Necessidade de obter uma HMI (</a:t>
+            </a:r>
+            <a:r>
+              <a:rPr lang="pt-PT" sz="2400" dirty="0" err="1" smtClean="0"/>
+              <a:t>Human-Machine</a:t>
+            </a:r>
+            <a:r>
+              <a:rPr lang="pt-PT" sz="2400" dirty="0" smtClean="0"/>
+              <a:t> Interface) customizada ao processo de Fabrico Aditivo</a:t>
+            </a:r>
+          </a:p>
+          <a:p>
+            <a:pPr marL="342900" indent="-342900">
+              <a:buFont typeface="Arial" panose="020B0604020202020204" pitchFamily="34" charset="0"/>
+              <a:buChar char="•"/>
+            </a:pPr>
+            <a:endParaRPr lang="pt-PT" sz="2400" dirty="0" smtClean="0"/>
+          </a:p>
+          <a:p>
+            <a:pPr marL="342900" indent="-342900">
+              <a:buFont typeface="Arial" panose="020B0604020202020204" pitchFamily="34" charset="0"/>
+              <a:buChar char="•"/>
+            </a:pPr>
+            <a:r>
+              <a:rPr lang="pt-PT" sz="2400" dirty="0" smtClean="0"/>
+              <a:t>HMI para controlo e feedback local e remoto:</a:t>
+            </a:r>
+            <a:endParaRPr lang="pt-PT" sz="2400" dirty="0" smtClean="0"/>
           </a:p>
           <a:p>
             <a:pPr marL="800100" lvl="1" indent="-342900">
@@ -8064,8 +11124,13 @@
             </a:pPr>
             <a:r>
               <a:rPr lang="pt-PT" sz="2400" dirty="0" smtClean="0"/>
-              <a:t>Fornecer as ferramentas necessárias ao operador</a:t>
-            </a:r>
+              <a:t>Fornecer as ferramentas necessárias </a:t>
+            </a:r>
+            <a:r>
+              <a:rPr lang="pt-PT" sz="2400" dirty="0" smtClean="0"/>
+              <a:t>para o operador manusear o equipamento</a:t>
+            </a:r>
+            <a:endParaRPr lang="pt-PT" sz="2400" dirty="0" smtClean="0"/>
           </a:p>
           <a:p>
             <a:pPr marL="800100" lvl="1" indent="-342900">
@@ -8340,7 +11405,7 @@
         </p:blipFill>
         <p:spPr>
           <a:xfrm>
-            <a:off x="4161528" y="2963238"/>
+            <a:off x="8434046" y="2237788"/>
             <a:ext cx="3440541" cy="3201615"/>
           </a:xfrm>
           <a:prstGeom prst="rect">
@@ -8466,11 +11531,7 @@
             <a:pPr algn="ctr"/>
             <a:r>
               <a:rPr lang="pt-PT" sz="1600" b="1" dirty="0" smtClean="0"/>
-              <a:t>HMI para Fabrico </a:t>
-            </a:r>
-            <a:r>
-              <a:rPr lang="pt-PT" sz="1600" b="1" dirty="0" smtClean="0"/>
-              <a:t>Aditivo - Introdução</a:t>
+              <a:t>HMI para Fabrico Aditivo - Introdução</a:t>
             </a:r>
             <a:endParaRPr lang="pt-PT" sz="1600" b="1" dirty="0"/>
           </a:p>
@@ -8479,7 +11540,7 @@
     </p:spTree>
     <p:extLst>
       <p:ext uri="{BB962C8B-B14F-4D97-AF65-F5344CB8AC3E}">
-        <p14:creationId xmlns:p14="http://schemas.microsoft.com/office/powerpoint/2010/main" val="1842927028"/>
+        <p14:creationId xmlns:p14="http://schemas.microsoft.com/office/powerpoint/2010/main" val="80452792"/>
       </p:ext>
     </p:extLst>
   </p:cSld>
@@ -8632,11 +11693,11 @@
             </a:pPr>
             <a:r>
               <a:rPr lang="pt-PT" sz="2400" dirty="0" smtClean="0"/>
-              <a:t>Explorar outras tecnologias emergentes como Realidade Aumentada, </a:t>
-            </a:r>
-            <a:r>
-              <a:rPr lang="pt-PT" sz="2400" dirty="0" err="1" smtClean="0"/>
-              <a:t>etc</a:t>
+              <a:t>Explorar outras tecnologias </a:t>
+            </a:r>
+            <a:r>
+              <a:rPr lang="pt-PT" sz="2400" dirty="0" smtClean="0"/>
+              <a:t>emergentes</a:t>
             </a:r>
             <a:endParaRPr lang="pt-PT" sz="2400" dirty="0" smtClean="0"/>
           </a:p>
@@ -9020,11 +12081,7 @@
             <a:pPr algn="ctr"/>
             <a:r>
               <a:rPr lang="pt-PT" sz="1600" b="1" dirty="0" smtClean="0"/>
-              <a:t>HMI para Fabrico </a:t>
-            </a:r>
-            <a:r>
-              <a:rPr lang="pt-PT" sz="1600" b="1" dirty="0" smtClean="0"/>
-              <a:t>Aditivo - Introdução</a:t>
+              <a:t>HMI para Fabrico Aditivo - Introdução</a:t>
             </a:r>
             <a:endParaRPr lang="pt-PT" sz="1600" b="1" dirty="0"/>
           </a:p>
@@ -9101,11 +12158,7 @@
             </a:pPr>
             <a:r>
               <a:rPr lang="pt-PT" sz="2400" dirty="0" smtClean="0"/>
-              <a:t>Intersecção </a:t>
-            </a:r>
-            <a:r>
-              <a:rPr lang="pt-PT" sz="2400" dirty="0" smtClean="0"/>
-              <a:t>de áreas distintas como Mecânica, Eletrónica e Informática</a:t>
+              <a:t>Intersecção de áreas distintas como Mecânica, Eletrónica e Informática</a:t>
             </a:r>
           </a:p>
           <a:p>
@@ -9612,11 +12665,7 @@
             <a:pPr algn="ctr"/>
             <a:r>
               <a:rPr lang="pt-PT" sz="1600" b="1" dirty="0" smtClean="0"/>
-              <a:t>HMI para Fabrico </a:t>
-            </a:r>
-            <a:r>
-              <a:rPr lang="pt-PT" sz="1600" b="1" dirty="0" smtClean="0"/>
-              <a:t>Aditivo – Estado da Arte</a:t>
+              <a:t>HMI para Fabrico Aditivo – Estado da Arte</a:t>
             </a:r>
             <a:endParaRPr lang="pt-PT" sz="1600" b="1" dirty="0"/>
           </a:p>
@@ -9678,7 +12727,6 @@
               <a:rPr lang="pt-PT" sz="3200" b="1" dirty="0" smtClean="0"/>
               <a:t>Fabrico Aditivo</a:t>
             </a:r>
-            <a:endParaRPr lang="pt-PT" sz="3200" b="1" dirty="0" smtClean="0"/>
           </a:p>
           <a:p>
             <a:pPr marL="342900" indent="-342900">
@@ -10184,11 +13232,7 @@
             <a:pPr algn="ctr"/>
             <a:r>
               <a:rPr lang="pt-PT" sz="1600" b="1" dirty="0" smtClean="0"/>
-              <a:t>HMI para Fabrico </a:t>
-            </a:r>
-            <a:r>
-              <a:rPr lang="pt-PT" sz="1600" b="1" dirty="0" smtClean="0"/>
-              <a:t>Aditivo – Estado da Arte</a:t>
+              <a:t>HMI para Fabrico Aditivo – Estado da Arte</a:t>
             </a:r>
             <a:endParaRPr lang="pt-PT" sz="1600" b="1" dirty="0"/>
           </a:p>
@@ -10250,7 +13294,6 @@
               <a:rPr lang="pt-PT" sz="3200" b="1" dirty="0" smtClean="0"/>
               <a:t>Web para Automação</a:t>
             </a:r>
-            <a:endParaRPr lang="pt-PT" sz="3200" b="1" dirty="0" smtClean="0"/>
           </a:p>
           <a:p>
             <a:pPr marL="342900" indent="-342900">
@@ -10286,7 +13329,6 @@
               <a:rPr lang="pt-PT" sz="2400" dirty="0" smtClean="0"/>
               <a:t>Integração com tecnologias que nasceram noutras áreas</a:t>
             </a:r>
-            <a:endParaRPr lang="pt-PT" sz="2400" dirty="0" smtClean="0"/>
           </a:p>
           <a:p>
             <a:pPr marL="342900" indent="-342900">
@@ -10735,11 +13777,7 @@
             <a:pPr algn="ctr"/>
             <a:r>
               <a:rPr lang="pt-PT" sz="1600" b="1" dirty="0" smtClean="0"/>
-              <a:t>HMI para Fabrico </a:t>
-            </a:r>
-            <a:r>
-              <a:rPr lang="pt-PT" sz="1600" b="1" dirty="0" smtClean="0"/>
-              <a:t>Aditivo – Estado da Arte</a:t>
+              <a:t>HMI para Fabrico Aditivo – Estado da Arte</a:t>
             </a:r>
             <a:endParaRPr lang="pt-PT" sz="1600" b="1" dirty="0"/>
           </a:p>
@@ -10814,7 +13852,7 @@
         <p:spPr>
           <a:xfrm>
             <a:off x="445000" y="166025"/>
-            <a:ext cx="11747000" cy="10926068"/>
+            <a:ext cx="11747000" cy="9448740"/>
           </a:xfrm>
           <a:prstGeom prst="rect">
             <a:avLst/>
@@ -10829,9 +13867,88 @@
           <a:p>
             <a:r>
               <a:rPr lang="pt-PT" sz="3200" b="1" dirty="0" smtClean="0"/>
-              <a:t>Controlo e Automação na Indústria</a:t>
-            </a:r>
-            <a:endParaRPr lang="pt-PT" sz="3200" b="1" dirty="0" smtClean="0"/>
+              <a:t>Sistemas Web-</a:t>
+            </a:r>
+            <a:r>
+              <a:rPr lang="pt-PT" sz="3200" b="1" dirty="0" err="1" smtClean="0"/>
+              <a:t>Based</a:t>
+            </a:r>
+            <a:r>
+              <a:rPr lang="pt-PT" sz="3200" b="1" dirty="0" smtClean="0"/>
+              <a:t> para Controlo e Automação</a:t>
+            </a:r>
+          </a:p>
+          <a:p>
+            <a:pPr marL="342900" indent="-342900">
+              <a:buFont typeface="Arial" panose="020B0604020202020204" pitchFamily="34" charset="0"/>
+              <a:buChar char="•"/>
+            </a:pPr>
+            <a:endParaRPr lang="pt-PT" sz="2400" dirty="0" smtClean="0"/>
+          </a:p>
+          <a:p>
+            <a:pPr marL="342900" indent="-342900">
+              <a:buFont typeface="Arial" panose="020B0604020202020204" pitchFamily="34" charset="0"/>
+              <a:buChar char="•"/>
+            </a:pPr>
+            <a:endParaRPr lang="en-US" sz="2400" dirty="0" smtClean="0"/>
+          </a:p>
+          <a:p>
+            <a:pPr marL="342900" indent="-342900">
+              <a:buFont typeface="Arial" panose="020B0604020202020204" pitchFamily="34" charset="0"/>
+              <a:buChar char="•"/>
+            </a:pPr>
+            <a:r>
+              <a:rPr lang="en-US" sz="2400" dirty="0" smtClean="0"/>
+              <a:t>Utilization </a:t>
+            </a:r>
+            <a:r>
+              <a:rPr lang="en-US" sz="2400" dirty="0"/>
+              <a:t>of the </a:t>
+            </a:r>
+            <a:r>
+              <a:rPr lang="en-US" sz="2400" dirty="0" smtClean="0"/>
+              <a:t>PLC as </a:t>
+            </a:r>
+            <a:r>
+              <a:rPr lang="en-US" sz="2400" dirty="0"/>
+              <a:t>a Web Server for </a:t>
+            </a:r>
+            <a:r>
+              <a:rPr lang="en-US" sz="2400" dirty="0" smtClean="0"/>
+              <a:t>Remote Monitoring </a:t>
+            </a:r>
+            <a:r>
+              <a:rPr lang="en-US" sz="2400" dirty="0"/>
+              <a:t>of the Technological Process</a:t>
+            </a:r>
+            <a:r>
+              <a:rPr lang="pt-PT" sz="2400" dirty="0"/>
+              <a:t>(</a:t>
+            </a:r>
+            <a:r>
+              <a:rPr lang="pt-PT" sz="2400" dirty="0" err="1"/>
+              <a:t>Kacur</a:t>
+            </a:r>
+            <a:r>
+              <a:rPr lang="pt-PT" sz="2400" dirty="0"/>
+              <a:t>, </a:t>
+            </a:r>
+            <a:r>
+              <a:rPr lang="pt-PT" sz="2400" dirty="0" err="1"/>
+              <a:t>Durdan</a:t>
+            </a:r>
+            <a:r>
+              <a:rPr lang="pt-PT" sz="2400" dirty="0"/>
+              <a:t>, &amp; </a:t>
+            </a:r>
+            <a:r>
+              <a:rPr lang="pt-PT" sz="2400" dirty="0" err="1"/>
+              <a:t>Laciak</a:t>
+            </a:r>
+            <a:r>
+              <a:rPr lang="pt-PT" sz="2400" dirty="0"/>
+              <a:t>, 2013)</a:t>
+            </a:r>
           </a:p>
           <a:p>
             <a:pPr marL="342900" indent="-342900">
@@ -10847,8 +13964,22 @@
             </a:pPr>
             <a:r>
               <a:rPr lang="pt-PT" sz="2400" dirty="0" smtClean="0"/>
-              <a:t>Evolução da web permite vasta aplicabilidade</a:t>
-            </a:r>
+              <a:t>Casos de estudo: medições de parâmetros (temperatura, pressão, </a:t>
+            </a:r>
+            <a:r>
+              <a:rPr lang="pt-PT" sz="2400" dirty="0" err="1" smtClean="0"/>
+              <a:t>etc</a:t>
+            </a:r>
+            <a:r>
+              <a:rPr lang="pt-PT" sz="2400" dirty="0" smtClean="0"/>
+              <a:t>) no enrolamento de bobinas de aço e na gaseificação do carvão</a:t>
+            </a:r>
+          </a:p>
+          <a:p>
+            <a:pPr marL="342900" indent="-342900">
+              <a:buFont typeface="Arial" panose="020B0604020202020204" pitchFamily="34" charset="0"/>
+              <a:buChar char="•"/>
+            </a:pPr>
             <a:endParaRPr lang="pt-PT" sz="2400" dirty="0"/>
           </a:p>
           <a:p>
@@ -10856,18 +13987,10 @@
               <a:buFont typeface="Arial" panose="020B0604020202020204" pitchFamily="34" charset="0"/>
               <a:buChar char="•"/>
             </a:pPr>
-            <a:endParaRPr lang="pt-PT" sz="2400" dirty="0" smtClean="0"/>
-          </a:p>
-          <a:p>
-            <a:pPr marL="342900" indent="-342900">
-              <a:buFont typeface="Arial" panose="020B0604020202020204" pitchFamily="34" charset="0"/>
-              <a:buChar char="•"/>
-            </a:pPr>
             <a:r>
               <a:rPr lang="pt-PT" sz="2400" dirty="0" smtClean="0"/>
-              <a:t>Integração com tecnologias que nasceram noutras áreas</a:t>
-            </a:r>
-            <a:endParaRPr lang="pt-PT" sz="2400" dirty="0" smtClean="0"/>
+              <a:t>PLC (controlador usado na indústria) a fazer de servidor web</a:t>
+            </a:r>
           </a:p>
           <a:p>
             <a:pPr marL="342900" indent="-342900">
@@ -10881,7 +14004,10 @@
               <a:buFont typeface="Arial" panose="020B0604020202020204" pitchFamily="34" charset="0"/>
               <a:buChar char="•"/>
             </a:pPr>
-            <a:endParaRPr lang="pt-PT" sz="2400" dirty="0" smtClean="0"/>
+            <a:r>
+              <a:rPr lang="pt-PT" sz="2400" dirty="0" smtClean="0"/>
+              <a:t>Página web para monitorizar e controlar variáveis do processo remotamente</a:t>
+            </a:r>
           </a:p>
           <a:p>
             <a:pPr marL="342900" indent="-342900">
@@ -10889,56 +14015,6 @@
               <a:buChar char="•"/>
             </a:pPr>
             <a:endParaRPr lang="pt-PT" sz="2400" dirty="0"/>
-          </a:p>
-          <a:p>
-            <a:endParaRPr lang="pt-PT" sz="2400" dirty="0" smtClean="0"/>
-          </a:p>
-          <a:p>
-            <a:endParaRPr lang="pt-PT" sz="2400" dirty="0" smtClean="0"/>
-          </a:p>
-          <a:p>
-            <a:pPr marL="342900" indent="-342900">
-              <a:buFont typeface="Arial" panose="020B0604020202020204" pitchFamily="34" charset="0"/>
-              <a:buChar char="•"/>
-            </a:pPr>
-            <a:r>
-              <a:rPr lang="pt-PT" sz="2400" dirty="0" smtClean="0"/>
-              <a:t>Aquisição, processamento e armazenamento de dados</a:t>
-            </a:r>
-          </a:p>
-          <a:p>
-            <a:pPr marL="342900" indent="-342900">
-              <a:buFont typeface="Arial" panose="020B0604020202020204" pitchFamily="34" charset="0"/>
-              <a:buChar char="•"/>
-            </a:pPr>
-            <a:endParaRPr lang="pt-PT" sz="2400" dirty="0"/>
-          </a:p>
-          <a:p>
-            <a:pPr marL="342900" indent="-342900">
-              <a:buFont typeface="Arial" panose="020B0604020202020204" pitchFamily="34" charset="0"/>
-              <a:buChar char="•"/>
-            </a:pPr>
-            <a:r>
-              <a:rPr lang="pt-PT" sz="2400" dirty="0" smtClean="0"/>
-              <a:t>Disponibilização de dados em tempo real/processados através de soluções web-based</a:t>
-            </a:r>
-          </a:p>
-          <a:p>
-            <a:pPr marL="342900" indent="-342900">
-              <a:buFont typeface="Arial" panose="020B0604020202020204" pitchFamily="34" charset="0"/>
-              <a:buChar char="•"/>
-            </a:pPr>
-            <a:endParaRPr lang="pt-PT" sz="2400" dirty="0"/>
-          </a:p>
-          <a:p>
-            <a:pPr marL="342900" indent="-342900">
-              <a:buFont typeface="Arial" panose="020B0604020202020204" pitchFamily="34" charset="0"/>
-              <a:buChar char="•"/>
-            </a:pPr>
-            <a:r>
-              <a:rPr lang="pt-PT" sz="2400" dirty="0" smtClean="0"/>
-              <a:t>Visualização dos dados em diversos dispositivos, local ou remotamente, integração com tecnologias emergentes, entre outras</a:t>
-            </a:r>
           </a:p>
           <a:p>
             <a:pPr marL="342900" indent="-342900">
@@ -11316,50 +14392,16 @@
             <a:pPr algn="ctr"/>
             <a:r>
               <a:rPr lang="pt-PT" sz="1600" b="1" dirty="0" smtClean="0"/>
-              <a:t>HMI para Fabrico </a:t>
-            </a:r>
-            <a:r>
-              <a:rPr lang="pt-PT" sz="1600" b="1" dirty="0" smtClean="0"/>
-              <a:t>Aditivo – Estado da Arte</a:t>
+              <a:t>HMI para Fabrico Aditivo – Estado da Arte</a:t>
             </a:r>
             <a:endParaRPr lang="pt-PT" sz="1600" b="1" dirty="0"/>
           </a:p>
         </p:txBody>
       </p:sp>
-      <p:pic>
-        <p:nvPicPr>
-          <p:cNvPr id="3" name="Picture 2"/>
-          <p:cNvPicPr>
-            <a:picLocks noChangeAspect="1"/>
-          </p:cNvPicPr>
-          <p:nvPr/>
-        </p:nvPicPr>
-        <p:blipFill>
-          <a:blip r:embed="rId3" cstate="print">
-            <a:extLst>
-              <a:ext uri="{28A0092B-C50C-407E-A947-70E740481C1C}">
-                <a14:useLocalDpi xmlns:a14="http://schemas.microsoft.com/office/drawing/2010/main" val="0"/>
-              </a:ext>
-            </a:extLst>
-          </a:blip>
-          <a:stretch>
-            <a:fillRect/>
-          </a:stretch>
-        </p:blipFill>
-        <p:spPr>
-          <a:xfrm>
-            <a:off x="3830194" y="2242590"/>
-            <a:ext cx="2971200" cy="1671299"/>
-          </a:xfrm>
-          <a:prstGeom prst="rect">
-            <a:avLst/>
-          </a:prstGeom>
-        </p:spPr>
-      </p:pic>
     </p:spTree>
     <p:extLst>
       <p:ext uri="{BB962C8B-B14F-4D97-AF65-F5344CB8AC3E}">
-        <p14:creationId xmlns:p14="http://schemas.microsoft.com/office/powerpoint/2010/main" val="2719922800"/>
+        <p14:creationId xmlns:p14="http://schemas.microsoft.com/office/powerpoint/2010/main" val="3964441751"/>
       </p:ext>
     </p:extLst>
   </p:cSld>

--- a/Apresentacao Intermedia - Marco Rodrigues.pptx
+++ b/Apresentacao Intermedia - Marco Rodrigues.pptx
@@ -13,19 +13,19 @@
     <p:sldId id="315" r:id="rId4"/>
     <p:sldId id="326" r:id="rId5"/>
     <p:sldId id="317" r:id="rId6"/>
-    <p:sldId id="318" r:id="rId7"/>
-    <p:sldId id="319" r:id="rId8"/>
-    <p:sldId id="320" r:id="rId9"/>
-    <p:sldId id="322" r:id="rId10"/>
-    <p:sldId id="328" r:id="rId11"/>
-    <p:sldId id="329" r:id="rId12"/>
-    <p:sldId id="330" r:id="rId13"/>
-    <p:sldId id="331" r:id="rId14"/>
-    <p:sldId id="332" r:id="rId15"/>
-    <p:sldId id="333" r:id="rId16"/>
-    <p:sldId id="334" r:id="rId17"/>
-    <p:sldId id="323" r:id="rId18"/>
-    <p:sldId id="324" r:id="rId19"/>
+    <p:sldId id="324" r:id="rId7"/>
+    <p:sldId id="318" r:id="rId8"/>
+    <p:sldId id="319" r:id="rId9"/>
+    <p:sldId id="320" r:id="rId10"/>
+    <p:sldId id="322" r:id="rId11"/>
+    <p:sldId id="328" r:id="rId12"/>
+    <p:sldId id="329" r:id="rId13"/>
+    <p:sldId id="330" r:id="rId14"/>
+    <p:sldId id="331" r:id="rId15"/>
+    <p:sldId id="332" r:id="rId16"/>
+    <p:sldId id="333" r:id="rId17"/>
+    <p:sldId id="334" r:id="rId18"/>
+    <p:sldId id="323" r:id="rId19"/>
     <p:sldId id="325" r:id="rId20"/>
   </p:sldIdLst>
   <p:sldSz cx="12192000" cy="6858000"/>
@@ -374,7 +374,7 @@
           <a:p>
             <a:fld id="{3AAACB8F-4718-497B-9A35-224BBBB1AF80}" type="slidenum">
               <a:rPr lang="pt-PT" smtClean="0"/>
-              <a:t>‹nº›</a:t>
+              <a:t>‹#›</a:t>
             </a:fld>
             <a:endParaRPr lang="pt-PT"/>
           </a:p>
@@ -751,7 +751,7 @@
           <a:p>
             <a:fld id="{422D536B-584E-486B-9435-086987A3D916}" type="slidenum">
               <a:rPr lang="pt-PT" smtClean="0"/>
-              <a:t>‹nº›</a:t>
+              <a:t>‹#›</a:t>
             </a:fld>
             <a:endParaRPr lang="pt-PT"/>
           </a:p>
@@ -959,7 +959,7 @@
           <a:p>
             <a:fld id="{422D536B-584E-486B-9435-086987A3D916}" type="slidenum">
               <a:rPr lang="pt-PT" smtClean="0"/>
-              <a:t>‹nº›</a:t>
+              <a:t>‹#›</a:t>
             </a:fld>
             <a:endParaRPr lang="pt-PT"/>
           </a:p>
@@ -1215,7 +1215,7 @@
           <a:p>
             <a:fld id="{422D536B-584E-486B-9435-086987A3D916}" type="slidenum">
               <a:rPr lang="pt-PT" smtClean="0"/>
-              <a:t>‹nº›</a:t>
+              <a:t>‹#›</a:t>
             </a:fld>
             <a:endParaRPr lang="pt-PT"/>
           </a:p>
@@ -1389,7 +1389,7 @@
           <a:p>
             <a:fld id="{422D536B-584E-486B-9435-086987A3D916}" type="slidenum">
               <a:rPr lang="pt-PT" smtClean="0"/>
-              <a:t>‹nº›</a:t>
+              <a:t>‹#›</a:t>
             </a:fld>
             <a:endParaRPr lang="pt-PT"/>
           </a:p>
@@ -1732,7 +1732,7 @@
           <a:p>
             <a:fld id="{422D536B-584E-486B-9435-086987A3D916}" type="slidenum">
               <a:rPr lang="pt-PT" smtClean="0"/>
-              <a:t>‹nº›</a:t>
+              <a:t>‹#›</a:t>
             </a:fld>
             <a:endParaRPr lang="pt-PT"/>
           </a:p>
@@ -2007,7 +2007,7 @@
           <a:p>
             <a:fld id="{422D536B-584E-486B-9435-086987A3D916}" type="slidenum">
               <a:rPr lang="pt-PT" smtClean="0"/>
-              <a:t>‹nº›</a:t>
+              <a:t>‹#›</a:t>
             </a:fld>
             <a:endParaRPr lang="pt-PT"/>
           </a:p>
@@ -2386,7 +2386,7 @@
           <a:p>
             <a:fld id="{422D536B-584E-486B-9435-086987A3D916}" type="slidenum">
               <a:rPr lang="pt-PT" smtClean="0"/>
-              <a:t>‹nº›</a:t>
+              <a:t>‹#›</a:t>
             </a:fld>
             <a:endParaRPr lang="pt-PT"/>
           </a:p>
@@ -2504,7 +2504,7 @@
           <a:p>
             <a:fld id="{422D536B-584E-486B-9435-086987A3D916}" type="slidenum">
               <a:rPr lang="pt-PT" smtClean="0"/>
-              <a:t>‹nº›</a:t>
+              <a:t>‹#›</a:t>
             </a:fld>
             <a:endParaRPr lang="pt-PT"/>
           </a:p>
@@ -2683,7 +2683,7 @@
           <a:p>
             <a:fld id="{422D536B-584E-486B-9435-086987A3D916}" type="slidenum">
               <a:rPr lang="pt-PT" smtClean="0"/>
-              <a:t>‹nº›</a:t>
+              <a:t>‹#›</a:t>
             </a:fld>
             <a:endParaRPr lang="pt-PT"/>
           </a:p>
@@ -3050,7 +3050,7 @@
           <a:p>
             <a:fld id="{422D536B-584E-486B-9435-086987A3D916}" type="slidenum">
               <a:rPr lang="pt-PT" smtClean="0"/>
-              <a:t>‹nº›</a:t>
+              <a:t>‹#›</a:t>
             </a:fld>
             <a:endParaRPr lang="pt-PT"/>
           </a:p>
@@ -3411,7 +3411,7 @@
           <a:p>
             <a:fld id="{422D536B-584E-486B-9435-086987A3D916}" type="slidenum">
               <a:rPr lang="pt-PT" smtClean="0"/>
-              <a:t>‹nº›</a:t>
+              <a:t>‹#›</a:t>
             </a:fld>
             <a:endParaRPr lang="pt-PT"/>
           </a:p>
@@ -3730,7 +3730,7 @@
           <a:p>
             <a:fld id="{422D536B-584E-486B-9435-086987A3D916}" type="slidenum">
               <a:rPr lang="pt-PT" smtClean="0"/>
-              <a:t>‹nº›</a:t>
+              <a:t>‹#›</a:t>
             </a:fld>
             <a:endParaRPr lang="pt-PT"/>
           </a:p>
@@ -4183,34 +4183,6 @@
       </p:grpSpPr>
       <p:sp>
         <p:nvSpPr>
-          <p:cNvPr id="2" name="Title 1"/>
-          <p:cNvSpPr>
-            <a:spLocks noGrp="1"/>
-          </p:cNvSpPr>
-          <p:nvPr>
-            <p:ph type="ctrTitle"/>
-          </p:nvPr>
-        </p:nvSpPr>
-        <p:spPr>
-          <a:xfrm>
-            <a:off x="1097280" y="1033267"/>
-            <a:ext cx="10058400" cy="1453025"/>
-          </a:xfrm>
-        </p:spPr>
-        <p:txBody>
-          <a:bodyPr/>
-          <a:lstStyle/>
-          <a:p>
-            <a:r>
-              <a:rPr lang="pt-PT" dirty="0" smtClean="0"/>
-              <a:t>Projeto de Mestrado</a:t>
-            </a:r>
-            <a:endParaRPr lang="pt-PT" dirty="0"/>
-          </a:p>
-        </p:txBody>
-      </p:sp>
-      <p:sp>
-        <p:nvSpPr>
           <p:cNvPr id="3" name="Subtitle 2"/>
           <p:cNvSpPr>
             <a:spLocks noGrp="1"/>
@@ -4280,7 +4252,7 @@
         </p:nvSpPr>
         <p:spPr>
           <a:xfrm>
-            <a:off x="1097280" y="2607286"/>
+            <a:off x="1097279" y="1858994"/>
             <a:ext cx="10058400" cy="1453025"/>
           </a:xfrm>
           <a:prstGeom prst="rect">
@@ -4315,10 +4287,10 @@
           </a:lstStyle>
           <a:p>
             <a:r>
-              <a:rPr lang="pt-PT" sz="5400" dirty="0" smtClean="0"/>
+              <a:rPr lang="pt-PT" sz="6000" dirty="0" smtClean="0"/>
               <a:t>HMI para Fabrico Aditivo</a:t>
             </a:r>
-            <a:endParaRPr lang="pt-PT" sz="5400" dirty="0"/>
+            <a:endParaRPr lang="pt-PT" sz="6000" dirty="0"/>
           </a:p>
         </p:txBody>
       </p:sp>
@@ -4869,6 +4841,591 @@
         <p:spPr>
           <a:xfrm>
             <a:off x="445000" y="166025"/>
+            <a:ext cx="11747000" cy="9448740"/>
+          </a:xfrm>
+          <a:prstGeom prst="rect">
+            <a:avLst/>
+          </a:prstGeom>
+          <a:noFill/>
+        </p:spPr>
+        <p:txBody>
+          <a:bodyPr wrap="square" rtlCol="0">
+            <a:spAutoFit/>
+          </a:bodyPr>
+          <a:lstStyle/>
+          <a:p>
+            <a:r>
+              <a:rPr lang="pt-PT" sz="3200" b="1" dirty="0" smtClean="0"/>
+              <a:t>Sistemas Web-</a:t>
+            </a:r>
+            <a:r>
+              <a:rPr lang="pt-PT" sz="3200" b="1" dirty="0" err="1" smtClean="0"/>
+              <a:t>Based</a:t>
+            </a:r>
+            <a:r>
+              <a:rPr lang="pt-PT" sz="3200" b="1" dirty="0" smtClean="0"/>
+              <a:t> para Controlo e Automação</a:t>
+            </a:r>
+          </a:p>
+          <a:p>
+            <a:pPr marL="342900" indent="-342900">
+              <a:buFont typeface="Arial" panose="020B0604020202020204" pitchFamily="34" charset="0"/>
+              <a:buChar char="•"/>
+            </a:pPr>
+            <a:endParaRPr lang="pt-PT" sz="2400" dirty="0" smtClean="0"/>
+          </a:p>
+          <a:p>
+            <a:pPr marL="342900" indent="-342900">
+              <a:buFont typeface="Arial" panose="020B0604020202020204" pitchFamily="34" charset="0"/>
+              <a:buChar char="•"/>
+            </a:pPr>
+            <a:endParaRPr lang="en-US" sz="2400" dirty="0" smtClean="0"/>
+          </a:p>
+          <a:p>
+            <a:pPr marL="342900" indent="-342900">
+              <a:buFont typeface="Arial" panose="020B0604020202020204" pitchFamily="34" charset="0"/>
+              <a:buChar char="•"/>
+            </a:pPr>
+            <a:r>
+              <a:rPr lang="en-US" sz="2400" dirty="0" smtClean="0"/>
+              <a:t>Utilization </a:t>
+            </a:r>
+            <a:r>
+              <a:rPr lang="en-US" sz="2400" dirty="0"/>
+              <a:t>of the </a:t>
+            </a:r>
+            <a:r>
+              <a:rPr lang="en-US" sz="2400" dirty="0" smtClean="0"/>
+              <a:t>PLC as </a:t>
+            </a:r>
+            <a:r>
+              <a:rPr lang="en-US" sz="2400" dirty="0"/>
+              <a:t>a Web Server for </a:t>
+            </a:r>
+            <a:r>
+              <a:rPr lang="en-US" sz="2400" dirty="0" smtClean="0"/>
+              <a:t>Remote Monitoring </a:t>
+            </a:r>
+            <a:r>
+              <a:rPr lang="en-US" sz="2400" dirty="0"/>
+              <a:t>of the Technological Process</a:t>
+            </a:r>
+            <a:r>
+              <a:rPr lang="pt-PT" sz="2400" dirty="0"/>
+              <a:t>(</a:t>
+            </a:r>
+            <a:r>
+              <a:rPr lang="pt-PT" sz="2400" dirty="0" err="1"/>
+              <a:t>Kacur</a:t>
+            </a:r>
+            <a:r>
+              <a:rPr lang="pt-PT" sz="2400" dirty="0"/>
+              <a:t>, </a:t>
+            </a:r>
+            <a:r>
+              <a:rPr lang="pt-PT" sz="2400" dirty="0" err="1"/>
+              <a:t>Durdan</a:t>
+            </a:r>
+            <a:r>
+              <a:rPr lang="pt-PT" sz="2400" dirty="0"/>
+              <a:t>, &amp; </a:t>
+            </a:r>
+            <a:r>
+              <a:rPr lang="pt-PT" sz="2400" dirty="0" err="1"/>
+              <a:t>Laciak</a:t>
+            </a:r>
+            <a:r>
+              <a:rPr lang="pt-PT" sz="2400" dirty="0"/>
+              <a:t>, 2013)</a:t>
+            </a:r>
+          </a:p>
+          <a:p>
+            <a:pPr marL="342900" indent="-342900">
+              <a:buFont typeface="Arial" panose="020B0604020202020204" pitchFamily="34" charset="0"/>
+              <a:buChar char="•"/>
+            </a:pPr>
+            <a:endParaRPr lang="pt-PT" sz="2400" dirty="0" smtClean="0"/>
+          </a:p>
+          <a:p>
+            <a:pPr marL="342900" indent="-342900">
+              <a:buFont typeface="Arial" panose="020B0604020202020204" pitchFamily="34" charset="0"/>
+              <a:buChar char="•"/>
+            </a:pPr>
+            <a:r>
+              <a:rPr lang="pt-PT" sz="2400" dirty="0" smtClean="0"/>
+              <a:t>Casos de estudo: medições de parâmetros (temperatura, pressão, </a:t>
+            </a:r>
+            <a:r>
+              <a:rPr lang="pt-PT" sz="2400" dirty="0" err="1" smtClean="0"/>
+              <a:t>etc</a:t>
+            </a:r>
+            <a:r>
+              <a:rPr lang="pt-PT" sz="2400" dirty="0" smtClean="0"/>
+              <a:t>) no enrolamento de bobinas de aço e na gaseificação do carvão</a:t>
+            </a:r>
+          </a:p>
+          <a:p>
+            <a:pPr marL="342900" indent="-342900">
+              <a:buFont typeface="Arial" panose="020B0604020202020204" pitchFamily="34" charset="0"/>
+              <a:buChar char="•"/>
+            </a:pPr>
+            <a:endParaRPr lang="pt-PT" sz="2400" dirty="0"/>
+          </a:p>
+          <a:p>
+            <a:pPr marL="342900" indent="-342900">
+              <a:buFont typeface="Arial" panose="020B0604020202020204" pitchFamily="34" charset="0"/>
+              <a:buChar char="•"/>
+            </a:pPr>
+            <a:r>
+              <a:rPr lang="pt-PT" sz="2400" dirty="0" smtClean="0"/>
+              <a:t>PLC (controlador usado na indústria) a fazer de servidor web</a:t>
+            </a:r>
+          </a:p>
+          <a:p>
+            <a:pPr marL="342900" indent="-342900">
+              <a:buFont typeface="Arial" panose="020B0604020202020204" pitchFamily="34" charset="0"/>
+              <a:buChar char="•"/>
+            </a:pPr>
+            <a:endParaRPr lang="pt-PT" sz="2400" dirty="0"/>
+          </a:p>
+          <a:p>
+            <a:pPr marL="342900" indent="-342900">
+              <a:buFont typeface="Arial" panose="020B0604020202020204" pitchFamily="34" charset="0"/>
+              <a:buChar char="•"/>
+            </a:pPr>
+            <a:r>
+              <a:rPr lang="pt-PT" sz="2400" dirty="0" smtClean="0"/>
+              <a:t>Página web para monitorizar e controlar variáveis do processo remotamente</a:t>
+            </a:r>
+          </a:p>
+          <a:p>
+            <a:pPr marL="342900" indent="-342900">
+              <a:buFont typeface="Arial" panose="020B0604020202020204" pitchFamily="34" charset="0"/>
+              <a:buChar char="•"/>
+            </a:pPr>
+            <a:endParaRPr lang="pt-PT" sz="2400" dirty="0"/>
+          </a:p>
+          <a:p>
+            <a:pPr marL="342900" indent="-342900">
+              <a:buFont typeface="Arial" panose="020B0604020202020204" pitchFamily="34" charset="0"/>
+              <a:buChar char="•"/>
+            </a:pPr>
+            <a:endParaRPr lang="pt-PT" sz="2400" dirty="0" smtClean="0"/>
+          </a:p>
+          <a:p>
+            <a:pPr marL="342900" indent="-342900">
+              <a:buFont typeface="Arial" panose="020B0604020202020204" pitchFamily="34" charset="0"/>
+              <a:buChar char="•"/>
+            </a:pPr>
+            <a:endParaRPr lang="pt-PT" sz="2400" dirty="0" smtClean="0"/>
+          </a:p>
+          <a:p>
+            <a:endParaRPr lang="pt-PT" sz="2400" dirty="0" smtClean="0"/>
+          </a:p>
+          <a:p>
+            <a:pPr marL="342900" indent="-342900">
+              <a:buFont typeface="Arial" panose="020B0604020202020204" pitchFamily="34" charset="0"/>
+              <a:buChar char="•"/>
+            </a:pPr>
+            <a:endParaRPr lang="pt-PT" sz="2400" dirty="0" smtClean="0"/>
+          </a:p>
+          <a:p>
+            <a:pPr marL="342900" indent="-342900">
+              <a:buFont typeface="Arial" panose="020B0604020202020204" pitchFamily="34" charset="0"/>
+              <a:buChar char="•"/>
+            </a:pPr>
+            <a:endParaRPr lang="pt-PT" sz="2400" dirty="0" smtClean="0"/>
+          </a:p>
+          <a:p>
+            <a:pPr marL="342900" indent="-342900">
+              <a:buFont typeface="Arial" panose="020B0604020202020204" pitchFamily="34" charset="0"/>
+              <a:buChar char="•"/>
+            </a:pPr>
+            <a:endParaRPr lang="pt-PT" sz="2400" dirty="0"/>
+          </a:p>
+          <a:p>
+            <a:pPr marL="342900" indent="-342900">
+              <a:buFont typeface="Arial" panose="020B0604020202020204" pitchFamily="34" charset="0"/>
+              <a:buChar char="•"/>
+            </a:pPr>
+            <a:endParaRPr lang="pt-PT" sz="2400" dirty="0" smtClean="0"/>
+          </a:p>
+          <a:p>
+            <a:pPr marL="342900" indent="-342900">
+              <a:buFont typeface="Arial" panose="020B0604020202020204" pitchFamily="34" charset="0"/>
+              <a:buChar char="•"/>
+            </a:pPr>
+            <a:endParaRPr lang="pt-PT" sz="2400" dirty="0" smtClean="0"/>
+          </a:p>
+          <a:p>
+            <a:pPr marL="342900" indent="-342900">
+              <a:buFont typeface="Arial" panose="020B0604020202020204" pitchFamily="34" charset="0"/>
+              <a:buChar char="•"/>
+            </a:pPr>
+            <a:endParaRPr lang="pt-PT" sz="2400" dirty="0" smtClean="0"/>
+          </a:p>
+          <a:p>
+            <a:pPr marL="342900" indent="-342900">
+              <a:buFont typeface="Arial" panose="020B0604020202020204" pitchFamily="34" charset="0"/>
+              <a:buChar char="•"/>
+            </a:pPr>
+            <a:endParaRPr lang="pt-PT" sz="2400" dirty="0" smtClean="0"/>
+          </a:p>
+          <a:p>
+            <a:pPr marL="342900" indent="-342900">
+              <a:buFont typeface="Arial" panose="020B0604020202020204" pitchFamily="34" charset="0"/>
+              <a:buChar char="•"/>
+            </a:pPr>
+            <a:endParaRPr lang="pt-PT" sz="2400" dirty="0"/>
+          </a:p>
+          <a:p>
+            <a:pPr marL="342900" indent="-342900">
+              <a:buFont typeface="Arial" panose="020B0604020202020204" pitchFamily="34" charset="0"/>
+              <a:buChar char="•"/>
+            </a:pPr>
+            <a:endParaRPr lang="pt-PT" sz="2400" dirty="0" smtClean="0"/>
+          </a:p>
+        </p:txBody>
+      </p:sp>
+      <p:sp>
+        <p:nvSpPr>
+          <p:cNvPr id="2" name="Slide Number Placeholder 1"/>
+          <p:cNvSpPr>
+            <a:spLocks noGrp="1"/>
+          </p:cNvSpPr>
+          <p:nvPr>
+            <p:ph type="sldNum" sz="quarter" idx="12"/>
+          </p:nvPr>
+        </p:nvSpPr>
+        <p:spPr/>
+        <p:txBody>
+          <a:bodyPr/>
+          <a:lstStyle/>
+          <a:p>
+            <a:fld id="{422D536B-584E-486B-9435-086987A3D916}" type="slidenum">
+              <a:rPr lang="pt-PT" smtClean="0"/>
+              <a:t>10</a:t>
+            </a:fld>
+            <a:endParaRPr lang="pt-PT" dirty="0"/>
+          </a:p>
+        </p:txBody>
+      </p:sp>
+      <p:sp>
+        <p:nvSpPr>
+          <p:cNvPr id="6" name="Slide Number Placeholder 5"/>
+          <p:cNvSpPr txBox="1">
+            <a:spLocks/>
+          </p:cNvSpPr>
+          <p:nvPr/>
+        </p:nvSpPr>
+        <p:spPr>
+          <a:xfrm>
+            <a:off x="0" y="6464982"/>
+            <a:ext cx="475129" cy="365125"/>
+          </a:xfrm>
+          <a:prstGeom prst="rect">
+            <a:avLst/>
+          </a:prstGeom>
+        </p:spPr>
+        <p:txBody>
+          <a:bodyPr vert="horz" lIns="91440" tIns="45720" rIns="91440" bIns="45720" rtlCol="0" anchor="ctr"/>
+          <a:lstStyle>
+            <a:defPPr>
+              <a:defRPr lang="en-US"/>
+            </a:defPPr>
+            <a:lvl1pPr marL="0" algn="r" defTabSz="457200" rtl="0" eaLnBrk="1" latinLnBrk="0" hangingPunct="1">
+              <a:defRPr sz="1050" kern="1200">
+                <a:solidFill>
+                  <a:srgbClr val="FFFFFF"/>
+                </a:solidFill>
+                <a:latin typeface="+mn-lt"/>
+                <a:ea typeface="+mn-ea"/>
+                <a:cs typeface="+mn-cs"/>
+              </a:defRPr>
+            </a:lvl1pPr>
+            <a:lvl2pPr marL="457200" algn="l" defTabSz="457200" rtl="0" eaLnBrk="1" latinLnBrk="0" hangingPunct="1">
+              <a:defRPr sz="1800" kern="1200">
+                <a:solidFill>
+                  <a:schemeClr val="tx1"/>
+                </a:solidFill>
+                <a:latin typeface="+mn-lt"/>
+                <a:ea typeface="+mn-ea"/>
+                <a:cs typeface="+mn-cs"/>
+              </a:defRPr>
+            </a:lvl2pPr>
+            <a:lvl3pPr marL="914400" algn="l" defTabSz="457200" rtl="0" eaLnBrk="1" latinLnBrk="0" hangingPunct="1">
+              <a:defRPr sz="1800" kern="1200">
+                <a:solidFill>
+                  <a:schemeClr val="tx1"/>
+                </a:solidFill>
+                <a:latin typeface="+mn-lt"/>
+                <a:ea typeface="+mn-ea"/>
+                <a:cs typeface="+mn-cs"/>
+              </a:defRPr>
+            </a:lvl3pPr>
+            <a:lvl4pPr marL="1371600" algn="l" defTabSz="457200" rtl="0" eaLnBrk="1" latinLnBrk="0" hangingPunct="1">
+              <a:defRPr sz="1800" kern="1200">
+                <a:solidFill>
+                  <a:schemeClr val="tx1"/>
+                </a:solidFill>
+                <a:latin typeface="+mn-lt"/>
+                <a:ea typeface="+mn-ea"/>
+                <a:cs typeface="+mn-cs"/>
+              </a:defRPr>
+            </a:lvl4pPr>
+            <a:lvl5pPr marL="1828800" algn="l" defTabSz="457200" rtl="0" eaLnBrk="1" latinLnBrk="0" hangingPunct="1">
+              <a:defRPr sz="1800" kern="1200">
+                <a:solidFill>
+                  <a:schemeClr val="tx1"/>
+                </a:solidFill>
+                <a:latin typeface="+mn-lt"/>
+                <a:ea typeface="+mn-ea"/>
+                <a:cs typeface="+mn-cs"/>
+              </a:defRPr>
+            </a:lvl5pPr>
+            <a:lvl6pPr marL="2286000" algn="l" defTabSz="457200" rtl="0" eaLnBrk="1" latinLnBrk="0" hangingPunct="1">
+              <a:defRPr sz="1800" kern="1200">
+                <a:solidFill>
+                  <a:schemeClr val="tx1"/>
+                </a:solidFill>
+                <a:latin typeface="+mn-lt"/>
+                <a:ea typeface="+mn-ea"/>
+                <a:cs typeface="+mn-cs"/>
+              </a:defRPr>
+            </a:lvl6pPr>
+            <a:lvl7pPr marL="2743200" algn="l" defTabSz="457200" rtl="0" eaLnBrk="1" latinLnBrk="0" hangingPunct="1">
+              <a:defRPr sz="1800" kern="1200">
+                <a:solidFill>
+                  <a:schemeClr val="tx1"/>
+                </a:solidFill>
+                <a:latin typeface="+mn-lt"/>
+                <a:ea typeface="+mn-ea"/>
+                <a:cs typeface="+mn-cs"/>
+              </a:defRPr>
+            </a:lvl7pPr>
+            <a:lvl8pPr marL="3200400" algn="l" defTabSz="457200" rtl="0" eaLnBrk="1" latinLnBrk="0" hangingPunct="1">
+              <a:defRPr sz="1800" kern="1200">
+                <a:solidFill>
+                  <a:schemeClr val="tx1"/>
+                </a:solidFill>
+                <a:latin typeface="+mn-lt"/>
+                <a:ea typeface="+mn-ea"/>
+                <a:cs typeface="+mn-cs"/>
+              </a:defRPr>
+            </a:lvl8pPr>
+            <a:lvl9pPr marL="3657600" algn="l" defTabSz="457200" rtl="0" eaLnBrk="1" latinLnBrk="0" hangingPunct="1">
+              <a:defRPr sz="1800" kern="1200">
+                <a:solidFill>
+                  <a:schemeClr val="tx1"/>
+                </a:solidFill>
+                <a:latin typeface="+mn-lt"/>
+                <a:ea typeface="+mn-ea"/>
+                <a:cs typeface="+mn-cs"/>
+              </a:defRPr>
+            </a:lvl9pPr>
+          </a:lstStyle>
+          <a:p>
+            <a:r>
+              <a:rPr lang="pt-PT" dirty="0" smtClean="0"/>
+              <a:t>IPVC</a:t>
+            </a:r>
+            <a:endParaRPr lang="pt-PT" dirty="0"/>
+          </a:p>
+        </p:txBody>
+      </p:sp>
+      <p:pic>
+        <p:nvPicPr>
+          <p:cNvPr id="9" name="Picture 4"/>
+          <p:cNvPicPr>
+            <a:picLocks noChangeAspect="1"/>
+          </p:cNvPicPr>
+          <p:nvPr/>
+        </p:nvPicPr>
+        <p:blipFill>
+          <a:blip r:embed="rId2" cstate="print">
+            <a:extLst>
+              <a:ext uri="{28A0092B-C50C-407E-A947-70E740481C1C}">
+                <a14:useLocalDpi xmlns:a14="http://schemas.microsoft.com/office/drawing/2010/main" val="0"/>
+              </a:ext>
+            </a:extLst>
+          </a:blip>
+          <a:stretch>
+            <a:fillRect/>
+          </a:stretch>
+        </p:blipFill>
+        <p:spPr>
+          <a:xfrm>
+            <a:off x="10468855" y="300496"/>
+            <a:ext cx="1373649" cy="916911"/>
+          </a:xfrm>
+          <a:prstGeom prst="rect">
+            <a:avLst/>
+          </a:prstGeom>
+        </p:spPr>
+      </p:pic>
+      <p:sp>
+        <p:nvSpPr>
+          <p:cNvPr id="10" name="Slide Number Placeholder 5"/>
+          <p:cNvSpPr txBox="1">
+            <a:spLocks/>
+          </p:cNvSpPr>
+          <p:nvPr/>
+        </p:nvSpPr>
+        <p:spPr>
+          <a:xfrm>
+            <a:off x="3908571" y="6492875"/>
+            <a:ext cx="4435818" cy="365125"/>
+          </a:xfrm>
+          <a:prstGeom prst="rect">
+            <a:avLst/>
+          </a:prstGeom>
+        </p:spPr>
+        <p:txBody>
+          <a:bodyPr vert="horz" lIns="91440" tIns="45720" rIns="91440" bIns="45720" rtlCol="0" anchor="ctr"/>
+          <a:lstStyle>
+            <a:defPPr>
+              <a:defRPr lang="en-US"/>
+            </a:defPPr>
+            <a:lvl1pPr marL="0" algn="r" defTabSz="457200" rtl="0" eaLnBrk="1" latinLnBrk="0" hangingPunct="1">
+              <a:defRPr sz="1050" kern="1200">
+                <a:solidFill>
+                  <a:srgbClr val="FFFFFF"/>
+                </a:solidFill>
+                <a:latin typeface="+mn-lt"/>
+                <a:ea typeface="+mn-ea"/>
+                <a:cs typeface="+mn-cs"/>
+              </a:defRPr>
+            </a:lvl1pPr>
+            <a:lvl2pPr marL="457200" algn="l" defTabSz="457200" rtl="0" eaLnBrk="1" latinLnBrk="0" hangingPunct="1">
+              <a:defRPr sz="1800" kern="1200">
+                <a:solidFill>
+                  <a:schemeClr val="tx1"/>
+                </a:solidFill>
+                <a:latin typeface="+mn-lt"/>
+                <a:ea typeface="+mn-ea"/>
+                <a:cs typeface="+mn-cs"/>
+              </a:defRPr>
+            </a:lvl2pPr>
+            <a:lvl3pPr marL="914400" algn="l" defTabSz="457200" rtl="0" eaLnBrk="1" latinLnBrk="0" hangingPunct="1">
+              <a:defRPr sz="1800" kern="1200">
+                <a:solidFill>
+                  <a:schemeClr val="tx1"/>
+                </a:solidFill>
+                <a:latin typeface="+mn-lt"/>
+                <a:ea typeface="+mn-ea"/>
+                <a:cs typeface="+mn-cs"/>
+              </a:defRPr>
+            </a:lvl3pPr>
+            <a:lvl4pPr marL="1371600" algn="l" defTabSz="457200" rtl="0" eaLnBrk="1" latinLnBrk="0" hangingPunct="1">
+              <a:defRPr sz="1800" kern="1200">
+                <a:solidFill>
+                  <a:schemeClr val="tx1"/>
+                </a:solidFill>
+                <a:latin typeface="+mn-lt"/>
+                <a:ea typeface="+mn-ea"/>
+                <a:cs typeface="+mn-cs"/>
+              </a:defRPr>
+            </a:lvl4pPr>
+            <a:lvl5pPr marL="1828800" algn="l" defTabSz="457200" rtl="0" eaLnBrk="1" latinLnBrk="0" hangingPunct="1">
+              <a:defRPr sz="1800" kern="1200">
+                <a:solidFill>
+                  <a:schemeClr val="tx1"/>
+                </a:solidFill>
+                <a:latin typeface="+mn-lt"/>
+                <a:ea typeface="+mn-ea"/>
+                <a:cs typeface="+mn-cs"/>
+              </a:defRPr>
+            </a:lvl5pPr>
+            <a:lvl6pPr marL="2286000" algn="l" defTabSz="457200" rtl="0" eaLnBrk="1" latinLnBrk="0" hangingPunct="1">
+              <a:defRPr sz="1800" kern="1200">
+                <a:solidFill>
+                  <a:schemeClr val="tx1"/>
+                </a:solidFill>
+                <a:latin typeface="+mn-lt"/>
+                <a:ea typeface="+mn-ea"/>
+                <a:cs typeface="+mn-cs"/>
+              </a:defRPr>
+            </a:lvl6pPr>
+            <a:lvl7pPr marL="2743200" algn="l" defTabSz="457200" rtl="0" eaLnBrk="1" latinLnBrk="0" hangingPunct="1">
+              <a:defRPr sz="1800" kern="1200">
+                <a:solidFill>
+                  <a:schemeClr val="tx1"/>
+                </a:solidFill>
+                <a:latin typeface="+mn-lt"/>
+                <a:ea typeface="+mn-ea"/>
+                <a:cs typeface="+mn-cs"/>
+              </a:defRPr>
+            </a:lvl7pPr>
+            <a:lvl8pPr marL="3200400" algn="l" defTabSz="457200" rtl="0" eaLnBrk="1" latinLnBrk="0" hangingPunct="1">
+              <a:defRPr sz="1800" kern="1200">
+                <a:solidFill>
+                  <a:schemeClr val="tx1"/>
+                </a:solidFill>
+                <a:latin typeface="+mn-lt"/>
+                <a:ea typeface="+mn-ea"/>
+                <a:cs typeface="+mn-cs"/>
+              </a:defRPr>
+            </a:lvl8pPr>
+            <a:lvl9pPr marL="3657600" algn="l" defTabSz="457200" rtl="0" eaLnBrk="1" latinLnBrk="0" hangingPunct="1">
+              <a:defRPr sz="1800" kern="1200">
+                <a:solidFill>
+                  <a:schemeClr val="tx1"/>
+                </a:solidFill>
+                <a:latin typeface="+mn-lt"/>
+                <a:ea typeface="+mn-ea"/>
+                <a:cs typeface="+mn-cs"/>
+              </a:defRPr>
+            </a:lvl9pPr>
+          </a:lstStyle>
+          <a:p>
+            <a:pPr algn="ctr"/>
+            <a:r>
+              <a:rPr lang="pt-PT" sz="1600" b="1" dirty="0" smtClean="0"/>
+              <a:t>HMI para Fabrico Aditivo – Estado da Arte</a:t>
+            </a:r>
+            <a:endParaRPr lang="pt-PT" sz="1600" b="1" dirty="0"/>
+          </a:p>
+        </p:txBody>
+      </p:sp>
+    </p:spTree>
+    <p:extLst>
+      <p:ext uri="{BB962C8B-B14F-4D97-AF65-F5344CB8AC3E}">
+        <p14:creationId xmlns:p14="http://schemas.microsoft.com/office/powerpoint/2010/main" val="3964441751"/>
+      </p:ext>
+    </p:extLst>
+  </p:cSld>
+  <p:clrMapOvr>
+    <a:masterClrMapping/>
+  </p:clrMapOvr>
+</p:sld>
+</file>
+
+<file path=ppt/slides/slide11.xml><?xml version="1.0" encoding="utf-8"?>
+<p:sld xmlns:a="http://schemas.openxmlformats.org/drawingml/2006/main" xmlns:r="http://schemas.openxmlformats.org/officeDocument/2006/relationships" xmlns:p="http://schemas.openxmlformats.org/presentationml/2006/main">
+  <p:cSld>
+    <p:spTree>
+      <p:nvGrpSpPr>
+        <p:cNvPr id="1" name=""/>
+        <p:cNvGrpSpPr/>
+        <p:nvPr/>
+      </p:nvGrpSpPr>
+      <p:grpSpPr>
+        <a:xfrm>
+          <a:off x="0" y="0"/>
+          <a:ext cx="0" cy="0"/>
+          <a:chOff x="0" y="0"/>
+          <a:chExt cx="0" cy="0"/>
+        </a:xfrm>
+      </p:grpSpPr>
+      <p:sp>
+        <p:nvSpPr>
+          <p:cNvPr id="7" name="TextBox 6"/>
+          <p:cNvSpPr txBox="1"/>
+          <p:nvPr/>
+        </p:nvSpPr>
+        <p:spPr>
+          <a:xfrm>
+            <a:off x="445000" y="166025"/>
             <a:ext cx="11747000" cy="6124754"/>
           </a:xfrm>
           <a:prstGeom prst="rect">
@@ -5015,7 +5572,7 @@
           <a:p>
             <a:fld id="{422D536B-584E-486B-9435-086987A3D916}" type="slidenum">
               <a:rPr lang="pt-PT" smtClean="0"/>
-              <a:t>10</a:t>
+              <a:t>11</a:t>
             </a:fld>
             <a:endParaRPr lang="pt-PT" dirty="0"/>
           </a:p>
@@ -5341,7 +5898,7 @@
 </p:sld>
 </file>
 
-<file path=ppt/slides/slide11.xml><?xml version="1.0" encoding="utf-8"?>
+<file path=ppt/slides/slide12.xml><?xml version="1.0" encoding="utf-8"?>
 <p:sld xmlns:a="http://schemas.openxmlformats.org/drawingml/2006/main" xmlns:r="http://schemas.openxmlformats.org/officeDocument/2006/relationships" xmlns:p="http://schemas.openxmlformats.org/presentationml/2006/main">
   <p:cSld>
     <p:spTree>
@@ -5513,7 +6070,7 @@
           <a:p>
             <a:fld id="{422D536B-584E-486B-9435-086987A3D916}" type="slidenum">
               <a:rPr lang="pt-PT" smtClean="0"/>
-              <a:t>11</a:t>
+              <a:t>12</a:t>
             </a:fld>
             <a:endParaRPr lang="pt-PT" dirty="0"/>
           </a:p>
@@ -5839,7 +6396,7 @@
 </p:sld>
 </file>
 
-<file path=ppt/slides/slide12.xml><?xml version="1.0" encoding="utf-8"?>
+<file path=ppt/slides/slide13.xml><?xml version="1.0" encoding="utf-8"?>
 <p:sld xmlns:a="http://schemas.openxmlformats.org/drawingml/2006/main" xmlns:r="http://schemas.openxmlformats.org/officeDocument/2006/relationships" xmlns:p="http://schemas.openxmlformats.org/presentationml/2006/main">
   <p:cSld>
     <p:spTree>
@@ -6042,7 +6599,7 @@
           <a:p>
             <a:fld id="{422D536B-584E-486B-9435-086987A3D916}" type="slidenum">
               <a:rPr lang="pt-PT" smtClean="0"/>
-              <a:t>12</a:t>
+              <a:t>13</a:t>
             </a:fld>
             <a:endParaRPr lang="pt-PT" dirty="0"/>
           </a:p>
@@ -6338,7 +6895,7 @@
 </p:sld>
 </file>
 
-<file path=ppt/slides/slide13.xml><?xml version="1.0" encoding="utf-8"?>
+<file path=ppt/slides/slide14.xml><?xml version="1.0" encoding="utf-8"?>
 <p:sld xmlns:a="http://schemas.openxmlformats.org/drawingml/2006/main" xmlns:r="http://schemas.openxmlformats.org/officeDocument/2006/relationships" xmlns:p="http://schemas.openxmlformats.org/presentationml/2006/main">
   <p:cSld>
     <p:spTree>
@@ -6581,11 +7138,7 @@
             </a:pPr>
             <a:r>
               <a:rPr lang="pt-PT" sz="2400" dirty="0" smtClean="0"/>
-              <a:t>Monitorização</a:t>
-            </a:r>
-            <a:r>
-              <a:rPr lang="pt-PT" sz="2400" dirty="0" smtClean="0"/>
-              <a:t> visual em tempo real através de câmara</a:t>
+              <a:t>Monitorização visual em tempo real através de câmara</a:t>
             </a:r>
           </a:p>
           <a:p>
@@ -6694,7 +7247,7 @@
           <a:p>
             <a:fld id="{422D536B-584E-486B-9435-086987A3D916}" type="slidenum">
               <a:rPr lang="pt-PT" smtClean="0"/>
-              <a:t>13</a:t>
+              <a:t>14</a:t>
             </a:fld>
             <a:endParaRPr lang="pt-PT" dirty="0"/>
           </a:p>
@@ -6990,7 +7543,7 @@
 </p:sld>
 </file>
 
-<file path=ppt/slides/slide14.xml><?xml version="1.0" encoding="utf-8"?>
+<file path=ppt/slides/slide15.xml><?xml version="1.0" encoding="utf-8"?>
 <p:sld xmlns:a="http://schemas.openxmlformats.org/drawingml/2006/main" xmlns:r="http://schemas.openxmlformats.org/officeDocument/2006/relationships" xmlns:p="http://schemas.openxmlformats.org/presentationml/2006/main">
   <p:cSld>
     <p:spTree>
@@ -7158,7 +7711,7 @@
           <a:p>
             <a:fld id="{422D536B-584E-486B-9435-086987A3D916}" type="slidenum">
               <a:rPr lang="pt-PT" smtClean="0"/>
-              <a:t>14</a:t>
+              <a:t>15</a:t>
             </a:fld>
             <a:endParaRPr lang="pt-PT" dirty="0"/>
           </a:p>
@@ -7484,7 +8037,7 @@
 </p:sld>
 </file>
 
-<file path=ppt/slides/slide15.xml><?xml version="1.0" encoding="utf-8"?>
+<file path=ppt/slides/slide16.xml><?xml version="1.0" encoding="utf-8"?>
 <p:sld xmlns:a="http://schemas.openxmlformats.org/drawingml/2006/main" xmlns:r="http://schemas.openxmlformats.org/officeDocument/2006/relationships" xmlns:p="http://schemas.openxmlformats.org/presentationml/2006/main">
   <p:cSld>
     <p:spTree>
@@ -7652,7 +8205,7 @@
           <a:p>
             <a:fld id="{422D536B-584E-486B-9435-086987A3D916}" type="slidenum">
               <a:rPr lang="pt-PT" smtClean="0"/>
-              <a:t>15</a:t>
+              <a:t>16</a:t>
             </a:fld>
             <a:endParaRPr lang="pt-PT" dirty="0"/>
           </a:p>
@@ -7978,7 +8531,7 @@
 </p:sld>
 </file>
 
-<file path=ppt/slides/slide16.xml><?xml version="1.0" encoding="utf-8"?>
+<file path=ppt/slides/slide17.xml><?xml version="1.0" encoding="utf-8"?>
 <p:sld xmlns:a="http://schemas.openxmlformats.org/drawingml/2006/main" xmlns:r="http://schemas.openxmlformats.org/officeDocument/2006/relationships" xmlns:p="http://schemas.openxmlformats.org/presentationml/2006/main">
   <p:cSld>
     <p:spTree>
@@ -8181,7 +8734,7 @@
           <a:p>
             <a:fld id="{422D536B-584E-486B-9435-086987A3D916}" type="slidenum">
               <a:rPr lang="pt-PT" smtClean="0"/>
-              <a:t>16</a:t>
+              <a:t>17</a:t>
             </a:fld>
             <a:endParaRPr lang="pt-PT" dirty="0"/>
           </a:p>
@@ -8477,7 +9030,7 @@
 </p:sld>
 </file>
 
-<file path=ppt/slides/slide17.xml><?xml version="1.0" encoding="utf-8"?>
+<file path=ppt/slides/slide18.xml><?xml version="1.0" encoding="utf-8"?>
 <p:sld xmlns:a="http://schemas.openxmlformats.org/drawingml/2006/main" xmlns:r="http://schemas.openxmlformats.org/officeDocument/2006/relationships" xmlns:p="http://schemas.openxmlformats.org/presentationml/2006/main">
   <p:cSld>
     <p:spTree>
@@ -8729,7 +9282,7 @@
           <a:p>
             <a:fld id="{422D536B-584E-486B-9435-086987A3D916}" type="slidenum">
               <a:rPr lang="pt-PT" smtClean="0"/>
-              <a:t>17</a:t>
+              <a:t>18</a:t>
             </a:fld>
             <a:endParaRPr lang="pt-PT" dirty="0"/>
           </a:p>
@@ -9046,548 +9599,6 @@
     <p:extLst>
       <p:ext uri="{BB962C8B-B14F-4D97-AF65-F5344CB8AC3E}">
         <p14:creationId xmlns:p14="http://schemas.microsoft.com/office/powerpoint/2010/main" val="1796285942"/>
-      </p:ext>
-    </p:extLst>
-  </p:cSld>
-  <p:clrMapOvr>
-    <a:masterClrMapping/>
-  </p:clrMapOvr>
-</p:sld>
-</file>
-
-<file path=ppt/slides/slide18.xml><?xml version="1.0" encoding="utf-8"?>
-<p:sld xmlns:a="http://schemas.openxmlformats.org/drawingml/2006/main" xmlns:r="http://schemas.openxmlformats.org/officeDocument/2006/relationships" xmlns:p="http://schemas.openxmlformats.org/presentationml/2006/main">
-  <p:cSld>
-    <p:spTree>
-      <p:nvGrpSpPr>
-        <p:cNvPr id="1" name=""/>
-        <p:cNvGrpSpPr/>
-        <p:nvPr/>
-      </p:nvGrpSpPr>
-      <p:grpSpPr>
-        <a:xfrm>
-          <a:off x="0" y="0"/>
-          <a:ext cx="0" cy="0"/>
-          <a:chOff x="0" y="0"/>
-          <a:chExt cx="0" cy="0"/>
-        </a:xfrm>
-      </p:grpSpPr>
-      <p:sp>
-        <p:nvSpPr>
-          <p:cNvPr id="7" name="TextBox 6"/>
-          <p:cNvSpPr txBox="1"/>
-          <p:nvPr/>
-        </p:nvSpPr>
-        <p:spPr>
-          <a:xfrm>
-            <a:off x="445000" y="166025"/>
-            <a:ext cx="11747000" cy="7602081"/>
-          </a:xfrm>
-          <a:prstGeom prst="rect">
-            <a:avLst/>
-          </a:prstGeom>
-          <a:noFill/>
-        </p:spPr>
-        <p:txBody>
-          <a:bodyPr wrap="square" rtlCol="0">
-            <a:spAutoFit/>
-          </a:bodyPr>
-          <a:lstStyle/>
-          <a:p>
-            <a:r>
-              <a:rPr lang="pt-PT" sz="3200" b="1" dirty="0" smtClean="0"/>
-              <a:t>Planeamento</a:t>
-            </a:r>
-          </a:p>
-          <a:p>
-            <a:pPr marL="342900" indent="-342900">
-              <a:buFont typeface="Arial" panose="020B0604020202020204" pitchFamily="34" charset="0"/>
-              <a:buChar char="•"/>
-            </a:pPr>
-            <a:endParaRPr lang="pt-PT" sz="2400" dirty="0" smtClean="0"/>
-          </a:p>
-          <a:p>
-            <a:pPr marL="342900" indent="-342900">
-              <a:buFont typeface="Arial" panose="020B0604020202020204" pitchFamily="34" charset="0"/>
-              <a:buChar char="•"/>
-            </a:pPr>
-            <a:r>
-              <a:rPr lang="pt-PT" sz="2400" dirty="0" smtClean="0"/>
-              <a:t>Até 31/05 – Especificação do Projeto</a:t>
-            </a:r>
-          </a:p>
-          <a:p>
-            <a:pPr marL="342900" indent="-342900">
-              <a:buFont typeface="Arial" panose="020B0604020202020204" pitchFamily="34" charset="0"/>
-              <a:buChar char="•"/>
-            </a:pPr>
-            <a:r>
-              <a:rPr lang="pt-PT" sz="2400" dirty="0" smtClean="0"/>
-              <a:t>01/06 a 15/06 – Estudo do Estado da Arte</a:t>
-            </a:r>
-          </a:p>
-          <a:p>
-            <a:pPr marL="342900" indent="-342900">
-              <a:buFont typeface="Arial" panose="020B0604020202020204" pitchFamily="34" charset="0"/>
-              <a:buChar char="•"/>
-            </a:pPr>
-            <a:r>
-              <a:rPr lang="pt-PT" sz="2400" dirty="0" smtClean="0"/>
-              <a:t>16/06 a 05/07 – Desenvolvimento do Projeto (1ª versão)</a:t>
-            </a:r>
-          </a:p>
-          <a:p>
-            <a:pPr marL="342900" indent="-342900">
-              <a:buFont typeface="Arial" panose="020B0604020202020204" pitchFamily="34" charset="0"/>
-              <a:buChar char="•"/>
-            </a:pPr>
-            <a:r>
-              <a:rPr lang="pt-PT" sz="2400" dirty="0" smtClean="0"/>
-              <a:t>06/07 a 12/07 – Relatório e Apresentação</a:t>
-            </a:r>
-          </a:p>
-          <a:p>
-            <a:pPr marL="342900" indent="-342900">
-              <a:buFont typeface="Arial" panose="020B0604020202020204" pitchFamily="34" charset="0"/>
-              <a:buChar char="•"/>
-            </a:pPr>
-            <a:r>
-              <a:rPr lang="pt-PT" sz="2400" dirty="0" smtClean="0"/>
-              <a:t>01/10 a </a:t>
-            </a:r>
-            <a:r>
-              <a:rPr lang="pt-PT" sz="2400" dirty="0" smtClean="0"/>
-              <a:t>01/12 </a:t>
-            </a:r>
-            <a:r>
-              <a:rPr lang="pt-PT" sz="2400" dirty="0" smtClean="0"/>
-              <a:t>– Desenvolvimento do Projeto Final</a:t>
-            </a:r>
-          </a:p>
-          <a:p>
-            <a:pPr marL="342900" indent="-342900">
-              <a:buFont typeface="Arial" panose="020B0604020202020204" pitchFamily="34" charset="0"/>
-              <a:buChar char="•"/>
-            </a:pPr>
-            <a:r>
-              <a:rPr lang="pt-PT" sz="2400" dirty="0" smtClean="0"/>
-              <a:t>02/12 a 01/02 – Relatório e Apresentação Final</a:t>
-            </a:r>
-          </a:p>
-          <a:p>
-            <a:pPr marL="342900" indent="-342900">
-              <a:buFont typeface="Arial" panose="020B0604020202020204" pitchFamily="34" charset="0"/>
-              <a:buChar char="•"/>
-            </a:pPr>
-            <a:endParaRPr lang="pt-PT" sz="2400" dirty="0" smtClean="0"/>
-          </a:p>
-          <a:p>
-            <a:pPr marL="342900" indent="-342900">
-              <a:buFont typeface="Arial" panose="020B0604020202020204" pitchFamily="34" charset="0"/>
-              <a:buChar char="•"/>
-            </a:pPr>
-            <a:endParaRPr lang="pt-PT" sz="2400" dirty="0" smtClean="0"/>
-          </a:p>
-          <a:p>
-            <a:endParaRPr lang="pt-PT" sz="2400" dirty="0" smtClean="0"/>
-          </a:p>
-          <a:p>
-            <a:pPr marL="342900" indent="-342900">
-              <a:buFont typeface="Arial" panose="020B0604020202020204" pitchFamily="34" charset="0"/>
-              <a:buChar char="•"/>
-            </a:pPr>
-            <a:endParaRPr lang="pt-PT" sz="2400" dirty="0" smtClean="0"/>
-          </a:p>
-          <a:p>
-            <a:pPr marL="342900" indent="-342900">
-              <a:buFont typeface="Arial" panose="020B0604020202020204" pitchFamily="34" charset="0"/>
-              <a:buChar char="•"/>
-            </a:pPr>
-            <a:endParaRPr lang="pt-PT" sz="2400" dirty="0" smtClean="0"/>
-          </a:p>
-          <a:p>
-            <a:pPr marL="342900" indent="-342900">
-              <a:buFont typeface="Arial" panose="020B0604020202020204" pitchFamily="34" charset="0"/>
-              <a:buChar char="•"/>
-            </a:pPr>
-            <a:endParaRPr lang="pt-PT" sz="2400" dirty="0"/>
-          </a:p>
-          <a:p>
-            <a:pPr marL="342900" indent="-342900">
-              <a:buFont typeface="Arial" panose="020B0604020202020204" pitchFamily="34" charset="0"/>
-              <a:buChar char="•"/>
-            </a:pPr>
-            <a:endParaRPr lang="pt-PT" sz="2400" dirty="0" smtClean="0"/>
-          </a:p>
-          <a:p>
-            <a:pPr marL="342900" indent="-342900">
-              <a:buFont typeface="Arial" panose="020B0604020202020204" pitchFamily="34" charset="0"/>
-              <a:buChar char="•"/>
-            </a:pPr>
-            <a:endParaRPr lang="pt-PT" sz="2400" dirty="0" smtClean="0"/>
-          </a:p>
-          <a:p>
-            <a:pPr marL="342900" indent="-342900">
-              <a:buFont typeface="Arial" panose="020B0604020202020204" pitchFamily="34" charset="0"/>
-              <a:buChar char="•"/>
-            </a:pPr>
-            <a:endParaRPr lang="pt-PT" sz="2400" dirty="0" smtClean="0"/>
-          </a:p>
-          <a:p>
-            <a:pPr marL="342900" indent="-342900">
-              <a:buFont typeface="Arial" panose="020B0604020202020204" pitchFamily="34" charset="0"/>
-              <a:buChar char="•"/>
-            </a:pPr>
-            <a:endParaRPr lang="pt-PT" sz="2400" dirty="0" smtClean="0"/>
-          </a:p>
-          <a:p>
-            <a:pPr marL="342900" indent="-342900">
-              <a:buFont typeface="Arial" panose="020B0604020202020204" pitchFamily="34" charset="0"/>
-              <a:buChar char="•"/>
-            </a:pPr>
-            <a:endParaRPr lang="pt-PT" sz="2400" dirty="0"/>
-          </a:p>
-          <a:p>
-            <a:pPr marL="342900" indent="-342900">
-              <a:buFont typeface="Arial" panose="020B0604020202020204" pitchFamily="34" charset="0"/>
-              <a:buChar char="•"/>
-            </a:pPr>
-            <a:endParaRPr lang="pt-PT" sz="2400" dirty="0" smtClean="0"/>
-          </a:p>
-        </p:txBody>
-      </p:sp>
-      <p:sp>
-        <p:nvSpPr>
-          <p:cNvPr id="2" name="Slide Number Placeholder 1"/>
-          <p:cNvSpPr>
-            <a:spLocks noGrp="1"/>
-          </p:cNvSpPr>
-          <p:nvPr>
-            <p:ph type="sldNum" sz="quarter" idx="12"/>
-          </p:nvPr>
-        </p:nvSpPr>
-        <p:spPr/>
-        <p:txBody>
-          <a:bodyPr/>
-          <a:lstStyle/>
-          <a:p>
-            <a:fld id="{422D536B-584E-486B-9435-086987A3D916}" type="slidenum">
-              <a:rPr lang="pt-PT" smtClean="0"/>
-              <a:t>18</a:t>
-            </a:fld>
-            <a:endParaRPr lang="pt-PT" dirty="0"/>
-          </a:p>
-        </p:txBody>
-      </p:sp>
-      <p:sp>
-        <p:nvSpPr>
-          <p:cNvPr id="6" name="Slide Number Placeholder 5"/>
-          <p:cNvSpPr txBox="1">
-            <a:spLocks/>
-          </p:cNvSpPr>
-          <p:nvPr/>
-        </p:nvSpPr>
-        <p:spPr>
-          <a:xfrm>
-            <a:off x="0" y="6464982"/>
-            <a:ext cx="475129" cy="365125"/>
-          </a:xfrm>
-          <a:prstGeom prst="rect">
-            <a:avLst/>
-          </a:prstGeom>
-        </p:spPr>
-        <p:txBody>
-          <a:bodyPr vert="horz" lIns="91440" tIns="45720" rIns="91440" bIns="45720" rtlCol="0" anchor="ctr"/>
-          <a:lstStyle>
-            <a:defPPr>
-              <a:defRPr lang="en-US"/>
-            </a:defPPr>
-            <a:lvl1pPr marL="0" algn="r" defTabSz="457200" rtl="0" eaLnBrk="1" latinLnBrk="0" hangingPunct="1">
-              <a:defRPr sz="1050" kern="1200">
-                <a:solidFill>
-                  <a:srgbClr val="FFFFFF"/>
-                </a:solidFill>
-                <a:latin typeface="+mn-lt"/>
-                <a:ea typeface="+mn-ea"/>
-                <a:cs typeface="+mn-cs"/>
-              </a:defRPr>
-            </a:lvl1pPr>
-            <a:lvl2pPr marL="457200" algn="l" defTabSz="457200" rtl="0" eaLnBrk="1" latinLnBrk="0" hangingPunct="1">
-              <a:defRPr sz="1800" kern="1200">
-                <a:solidFill>
-                  <a:schemeClr val="tx1"/>
-                </a:solidFill>
-                <a:latin typeface="+mn-lt"/>
-                <a:ea typeface="+mn-ea"/>
-                <a:cs typeface="+mn-cs"/>
-              </a:defRPr>
-            </a:lvl2pPr>
-            <a:lvl3pPr marL="914400" algn="l" defTabSz="457200" rtl="0" eaLnBrk="1" latinLnBrk="0" hangingPunct="1">
-              <a:defRPr sz="1800" kern="1200">
-                <a:solidFill>
-                  <a:schemeClr val="tx1"/>
-                </a:solidFill>
-                <a:latin typeface="+mn-lt"/>
-                <a:ea typeface="+mn-ea"/>
-                <a:cs typeface="+mn-cs"/>
-              </a:defRPr>
-            </a:lvl3pPr>
-            <a:lvl4pPr marL="1371600" algn="l" defTabSz="457200" rtl="0" eaLnBrk="1" latinLnBrk="0" hangingPunct="1">
-              <a:defRPr sz="1800" kern="1200">
-                <a:solidFill>
-                  <a:schemeClr val="tx1"/>
-                </a:solidFill>
-                <a:latin typeface="+mn-lt"/>
-                <a:ea typeface="+mn-ea"/>
-                <a:cs typeface="+mn-cs"/>
-              </a:defRPr>
-            </a:lvl4pPr>
-            <a:lvl5pPr marL="1828800" algn="l" defTabSz="457200" rtl="0" eaLnBrk="1" latinLnBrk="0" hangingPunct="1">
-              <a:defRPr sz="1800" kern="1200">
-                <a:solidFill>
-                  <a:schemeClr val="tx1"/>
-                </a:solidFill>
-                <a:latin typeface="+mn-lt"/>
-                <a:ea typeface="+mn-ea"/>
-                <a:cs typeface="+mn-cs"/>
-              </a:defRPr>
-            </a:lvl5pPr>
-            <a:lvl6pPr marL="2286000" algn="l" defTabSz="457200" rtl="0" eaLnBrk="1" latinLnBrk="0" hangingPunct="1">
-              <a:defRPr sz="1800" kern="1200">
-                <a:solidFill>
-                  <a:schemeClr val="tx1"/>
-                </a:solidFill>
-                <a:latin typeface="+mn-lt"/>
-                <a:ea typeface="+mn-ea"/>
-                <a:cs typeface="+mn-cs"/>
-              </a:defRPr>
-            </a:lvl6pPr>
-            <a:lvl7pPr marL="2743200" algn="l" defTabSz="457200" rtl="0" eaLnBrk="1" latinLnBrk="0" hangingPunct="1">
-              <a:defRPr sz="1800" kern="1200">
-                <a:solidFill>
-                  <a:schemeClr val="tx1"/>
-                </a:solidFill>
-                <a:latin typeface="+mn-lt"/>
-                <a:ea typeface="+mn-ea"/>
-                <a:cs typeface="+mn-cs"/>
-              </a:defRPr>
-            </a:lvl7pPr>
-            <a:lvl8pPr marL="3200400" algn="l" defTabSz="457200" rtl="0" eaLnBrk="1" latinLnBrk="0" hangingPunct="1">
-              <a:defRPr sz="1800" kern="1200">
-                <a:solidFill>
-                  <a:schemeClr val="tx1"/>
-                </a:solidFill>
-                <a:latin typeface="+mn-lt"/>
-                <a:ea typeface="+mn-ea"/>
-                <a:cs typeface="+mn-cs"/>
-              </a:defRPr>
-            </a:lvl8pPr>
-            <a:lvl9pPr marL="3657600" algn="l" defTabSz="457200" rtl="0" eaLnBrk="1" latinLnBrk="0" hangingPunct="1">
-              <a:defRPr sz="1800" kern="1200">
-                <a:solidFill>
-                  <a:schemeClr val="tx1"/>
-                </a:solidFill>
-                <a:latin typeface="+mn-lt"/>
-                <a:ea typeface="+mn-ea"/>
-                <a:cs typeface="+mn-cs"/>
-              </a:defRPr>
-            </a:lvl9pPr>
-          </a:lstStyle>
-          <a:p>
-            <a:r>
-              <a:rPr lang="pt-PT" dirty="0" smtClean="0"/>
-              <a:t>IPVC</a:t>
-            </a:r>
-            <a:endParaRPr lang="pt-PT" dirty="0"/>
-          </a:p>
-        </p:txBody>
-      </p:sp>
-      <p:pic>
-        <p:nvPicPr>
-          <p:cNvPr id="9" name="Picture 4"/>
-          <p:cNvPicPr>
-            <a:picLocks noChangeAspect="1"/>
-          </p:cNvPicPr>
-          <p:nvPr/>
-        </p:nvPicPr>
-        <p:blipFill>
-          <a:blip r:embed="rId2" cstate="print">
-            <a:extLst>
-              <a:ext uri="{28A0092B-C50C-407E-A947-70E740481C1C}">
-                <a14:useLocalDpi xmlns:a14="http://schemas.microsoft.com/office/drawing/2010/main" val="0"/>
-              </a:ext>
-            </a:extLst>
-          </a:blip>
-          <a:stretch>
-            <a:fillRect/>
-          </a:stretch>
-        </p:blipFill>
-        <p:spPr>
-          <a:xfrm>
-            <a:off x="10468855" y="300496"/>
-            <a:ext cx="1373649" cy="916911"/>
-          </a:xfrm>
-          <a:prstGeom prst="rect">
-            <a:avLst/>
-          </a:prstGeom>
-        </p:spPr>
-      </p:pic>
-      <p:sp>
-        <p:nvSpPr>
-          <p:cNvPr id="10" name="Slide Number Placeholder 5"/>
-          <p:cNvSpPr txBox="1">
-            <a:spLocks/>
-          </p:cNvSpPr>
-          <p:nvPr/>
-        </p:nvSpPr>
-        <p:spPr>
-          <a:xfrm>
-            <a:off x="3908571" y="6492875"/>
-            <a:ext cx="4435818" cy="365125"/>
-          </a:xfrm>
-          <a:prstGeom prst="rect">
-            <a:avLst/>
-          </a:prstGeom>
-        </p:spPr>
-        <p:txBody>
-          <a:bodyPr vert="horz" lIns="91440" tIns="45720" rIns="91440" bIns="45720" rtlCol="0" anchor="ctr"/>
-          <a:lstStyle>
-            <a:defPPr>
-              <a:defRPr lang="en-US"/>
-            </a:defPPr>
-            <a:lvl1pPr marL="0" algn="r" defTabSz="457200" rtl="0" eaLnBrk="1" latinLnBrk="0" hangingPunct="1">
-              <a:defRPr sz="1050" kern="1200">
-                <a:solidFill>
-                  <a:srgbClr val="FFFFFF"/>
-                </a:solidFill>
-                <a:latin typeface="+mn-lt"/>
-                <a:ea typeface="+mn-ea"/>
-                <a:cs typeface="+mn-cs"/>
-              </a:defRPr>
-            </a:lvl1pPr>
-            <a:lvl2pPr marL="457200" algn="l" defTabSz="457200" rtl="0" eaLnBrk="1" latinLnBrk="0" hangingPunct="1">
-              <a:defRPr sz="1800" kern="1200">
-                <a:solidFill>
-                  <a:schemeClr val="tx1"/>
-                </a:solidFill>
-                <a:latin typeface="+mn-lt"/>
-                <a:ea typeface="+mn-ea"/>
-                <a:cs typeface="+mn-cs"/>
-              </a:defRPr>
-            </a:lvl2pPr>
-            <a:lvl3pPr marL="914400" algn="l" defTabSz="457200" rtl="0" eaLnBrk="1" latinLnBrk="0" hangingPunct="1">
-              <a:defRPr sz="1800" kern="1200">
-                <a:solidFill>
-                  <a:schemeClr val="tx1"/>
-                </a:solidFill>
-                <a:latin typeface="+mn-lt"/>
-                <a:ea typeface="+mn-ea"/>
-                <a:cs typeface="+mn-cs"/>
-              </a:defRPr>
-            </a:lvl3pPr>
-            <a:lvl4pPr marL="1371600" algn="l" defTabSz="457200" rtl="0" eaLnBrk="1" latinLnBrk="0" hangingPunct="1">
-              <a:defRPr sz="1800" kern="1200">
-                <a:solidFill>
-                  <a:schemeClr val="tx1"/>
-                </a:solidFill>
-                <a:latin typeface="+mn-lt"/>
-                <a:ea typeface="+mn-ea"/>
-                <a:cs typeface="+mn-cs"/>
-              </a:defRPr>
-            </a:lvl4pPr>
-            <a:lvl5pPr marL="1828800" algn="l" defTabSz="457200" rtl="0" eaLnBrk="1" latinLnBrk="0" hangingPunct="1">
-              <a:defRPr sz="1800" kern="1200">
-                <a:solidFill>
-                  <a:schemeClr val="tx1"/>
-                </a:solidFill>
-                <a:latin typeface="+mn-lt"/>
-                <a:ea typeface="+mn-ea"/>
-                <a:cs typeface="+mn-cs"/>
-              </a:defRPr>
-            </a:lvl5pPr>
-            <a:lvl6pPr marL="2286000" algn="l" defTabSz="457200" rtl="0" eaLnBrk="1" latinLnBrk="0" hangingPunct="1">
-              <a:defRPr sz="1800" kern="1200">
-                <a:solidFill>
-                  <a:schemeClr val="tx1"/>
-                </a:solidFill>
-                <a:latin typeface="+mn-lt"/>
-                <a:ea typeface="+mn-ea"/>
-                <a:cs typeface="+mn-cs"/>
-              </a:defRPr>
-            </a:lvl6pPr>
-            <a:lvl7pPr marL="2743200" algn="l" defTabSz="457200" rtl="0" eaLnBrk="1" latinLnBrk="0" hangingPunct="1">
-              <a:defRPr sz="1800" kern="1200">
-                <a:solidFill>
-                  <a:schemeClr val="tx1"/>
-                </a:solidFill>
-                <a:latin typeface="+mn-lt"/>
-                <a:ea typeface="+mn-ea"/>
-                <a:cs typeface="+mn-cs"/>
-              </a:defRPr>
-            </a:lvl7pPr>
-            <a:lvl8pPr marL="3200400" algn="l" defTabSz="457200" rtl="0" eaLnBrk="1" latinLnBrk="0" hangingPunct="1">
-              <a:defRPr sz="1800" kern="1200">
-                <a:solidFill>
-                  <a:schemeClr val="tx1"/>
-                </a:solidFill>
-                <a:latin typeface="+mn-lt"/>
-                <a:ea typeface="+mn-ea"/>
-                <a:cs typeface="+mn-cs"/>
-              </a:defRPr>
-            </a:lvl8pPr>
-            <a:lvl9pPr marL="3657600" algn="l" defTabSz="457200" rtl="0" eaLnBrk="1" latinLnBrk="0" hangingPunct="1">
-              <a:defRPr sz="1800" kern="1200">
-                <a:solidFill>
-                  <a:schemeClr val="tx1"/>
-                </a:solidFill>
-                <a:latin typeface="+mn-lt"/>
-                <a:ea typeface="+mn-ea"/>
-                <a:cs typeface="+mn-cs"/>
-              </a:defRPr>
-            </a:lvl9pPr>
-          </a:lstStyle>
-          <a:p>
-            <a:pPr algn="ctr"/>
-            <a:r>
-              <a:rPr lang="pt-PT" sz="1600" b="1" dirty="0" smtClean="0"/>
-              <a:t>HMI para Fabrico Aditivo – Estado da Arte</a:t>
-            </a:r>
-            <a:endParaRPr lang="pt-PT" sz="1600" b="1" dirty="0"/>
-          </a:p>
-        </p:txBody>
-      </p:sp>
-      <p:pic>
-        <p:nvPicPr>
-          <p:cNvPr id="8" name="Imagem 2"/>
-          <p:cNvPicPr/>
-          <p:nvPr/>
-        </p:nvPicPr>
-        <p:blipFill>
-          <a:blip r:embed="rId3">
-            <a:extLst>
-              <a:ext uri="{28A0092B-C50C-407E-A947-70E740481C1C}">
-                <a14:useLocalDpi xmlns:a14="http://schemas.microsoft.com/office/drawing/2010/main" val="0"/>
-              </a:ext>
-            </a:extLst>
-          </a:blip>
-          <a:stretch>
-            <a:fillRect/>
-          </a:stretch>
-        </p:blipFill>
-        <p:spPr>
-          <a:xfrm>
-            <a:off x="570960" y="4057446"/>
-            <a:ext cx="11271544" cy="2049508"/>
-          </a:xfrm>
-          <a:prstGeom prst="rect">
-            <a:avLst/>
-          </a:prstGeom>
-        </p:spPr>
-      </p:pic>
-    </p:spTree>
-    <p:extLst>
-      <p:ext uri="{BB962C8B-B14F-4D97-AF65-F5344CB8AC3E}">
-        <p14:creationId xmlns:p14="http://schemas.microsoft.com/office/powerpoint/2010/main" val="254900902"/>
       </p:ext>
     </p:extLst>
   </p:cSld>
@@ -9949,7 +9960,7 @@
         <p:spPr>
           <a:xfrm>
             <a:off x="445000" y="166025"/>
-            <a:ext cx="9455458" cy="6124754"/>
+            <a:ext cx="9455458" cy="6863417"/>
           </a:xfrm>
           <a:prstGeom prst="rect">
             <a:avLst/>
@@ -9980,49 +9991,74 @@
               <a:buChar char="•"/>
             </a:pPr>
             <a:r>
+              <a:rPr lang="pt-PT" sz="2400" dirty="0"/>
+              <a:t>Introdução</a:t>
+            </a:r>
+          </a:p>
+          <a:p>
+            <a:pPr marL="800100" lvl="1" indent="-342900">
+              <a:buFont typeface="Arial" panose="020B0604020202020204" pitchFamily="34" charset="0"/>
+              <a:buChar char="•"/>
+            </a:pPr>
+            <a:r>
+              <a:rPr lang="pt-PT" sz="2400" dirty="0"/>
+              <a:t>Contexto e Motivação</a:t>
+            </a:r>
+          </a:p>
+          <a:p>
+            <a:pPr marL="800100" lvl="1" indent="-342900">
+              <a:buFont typeface="Arial" panose="020B0604020202020204" pitchFamily="34" charset="0"/>
+              <a:buChar char="•"/>
+            </a:pPr>
+            <a:r>
+              <a:rPr lang="pt-PT" sz="2400" dirty="0"/>
+              <a:t>Problema</a:t>
+            </a:r>
+          </a:p>
+          <a:p>
+            <a:pPr marL="800100" lvl="1" indent="-342900">
+              <a:buFont typeface="Arial" panose="020B0604020202020204" pitchFamily="34" charset="0"/>
+              <a:buChar char="•"/>
+            </a:pPr>
+            <a:r>
+              <a:rPr lang="pt-PT" sz="2400" dirty="0"/>
+              <a:t>Objetivos</a:t>
+            </a:r>
+          </a:p>
+          <a:p>
+            <a:pPr marL="342900" indent="-342900">
+              <a:buFont typeface="Arial" panose="020B0604020202020204" pitchFamily="34" charset="0"/>
+              <a:buChar char="•"/>
+            </a:pPr>
+            <a:endParaRPr lang="pt-PT" sz="2400" dirty="0" smtClean="0"/>
+          </a:p>
+          <a:p>
+            <a:pPr marL="342900" indent="-342900">
+              <a:buFont typeface="Arial" panose="020B0604020202020204" pitchFamily="34" charset="0"/>
+              <a:buChar char="•"/>
+            </a:pPr>
+            <a:r>
               <a:rPr lang="pt-PT" sz="2400" dirty="0" smtClean="0"/>
-              <a:t>Introdução</a:t>
-            </a:r>
-          </a:p>
-          <a:p>
-            <a:pPr marL="800100" lvl="1" indent="-342900">
+              <a:t>Planeamento</a:t>
+            </a:r>
+            <a:endParaRPr lang="pt-PT" sz="2400" dirty="0" smtClean="0"/>
+          </a:p>
+          <a:p>
+            <a:pPr lvl="1"/>
+            <a:endParaRPr lang="pt-PT" sz="2400" dirty="0" smtClean="0"/>
+          </a:p>
+          <a:p>
+            <a:pPr marL="342900" indent="-342900">
               <a:buFont typeface="Arial" panose="020B0604020202020204" pitchFamily="34" charset="0"/>
               <a:buChar char="•"/>
             </a:pPr>
             <a:r>
               <a:rPr lang="pt-PT" sz="2400" dirty="0" smtClean="0"/>
-              <a:t>Contexto e Motivação</a:t>
-            </a:r>
-          </a:p>
-          <a:p>
-            <a:pPr marL="800100" lvl="1" indent="-342900">
-              <a:buFont typeface="Arial" panose="020B0604020202020204" pitchFamily="34" charset="0"/>
-              <a:buChar char="•"/>
-            </a:pPr>
+              <a:t>Estado </a:t>
+            </a:r>
             <a:r>
               <a:rPr lang="pt-PT" sz="2400" dirty="0" smtClean="0"/>
-              <a:t>Problema</a:t>
-            </a:r>
-            <a:endParaRPr lang="pt-PT" sz="2400" dirty="0" smtClean="0"/>
-          </a:p>
-          <a:p>
-            <a:pPr marL="800100" lvl="1" indent="-342900">
-              <a:buFont typeface="Arial" panose="020B0604020202020204" pitchFamily="34" charset="0"/>
-              <a:buChar char="•"/>
-            </a:pPr>
-            <a:r>
-              <a:rPr lang="pt-PT" sz="2400" dirty="0" smtClean="0"/>
-              <a:t>Objetivos</a:t>
-            </a:r>
-          </a:p>
-          <a:p>
-            <a:pPr marL="342900" indent="-342900">
-              <a:buFont typeface="Arial" panose="020B0604020202020204" pitchFamily="34" charset="0"/>
-              <a:buChar char="•"/>
-            </a:pPr>
-            <a:r>
-              <a:rPr lang="pt-PT" sz="2400" dirty="0" smtClean="0"/>
-              <a:t>Estado da Arte</a:t>
+              <a:t>da Arte</a:t>
             </a:r>
           </a:p>
           <a:p>
@@ -10072,11 +10108,7 @@
             </a:pPr>
             <a:r>
               <a:rPr lang="pt-PT" sz="2400" dirty="0" smtClean="0"/>
-              <a:t>Sistemas </a:t>
-            </a:r>
-            <a:r>
-              <a:rPr lang="pt-PT" sz="2400" dirty="0" smtClean="0"/>
-              <a:t>Web-</a:t>
+              <a:t>Sistemas Web-</a:t>
             </a:r>
             <a:r>
               <a:rPr lang="pt-PT" sz="2400" dirty="0" err="1" smtClean="0"/>
@@ -10095,17 +10127,6 @@
             <a:r>
               <a:rPr lang="pt-PT" sz="2400" dirty="0" err="1" smtClean="0"/>
               <a:t>Markforged</a:t>
-            </a:r>
-            <a:endParaRPr lang="pt-PT" sz="2400" dirty="0" smtClean="0"/>
-          </a:p>
-          <a:p>
-            <a:pPr marL="342900" indent="-342900">
-              <a:buFont typeface="Arial" panose="020B0604020202020204" pitchFamily="34" charset="0"/>
-              <a:buChar char="•"/>
-            </a:pPr>
-            <a:r>
-              <a:rPr lang="pt-PT" sz="2400" dirty="0" smtClean="0"/>
-              <a:t>Planeamento</a:t>
             </a:r>
             <a:endParaRPr lang="pt-PT" sz="2400" dirty="0" smtClean="0"/>
           </a:p>
@@ -11052,7 +11073,6 @@
               <a:rPr lang="pt-PT" sz="3200" b="1" dirty="0" smtClean="0"/>
               <a:t>Problema</a:t>
             </a:r>
-            <a:endParaRPr lang="pt-PT" sz="3200" b="1" dirty="0" smtClean="0"/>
           </a:p>
           <a:p>
             <a:pPr marL="342900" indent="-342900">
@@ -11095,7 +11115,6 @@
               <a:rPr lang="pt-PT" sz="2400" dirty="0" smtClean="0"/>
               <a:t>HMI para controlo e feedback local e remoto:</a:t>
             </a:r>
-            <a:endParaRPr lang="pt-PT" sz="2400" dirty="0" smtClean="0"/>
           </a:p>
           <a:p>
             <a:pPr marL="800100" lvl="1" indent="-342900">
@@ -11124,13 +11143,8 @@
             </a:pPr>
             <a:r>
               <a:rPr lang="pt-PT" sz="2400" dirty="0" smtClean="0"/>
-              <a:t>Fornecer as ferramentas necessárias </a:t>
-            </a:r>
-            <a:r>
-              <a:rPr lang="pt-PT" sz="2400" dirty="0" smtClean="0"/>
-              <a:t>para o operador manusear o equipamento</a:t>
-            </a:r>
-            <a:endParaRPr lang="pt-PT" sz="2400" dirty="0" smtClean="0"/>
+              <a:t>Fornecer as ferramentas necessárias para o operador manusear o equipamento</a:t>
+            </a:r>
           </a:p>
           <a:p>
             <a:pPr marL="800100" lvl="1" indent="-342900">
@@ -11693,13 +11707,8 @@
             </a:pPr>
             <a:r>
               <a:rPr lang="pt-PT" sz="2400" dirty="0" smtClean="0"/>
-              <a:t>Explorar outras tecnologias </a:t>
-            </a:r>
-            <a:r>
-              <a:rPr lang="pt-PT" sz="2400" dirty="0" smtClean="0"/>
-              <a:t>emergentes</a:t>
-            </a:r>
-            <a:endParaRPr lang="pt-PT" sz="2400" dirty="0" smtClean="0"/>
+              <a:t>Explorar outras tecnologias emergentes</a:t>
+            </a:r>
           </a:p>
           <a:p>
             <a:pPr marL="342900" indent="-342900">
@@ -12125,6 +12134,544 @@
         </p:nvSpPr>
         <p:spPr>
           <a:xfrm>
+            <a:off x="445000" y="166025"/>
+            <a:ext cx="11747000" cy="7602081"/>
+          </a:xfrm>
+          <a:prstGeom prst="rect">
+            <a:avLst/>
+          </a:prstGeom>
+          <a:noFill/>
+        </p:spPr>
+        <p:txBody>
+          <a:bodyPr wrap="square" rtlCol="0">
+            <a:spAutoFit/>
+          </a:bodyPr>
+          <a:lstStyle/>
+          <a:p>
+            <a:r>
+              <a:rPr lang="pt-PT" sz="3200" b="1" dirty="0" smtClean="0"/>
+              <a:t>Planeamento</a:t>
+            </a:r>
+          </a:p>
+          <a:p>
+            <a:pPr marL="342900" indent="-342900">
+              <a:buFont typeface="Arial" panose="020B0604020202020204" pitchFamily="34" charset="0"/>
+              <a:buChar char="•"/>
+            </a:pPr>
+            <a:endParaRPr lang="pt-PT" sz="2400" dirty="0" smtClean="0"/>
+          </a:p>
+          <a:p>
+            <a:pPr marL="342900" indent="-342900">
+              <a:buFont typeface="Arial" panose="020B0604020202020204" pitchFamily="34" charset="0"/>
+              <a:buChar char="•"/>
+            </a:pPr>
+            <a:r>
+              <a:rPr lang="pt-PT" sz="2400" dirty="0" smtClean="0"/>
+              <a:t>Até 31/05 – Especificação do Projeto</a:t>
+            </a:r>
+          </a:p>
+          <a:p>
+            <a:pPr marL="342900" indent="-342900">
+              <a:buFont typeface="Arial" panose="020B0604020202020204" pitchFamily="34" charset="0"/>
+              <a:buChar char="•"/>
+            </a:pPr>
+            <a:r>
+              <a:rPr lang="pt-PT" sz="2400" dirty="0" smtClean="0"/>
+              <a:t>01/06 a 15/06 – Estudo do Estado da Arte</a:t>
+            </a:r>
+          </a:p>
+          <a:p>
+            <a:pPr marL="342900" indent="-342900">
+              <a:buFont typeface="Arial" panose="020B0604020202020204" pitchFamily="34" charset="0"/>
+              <a:buChar char="•"/>
+            </a:pPr>
+            <a:r>
+              <a:rPr lang="pt-PT" sz="2400" dirty="0" smtClean="0"/>
+              <a:t>16/06 a 05/07 – Desenvolvimento do Projeto (1ª versão)</a:t>
+            </a:r>
+          </a:p>
+          <a:p>
+            <a:pPr marL="342900" indent="-342900">
+              <a:buFont typeface="Arial" panose="020B0604020202020204" pitchFamily="34" charset="0"/>
+              <a:buChar char="•"/>
+            </a:pPr>
+            <a:r>
+              <a:rPr lang="pt-PT" sz="2400" dirty="0" smtClean="0"/>
+              <a:t>06/07 a 12/07 – Relatório e Apresentação</a:t>
+            </a:r>
+          </a:p>
+          <a:p>
+            <a:pPr marL="342900" indent="-342900">
+              <a:buFont typeface="Arial" panose="020B0604020202020204" pitchFamily="34" charset="0"/>
+              <a:buChar char="•"/>
+            </a:pPr>
+            <a:r>
+              <a:rPr lang="pt-PT" sz="2400" dirty="0" smtClean="0"/>
+              <a:t>01/10 a 01/12 – Desenvolvimento do Projeto Final</a:t>
+            </a:r>
+          </a:p>
+          <a:p>
+            <a:pPr marL="342900" indent="-342900">
+              <a:buFont typeface="Arial" panose="020B0604020202020204" pitchFamily="34" charset="0"/>
+              <a:buChar char="•"/>
+            </a:pPr>
+            <a:r>
+              <a:rPr lang="pt-PT" sz="2400" dirty="0" smtClean="0"/>
+              <a:t>02/12 a 01/02 – Relatório e Apresentação Final</a:t>
+            </a:r>
+          </a:p>
+          <a:p>
+            <a:pPr marL="342900" indent="-342900">
+              <a:buFont typeface="Arial" panose="020B0604020202020204" pitchFamily="34" charset="0"/>
+              <a:buChar char="•"/>
+            </a:pPr>
+            <a:endParaRPr lang="pt-PT" sz="2400" dirty="0" smtClean="0"/>
+          </a:p>
+          <a:p>
+            <a:pPr marL="342900" indent="-342900">
+              <a:buFont typeface="Arial" panose="020B0604020202020204" pitchFamily="34" charset="0"/>
+              <a:buChar char="•"/>
+            </a:pPr>
+            <a:endParaRPr lang="pt-PT" sz="2400" dirty="0" smtClean="0"/>
+          </a:p>
+          <a:p>
+            <a:endParaRPr lang="pt-PT" sz="2400" dirty="0" smtClean="0"/>
+          </a:p>
+          <a:p>
+            <a:pPr marL="342900" indent="-342900">
+              <a:buFont typeface="Arial" panose="020B0604020202020204" pitchFamily="34" charset="0"/>
+              <a:buChar char="•"/>
+            </a:pPr>
+            <a:endParaRPr lang="pt-PT" sz="2400" dirty="0" smtClean="0"/>
+          </a:p>
+          <a:p>
+            <a:pPr marL="342900" indent="-342900">
+              <a:buFont typeface="Arial" panose="020B0604020202020204" pitchFamily="34" charset="0"/>
+              <a:buChar char="•"/>
+            </a:pPr>
+            <a:endParaRPr lang="pt-PT" sz="2400" dirty="0" smtClean="0"/>
+          </a:p>
+          <a:p>
+            <a:pPr marL="342900" indent="-342900">
+              <a:buFont typeface="Arial" panose="020B0604020202020204" pitchFamily="34" charset="0"/>
+              <a:buChar char="•"/>
+            </a:pPr>
+            <a:endParaRPr lang="pt-PT" sz="2400" dirty="0"/>
+          </a:p>
+          <a:p>
+            <a:pPr marL="342900" indent="-342900">
+              <a:buFont typeface="Arial" panose="020B0604020202020204" pitchFamily="34" charset="0"/>
+              <a:buChar char="•"/>
+            </a:pPr>
+            <a:endParaRPr lang="pt-PT" sz="2400" dirty="0" smtClean="0"/>
+          </a:p>
+          <a:p>
+            <a:pPr marL="342900" indent="-342900">
+              <a:buFont typeface="Arial" panose="020B0604020202020204" pitchFamily="34" charset="0"/>
+              <a:buChar char="•"/>
+            </a:pPr>
+            <a:endParaRPr lang="pt-PT" sz="2400" dirty="0" smtClean="0"/>
+          </a:p>
+          <a:p>
+            <a:pPr marL="342900" indent="-342900">
+              <a:buFont typeface="Arial" panose="020B0604020202020204" pitchFamily="34" charset="0"/>
+              <a:buChar char="•"/>
+            </a:pPr>
+            <a:endParaRPr lang="pt-PT" sz="2400" dirty="0" smtClean="0"/>
+          </a:p>
+          <a:p>
+            <a:pPr marL="342900" indent="-342900">
+              <a:buFont typeface="Arial" panose="020B0604020202020204" pitchFamily="34" charset="0"/>
+              <a:buChar char="•"/>
+            </a:pPr>
+            <a:endParaRPr lang="pt-PT" sz="2400" dirty="0" smtClean="0"/>
+          </a:p>
+          <a:p>
+            <a:pPr marL="342900" indent="-342900">
+              <a:buFont typeface="Arial" panose="020B0604020202020204" pitchFamily="34" charset="0"/>
+              <a:buChar char="•"/>
+            </a:pPr>
+            <a:endParaRPr lang="pt-PT" sz="2400" dirty="0"/>
+          </a:p>
+          <a:p>
+            <a:pPr marL="342900" indent="-342900">
+              <a:buFont typeface="Arial" panose="020B0604020202020204" pitchFamily="34" charset="0"/>
+              <a:buChar char="•"/>
+            </a:pPr>
+            <a:endParaRPr lang="pt-PT" sz="2400" dirty="0" smtClean="0"/>
+          </a:p>
+        </p:txBody>
+      </p:sp>
+      <p:sp>
+        <p:nvSpPr>
+          <p:cNvPr id="2" name="Slide Number Placeholder 1"/>
+          <p:cNvSpPr>
+            <a:spLocks noGrp="1"/>
+          </p:cNvSpPr>
+          <p:nvPr>
+            <p:ph type="sldNum" sz="quarter" idx="12"/>
+          </p:nvPr>
+        </p:nvSpPr>
+        <p:spPr/>
+        <p:txBody>
+          <a:bodyPr/>
+          <a:lstStyle/>
+          <a:p>
+            <a:fld id="{422D536B-584E-486B-9435-086987A3D916}" type="slidenum">
+              <a:rPr lang="pt-PT" smtClean="0"/>
+              <a:t>6</a:t>
+            </a:fld>
+            <a:endParaRPr lang="pt-PT" dirty="0"/>
+          </a:p>
+        </p:txBody>
+      </p:sp>
+      <p:sp>
+        <p:nvSpPr>
+          <p:cNvPr id="6" name="Slide Number Placeholder 5"/>
+          <p:cNvSpPr txBox="1">
+            <a:spLocks/>
+          </p:cNvSpPr>
+          <p:nvPr/>
+        </p:nvSpPr>
+        <p:spPr>
+          <a:xfrm>
+            <a:off x="0" y="6464982"/>
+            <a:ext cx="475129" cy="365125"/>
+          </a:xfrm>
+          <a:prstGeom prst="rect">
+            <a:avLst/>
+          </a:prstGeom>
+        </p:spPr>
+        <p:txBody>
+          <a:bodyPr vert="horz" lIns="91440" tIns="45720" rIns="91440" bIns="45720" rtlCol="0" anchor="ctr"/>
+          <a:lstStyle>
+            <a:defPPr>
+              <a:defRPr lang="en-US"/>
+            </a:defPPr>
+            <a:lvl1pPr marL="0" algn="r" defTabSz="457200" rtl="0" eaLnBrk="1" latinLnBrk="0" hangingPunct="1">
+              <a:defRPr sz="1050" kern="1200">
+                <a:solidFill>
+                  <a:srgbClr val="FFFFFF"/>
+                </a:solidFill>
+                <a:latin typeface="+mn-lt"/>
+                <a:ea typeface="+mn-ea"/>
+                <a:cs typeface="+mn-cs"/>
+              </a:defRPr>
+            </a:lvl1pPr>
+            <a:lvl2pPr marL="457200" algn="l" defTabSz="457200" rtl="0" eaLnBrk="1" latinLnBrk="0" hangingPunct="1">
+              <a:defRPr sz="1800" kern="1200">
+                <a:solidFill>
+                  <a:schemeClr val="tx1"/>
+                </a:solidFill>
+                <a:latin typeface="+mn-lt"/>
+                <a:ea typeface="+mn-ea"/>
+                <a:cs typeface="+mn-cs"/>
+              </a:defRPr>
+            </a:lvl2pPr>
+            <a:lvl3pPr marL="914400" algn="l" defTabSz="457200" rtl="0" eaLnBrk="1" latinLnBrk="0" hangingPunct="1">
+              <a:defRPr sz="1800" kern="1200">
+                <a:solidFill>
+                  <a:schemeClr val="tx1"/>
+                </a:solidFill>
+                <a:latin typeface="+mn-lt"/>
+                <a:ea typeface="+mn-ea"/>
+                <a:cs typeface="+mn-cs"/>
+              </a:defRPr>
+            </a:lvl3pPr>
+            <a:lvl4pPr marL="1371600" algn="l" defTabSz="457200" rtl="0" eaLnBrk="1" latinLnBrk="0" hangingPunct="1">
+              <a:defRPr sz="1800" kern="1200">
+                <a:solidFill>
+                  <a:schemeClr val="tx1"/>
+                </a:solidFill>
+                <a:latin typeface="+mn-lt"/>
+                <a:ea typeface="+mn-ea"/>
+                <a:cs typeface="+mn-cs"/>
+              </a:defRPr>
+            </a:lvl4pPr>
+            <a:lvl5pPr marL="1828800" algn="l" defTabSz="457200" rtl="0" eaLnBrk="1" latinLnBrk="0" hangingPunct="1">
+              <a:defRPr sz="1800" kern="1200">
+                <a:solidFill>
+                  <a:schemeClr val="tx1"/>
+                </a:solidFill>
+                <a:latin typeface="+mn-lt"/>
+                <a:ea typeface="+mn-ea"/>
+                <a:cs typeface="+mn-cs"/>
+              </a:defRPr>
+            </a:lvl5pPr>
+            <a:lvl6pPr marL="2286000" algn="l" defTabSz="457200" rtl="0" eaLnBrk="1" latinLnBrk="0" hangingPunct="1">
+              <a:defRPr sz="1800" kern="1200">
+                <a:solidFill>
+                  <a:schemeClr val="tx1"/>
+                </a:solidFill>
+                <a:latin typeface="+mn-lt"/>
+                <a:ea typeface="+mn-ea"/>
+                <a:cs typeface="+mn-cs"/>
+              </a:defRPr>
+            </a:lvl6pPr>
+            <a:lvl7pPr marL="2743200" algn="l" defTabSz="457200" rtl="0" eaLnBrk="1" latinLnBrk="0" hangingPunct="1">
+              <a:defRPr sz="1800" kern="1200">
+                <a:solidFill>
+                  <a:schemeClr val="tx1"/>
+                </a:solidFill>
+                <a:latin typeface="+mn-lt"/>
+                <a:ea typeface="+mn-ea"/>
+                <a:cs typeface="+mn-cs"/>
+              </a:defRPr>
+            </a:lvl7pPr>
+            <a:lvl8pPr marL="3200400" algn="l" defTabSz="457200" rtl="0" eaLnBrk="1" latinLnBrk="0" hangingPunct="1">
+              <a:defRPr sz="1800" kern="1200">
+                <a:solidFill>
+                  <a:schemeClr val="tx1"/>
+                </a:solidFill>
+                <a:latin typeface="+mn-lt"/>
+                <a:ea typeface="+mn-ea"/>
+                <a:cs typeface="+mn-cs"/>
+              </a:defRPr>
+            </a:lvl8pPr>
+            <a:lvl9pPr marL="3657600" algn="l" defTabSz="457200" rtl="0" eaLnBrk="1" latinLnBrk="0" hangingPunct="1">
+              <a:defRPr sz="1800" kern="1200">
+                <a:solidFill>
+                  <a:schemeClr val="tx1"/>
+                </a:solidFill>
+                <a:latin typeface="+mn-lt"/>
+                <a:ea typeface="+mn-ea"/>
+                <a:cs typeface="+mn-cs"/>
+              </a:defRPr>
+            </a:lvl9pPr>
+          </a:lstStyle>
+          <a:p>
+            <a:r>
+              <a:rPr lang="pt-PT" dirty="0" smtClean="0"/>
+              <a:t>IPVC</a:t>
+            </a:r>
+            <a:endParaRPr lang="pt-PT" dirty="0"/>
+          </a:p>
+        </p:txBody>
+      </p:sp>
+      <p:pic>
+        <p:nvPicPr>
+          <p:cNvPr id="9" name="Picture 4"/>
+          <p:cNvPicPr>
+            <a:picLocks noChangeAspect="1"/>
+          </p:cNvPicPr>
+          <p:nvPr/>
+        </p:nvPicPr>
+        <p:blipFill>
+          <a:blip r:embed="rId2" cstate="print">
+            <a:extLst>
+              <a:ext uri="{28A0092B-C50C-407E-A947-70E740481C1C}">
+                <a14:useLocalDpi xmlns:a14="http://schemas.microsoft.com/office/drawing/2010/main" val="0"/>
+              </a:ext>
+            </a:extLst>
+          </a:blip>
+          <a:stretch>
+            <a:fillRect/>
+          </a:stretch>
+        </p:blipFill>
+        <p:spPr>
+          <a:xfrm>
+            <a:off x="10468855" y="300496"/>
+            <a:ext cx="1373649" cy="916911"/>
+          </a:xfrm>
+          <a:prstGeom prst="rect">
+            <a:avLst/>
+          </a:prstGeom>
+        </p:spPr>
+      </p:pic>
+      <p:sp>
+        <p:nvSpPr>
+          <p:cNvPr id="10" name="Slide Number Placeholder 5"/>
+          <p:cNvSpPr txBox="1">
+            <a:spLocks/>
+          </p:cNvSpPr>
+          <p:nvPr/>
+        </p:nvSpPr>
+        <p:spPr>
+          <a:xfrm>
+            <a:off x="3908571" y="6492875"/>
+            <a:ext cx="4435818" cy="365125"/>
+          </a:xfrm>
+          <a:prstGeom prst="rect">
+            <a:avLst/>
+          </a:prstGeom>
+        </p:spPr>
+        <p:txBody>
+          <a:bodyPr vert="horz" lIns="91440" tIns="45720" rIns="91440" bIns="45720" rtlCol="0" anchor="ctr"/>
+          <a:lstStyle>
+            <a:defPPr>
+              <a:defRPr lang="en-US"/>
+            </a:defPPr>
+            <a:lvl1pPr marL="0" algn="r" defTabSz="457200" rtl="0" eaLnBrk="1" latinLnBrk="0" hangingPunct="1">
+              <a:defRPr sz="1050" kern="1200">
+                <a:solidFill>
+                  <a:srgbClr val="FFFFFF"/>
+                </a:solidFill>
+                <a:latin typeface="+mn-lt"/>
+                <a:ea typeface="+mn-ea"/>
+                <a:cs typeface="+mn-cs"/>
+              </a:defRPr>
+            </a:lvl1pPr>
+            <a:lvl2pPr marL="457200" algn="l" defTabSz="457200" rtl="0" eaLnBrk="1" latinLnBrk="0" hangingPunct="1">
+              <a:defRPr sz="1800" kern="1200">
+                <a:solidFill>
+                  <a:schemeClr val="tx1"/>
+                </a:solidFill>
+                <a:latin typeface="+mn-lt"/>
+                <a:ea typeface="+mn-ea"/>
+                <a:cs typeface="+mn-cs"/>
+              </a:defRPr>
+            </a:lvl2pPr>
+            <a:lvl3pPr marL="914400" algn="l" defTabSz="457200" rtl="0" eaLnBrk="1" latinLnBrk="0" hangingPunct="1">
+              <a:defRPr sz="1800" kern="1200">
+                <a:solidFill>
+                  <a:schemeClr val="tx1"/>
+                </a:solidFill>
+                <a:latin typeface="+mn-lt"/>
+                <a:ea typeface="+mn-ea"/>
+                <a:cs typeface="+mn-cs"/>
+              </a:defRPr>
+            </a:lvl3pPr>
+            <a:lvl4pPr marL="1371600" algn="l" defTabSz="457200" rtl="0" eaLnBrk="1" latinLnBrk="0" hangingPunct="1">
+              <a:defRPr sz="1800" kern="1200">
+                <a:solidFill>
+                  <a:schemeClr val="tx1"/>
+                </a:solidFill>
+                <a:latin typeface="+mn-lt"/>
+                <a:ea typeface="+mn-ea"/>
+                <a:cs typeface="+mn-cs"/>
+              </a:defRPr>
+            </a:lvl4pPr>
+            <a:lvl5pPr marL="1828800" algn="l" defTabSz="457200" rtl="0" eaLnBrk="1" latinLnBrk="0" hangingPunct="1">
+              <a:defRPr sz="1800" kern="1200">
+                <a:solidFill>
+                  <a:schemeClr val="tx1"/>
+                </a:solidFill>
+                <a:latin typeface="+mn-lt"/>
+                <a:ea typeface="+mn-ea"/>
+                <a:cs typeface="+mn-cs"/>
+              </a:defRPr>
+            </a:lvl5pPr>
+            <a:lvl6pPr marL="2286000" algn="l" defTabSz="457200" rtl="0" eaLnBrk="1" latinLnBrk="0" hangingPunct="1">
+              <a:defRPr sz="1800" kern="1200">
+                <a:solidFill>
+                  <a:schemeClr val="tx1"/>
+                </a:solidFill>
+                <a:latin typeface="+mn-lt"/>
+                <a:ea typeface="+mn-ea"/>
+                <a:cs typeface="+mn-cs"/>
+              </a:defRPr>
+            </a:lvl6pPr>
+            <a:lvl7pPr marL="2743200" algn="l" defTabSz="457200" rtl="0" eaLnBrk="1" latinLnBrk="0" hangingPunct="1">
+              <a:defRPr sz="1800" kern="1200">
+                <a:solidFill>
+                  <a:schemeClr val="tx1"/>
+                </a:solidFill>
+                <a:latin typeface="+mn-lt"/>
+                <a:ea typeface="+mn-ea"/>
+                <a:cs typeface="+mn-cs"/>
+              </a:defRPr>
+            </a:lvl7pPr>
+            <a:lvl8pPr marL="3200400" algn="l" defTabSz="457200" rtl="0" eaLnBrk="1" latinLnBrk="0" hangingPunct="1">
+              <a:defRPr sz="1800" kern="1200">
+                <a:solidFill>
+                  <a:schemeClr val="tx1"/>
+                </a:solidFill>
+                <a:latin typeface="+mn-lt"/>
+                <a:ea typeface="+mn-ea"/>
+                <a:cs typeface="+mn-cs"/>
+              </a:defRPr>
+            </a:lvl8pPr>
+            <a:lvl9pPr marL="3657600" algn="l" defTabSz="457200" rtl="0" eaLnBrk="1" latinLnBrk="0" hangingPunct="1">
+              <a:defRPr sz="1800" kern="1200">
+                <a:solidFill>
+                  <a:schemeClr val="tx1"/>
+                </a:solidFill>
+                <a:latin typeface="+mn-lt"/>
+                <a:ea typeface="+mn-ea"/>
+                <a:cs typeface="+mn-cs"/>
+              </a:defRPr>
+            </a:lvl9pPr>
+          </a:lstStyle>
+          <a:p>
+            <a:pPr algn="ctr"/>
+            <a:r>
+              <a:rPr lang="pt-PT" sz="1600" b="1" dirty="0" smtClean="0"/>
+              <a:t>HMI para Fabrico Aditivo – </a:t>
+            </a:r>
+            <a:r>
+              <a:rPr lang="pt-PT" sz="1600" b="1" dirty="0" smtClean="0"/>
+              <a:t>Planeamento</a:t>
+            </a:r>
+            <a:endParaRPr lang="pt-PT" sz="1600" b="1" dirty="0"/>
+          </a:p>
+        </p:txBody>
+      </p:sp>
+      <p:pic>
+        <p:nvPicPr>
+          <p:cNvPr id="8" name="Imagem 2"/>
+          <p:cNvPicPr/>
+          <p:nvPr/>
+        </p:nvPicPr>
+        <p:blipFill>
+          <a:blip r:embed="rId3">
+            <a:extLst>
+              <a:ext uri="{28A0092B-C50C-407E-A947-70E740481C1C}">
+                <a14:useLocalDpi xmlns:a14="http://schemas.microsoft.com/office/drawing/2010/main" val="0"/>
+              </a:ext>
+            </a:extLst>
+          </a:blip>
+          <a:stretch>
+            <a:fillRect/>
+          </a:stretch>
+        </p:blipFill>
+        <p:spPr>
+          <a:xfrm>
+            <a:off x="570960" y="4057446"/>
+            <a:ext cx="11271544" cy="2049508"/>
+          </a:xfrm>
+          <a:prstGeom prst="rect">
+            <a:avLst/>
+          </a:prstGeom>
+        </p:spPr>
+      </p:pic>
+    </p:spTree>
+    <p:extLst>
+      <p:ext uri="{BB962C8B-B14F-4D97-AF65-F5344CB8AC3E}">
+        <p14:creationId xmlns:p14="http://schemas.microsoft.com/office/powerpoint/2010/main" val="254900902"/>
+      </p:ext>
+    </p:extLst>
+  </p:cSld>
+  <p:clrMapOvr>
+    <a:masterClrMapping/>
+  </p:clrMapOvr>
+</p:sld>
+</file>
+
+<file path=ppt/slides/slide7.xml><?xml version="1.0" encoding="utf-8"?>
+<p:sld xmlns:a="http://schemas.openxmlformats.org/drawingml/2006/main" xmlns:r="http://schemas.openxmlformats.org/officeDocument/2006/relationships" xmlns:p="http://schemas.openxmlformats.org/presentationml/2006/main">
+  <p:cSld>
+    <p:spTree>
+      <p:nvGrpSpPr>
+        <p:cNvPr id="1" name=""/>
+        <p:cNvGrpSpPr/>
+        <p:nvPr/>
+      </p:nvGrpSpPr>
+      <p:grpSpPr>
+        <a:xfrm>
+          <a:off x="0" y="0"/>
+          <a:ext cx="0" cy="0"/>
+          <a:chOff x="0" y="0"/>
+          <a:chExt cx="0" cy="0"/>
+        </a:xfrm>
+      </p:grpSpPr>
+      <p:sp>
+        <p:nvSpPr>
+          <p:cNvPr id="7" name="TextBox 6"/>
+          <p:cNvSpPr txBox="1"/>
+          <p:nvPr/>
+        </p:nvSpPr>
+        <p:spPr>
+          <a:xfrm>
             <a:off x="444999" y="166025"/>
             <a:ext cx="11816669" cy="10926068"/>
           </a:xfrm>
@@ -12358,7 +12905,7 @@
           <a:p>
             <a:fld id="{422D536B-584E-486B-9435-086987A3D916}" type="slidenum">
               <a:rPr lang="pt-PT" smtClean="0"/>
-              <a:t>6</a:t>
+              <a:t>7</a:t>
             </a:fld>
             <a:endParaRPr lang="pt-PT" dirty="0"/>
           </a:p>
@@ -12684,7 +13231,7 @@
 </p:sld>
 </file>
 
-<file path=ppt/slides/slide7.xml><?xml version="1.0" encoding="utf-8"?>
+<file path=ppt/slides/slide8.xml><?xml version="1.0" encoding="utf-8"?>
 <p:sld xmlns:a="http://schemas.openxmlformats.org/drawingml/2006/main" xmlns:r="http://schemas.openxmlformats.org/officeDocument/2006/relationships" xmlns:p="http://schemas.openxmlformats.org/presentationml/2006/main">
   <p:cSld>
     <p:spTree>
@@ -12925,7 +13472,7 @@
           <a:p>
             <a:fld id="{422D536B-584E-486B-9435-086987A3D916}" type="slidenum">
               <a:rPr lang="pt-PT" smtClean="0"/>
-              <a:t>7</a:t>
+              <a:t>8</a:t>
             </a:fld>
             <a:endParaRPr lang="pt-PT" dirty="0"/>
           </a:p>
@@ -13251,7 +13798,7 @@
 </p:sld>
 </file>
 
-<file path=ppt/slides/slide8.xml><?xml version="1.0" encoding="utf-8"?>
+<file path=ppt/slides/slide9.xml><?xml version="1.0" encoding="utf-8"?>
 <p:sld xmlns:a="http://schemas.openxmlformats.org/drawingml/2006/main" xmlns:r="http://schemas.openxmlformats.org/officeDocument/2006/relationships" xmlns:p="http://schemas.openxmlformats.org/presentationml/2006/main">
   <p:cSld>
     <p:spTree>
@@ -13500,7 +14047,7 @@
           <a:p>
             <a:fld id="{422D536B-584E-486B-9435-086987A3D916}" type="slidenum">
               <a:rPr lang="pt-PT" smtClean="0"/>
-              <a:t>8</a:t>
+              <a:t>9</a:t>
             </a:fld>
             <a:endParaRPr lang="pt-PT" dirty="0"/>
           </a:p>
@@ -13817,591 +14364,6 @@
     <p:extLst>
       <p:ext uri="{BB962C8B-B14F-4D97-AF65-F5344CB8AC3E}">
         <p14:creationId xmlns:p14="http://schemas.microsoft.com/office/powerpoint/2010/main" val="3658370109"/>
-      </p:ext>
-    </p:extLst>
-  </p:cSld>
-  <p:clrMapOvr>
-    <a:masterClrMapping/>
-  </p:clrMapOvr>
-</p:sld>
-</file>
-
-<file path=ppt/slides/slide9.xml><?xml version="1.0" encoding="utf-8"?>
-<p:sld xmlns:a="http://schemas.openxmlformats.org/drawingml/2006/main" xmlns:r="http://schemas.openxmlformats.org/officeDocument/2006/relationships" xmlns:p="http://schemas.openxmlformats.org/presentationml/2006/main">
-  <p:cSld>
-    <p:spTree>
-      <p:nvGrpSpPr>
-        <p:cNvPr id="1" name=""/>
-        <p:cNvGrpSpPr/>
-        <p:nvPr/>
-      </p:nvGrpSpPr>
-      <p:grpSpPr>
-        <a:xfrm>
-          <a:off x="0" y="0"/>
-          <a:ext cx="0" cy="0"/>
-          <a:chOff x="0" y="0"/>
-          <a:chExt cx="0" cy="0"/>
-        </a:xfrm>
-      </p:grpSpPr>
-      <p:sp>
-        <p:nvSpPr>
-          <p:cNvPr id="7" name="TextBox 6"/>
-          <p:cNvSpPr txBox="1"/>
-          <p:nvPr/>
-        </p:nvSpPr>
-        <p:spPr>
-          <a:xfrm>
-            <a:off x="445000" y="166025"/>
-            <a:ext cx="11747000" cy="9448740"/>
-          </a:xfrm>
-          <a:prstGeom prst="rect">
-            <a:avLst/>
-          </a:prstGeom>
-          <a:noFill/>
-        </p:spPr>
-        <p:txBody>
-          <a:bodyPr wrap="square" rtlCol="0">
-            <a:spAutoFit/>
-          </a:bodyPr>
-          <a:lstStyle/>
-          <a:p>
-            <a:r>
-              <a:rPr lang="pt-PT" sz="3200" b="1" dirty="0" smtClean="0"/>
-              <a:t>Sistemas Web-</a:t>
-            </a:r>
-            <a:r>
-              <a:rPr lang="pt-PT" sz="3200" b="1" dirty="0" err="1" smtClean="0"/>
-              <a:t>Based</a:t>
-            </a:r>
-            <a:r>
-              <a:rPr lang="pt-PT" sz="3200" b="1" dirty="0" smtClean="0"/>
-              <a:t> para Controlo e Automação</a:t>
-            </a:r>
-          </a:p>
-          <a:p>
-            <a:pPr marL="342900" indent="-342900">
-              <a:buFont typeface="Arial" panose="020B0604020202020204" pitchFamily="34" charset="0"/>
-              <a:buChar char="•"/>
-            </a:pPr>
-            <a:endParaRPr lang="pt-PT" sz="2400" dirty="0" smtClean="0"/>
-          </a:p>
-          <a:p>
-            <a:pPr marL="342900" indent="-342900">
-              <a:buFont typeface="Arial" panose="020B0604020202020204" pitchFamily="34" charset="0"/>
-              <a:buChar char="•"/>
-            </a:pPr>
-            <a:endParaRPr lang="en-US" sz="2400" dirty="0" smtClean="0"/>
-          </a:p>
-          <a:p>
-            <a:pPr marL="342900" indent="-342900">
-              <a:buFont typeface="Arial" panose="020B0604020202020204" pitchFamily="34" charset="0"/>
-              <a:buChar char="•"/>
-            </a:pPr>
-            <a:r>
-              <a:rPr lang="en-US" sz="2400" dirty="0" smtClean="0"/>
-              <a:t>Utilization </a:t>
-            </a:r>
-            <a:r>
-              <a:rPr lang="en-US" sz="2400" dirty="0"/>
-              <a:t>of the </a:t>
-            </a:r>
-            <a:r>
-              <a:rPr lang="en-US" sz="2400" dirty="0" smtClean="0"/>
-              <a:t>PLC as </a:t>
-            </a:r>
-            <a:r>
-              <a:rPr lang="en-US" sz="2400" dirty="0"/>
-              <a:t>a Web Server for </a:t>
-            </a:r>
-            <a:r>
-              <a:rPr lang="en-US" sz="2400" dirty="0" smtClean="0"/>
-              <a:t>Remote Monitoring </a:t>
-            </a:r>
-            <a:r>
-              <a:rPr lang="en-US" sz="2400" dirty="0"/>
-              <a:t>of the Technological Process</a:t>
-            </a:r>
-            <a:r>
-              <a:rPr lang="pt-PT" sz="2400" dirty="0"/>
-              <a:t>(</a:t>
-            </a:r>
-            <a:r>
-              <a:rPr lang="pt-PT" sz="2400" dirty="0" err="1"/>
-              <a:t>Kacur</a:t>
-            </a:r>
-            <a:r>
-              <a:rPr lang="pt-PT" sz="2400" dirty="0"/>
-              <a:t>, </a:t>
-            </a:r>
-            <a:r>
-              <a:rPr lang="pt-PT" sz="2400" dirty="0" err="1"/>
-              <a:t>Durdan</a:t>
-            </a:r>
-            <a:r>
-              <a:rPr lang="pt-PT" sz="2400" dirty="0"/>
-              <a:t>, &amp; </a:t>
-            </a:r>
-            <a:r>
-              <a:rPr lang="pt-PT" sz="2400" dirty="0" err="1"/>
-              <a:t>Laciak</a:t>
-            </a:r>
-            <a:r>
-              <a:rPr lang="pt-PT" sz="2400" dirty="0"/>
-              <a:t>, 2013)</a:t>
-            </a:r>
-          </a:p>
-          <a:p>
-            <a:pPr marL="342900" indent="-342900">
-              <a:buFont typeface="Arial" panose="020B0604020202020204" pitchFamily="34" charset="0"/>
-              <a:buChar char="•"/>
-            </a:pPr>
-            <a:endParaRPr lang="pt-PT" sz="2400" dirty="0" smtClean="0"/>
-          </a:p>
-          <a:p>
-            <a:pPr marL="342900" indent="-342900">
-              <a:buFont typeface="Arial" panose="020B0604020202020204" pitchFamily="34" charset="0"/>
-              <a:buChar char="•"/>
-            </a:pPr>
-            <a:r>
-              <a:rPr lang="pt-PT" sz="2400" dirty="0" smtClean="0"/>
-              <a:t>Casos de estudo: medições de parâmetros (temperatura, pressão, </a:t>
-            </a:r>
-            <a:r>
-              <a:rPr lang="pt-PT" sz="2400" dirty="0" err="1" smtClean="0"/>
-              <a:t>etc</a:t>
-            </a:r>
-            <a:r>
-              <a:rPr lang="pt-PT" sz="2400" dirty="0" smtClean="0"/>
-              <a:t>) no enrolamento de bobinas de aço e na gaseificação do carvão</a:t>
-            </a:r>
-          </a:p>
-          <a:p>
-            <a:pPr marL="342900" indent="-342900">
-              <a:buFont typeface="Arial" panose="020B0604020202020204" pitchFamily="34" charset="0"/>
-              <a:buChar char="•"/>
-            </a:pPr>
-            <a:endParaRPr lang="pt-PT" sz="2400" dirty="0"/>
-          </a:p>
-          <a:p>
-            <a:pPr marL="342900" indent="-342900">
-              <a:buFont typeface="Arial" panose="020B0604020202020204" pitchFamily="34" charset="0"/>
-              <a:buChar char="•"/>
-            </a:pPr>
-            <a:r>
-              <a:rPr lang="pt-PT" sz="2400" dirty="0" smtClean="0"/>
-              <a:t>PLC (controlador usado na indústria) a fazer de servidor web</a:t>
-            </a:r>
-          </a:p>
-          <a:p>
-            <a:pPr marL="342900" indent="-342900">
-              <a:buFont typeface="Arial" panose="020B0604020202020204" pitchFamily="34" charset="0"/>
-              <a:buChar char="•"/>
-            </a:pPr>
-            <a:endParaRPr lang="pt-PT" sz="2400" dirty="0"/>
-          </a:p>
-          <a:p>
-            <a:pPr marL="342900" indent="-342900">
-              <a:buFont typeface="Arial" panose="020B0604020202020204" pitchFamily="34" charset="0"/>
-              <a:buChar char="•"/>
-            </a:pPr>
-            <a:r>
-              <a:rPr lang="pt-PT" sz="2400" dirty="0" smtClean="0"/>
-              <a:t>Página web para monitorizar e controlar variáveis do processo remotamente</a:t>
-            </a:r>
-          </a:p>
-          <a:p>
-            <a:pPr marL="342900" indent="-342900">
-              <a:buFont typeface="Arial" panose="020B0604020202020204" pitchFamily="34" charset="0"/>
-              <a:buChar char="•"/>
-            </a:pPr>
-            <a:endParaRPr lang="pt-PT" sz="2400" dirty="0"/>
-          </a:p>
-          <a:p>
-            <a:pPr marL="342900" indent="-342900">
-              <a:buFont typeface="Arial" panose="020B0604020202020204" pitchFamily="34" charset="0"/>
-              <a:buChar char="•"/>
-            </a:pPr>
-            <a:endParaRPr lang="pt-PT" sz="2400" dirty="0" smtClean="0"/>
-          </a:p>
-          <a:p>
-            <a:pPr marL="342900" indent="-342900">
-              <a:buFont typeface="Arial" panose="020B0604020202020204" pitchFamily="34" charset="0"/>
-              <a:buChar char="•"/>
-            </a:pPr>
-            <a:endParaRPr lang="pt-PT" sz="2400" dirty="0" smtClean="0"/>
-          </a:p>
-          <a:p>
-            <a:endParaRPr lang="pt-PT" sz="2400" dirty="0" smtClean="0"/>
-          </a:p>
-          <a:p>
-            <a:pPr marL="342900" indent="-342900">
-              <a:buFont typeface="Arial" panose="020B0604020202020204" pitchFamily="34" charset="0"/>
-              <a:buChar char="•"/>
-            </a:pPr>
-            <a:endParaRPr lang="pt-PT" sz="2400" dirty="0" smtClean="0"/>
-          </a:p>
-          <a:p>
-            <a:pPr marL="342900" indent="-342900">
-              <a:buFont typeface="Arial" panose="020B0604020202020204" pitchFamily="34" charset="0"/>
-              <a:buChar char="•"/>
-            </a:pPr>
-            <a:endParaRPr lang="pt-PT" sz="2400" dirty="0" smtClean="0"/>
-          </a:p>
-          <a:p>
-            <a:pPr marL="342900" indent="-342900">
-              <a:buFont typeface="Arial" panose="020B0604020202020204" pitchFamily="34" charset="0"/>
-              <a:buChar char="•"/>
-            </a:pPr>
-            <a:endParaRPr lang="pt-PT" sz="2400" dirty="0"/>
-          </a:p>
-          <a:p>
-            <a:pPr marL="342900" indent="-342900">
-              <a:buFont typeface="Arial" panose="020B0604020202020204" pitchFamily="34" charset="0"/>
-              <a:buChar char="•"/>
-            </a:pPr>
-            <a:endParaRPr lang="pt-PT" sz="2400" dirty="0" smtClean="0"/>
-          </a:p>
-          <a:p>
-            <a:pPr marL="342900" indent="-342900">
-              <a:buFont typeface="Arial" panose="020B0604020202020204" pitchFamily="34" charset="0"/>
-              <a:buChar char="•"/>
-            </a:pPr>
-            <a:endParaRPr lang="pt-PT" sz="2400" dirty="0" smtClean="0"/>
-          </a:p>
-          <a:p>
-            <a:pPr marL="342900" indent="-342900">
-              <a:buFont typeface="Arial" panose="020B0604020202020204" pitchFamily="34" charset="0"/>
-              <a:buChar char="•"/>
-            </a:pPr>
-            <a:endParaRPr lang="pt-PT" sz="2400" dirty="0" smtClean="0"/>
-          </a:p>
-          <a:p>
-            <a:pPr marL="342900" indent="-342900">
-              <a:buFont typeface="Arial" panose="020B0604020202020204" pitchFamily="34" charset="0"/>
-              <a:buChar char="•"/>
-            </a:pPr>
-            <a:endParaRPr lang="pt-PT" sz="2400" dirty="0" smtClean="0"/>
-          </a:p>
-          <a:p>
-            <a:pPr marL="342900" indent="-342900">
-              <a:buFont typeface="Arial" panose="020B0604020202020204" pitchFamily="34" charset="0"/>
-              <a:buChar char="•"/>
-            </a:pPr>
-            <a:endParaRPr lang="pt-PT" sz="2400" dirty="0"/>
-          </a:p>
-          <a:p>
-            <a:pPr marL="342900" indent="-342900">
-              <a:buFont typeface="Arial" panose="020B0604020202020204" pitchFamily="34" charset="0"/>
-              <a:buChar char="•"/>
-            </a:pPr>
-            <a:endParaRPr lang="pt-PT" sz="2400" dirty="0" smtClean="0"/>
-          </a:p>
-        </p:txBody>
-      </p:sp>
-      <p:sp>
-        <p:nvSpPr>
-          <p:cNvPr id="2" name="Slide Number Placeholder 1"/>
-          <p:cNvSpPr>
-            <a:spLocks noGrp="1"/>
-          </p:cNvSpPr>
-          <p:nvPr>
-            <p:ph type="sldNum" sz="quarter" idx="12"/>
-          </p:nvPr>
-        </p:nvSpPr>
-        <p:spPr/>
-        <p:txBody>
-          <a:bodyPr/>
-          <a:lstStyle/>
-          <a:p>
-            <a:fld id="{422D536B-584E-486B-9435-086987A3D916}" type="slidenum">
-              <a:rPr lang="pt-PT" smtClean="0"/>
-              <a:t>9</a:t>
-            </a:fld>
-            <a:endParaRPr lang="pt-PT" dirty="0"/>
-          </a:p>
-        </p:txBody>
-      </p:sp>
-      <p:sp>
-        <p:nvSpPr>
-          <p:cNvPr id="6" name="Slide Number Placeholder 5"/>
-          <p:cNvSpPr txBox="1">
-            <a:spLocks/>
-          </p:cNvSpPr>
-          <p:nvPr/>
-        </p:nvSpPr>
-        <p:spPr>
-          <a:xfrm>
-            <a:off x="0" y="6464982"/>
-            <a:ext cx="475129" cy="365125"/>
-          </a:xfrm>
-          <a:prstGeom prst="rect">
-            <a:avLst/>
-          </a:prstGeom>
-        </p:spPr>
-        <p:txBody>
-          <a:bodyPr vert="horz" lIns="91440" tIns="45720" rIns="91440" bIns="45720" rtlCol="0" anchor="ctr"/>
-          <a:lstStyle>
-            <a:defPPr>
-              <a:defRPr lang="en-US"/>
-            </a:defPPr>
-            <a:lvl1pPr marL="0" algn="r" defTabSz="457200" rtl="0" eaLnBrk="1" latinLnBrk="0" hangingPunct="1">
-              <a:defRPr sz="1050" kern="1200">
-                <a:solidFill>
-                  <a:srgbClr val="FFFFFF"/>
-                </a:solidFill>
-                <a:latin typeface="+mn-lt"/>
-                <a:ea typeface="+mn-ea"/>
-                <a:cs typeface="+mn-cs"/>
-              </a:defRPr>
-            </a:lvl1pPr>
-            <a:lvl2pPr marL="457200" algn="l" defTabSz="457200" rtl="0" eaLnBrk="1" latinLnBrk="0" hangingPunct="1">
-              <a:defRPr sz="1800" kern="1200">
-                <a:solidFill>
-                  <a:schemeClr val="tx1"/>
-                </a:solidFill>
-                <a:latin typeface="+mn-lt"/>
-                <a:ea typeface="+mn-ea"/>
-                <a:cs typeface="+mn-cs"/>
-              </a:defRPr>
-            </a:lvl2pPr>
-            <a:lvl3pPr marL="914400" algn="l" defTabSz="457200" rtl="0" eaLnBrk="1" latinLnBrk="0" hangingPunct="1">
-              <a:defRPr sz="1800" kern="1200">
-                <a:solidFill>
-                  <a:schemeClr val="tx1"/>
-                </a:solidFill>
-                <a:latin typeface="+mn-lt"/>
-                <a:ea typeface="+mn-ea"/>
-                <a:cs typeface="+mn-cs"/>
-              </a:defRPr>
-            </a:lvl3pPr>
-            <a:lvl4pPr marL="1371600" algn="l" defTabSz="457200" rtl="0" eaLnBrk="1" latinLnBrk="0" hangingPunct="1">
-              <a:defRPr sz="1800" kern="1200">
-                <a:solidFill>
-                  <a:schemeClr val="tx1"/>
-                </a:solidFill>
-                <a:latin typeface="+mn-lt"/>
-                <a:ea typeface="+mn-ea"/>
-                <a:cs typeface="+mn-cs"/>
-              </a:defRPr>
-            </a:lvl4pPr>
-            <a:lvl5pPr marL="1828800" algn="l" defTabSz="457200" rtl="0" eaLnBrk="1" latinLnBrk="0" hangingPunct="1">
-              <a:defRPr sz="1800" kern="1200">
-                <a:solidFill>
-                  <a:schemeClr val="tx1"/>
-                </a:solidFill>
-                <a:latin typeface="+mn-lt"/>
-                <a:ea typeface="+mn-ea"/>
-                <a:cs typeface="+mn-cs"/>
-              </a:defRPr>
-            </a:lvl5pPr>
-            <a:lvl6pPr marL="2286000" algn="l" defTabSz="457200" rtl="0" eaLnBrk="1" latinLnBrk="0" hangingPunct="1">
-              <a:defRPr sz="1800" kern="1200">
-                <a:solidFill>
-                  <a:schemeClr val="tx1"/>
-                </a:solidFill>
-                <a:latin typeface="+mn-lt"/>
-                <a:ea typeface="+mn-ea"/>
-                <a:cs typeface="+mn-cs"/>
-              </a:defRPr>
-            </a:lvl6pPr>
-            <a:lvl7pPr marL="2743200" algn="l" defTabSz="457200" rtl="0" eaLnBrk="1" latinLnBrk="0" hangingPunct="1">
-              <a:defRPr sz="1800" kern="1200">
-                <a:solidFill>
-                  <a:schemeClr val="tx1"/>
-                </a:solidFill>
-                <a:latin typeface="+mn-lt"/>
-                <a:ea typeface="+mn-ea"/>
-                <a:cs typeface="+mn-cs"/>
-              </a:defRPr>
-            </a:lvl7pPr>
-            <a:lvl8pPr marL="3200400" algn="l" defTabSz="457200" rtl="0" eaLnBrk="1" latinLnBrk="0" hangingPunct="1">
-              <a:defRPr sz="1800" kern="1200">
-                <a:solidFill>
-                  <a:schemeClr val="tx1"/>
-                </a:solidFill>
-                <a:latin typeface="+mn-lt"/>
-                <a:ea typeface="+mn-ea"/>
-                <a:cs typeface="+mn-cs"/>
-              </a:defRPr>
-            </a:lvl8pPr>
-            <a:lvl9pPr marL="3657600" algn="l" defTabSz="457200" rtl="0" eaLnBrk="1" latinLnBrk="0" hangingPunct="1">
-              <a:defRPr sz="1800" kern="1200">
-                <a:solidFill>
-                  <a:schemeClr val="tx1"/>
-                </a:solidFill>
-                <a:latin typeface="+mn-lt"/>
-                <a:ea typeface="+mn-ea"/>
-                <a:cs typeface="+mn-cs"/>
-              </a:defRPr>
-            </a:lvl9pPr>
-          </a:lstStyle>
-          <a:p>
-            <a:r>
-              <a:rPr lang="pt-PT" dirty="0" smtClean="0"/>
-              <a:t>IPVC</a:t>
-            </a:r>
-            <a:endParaRPr lang="pt-PT" dirty="0"/>
-          </a:p>
-        </p:txBody>
-      </p:sp>
-      <p:pic>
-        <p:nvPicPr>
-          <p:cNvPr id="9" name="Picture 4"/>
-          <p:cNvPicPr>
-            <a:picLocks noChangeAspect="1"/>
-          </p:cNvPicPr>
-          <p:nvPr/>
-        </p:nvPicPr>
-        <p:blipFill>
-          <a:blip r:embed="rId2" cstate="print">
-            <a:extLst>
-              <a:ext uri="{28A0092B-C50C-407E-A947-70E740481C1C}">
-                <a14:useLocalDpi xmlns:a14="http://schemas.microsoft.com/office/drawing/2010/main" val="0"/>
-              </a:ext>
-            </a:extLst>
-          </a:blip>
-          <a:stretch>
-            <a:fillRect/>
-          </a:stretch>
-        </p:blipFill>
-        <p:spPr>
-          <a:xfrm>
-            <a:off x="10468855" y="300496"/>
-            <a:ext cx="1373649" cy="916911"/>
-          </a:xfrm>
-          <a:prstGeom prst="rect">
-            <a:avLst/>
-          </a:prstGeom>
-        </p:spPr>
-      </p:pic>
-      <p:sp>
-        <p:nvSpPr>
-          <p:cNvPr id="10" name="Slide Number Placeholder 5"/>
-          <p:cNvSpPr txBox="1">
-            <a:spLocks/>
-          </p:cNvSpPr>
-          <p:nvPr/>
-        </p:nvSpPr>
-        <p:spPr>
-          <a:xfrm>
-            <a:off x="3908571" y="6492875"/>
-            <a:ext cx="4435818" cy="365125"/>
-          </a:xfrm>
-          <a:prstGeom prst="rect">
-            <a:avLst/>
-          </a:prstGeom>
-        </p:spPr>
-        <p:txBody>
-          <a:bodyPr vert="horz" lIns="91440" tIns="45720" rIns="91440" bIns="45720" rtlCol="0" anchor="ctr"/>
-          <a:lstStyle>
-            <a:defPPr>
-              <a:defRPr lang="en-US"/>
-            </a:defPPr>
-            <a:lvl1pPr marL="0" algn="r" defTabSz="457200" rtl="0" eaLnBrk="1" latinLnBrk="0" hangingPunct="1">
-              <a:defRPr sz="1050" kern="1200">
-                <a:solidFill>
-                  <a:srgbClr val="FFFFFF"/>
-                </a:solidFill>
-                <a:latin typeface="+mn-lt"/>
-                <a:ea typeface="+mn-ea"/>
-                <a:cs typeface="+mn-cs"/>
-              </a:defRPr>
-            </a:lvl1pPr>
-            <a:lvl2pPr marL="457200" algn="l" defTabSz="457200" rtl="0" eaLnBrk="1" latinLnBrk="0" hangingPunct="1">
-              <a:defRPr sz="1800" kern="1200">
-                <a:solidFill>
-                  <a:schemeClr val="tx1"/>
-                </a:solidFill>
-                <a:latin typeface="+mn-lt"/>
-                <a:ea typeface="+mn-ea"/>
-                <a:cs typeface="+mn-cs"/>
-              </a:defRPr>
-            </a:lvl2pPr>
-            <a:lvl3pPr marL="914400" algn="l" defTabSz="457200" rtl="0" eaLnBrk="1" latinLnBrk="0" hangingPunct="1">
-              <a:defRPr sz="1800" kern="1200">
-                <a:solidFill>
-                  <a:schemeClr val="tx1"/>
-                </a:solidFill>
-                <a:latin typeface="+mn-lt"/>
-                <a:ea typeface="+mn-ea"/>
-                <a:cs typeface="+mn-cs"/>
-              </a:defRPr>
-            </a:lvl3pPr>
-            <a:lvl4pPr marL="1371600" algn="l" defTabSz="457200" rtl="0" eaLnBrk="1" latinLnBrk="0" hangingPunct="1">
-              <a:defRPr sz="1800" kern="1200">
-                <a:solidFill>
-                  <a:schemeClr val="tx1"/>
-                </a:solidFill>
-                <a:latin typeface="+mn-lt"/>
-                <a:ea typeface="+mn-ea"/>
-                <a:cs typeface="+mn-cs"/>
-              </a:defRPr>
-            </a:lvl4pPr>
-            <a:lvl5pPr marL="1828800" algn="l" defTabSz="457200" rtl="0" eaLnBrk="1" latinLnBrk="0" hangingPunct="1">
-              <a:defRPr sz="1800" kern="1200">
-                <a:solidFill>
-                  <a:schemeClr val="tx1"/>
-                </a:solidFill>
-                <a:latin typeface="+mn-lt"/>
-                <a:ea typeface="+mn-ea"/>
-                <a:cs typeface="+mn-cs"/>
-              </a:defRPr>
-            </a:lvl5pPr>
-            <a:lvl6pPr marL="2286000" algn="l" defTabSz="457200" rtl="0" eaLnBrk="1" latinLnBrk="0" hangingPunct="1">
-              <a:defRPr sz="1800" kern="1200">
-                <a:solidFill>
-                  <a:schemeClr val="tx1"/>
-                </a:solidFill>
-                <a:latin typeface="+mn-lt"/>
-                <a:ea typeface="+mn-ea"/>
-                <a:cs typeface="+mn-cs"/>
-              </a:defRPr>
-            </a:lvl6pPr>
-            <a:lvl7pPr marL="2743200" algn="l" defTabSz="457200" rtl="0" eaLnBrk="1" latinLnBrk="0" hangingPunct="1">
-              <a:defRPr sz="1800" kern="1200">
-                <a:solidFill>
-                  <a:schemeClr val="tx1"/>
-                </a:solidFill>
-                <a:latin typeface="+mn-lt"/>
-                <a:ea typeface="+mn-ea"/>
-                <a:cs typeface="+mn-cs"/>
-              </a:defRPr>
-            </a:lvl7pPr>
-            <a:lvl8pPr marL="3200400" algn="l" defTabSz="457200" rtl="0" eaLnBrk="1" latinLnBrk="0" hangingPunct="1">
-              <a:defRPr sz="1800" kern="1200">
-                <a:solidFill>
-                  <a:schemeClr val="tx1"/>
-                </a:solidFill>
-                <a:latin typeface="+mn-lt"/>
-                <a:ea typeface="+mn-ea"/>
-                <a:cs typeface="+mn-cs"/>
-              </a:defRPr>
-            </a:lvl8pPr>
-            <a:lvl9pPr marL="3657600" algn="l" defTabSz="457200" rtl="0" eaLnBrk="1" latinLnBrk="0" hangingPunct="1">
-              <a:defRPr sz="1800" kern="1200">
-                <a:solidFill>
-                  <a:schemeClr val="tx1"/>
-                </a:solidFill>
-                <a:latin typeface="+mn-lt"/>
-                <a:ea typeface="+mn-ea"/>
-                <a:cs typeface="+mn-cs"/>
-              </a:defRPr>
-            </a:lvl9pPr>
-          </a:lstStyle>
-          <a:p>
-            <a:pPr algn="ctr"/>
-            <a:r>
-              <a:rPr lang="pt-PT" sz="1600" b="1" dirty="0" smtClean="0"/>
-              <a:t>HMI para Fabrico Aditivo – Estado da Arte</a:t>
-            </a:r>
-            <a:endParaRPr lang="pt-PT" sz="1600" b="1" dirty="0"/>
-          </a:p>
-        </p:txBody>
-      </p:sp>
-    </p:spTree>
-    <p:extLst>
-      <p:ext uri="{BB962C8B-B14F-4D97-AF65-F5344CB8AC3E}">
-        <p14:creationId xmlns:p14="http://schemas.microsoft.com/office/powerpoint/2010/main" val="3964441751"/>
       </p:ext>
     </p:extLst>
   </p:cSld>
